--- a/azure-marketplace-workshop/Day 2 - Skilling Deck for Microsoft Marketplace.pptx
+++ b/azure-marketplace-workshop/Day 2 - Skilling Deck for Microsoft Marketplace.pptx
@@ -139,9 +139,7 @@
 <file path=ppt/revisionInfo.xml><?xml version="1.0" encoding="utf-8"?>
 <p1510:revInfo xmlns:a="http://schemas.openxmlformats.org/drawingml/2006/main" xmlns:r="http://schemas.openxmlformats.org/officeDocument/2006/relationships" xmlns:p1510="http://schemas.microsoft.com/office/powerpoint/2015/10/main">
   <p1510:revLst>
-    <p1510:client id="{67AF20B4-6DC7-492D-BA3B-9FCF6F9AD6CF}" v="119" dt="2023-09-15T12:33:18.323"/>
-    <p1510:client id="{71AAC7CB-8687-4658-9B09-DDB30BE95366}" v="376" dt="2023-09-15T13:05:51.954"/>
-    <p1510:client id="{E91C9C7B-BB2D-4AFD-B454-4D10D65794B7}" v="3156" dt="2023-09-14T19:08:05.804"/>
+    <p1510:client id="{E95F42E3-C4F3-474F-B9C2-A0BA12FFF20C}" v="97" dt="2023-11-13T15:46:59.410"/>
   </p1510:revLst>
 </p1510:revInfo>
 </file>
@@ -1089,6 +1087,1417 @@
             <pc:docMk/>
             <pc:sldMk cId="3543320482" sldId="2147470606"/>
             <ac:spMk id="3" creationId="{DDB7FF23-C1F3-ECC1-8CF4-0F54F4733DD3}"/>
+          </ac:spMkLst>
+        </pc:spChg>
+      </pc:sldChg>
+    </pc:docChg>
+  </pc:docChgLst>
+  <pc:docChgLst>
+    <pc:chgData name="Dwayne Natwick" userId="d11f0013982d5c78" providerId="Windows Live" clId="Web-{E91C9C7B-BB2D-4AFD-B454-4D10D65794B7}"/>
+    <pc:docChg chg="addSld delSld modSld sldOrd">
+      <pc:chgData name="Dwayne Natwick" userId="d11f0013982d5c78" providerId="Windows Live" clId="Web-{E91C9C7B-BB2D-4AFD-B454-4D10D65794B7}" dt="2023-09-14T19:08:05.804" v="1664"/>
+      <pc:docMkLst>
+        <pc:docMk/>
+      </pc:docMkLst>
+      <pc:sldChg chg="del">
+        <pc:chgData name="Dwayne Natwick" userId="d11f0013982d5c78" providerId="Windows Live" clId="Web-{E91C9C7B-BB2D-4AFD-B454-4D10D65794B7}" dt="2023-09-14T17:31:17.464" v="0"/>
+        <pc:sldMkLst>
+          <pc:docMk/>
+          <pc:sldMk cId="3164376787" sldId="2076137029"/>
+        </pc:sldMkLst>
+      </pc:sldChg>
+      <pc:sldChg chg="del">
+        <pc:chgData name="Dwayne Natwick" userId="d11f0013982d5c78" providerId="Windows Live" clId="Web-{E91C9C7B-BB2D-4AFD-B454-4D10D65794B7}" dt="2023-09-14T17:31:17.464" v="2"/>
+        <pc:sldMkLst>
+          <pc:docMk/>
+          <pc:sldMk cId="2024722602" sldId="2145705724"/>
+        </pc:sldMkLst>
+      </pc:sldChg>
+      <pc:sldChg chg="del">
+        <pc:chgData name="Dwayne Natwick" userId="d11f0013982d5c78" providerId="Windows Live" clId="Web-{E91C9C7B-BB2D-4AFD-B454-4D10D65794B7}" dt="2023-09-14T17:31:17.464" v="1"/>
+        <pc:sldMkLst>
+          <pc:docMk/>
+          <pc:sldMk cId="682611613" sldId="2147470555"/>
+        </pc:sldMkLst>
+      </pc:sldChg>
+      <pc:sldChg chg="ord">
+        <pc:chgData name="Dwayne Natwick" userId="d11f0013982d5c78" providerId="Windows Live" clId="Web-{E91C9C7B-BB2D-4AFD-B454-4D10D65794B7}" dt="2023-09-14T17:51:26.121" v="590"/>
+        <pc:sldMkLst>
+          <pc:docMk/>
+          <pc:sldMk cId="3682517411" sldId="2147470559"/>
+        </pc:sldMkLst>
+      </pc:sldChg>
+      <pc:sldChg chg="modSp modNotes">
+        <pc:chgData name="Dwayne Natwick" userId="d11f0013982d5c78" providerId="Windows Live" clId="Web-{E91C9C7B-BB2D-4AFD-B454-4D10D65794B7}" dt="2023-09-14T17:42:38.560" v="492"/>
+        <pc:sldMkLst>
+          <pc:docMk/>
+          <pc:sldMk cId="3861986293" sldId="2147470583"/>
+        </pc:sldMkLst>
+        <pc:spChg chg="mod">
+          <ac:chgData name="Dwayne Natwick" userId="d11f0013982d5c78" providerId="Windows Live" clId="Web-{E91C9C7B-BB2D-4AFD-B454-4D10D65794B7}" dt="2023-09-14T17:42:38.560" v="492"/>
+          <ac:spMkLst>
+            <pc:docMk/>
+            <pc:sldMk cId="3861986293" sldId="2147470583"/>
+            <ac:spMk id="4" creationId="{B269E640-ABA6-E084-C63A-7A1C976F25BF}"/>
+          </ac:spMkLst>
+        </pc:spChg>
+      </pc:sldChg>
+      <pc:sldChg chg="delSp modSp new mod ord modClrScheme chgLayout">
+        <pc:chgData name="Dwayne Natwick" userId="d11f0013982d5c78" providerId="Windows Live" clId="Web-{E91C9C7B-BB2D-4AFD-B454-4D10D65794B7}" dt="2023-09-14T17:33:46.078" v="165" actId="20577"/>
+        <pc:sldMkLst>
+          <pc:docMk/>
+          <pc:sldMk cId="2839524364" sldId="2147470607"/>
+        </pc:sldMkLst>
+        <pc:spChg chg="mod ord">
+          <ac:chgData name="Dwayne Natwick" userId="d11f0013982d5c78" providerId="Windows Live" clId="Web-{E91C9C7B-BB2D-4AFD-B454-4D10D65794B7}" dt="2023-09-14T17:31:51.387" v="29" actId="20577"/>
+          <ac:spMkLst>
+            <pc:docMk/>
+            <pc:sldMk cId="2839524364" sldId="2147470607"/>
+            <ac:spMk id="2" creationId="{09C07B8E-14FF-3C2D-BE0E-F25E0D4B4DB3}"/>
+          </ac:spMkLst>
+        </pc:spChg>
+        <pc:spChg chg="mod ord">
+          <ac:chgData name="Dwayne Natwick" userId="d11f0013982d5c78" providerId="Windows Live" clId="Web-{E91C9C7B-BB2D-4AFD-B454-4D10D65794B7}" dt="2023-09-14T17:33:46.078" v="165" actId="20577"/>
+          <ac:spMkLst>
+            <pc:docMk/>
+            <pc:sldMk cId="2839524364" sldId="2147470607"/>
+            <ac:spMk id="3" creationId="{C9D88242-39E7-FD9D-8E94-B07DD53805B5}"/>
+          </ac:spMkLst>
+        </pc:spChg>
+        <pc:spChg chg="del">
+          <ac:chgData name="Dwayne Natwick" userId="d11f0013982d5c78" providerId="Windows Live" clId="Web-{E91C9C7B-BB2D-4AFD-B454-4D10D65794B7}" dt="2023-09-14T17:31:33.340" v="4"/>
+          <ac:spMkLst>
+            <pc:docMk/>
+            <pc:sldMk cId="2839524364" sldId="2147470607"/>
+            <ac:spMk id="4" creationId="{5042A307-8831-D2F5-44AC-94A741452604}"/>
+          </ac:spMkLst>
+        </pc:spChg>
+      </pc:sldChg>
+      <pc:sldChg chg="modSp new">
+        <pc:chgData name="Dwayne Natwick" userId="d11f0013982d5c78" providerId="Windows Live" clId="Web-{E91C9C7B-BB2D-4AFD-B454-4D10D65794B7}" dt="2023-09-14T17:37:51.240" v="443" actId="20577"/>
+        <pc:sldMkLst>
+          <pc:docMk/>
+          <pc:sldMk cId="4086260143" sldId="2147470608"/>
+        </pc:sldMkLst>
+        <pc:spChg chg="mod">
+          <ac:chgData name="Dwayne Natwick" userId="d11f0013982d5c78" providerId="Windows Live" clId="Web-{E91C9C7B-BB2D-4AFD-B454-4D10D65794B7}" dt="2023-09-14T17:34:02.313" v="184" actId="20577"/>
+          <ac:spMkLst>
+            <pc:docMk/>
+            <pc:sldMk cId="4086260143" sldId="2147470608"/>
+            <ac:spMk id="2" creationId="{BA3D571B-B150-1C46-5F05-A09D93B7AE7A}"/>
+          </ac:spMkLst>
+        </pc:spChg>
+        <pc:spChg chg="mod">
+          <ac:chgData name="Dwayne Natwick" userId="d11f0013982d5c78" providerId="Windows Live" clId="Web-{E91C9C7B-BB2D-4AFD-B454-4D10D65794B7}" dt="2023-09-14T17:37:51.240" v="443" actId="20577"/>
+          <ac:spMkLst>
+            <pc:docMk/>
+            <pc:sldMk cId="4086260143" sldId="2147470608"/>
+            <ac:spMk id="3" creationId="{EEA0802F-FB95-E549-566C-5C162DF6AE92}"/>
+          </ac:spMkLst>
+        </pc:spChg>
+      </pc:sldChg>
+      <pc:sldChg chg="addSp delSp modSp new modNotes">
+        <pc:chgData name="Dwayne Natwick" userId="d11f0013982d5c78" providerId="Windows Live" clId="Web-{E91C9C7B-BB2D-4AFD-B454-4D10D65794B7}" dt="2023-09-14T17:40:31.854" v="487" actId="20577"/>
+        <pc:sldMkLst>
+          <pc:docMk/>
+          <pc:sldMk cId="379969417" sldId="2147470609"/>
+        </pc:sldMkLst>
+        <pc:spChg chg="mod">
+          <ac:chgData name="Dwayne Natwick" userId="d11f0013982d5c78" providerId="Windows Live" clId="Web-{E91C9C7B-BB2D-4AFD-B454-4D10D65794B7}" dt="2023-09-14T17:38:02.037" v="449" actId="20577"/>
+          <ac:spMkLst>
+            <pc:docMk/>
+            <pc:sldMk cId="379969417" sldId="2147470609"/>
+            <ac:spMk id="2" creationId="{C144469C-FA2E-89F4-8275-78C7809263F1}"/>
+          </ac:spMkLst>
+        </pc:spChg>
+        <pc:spChg chg="mod">
+          <ac:chgData name="Dwayne Natwick" userId="d11f0013982d5c78" providerId="Windows Live" clId="Web-{E91C9C7B-BB2D-4AFD-B454-4D10D65794B7}" dt="2023-09-14T17:40:31.854" v="487" actId="20577"/>
+          <ac:spMkLst>
+            <pc:docMk/>
+            <pc:sldMk cId="379969417" sldId="2147470609"/>
+            <ac:spMk id="3" creationId="{F3C47606-EBF4-2063-DFC2-36C74BD4FA71}"/>
+          </ac:spMkLst>
+        </pc:spChg>
+        <pc:spChg chg="add del mod">
+          <ac:chgData name="Dwayne Natwick" userId="d11f0013982d5c78" providerId="Windows Live" clId="Web-{E91C9C7B-BB2D-4AFD-B454-4D10D65794B7}" dt="2023-09-14T17:39:56.619" v="477"/>
+          <ac:spMkLst>
+            <pc:docMk/>
+            <pc:sldMk cId="379969417" sldId="2147470609"/>
+            <ac:spMk id="4" creationId="{90CC4371-D359-AE00-7C53-DC23F88881E8}"/>
+          </ac:spMkLst>
+        </pc:spChg>
+        <pc:spChg chg="add del mod">
+          <ac:chgData name="Dwayne Natwick" userId="d11f0013982d5c78" providerId="Windows Live" clId="Web-{E91C9C7B-BB2D-4AFD-B454-4D10D65794B7}" dt="2023-09-14T17:40:24.385" v="483"/>
+          <ac:spMkLst>
+            <pc:docMk/>
+            <pc:sldMk cId="379969417" sldId="2147470609"/>
+            <ac:spMk id="5" creationId="{4209EB24-B1ED-706B-D799-95AD17C92A69}"/>
+          </ac:spMkLst>
+        </pc:spChg>
+      </pc:sldChg>
+      <pc:sldChg chg="modSp new ord">
+        <pc:chgData name="Dwayne Natwick" userId="d11f0013982d5c78" providerId="Windows Live" clId="Web-{E91C9C7B-BB2D-4AFD-B454-4D10D65794B7}" dt="2023-09-14T18:55:40.078" v="1008" actId="20577"/>
+        <pc:sldMkLst>
+          <pc:docMk/>
+          <pc:sldMk cId="1929971971" sldId="2147470610"/>
+        </pc:sldMkLst>
+        <pc:spChg chg="mod">
+          <ac:chgData name="Dwayne Natwick" userId="d11f0013982d5c78" providerId="Windows Live" clId="Web-{E91C9C7B-BB2D-4AFD-B454-4D10D65794B7}" dt="2023-09-14T17:43:54.203" v="519" actId="20577"/>
+          <ac:spMkLst>
+            <pc:docMk/>
+            <pc:sldMk cId="1929971971" sldId="2147470610"/>
+            <ac:spMk id="2" creationId="{105B6354-2028-24B8-66E1-0D45962243CA}"/>
+          </ac:spMkLst>
+        </pc:spChg>
+        <pc:spChg chg="mod">
+          <ac:chgData name="Dwayne Natwick" userId="d11f0013982d5c78" providerId="Windows Live" clId="Web-{E91C9C7B-BB2D-4AFD-B454-4D10D65794B7}" dt="2023-09-14T18:55:40.078" v="1008" actId="20577"/>
+          <ac:spMkLst>
+            <pc:docMk/>
+            <pc:sldMk cId="1929971971" sldId="2147470610"/>
+            <ac:spMk id="3" creationId="{7407A4C3-86E5-EFE8-1E18-DC50FF22703B}"/>
+          </ac:spMkLst>
+        </pc:spChg>
+      </pc:sldChg>
+      <pc:sldChg chg="delSp modSp new mod modClrScheme chgLayout">
+        <pc:chgData name="Dwayne Natwick" userId="d11f0013982d5c78" providerId="Windows Live" clId="Web-{E91C9C7B-BB2D-4AFD-B454-4D10D65794B7}" dt="2023-09-14T17:56:40.582" v="716" actId="20577"/>
+        <pc:sldMkLst>
+          <pc:docMk/>
+          <pc:sldMk cId="2421521076" sldId="2147470611"/>
+        </pc:sldMkLst>
+        <pc:spChg chg="mod ord">
+          <ac:chgData name="Dwayne Natwick" userId="d11f0013982d5c78" providerId="Windows Live" clId="Web-{E91C9C7B-BB2D-4AFD-B454-4D10D65794B7}" dt="2023-09-14T17:46:12.159" v="549" actId="20577"/>
+          <ac:spMkLst>
+            <pc:docMk/>
+            <pc:sldMk cId="2421521076" sldId="2147470611"/>
+            <ac:spMk id="2" creationId="{0F4D640B-8499-E0C5-C508-35266E13B6E6}"/>
+          </ac:spMkLst>
+        </pc:spChg>
+        <pc:spChg chg="mod ord">
+          <ac:chgData name="Dwayne Natwick" userId="d11f0013982d5c78" providerId="Windows Live" clId="Web-{E91C9C7B-BB2D-4AFD-B454-4D10D65794B7}" dt="2023-09-14T17:56:40.582" v="716" actId="20577"/>
+          <ac:spMkLst>
+            <pc:docMk/>
+            <pc:sldMk cId="2421521076" sldId="2147470611"/>
+            <ac:spMk id="3" creationId="{358EA097-101A-43CC-781A-E0E92A4D22E7}"/>
+          </ac:spMkLst>
+        </pc:spChg>
+        <pc:spChg chg="del">
+          <ac:chgData name="Dwayne Natwick" userId="d11f0013982d5c78" providerId="Windows Live" clId="Web-{E91C9C7B-BB2D-4AFD-B454-4D10D65794B7}" dt="2023-09-14T17:45:27.769" v="522"/>
+          <ac:spMkLst>
+            <pc:docMk/>
+            <pc:sldMk cId="2421521076" sldId="2147470611"/>
+            <ac:spMk id="4" creationId="{9F2C3E0F-6202-6F36-75C7-7F943D05D8A4}"/>
+          </ac:spMkLst>
+        </pc:spChg>
+      </pc:sldChg>
+      <pc:sldChg chg="addSp modSp new">
+        <pc:chgData name="Dwayne Natwick" userId="d11f0013982d5c78" providerId="Windows Live" clId="Web-{E91C9C7B-BB2D-4AFD-B454-4D10D65794B7}" dt="2023-09-14T18:53:57.232" v="890" actId="20577"/>
+        <pc:sldMkLst>
+          <pc:docMk/>
+          <pc:sldMk cId="2524577050" sldId="2147470612"/>
+        </pc:sldMkLst>
+        <pc:spChg chg="mod">
+          <ac:chgData name="Dwayne Natwick" userId="d11f0013982d5c78" providerId="Windows Live" clId="Web-{E91C9C7B-BB2D-4AFD-B454-4D10D65794B7}" dt="2023-09-14T18:53:57.232" v="890" actId="20577"/>
+          <ac:spMkLst>
+            <pc:docMk/>
+            <pc:sldMk cId="2524577050" sldId="2147470612"/>
+            <ac:spMk id="2" creationId="{CDF7A4E4-C3FF-9DA3-1E01-6E7681781D01}"/>
+          </ac:spMkLst>
+        </pc:spChg>
+        <pc:spChg chg="mod">
+          <ac:chgData name="Dwayne Natwick" userId="d11f0013982d5c78" providerId="Windows Live" clId="Web-{E91C9C7B-BB2D-4AFD-B454-4D10D65794B7}" dt="2023-09-14T17:52:29.669" v="601" actId="20577"/>
+          <ac:spMkLst>
+            <pc:docMk/>
+            <pc:sldMk cId="2524577050" sldId="2147470612"/>
+            <ac:spMk id="3" creationId="{675F152E-D720-B366-A514-0FB945F73594}"/>
+          </ac:spMkLst>
+        </pc:spChg>
+        <pc:spChg chg="add mod">
+          <ac:chgData name="Dwayne Natwick" userId="d11f0013982d5c78" providerId="Windows Live" clId="Web-{E91C9C7B-BB2D-4AFD-B454-4D10D65794B7}" dt="2023-09-14T17:52:43.216" v="605" actId="1076"/>
+          <ac:spMkLst>
+            <pc:docMk/>
+            <pc:sldMk cId="2524577050" sldId="2147470612"/>
+            <ac:spMk id="4" creationId="{57240181-C93A-F4E8-472C-1AF0F2C2A855}"/>
+          </ac:spMkLst>
+        </pc:spChg>
+        <pc:spChg chg="add mod">
+          <ac:chgData name="Dwayne Natwick" userId="d11f0013982d5c78" providerId="Windows Live" clId="Web-{E91C9C7B-BB2D-4AFD-B454-4D10D65794B7}" dt="2023-09-14T17:54:08.515" v="611" actId="1076"/>
+          <ac:spMkLst>
+            <pc:docMk/>
+            <pc:sldMk cId="2524577050" sldId="2147470612"/>
+            <ac:spMk id="5" creationId="{D3A447DE-6903-1590-61FB-AB160302D80B}"/>
+          </ac:spMkLst>
+        </pc:spChg>
+        <pc:spChg chg="add mod">
+          <ac:chgData name="Dwayne Natwick" userId="d11f0013982d5c78" providerId="Windows Live" clId="Web-{E91C9C7B-BB2D-4AFD-B454-4D10D65794B7}" dt="2023-09-14T17:54:29.157" v="615" actId="1076"/>
+          <ac:spMkLst>
+            <pc:docMk/>
+            <pc:sldMk cId="2524577050" sldId="2147470612"/>
+            <ac:spMk id="6" creationId="{520C77B9-C55A-8B6C-DC16-CEE27B62CD45}"/>
+          </ac:spMkLst>
+        </pc:spChg>
+        <pc:spChg chg="add mod">
+          <ac:chgData name="Dwayne Natwick" userId="d11f0013982d5c78" providerId="Windows Live" clId="Web-{E91C9C7B-BB2D-4AFD-B454-4D10D65794B7}" dt="2023-09-14T17:54:58.704" v="620" actId="14100"/>
+          <ac:spMkLst>
+            <pc:docMk/>
+            <pc:sldMk cId="2524577050" sldId="2147470612"/>
+            <ac:spMk id="7" creationId="{C25B8EDA-4C77-A71B-612F-D5F8559DF688}"/>
+          </ac:spMkLst>
+        </pc:spChg>
+      </pc:sldChg>
+      <pc:sldChg chg="addSp delSp modSp new mod modClrScheme chgLayout modNotes">
+        <pc:chgData name="Dwayne Natwick" userId="d11f0013982d5c78" providerId="Windows Live" clId="Web-{E91C9C7B-BB2D-4AFD-B454-4D10D65794B7}" dt="2023-09-14T18:49:56.021" v="875"/>
+        <pc:sldMkLst>
+          <pc:docMk/>
+          <pc:sldMk cId="848203549" sldId="2147470613"/>
+        </pc:sldMkLst>
+        <pc:spChg chg="mod">
+          <ac:chgData name="Dwayne Natwick" userId="d11f0013982d5c78" providerId="Windows Live" clId="Web-{E91C9C7B-BB2D-4AFD-B454-4D10D65794B7}" dt="2023-09-14T18:49:22.770" v="864"/>
+          <ac:spMkLst>
+            <pc:docMk/>
+            <pc:sldMk cId="848203549" sldId="2147470613"/>
+            <ac:spMk id="2" creationId="{63644AF7-A23F-1DD9-6E3C-EE7368917D77}"/>
+          </ac:spMkLst>
+        </pc:spChg>
+        <pc:spChg chg="mod">
+          <ac:chgData name="Dwayne Natwick" userId="d11f0013982d5c78" providerId="Windows Live" clId="Web-{E91C9C7B-BB2D-4AFD-B454-4D10D65794B7}" dt="2023-09-14T18:49:35.833" v="868" actId="14100"/>
+          <ac:spMkLst>
+            <pc:docMk/>
+            <pc:sldMk cId="848203549" sldId="2147470613"/>
+            <ac:spMk id="3" creationId="{2E50BA7C-3255-BC69-812B-892217F5D36D}"/>
+          </ac:spMkLst>
+        </pc:spChg>
+        <pc:spChg chg="add del mod">
+          <ac:chgData name="Dwayne Natwick" userId="d11f0013982d5c78" providerId="Windows Live" clId="Web-{E91C9C7B-BB2D-4AFD-B454-4D10D65794B7}" dt="2023-09-14T18:49:56.021" v="875"/>
+          <ac:spMkLst>
+            <pc:docMk/>
+            <pc:sldMk cId="848203549" sldId="2147470613"/>
+            <ac:spMk id="5" creationId="{922D9E5B-053B-2662-2AD3-E7F26E827B71}"/>
+          </ac:spMkLst>
+        </pc:spChg>
+        <pc:picChg chg="add mod">
+          <ac:chgData name="Dwayne Natwick" userId="d11f0013982d5c78" providerId="Windows Live" clId="Web-{E91C9C7B-BB2D-4AFD-B454-4D10D65794B7}" dt="2023-09-14T18:49:22.770" v="864"/>
+          <ac:picMkLst>
+            <pc:docMk/>
+            <pc:sldMk cId="848203549" sldId="2147470613"/>
+            <ac:picMk id="4" creationId="{D26C38C8-22B0-0868-2D0E-669BDC2059B1}"/>
+          </ac:picMkLst>
+        </pc:picChg>
+      </pc:sldChg>
+      <pc:sldChg chg="addSp delSp modSp new modNotes">
+        <pc:chgData name="Dwayne Natwick" userId="d11f0013982d5c78" providerId="Windows Live" clId="Web-{E91C9C7B-BB2D-4AFD-B454-4D10D65794B7}" dt="2023-09-14T18:57:11.581" v="1105"/>
+        <pc:sldMkLst>
+          <pc:docMk/>
+          <pc:sldMk cId="3770102974" sldId="2147470614"/>
+        </pc:sldMkLst>
+        <pc:spChg chg="mod">
+          <ac:chgData name="Dwayne Natwick" userId="d11f0013982d5c78" providerId="Windows Live" clId="Web-{E91C9C7B-BB2D-4AFD-B454-4D10D65794B7}" dt="2023-09-14T18:54:08.513" v="904" actId="20577"/>
+          <ac:spMkLst>
+            <pc:docMk/>
+            <pc:sldMk cId="3770102974" sldId="2147470614"/>
+            <ac:spMk id="2" creationId="{CFCF5E71-8482-5C4A-1937-62180CED69B1}"/>
+          </ac:spMkLst>
+        </pc:spChg>
+        <pc:spChg chg="mod">
+          <ac:chgData name="Dwayne Natwick" userId="d11f0013982d5c78" providerId="Windows Live" clId="Web-{E91C9C7B-BB2D-4AFD-B454-4D10D65794B7}" dt="2023-09-14T18:56:47.659" v="1101" actId="20577"/>
+          <ac:spMkLst>
+            <pc:docMk/>
+            <pc:sldMk cId="3770102974" sldId="2147470614"/>
+            <ac:spMk id="3" creationId="{2E8F6CC6-DEE5-E7CD-0610-AF173BD7F8EC}"/>
+          </ac:spMkLst>
+        </pc:spChg>
+        <pc:spChg chg="add del mod">
+          <ac:chgData name="Dwayne Natwick" userId="d11f0013982d5c78" providerId="Windows Live" clId="Web-{E91C9C7B-BB2D-4AFD-B454-4D10D65794B7}" dt="2023-09-14T18:57:11.581" v="1105"/>
+          <ac:spMkLst>
+            <pc:docMk/>
+            <pc:sldMk cId="3770102974" sldId="2147470614"/>
+            <ac:spMk id="4" creationId="{F59A0AD9-2731-F101-8A88-A97CEEED7C5D}"/>
+          </ac:spMkLst>
+        </pc:spChg>
+      </pc:sldChg>
+      <pc:sldChg chg="addSp delSp modSp new mod chgLayout">
+        <pc:chgData name="Dwayne Natwick" userId="d11f0013982d5c78" providerId="Windows Live" clId="Web-{E91C9C7B-BB2D-4AFD-B454-4D10D65794B7}" dt="2023-09-14T18:57:20.347" v="1109"/>
+        <pc:sldMkLst>
+          <pc:docMk/>
+          <pc:sldMk cId="3933044535" sldId="2147470615"/>
+        </pc:sldMkLst>
+        <pc:spChg chg="mod ord">
+          <ac:chgData name="Dwayne Natwick" userId="d11f0013982d5c78" providerId="Windows Live" clId="Web-{E91C9C7B-BB2D-4AFD-B454-4D10D65794B7}" dt="2023-09-14T18:50:45.163" v="882" actId="20577"/>
+          <ac:spMkLst>
+            <pc:docMk/>
+            <pc:sldMk cId="3933044535" sldId="2147470615"/>
+            <ac:spMk id="2" creationId="{EDF87A23-46AF-F5CE-1408-BC8C91B71A9B}"/>
+          </ac:spMkLst>
+        </pc:spChg>
+        <pc:spChg chg="del">
+          <ac:chgData name="Dwayne Natwick" userId="d11f0013982d5c78" providerId="Windows Live" clId="Web-{E91C9C7B-BB2D-4AFD-B454-4D10D65794B7}" dt="2023-09-14T18:50:39.101" v="878"/>
+          <ac:spMkLst>
+            <pc:docMk/>
+            <pc:sldMk cId="3933044535" sldId="2147470615"/>
+            <ac:spMk id="3" creationId="{884F335E-7FF2-0DF4-80B1-93DACA319859}"/>
+          </ac:spMkLst>
+        </pc:spChg>
+        <pc:spChg chg="add del mod">
+          <ac:chgData name="Dwayne Natwick" userId="d11f0013982d5c78" providerId="Windows Live" clId="Web-{E91C9C7B-BB2D-4AFD-B454-4D10D65794B7}" dt="2023-09-14T18:57:20.347" v="1109"/>
+          <ac:spMkLst>
+            <pc:docMk/>
+            <pc:sldMk cId="3933044535" sldId="2147470615"/>
+            <ac:spMk id="4" creationId="{86024C3E-11CA-B130-F720-2EDCEA10853F}"/>
+          </ac:spMkLst>
+        </pc:spChg>
+      </pc:sldChg>
+      <pc:sldChg chg="add replId">
+        <pc:chgData name="Dwayne Natwick" userId="d11f0013982d5c78" providerId="Windows Live" clId="Web-{E91C9C7B-BB2D-4AFD-B454-4D10D65794B7}" dt="2023-09-14T18:51:18.305" v="883"/>
+        <pc:sldMkLst>
+          <pc:docMk/>
+          <pc:sldMk cId="3921617707" sldId="2147470616"/>
+        </pc:sldMkLst>
+      </pc:sldChg>
+      <pc:sldChg chg="modSp add replId">
+        <pc:chgData name="Dwayne Natwick" userId="d11f0013982d5c78" providerId="Windows Live" clId="Web-{E91C9C7B-BB2D-4AFD-B454-4D10D65794B7}" dt="2023-09-14T18:51:54.634" v="887" actId="20577"/>
+        <pc:sldMkLst>
+          <pc:docMk/>
+          <pc:sldMk cId="1753990868" sldId="2147470617"/>
+        </pc:sldMkLst>
+        <pc:spChg chg="mod">
+          <ac:chgData name="Dwayne Natwick" userId="d11f0013982d5c78" providerId="Windows Live" clId="Web-{E91C9C7B-BB2D-4AFD-B454-4D10D65794B7}" dt="2023-09-14T18:51:54.634" v="887" actId="20577"/>
+          <ac:spMkLst>
+            <pc:docMk/>
+            <pc:sldMk cId="1753990868" sldId="2147470617"/>
+            <ac:spMk id="2" creationId="{EDF87A23-46AF-F5CE-1408-BC8C91B71A9B}"/>
+          </ac:spMkLst>
+        </pc:spChg>
+      </pc:sldChg>
+      <pc:sldChg chg="add replId">
+        <pc:chgData name="Dwayne Natwick" userId="d11f0013982d5c78" providerId="Windows Live" clId="Web-{E91C9C7B-BB2D-4AFD-B454-4D10D65794B7}" dt="2023-09-14T18:52:16.213" v="888"/>
+        <pc:sldMkLst>
+          <pc:docMk/>
+          <pc:sldMk cId="3572404749" sldId="2147470618"/>
+        </pc:sldMkLst>
+      </pc:sldChg>
+      <pc:sldChg chg="modSp new mod chgLayout">
+        <pc:chgData name="Dwayne Natwick" userId="d11f0013982d5c78" providerId="Windows Live" clId="Web-{E91C9C7B-BB2D-4AFD-B454-4D10D65794B7}" dt="2023-09-14T18:57:44.895" v="1139" actId="20577"/>
+        <pc:sldMkLst>
+          <pc:docMk/>
+          <pc:sldMk cId="2409884957" sldId="2147470619"/>
+        </pc:sldMkLst>
+        <pc:spChg chg="mod ord">
+          <ac:chgData name="Dwayne Natwick" userId="d11f0013982d5c78" providerId="Windows Live" clId="Web-{E91C9C7B-BB2D-4AFD-B454-4D10D65794B7}" dt="2023-09-14T18:57:44.895" v="1139" actId="20577"/>
+          <ac:spMkLst>
+            <pc:docMk/>
+            <pc:sldMk cId="2409884957" sldId="2147470619"/>
+            <ac:spMk id="2" creationId="{DD98F413-FA4A-5DAC-66E1-E02E10AE53D2}"/>
+          </ac:spMkLst>
+        </pc:spChg>
+      </pc:sldChg>
+      <pc:sldChg chg="modSp new">
+        <pc:chgData name="Dwayne Natwick" userId="d11f0013982d5c78" providerId="Windows Live" clId="Web-{E91C9C7B-BB2D-4AFD-B454-4D10D65794B7}" dt="2023-09-14T19:03:13.373" v="1632" actId="20577"/>
+        <pc:sldMkLst>
+          <pc:docMk/>
+          <pc:sldMk cId="3776730813" sldId="2147470620"/>
+        </pc:sldMkLst>
+        <pc:spChg chg="mod">
+          <ac:chgData name="Dwayne Natwick" userId="d11f0013982d5c78" providerId="Windows Live" clId="Web-{E91C9C7B-BB2D-4AFD-B454-4D10D65794B7}" dt="2023-09-14T18:57:56.348" v="1142" actId="20577"/>
+          <ac:spMkLst>
+            <pc:docMk/>
+            <pc:sldMk cId="3776730813" sldId="2147470620"/>
+            <ac:spMk id="2" creationId="{B98733DD-1422-5649-B7EC-6C22F68294E7}"/>
+          </ac:spMkLst>
+        </pc:spChg>
+        <pc:spChg chg="mod">
+          <ac:chgData name="Dwayne Natwick" userId="d11f0013982d5c78" providerId="Windows Live" clId="Web-{E91C9C7B-BB2D-4AFD-B454-4D10D65794B7}" dt="2023-09-14T19:03:13.373" v="1632" actId="20577"/>
+          <ac:spMkLst>
+            <pc:docMk/>
+            <pc:sldMk cId="3776730813" sldId="2147470620"/>
+            <ac:spMk id="3" creationId="{6877C1DD-3080-4AEC-3E55-CF8ED035D114}"/>
+          </ac:spMkLst>
+        </pc:spChg>
+      </pc:sldChg>
+      <pc:sldChg chg="addSp delSp modSp new modNotes">
+        <pc:chgData name="Dwayne Natwick" userId="d11f0013982d5c78" providerId="Windows Live" clId="Web-{E91C9C7B-BB2D-4AFD-B454-4D10D65794B7}" dt="2023-09-14T19:08:05.804" v="1664"/>
+        <pc:sldMkLst>
+          <pc:docMk/>
+          <pc:sldMk cId="1675599562" sldId="2147470621"/>
+        </pc:sldMkLst>
+        <pc:spChg chg="mod">
+          <ac:chgData name="Dwayne Natwick" userId="d11f0013982d5c78" providerId="Windows Live" clId="Web-{E91C9C7B-BB2D-4AFD-B454-4D10D65794B7}" dt="2023-09-14T19:03:28.920" v="1644" actId="20577"/>
+          <ac:spMkLst>
+            <pc:docMk/>
+            <pc:sldMk cId="1675599562" sldId="2147470621"/>
+            <ac:spMk id="2" creationId="{4F2E3601-0348-0AC8-926D-2963A6EBDE54}"/>
+          </ac:spMkLst>
+        </pc:spChg>
+        <pc:spChg chg="mod">
+          <ac:chgData name="Dwayne Natwick" userId="d11f0013982d5c78" providerId="Windows Live" clId="Web-{E91C9C7B-BB2D-4AFD-B454-4D10D65794B7}" dt="2023-09-14T19:03:35.499" v="1647" actId="20577"/>
+          <ac:spMkLst>
+            <pc:docMk/>
+            <pc:sldMk cId="1675599562" sldId="2147470621"/>
+            <ac:spMk id="3" creationId="{226A9B3B-731B-E601-049B-025098728B19}"/>
+          </ac:spMkLst>
+        </pc:spChg>
+        <pc:spChg chg="add del mod">
+          <ac:chgData name="Dwayne Natwick" userId="d11f0013982d5c78" providerId="Windows Live" clId="Web-{E91C9C7B-BB2D-4AFD-B454-4D10D65794B7}" dt="2023-09-14T19:08:05.804" v="1664"/>
+          <ac:spMkLst>
+            <pc:docMk/>
+            <pc:sldMk cId="1675599562" sldId="2147470621"/>
+            <ac:spMk id="4" creationId="{475DAF6E-27CB-D2FC-04C5-770BF18601CB}"/>
+          </ac:spMkLst>
+        </pc:spChg>
+      </pc:sldChg>
+      <pc:sldChg chg="addSp modSp new modNotes">
+        <pc:chgData name="Dwayne Natwick" userId="d11f0013982d5c78" providerId="Windows Live" clId="Web-{E91C9C7B-BB2D-4AFD-B454-4D10D65794B7}" dt="2023-09-14T19:04:44.751" v="1660" actId="1076"/>
+        <pc:sldMkLst>
+          <pc:docMk/>
+          <pc:sldMk cId="4211696148" sldId="2147470622"/>
+        </pc:sldMkLst>
+        <pc:spChg chg="mod">
+          <ac:chgData name="Dwayne Natwick" userId="d11f0013982d5c78" providerId="Windows Live" clId="Web-{E91C9C7B-BB2D-4AFD-B454-4D10D65794B7}" dt="2023-09-14T19:04:26.719" v="1655" actId="20577"/>
+          <ac:spMkLst>
+            <pc:docMk/>
+            <pc:sldMk cId="4211696148" sldId="2147470622"/>
+            <ac:spMk id="2" creationId="{BFA64A8C-98C4-0EC5-C359-C3F08F09CCD2}"/>
+          </ac:spMkLst>
+        </pc:spChg>
+        <pc:spChg chg="add mod">
+          <ac:chgData name="Dwayne Natwick" userId="d11f0013982d5c78" providerId="Windows Live" clId="Web-{E91C9C7B-BB2D-4AFD-B454-4D10D65794B7}" dt="2023-09-14T19:04:44.751" v="1660" actId="1076"/>
+          <ac:spMkLst>
+            <pc:docMk/>
+            <pc:sldMk cId="4211696148" sldId="2147470622"/>
+            <ac:spMk id="4" creationId="{894C4432-C891-B2F2-36B5-DC9ABE788A25}"/>
+          </ac:spMkLst>
+        </pc:spChg>
+      </pc:sldChg>
+    </pc:docChg>
+  </pc:docChgLst>
+  <pc:docChgLst>
+    <pc:chgData name="Dwayne Natwick" userId="3561b13b-c7da-4a5b-9614-8a4db83ccfee" providerId="ADAL" clId="{E95F42E3-C4F3-474F-B9C2-A0BA12FFF20C}"/>
+    <pc:docChg chg="modSld">
+      <pc:chgData name="Dwayne Natwick" userId="3561b13b-c7da-4a5b-9614-8a4db83ccfee" providerId="ADAL" clId="{E95F42E3-C4F3-474F-B9C2-A0BA12FFF20C}" dt="2023-11-13T15:49:05.045" v="211" actId="1076"/>
+      <pc:docMkLst>
+        <pc:docMk/>
+      </pc:docMkLst>
+      <pc:sldChg chg="modSp mod">
+        <pc:chgData name="Dwayne Natwick" userId="3561b13b-c7da-4a5b-9614-8a4db83ccfee" providerId="ADAL" clId="{E95F42E3-C4F3-474F-B9C2-A0BA12FFF20C}" dt="2023-11-13T15:43:05.223" v="9" actId="20577"/>
+        <pc:sldMkLst>
+          <pc:docMk/>
+          <pc:sldMk cId="19297968" sldId="2147470553"/>
+        </pc:sldMkLst>
+        <pc:spChg chg="mod">
+          <ac:chgData name="Dwayne Natwick" userId="3561b13b-c7da-4a5b-9614-8a4db83ccfee" providerId="ADAL" clId="{E95F42E3-C4F3-474F-B9C2-A0BA12FFF20C}" dt="2023-11-13T15:43:05.223" v="9" actId="20577"/>
+          <ac:spMkLst>
+            <pc:docMk/>
+            <pc:sldMk cId="19297968" sldId="2147470553"/>
+            <ac:spMk id="2" creationId="{A1A8D485-FD33-2DA7-238E-EDF73027901B}"/>
+          </ac:spMkLst>
+        </pc:spChg>
+      </pc:sldChg>
+      <pc:sldChg chg="modSp mod">
+        <pc:chgData name="Dwayne Natwick" userId="3561b13b-c7da-4a5b-9614-8a4db83ccfee" providerId="ADAL" clId="{E95F42E3-C4F3-474F-B9C2-A0BA12FFF20C}" dt="2023-11-13T15:43:14.229" v="13" actId="6549"/>
+        <pc:sldMkLst>
+          <pc:docMk/>
+          <pc:sldMk cId="2945821040" sldId="2147470557"/>
+        </pc:sldMkLst>
+        <pc:spChg chg="mod">
+          <ac:chgData name="Dwayne Natwick" userId="3561b13b-c7da-4a5b-9614-8a4db83ccfee" providerId="ADAL" clId="{E95F42E3-C4F3-474F-B9C2-A0BA12FFF20C}" dt="2023-11-13T15:43:09.079" v="10" actId="6549"/>
+          <ac:spMkLst>
+            <pc:docMk/>
+            <pc:sldMk cId="2945821040" sldId="2147470557"/>
+            <ac:spMk id="6" creationId="{34C8A714-55EC-40AC-B65A-1F994DEC5152}"/>
+          </ac:spMkLst>
+        </pc:spChg>
+        <pc:spChg chg="mod">
+          <ac:chgData name="Dwayne Natwick" userId="3561b13b-c7da-4a5b-9614-8a4db83ccfee" providerId="ADAL" clId="{E95F42E3-C4F3-474F-B9C2-A0BA12FFF20C}" dt="2023-11-13T15:43:10.559" v="11" actId="6549"/>
+          <ac:spMkLst>
+            <pc:docMk/>
+            <pc:sldMk cId="2945821040" sldId="2147470557"/>
+            <ac:spMk id="28" creationId="{C9EAB225-5AB7-686B-2B0B-5A0DA0699DAA}"/>
+          </ac:spMkLst>
+        </pc:spChg>
+        <pc:spChg chg="mod">
+          <ac:chgData name="Dwayne Natwick" userId="3561b13b-c7da-4a5b-9614-8a4db83ccfee" providerId="ADAL" clId="{E95F42E3-C4F3-474F-B9C2-A0BA12FFF20C}" dt="2023-11-13T15:43:12.511" v="12" actId="6549"/>
+          <ac:spMkLst>
+            <pc:docMk/>
+            <pc:sldMk cId="2945821040" sldId="2147470557"/>
+            <ac:spMk id="31" creationId="{396F3C3E-06A6-C7C0-E225-74DAE937B4B6}"/>
+          </ac:spMkLst>
+        </pc:spChg>
+        <pc:spChg chg="mod">
+          <ac:chgData name="Dwayne Natwick" userId="3561b13b-c7da-4a5b-9614-8a4db83ccfee" providerId="ADAL" clId="{E95F42E3-C4F3-474F-B9C2-A0BA12FFF20C}" dt="2023-11-13T15:43:14.229" v="13" actId="6549"/>
+          <ac:spMkLst>
+            <pc:docMk/>
+            <pc:sldMk cId="2945821040" sldId="2147470557"/>
+            <ac:spMk id="34" creationId="{A53BEA30-32DF-F647-94E1-F0D90C6E0D13}"/>
+          </ac:spMkLst>
+        </pc:spChg>
+      </pc:sldChg>
+      <pc:sldChg chg="modSp mod">
+        <pc:chgData name="Dwayne Natwick" userId="3561b13b-c7da-4a5b-9614-8a4db83ccfee" providerId="ADAL" clId="{E95F42E3-C4F3-474F-B9C2-A0BA12FFF20C}" dt="2023-11-13T15:43:38.915" v="20" actId="20577"/>
+        <pc:sldMkLst>
+          <pc:docMk/>
+          <pc:sldMk cId="3682517411" sldId="2147470559"/>
+        </pc:sldMkLst>
+        <pc:graphicFrameChg chg="modGraphic">
+          <ac:chgData name="Dwayne Natwick" userId="3561b13b-c7da-4a5b-9614-8a4db83ccfee" providerId="ADAL" clId="{E95F42E3-C4F3-474F-B9C2-A0BA12FFF20C}" dt="2023-11-13T15:43:24.912" v="16" actId="6549"/>
+          <ac:graphicFrameMkLst>
+            <pc:docMk/>
+            <pc:sldMk cId="3682517411" sldId="2147470559"/>
+            <ac:graphicFrameMk id="8" creationId="{CC919F4A-A7D9-8DDD-DB16-BF7FF8DD9E3B}"/>
+          </ac:graphicFrameMkLst>
+        </pc:graphicFrameChg>
+        <pc:graphicFrameChg chg="modGraphic">
+          <ac:chgData name="Dwayne Natwick" userId="3561b13b-c7da-4a5b-9614-8a4db83ccfee" providerId="ADAL" clId="{E95F42E3-C4F3-474F-B9C2-A0BA12FFF20C}" dt="2023-11-13T15:43:38.915" v="20" actId="20577"/>
+          <ac:graphicFrameMkLst>
+            <pc:docMk/>
+            <pc:sldMk cId="3682517411" sldId="2147470559"/>
+            <ac:graphicFrameMk id="11" creationId="{A52E73B0-7A2A-ED30-FEF2-D5B76028305D}"/>
+          </ac:graphicFrameMkLst>
+        </pc:graphicFrameChg>
+      </pc:sldChg>
+      <pc:sldChg chg="modSp mod">
+        <pc:chgData name="Dwayne Natwick" userId="3561b13b-c7da-4a5b-9614-8a4db83ccfee" providerId="ADAL" clId="{E95F42E3-C4F3-474F-B9C2-A0BA12FFF20C}" dt="2023-11-13T15:49:05.045" v="211" actId="1076"/>
+        <pc:sldMkLst>
+          <pc:docMk/>
+          <pc:sldMk cId="1307574574" sldId="2147470566"/>
+        </pc:sldMkLst>
+        <pc:spChg chg="mod">
+          <ac:chgData name="Dwayne Natwick" userId="3561b13b-c7da-4a5b-9614-8a4db83ccfee" providerId="ADAL" clId="{E95F42E3-C4F3-474F-B9C2-A0BA12FFF20C}" dt="2023-11-13T15:48:34.760" v="171" actId="20577"/>
+          <ac:spMkLst>
+            <pc:docMk/>
+            <pc:sldMk cId="1307574574" sldId="2147470566"/>
+            <ac:spMk id="18" creationId="{7D66421A-6C08-23BB-D770-A2A0FF91DD1C}"/>
+          </ac:spMkLst>
+        </pc:spChg>
+        <pc:spChg chg="mod">
+          <ac:chgData name="Dwayne Natwick" userId="3561b13b-c7da-4a5b-9614-8a4db83ccfee" providerId="ADAL" clId="{E95F42E3-C4F3-474F-B9C2-A0BA12FFF20C}" dt="2023-11-13T15:48:53.404" v="210" actId="20577"/>
+          <ac:spMkLst>
+            <pc:docMk/>
+            <pc:sldMk cId="1307574574" sldId="2147470566"/>
+            <ac:spMk id="21" creationId="{87ACA6E9-9681-99AA-65E6-65303BA5F10F}"/>
+          </ac:spMkLst>
+        </pc:spChg>
+        <pc:spChg chg="mod">
+          <ac:chgData name="Dwayne Natwick" userId="3561b13b-c7da-4a5b-9614-8a4db83ccfee" providerId="ADAL" clId="{E95F42E3-C4F3-474F-B9C2-A0BA12FFF20C}" dt="2023-11-13T15:48:07.871" v="154" actId="6549"/>
+          <ac:spMkLst>
+            <pc:docMk/>
+            <pc:sldMk cId="1307574574" sldId="2147470566"/>
+            <ac:spMk id="24" creationId="{86B4A3BC-B5A8-2BE0-1133-3BA9CB7EDFAB}"/>
+          </ac:spMkLst>
+        </pc:spChg>
+        <pc:spChg chg="mod">
+          <ac:chgData name="Dwayne Natwick" userId="3561b13b-c7da-4a5b-9614-8a4db83ccfee" providerId="ADAL" clId="{E95F42E3-C4F3-474F-B9C2-A0BA12FFF20C}" dt="2023-11-13T15:48:02.882" v="153" actId="20577"/>
+          <ac:spMkLst>
+            <pc:docMk/>
+            <pc:sldMk cId="1307574574" sldId="2147470566"/>
+            <ac:spMk id="27" creationId="{9ADD736A-323E-6575-0C10-C5BD32DE5235}"/>
+          </ac:spMkLst>
+        </pc:spChg>
+        <pc:grpChg chg="mod">
+          <ac:chgData name="Dwayne Natwick" userId="3561b13b-c7da-4a5b-9614-8a4db83ccfee" providerId="ADAL" clId="{E95F42E3-C4F3-474F-B9C2-A0BA12FFF20C}" dt="2023-11-13T15:49:05.045" v="211" actId="1076"/>
+          <ac:grpSpMkLst>
+            <pc:docMk/>
+            <pc:sldMk cId="1307574574" sldId="2147470566"/>
+            <ac:grpSpMk id="23" creationId="{9A24B8EE-D560-1520-6402-D508AEA160A5}"/>
+          </ac:grpSpMkLst>
+        </pc:grpChg>
+      </pc:sldChg>
+      <pc:sldChg chg="modSp mod">
+        <pc:chgData name="Dwayne Natwick" userId="3561b13b-c7da-4a5b-9614-8a4db83ccfee" providerId="ADAL" clId="{E95F42E3-C4F3-474F-B9C2-A0BA12FFF20C}" dt="2023-11-13T15:43:19.725" v="14" actId="6549"/>
+        <pc:sldMkLst>
+          <pc:docMk/>
+          <pc:sldMk cId="2251723249" sldId="2147470571"/>
+        </pc:sldMkLst>
+        <pc:spChg chg="mod">
+          <ac:chgData name="Dwayne Natwick" userId="3561b13b-c7da-4a5b-9614-8a4db83ccfee" providerId="ADAL" clId="{E95F42E3-C4F3-474F-B9C2-A0BA12FFF20C}" dt="2023-11-13T15:43:19.725" v="14" actId="6549"/>
+          <ac:spMkLst>
+            <pc:docMk/>
+            <pc:sldMk cId="2251723249" sldId="2147470571"/>
+            <ac:spMk id="4" creationId="{DAA5FD98-5292-2367-63BF-BB583BFC2A96}"/>
+          </ac:spMkLst>
+        </pc:spChg>
+      </pc:sldChg>
+      <pc:sldChg chg="modSp mod">
+        <pc:chgData name="Dwayne Natwick" userId="3561b13b-c7da-4a5b-9614-8a4db83ccfee" providerId="ADAL" clId="{E95F42E3-C4F3-474F-B9C2-A0BA12FFF20C}" dt="2023-11-13T15:44:44.804" v="41" actId="20577"/>
+        <pc:sldMkLst>
+          <pc:docMk/>
+          <pc:sldMk cId="1259147145" sldId="2147470572"/>
+        </pc:sldMkLst>
+        <pc:spChg chg="mod">
+          <ac:chgData name="Dwayne Natwick" userId="3561b13b-c7da-4a5b-9614-8a4db83ccfee" providerId="ADAL" clId="{E95F42E3-C4F3-474F-B9C2-A0BA12FFF20C}" dt="2023-11-13T15:44:04.440" v="22" actId="6549"/>
+          <ac:spMkLst>
+            <pc:docMk/>
+            <pc:sldMk cId="1259147145" sldId="2147470572"/>
+            <ac:spMk id="21" creationId="{68C8CFE1-65AB-E14A-D550-F9CC1A93CFC5}"/>
+          </ac:spMkLst>
+        </pc:spChg>
+        <pc:spChg chg="mod">
+          <ac:chgData name="Dwayne Natwick" userId="3561b13b-c7da-4a5b-9614-8a4db83ccfee" providerId="ADAL" clId="{E95F42E3-C4F3-474F-B9C2-A0BA12FFF20C}" dt="2023-11-13T15:44:06.289" v="23" actId="6549"/>
+          <ac:spMkLst>
+            <pc:docMk/>
+            <pc:sldMk cId="1259147145" sldId="2147470572"/>
+            <ac:spMk id="27" creationId="{2110CA23-E319-B299-E485-6F98BFAFC1EC}"/>
+          </ac:spMkLst>
+        </pc:spChg>
+        <pc:spChg chg="mod">
+          <ac:chgData name="Dwayne Natwick" userId="3561b13b-c7da-4a5b-9614-8a4db83ccfee" providerId="ADAL" clId="{E95F42E3-C4F3-474F-B9C2-A0BA12FFF20C}" dt="2023-11-13T15:44:13.249" v="26" actId="6549"/>
+          <ac:spMkLst>
+            <pc:docMk/>
+            <pc:sldMk cId="1259147145" sldId="2147470572"/>
+            <ac:spMk id="32" creationId="{93C8FB2B-8EDA-992B-5C01-296093DB1125}"/>
+          </ac:spMkLst>
+        </pc:spChg>
+        <pc:spChg chg="mod">
+          <ac:chgData name="Dwayne Natwick" userId="3561b13b-c7da-4a5b-9614-8a4db83ccfee" providerId="ADAL" clId="{E95F42E3-C4F3-474F-B9C2-A0BA12FFF20C}" dt="2023-11-13T15:44:44.804" v="41" actId="20577"/>
+          <ac:spMkLst>
+            <pc:docMk/>
+            <pc:sldMk cId="1259147145" sldId="2147470572"/>
+            <ac:spMk id="56" creationId="{87C697D9-D5F1-EBDD-81F9-D4CB7DC374D4}"/>
+          </ac:spMkLst>
+        </pc:spChg>
+      </pc:sldChg>
+      <pc:sldChg chg="modSp mod">
+        <pc:chgData name="Dwayne Natwick" userId="3561b13b-c7da-4a5b-9614-8a4db83ccfee" providerId="ADAL" clId="{E95F42E3-C4F3-474F-B9C2-A0BA12FFF20C}" dt="2023-11-13T15:46:29.293" v="145" actId="20577"/>
+        <pc:sldMkLst>
+          <pc:docMk/>
+          <pc:sldMk cId="1929971971" sldId="2147470610"/>
+        </pc:sldMkLst>
+        <pc:spChg chg="mod">
+          <ac:chgData name="Dwayne Natwick" userId="3561b13b-c7da-4a5b-9614-8a4db83ccfee" providerId="ADAL" clId="{E95F42E3-C4F3-474F-B9C2-A0BA12FFF20C}" dt="2023-11-13T15:46:29.293" v="145" actId="20577"/>
+          <ac:spMkLst>
+            <pc:docMk/>
+            <pc:sldMk cId="1929971971" sldId="2147470610"/>
+            <ac:spMk id="2" creationId="{105B6354-2028-24B8-66E1-0D45962243CA}"/>
+          </ac:spMkLst>
+        </pc:spChg>
+        <pc:graphicFrameChg chg="mod">
+          <ac:chgData name="Dwayne Natwick" userId="3561b13b-c7da-4a5b-9614-8a4db83ccfee" providerId="ADAL" clId="{E95F42E3-C4F3-474F-B9C2-A0BA12FFF20C}" dt="2023-11-13T15:46:20.626" v="137" actId="20577"/>
+          <ac:graphicFrameMkLst>
+            <pc:docMk/>
+            <pc:sldMk cId="1929971971" sldId="2147470610"/>
+            <ac:graphicFrameMk id="11" creationId="{F05A35D9-D1C5-338E-A24B-63C76BB54E45}"/>
+          </ac:graphicFrameMkLst>
+        </pc:graphicFrameChg>
+      </pc:sldChg>
+      <pc:sldChg chg="modSp">
+        <pc:chgData name="Dwayne Natwick" userId="3561b13b-c7da-4a5b-9614-8a4db83ccfee" providerId="ADAL" clId="{E95F42E3-C4F3-474F-B9C2-A0BA12FFF20C}" dt="2023-11-13T15:46:59.410" v="146" actId="20577"/>
+        <pc:sldMkLst>
+          <pc:docMk/>
+          <pc:sldMk cId="3776730813" sldId="2147470620"/>
+        </pc:sldMkLst>
+        <pc:graphicFrameChg chg="mod">
+          <ac:chgData name="Dwayne Natwick" userId="3561b13b-c7da-4a5b-9614-8a4db83ccfee" providerId="ADAL" clId="{E95F42E3-C4F3-474F-B9C2-A0BA12FFF20C}" dt="2023-11-13T15:46:59.410" v="146" actId="20577"/>
+          <ac:graphicFrameMkLst>
+            <pc:docMk/>
+            <pc:sldMk cId="3776730813" sldId="2147470620"/>
+            <ac:graphicFrameMk id="5" creationId="{EAD11503-D133-32E7-E133-88CB07DFE0F3}"/>
+          </ac:graphicFrameMkLst>
+        </pc:graphicFrameChg>
+      </pc:sldChg>
+    </pc:docChg>
+  </pc:docChgLst>
+  <pc:docChgLst>
+    <pc:chgData name="Dwayne Natwick" userId="d11f0013982d5c78" providerId="LiveId" clId="{67AF20B4-6DC7-492D-BA3B-9FCF6F9AD6CF}"/>
+    <pc:docChg chg="undo custSel modSld">
+      <pc:chgData name="Dwayne Natwick" userId="d11f0013982d5c78" providerId="LiveId" clId="{67AF20B4-6DC7-492D-BA3B-9FCF6F9AD6CF}" dt="2023-09-15T12:33:18.323" v="157" actId="478"/>
+      <pc:docMkLst>
+        <pc:docMk/>
+      </pc:docMkLst>
+      <pc:sldChg chg="addSp modSp mod modClrScheme chgLayout">
+        <pc:chgData name="Dwayne Natwick" userId="d11f0013982d5c78" providerId="LiveId" clId="{67AF20B4-6DC7-492D-BA3B-9FCF6F9AD6CF}" dt="2023-09-15T12:22:20.232" v="0" actId="26606"/>
+        <pc:sldMkLst>
+          <pc:docMk/>
+          <pc:sldMk cId="2839524364" sldId="2147470607"/>
+        </pc:sldMkLst>
+        <pc:spChg chg="mod">
+          <ac:chgData name="Dwayne Natwick" userId="d11f0013982d5c78" providerId="LiveId" clId="{67AF20B4-6DC7-492D-BA3B-9FCF6F9AD6CF}" dt="2023-09-15T12:22:20.232" v="0" actId="26606"/>
+          <ac:spMkLst>
+            <pc:docMk/>
+            <pc:sldMk cId="2839524364" sldId="2147470607"/>
+            <ac:spMk id="2" creationId="{09C07B8E-14FF-3C2D-BE0E-F25E0D4B4DB3}"/>
+          </ac:spMkLst>
+        </pc:spChg>
+        <pc:spChg chg="mod">
+          <ac:chgData name="Dwayne Natwick" userId="d11f0013982d5c78" providerId="LiveId" clId="{67AF20B4-6DC7-492D-BA3B-9FCF6F9AD6CF}" dt="2023-09-15T12:22:20.232" v="0" actId="26606"/>
+          <ac:spMkLst>
+            <pc:docMk/>
+            <pc:sldMk cId="2839524364" sldId="2147470607"/>
+            <ac:spMk id="3" creationId="{C9D88242-39E7-FD9D-8E94-B07DD53805B5}"/>
+          </ac:spMkLst>
+        </pc:spChg>
+        <pc:spChg chg="add mod">
+          <ac:chgData name="Dwayne Natwick" userId="d11f0013982d5c78" providerId="LiveId" clId="{67AF20B4-6DC7-492D-BA3B-9FCF6F9AD6CF}" dt="2023-09-15T12:22:20.232" v="0" actId="26606"/>
+          <ac:spMkLst>
+            <pc:docMk/>
+            <pc:sldMk cId="2839524364" sldId="2147470607"/>
+            <ac:spMk id="8" creationId="{0BEC7ADA-45E0-D0DE-3260-36E676ED3447}"/>
+          </ac:spMkLst>
+        </pc:spChg>
+      </pc:sldChg>
+      <pc:sldChg chg="addSp delSp modSp mod modClrScheme chgLayout">
+        <pc:chgData name="Dwayne Natwick" userId="d11f0013982d5c78" providerId="LiveId" clId="{67AF20B4-6DC7-492D-BA3B-9FCF6F9AD6CF}" dt="2023-09-15T12:22:53.331" v="4" actId="207"/>
+        <pc:sldMkLst>
+          <pc:docMk/>
+          <pc:sldMk cId="4086260143" sldId="2147470608"/>
+        </pc:sldMkLst>
+        <pc:spChg chg="mod">
+          <ac:chgData name="Dwayne Natwick" userId="d11f0013982d5c78" providerId="LiveId" clId="{67AF20B4-6DC7-492D-BA3B-9FCF6F9AD6CF}" dt="2023-09-15T12:22:43.779" v="3" actId="26606"/>
+          <ac:spMkLst>
+            <pc:docMk/>
+            <pc:sldMk cId="4086260143" sldId="2147470608"/>
+            <ac:spMk id="2" creationId="{BA3D571B-B150-1C46-5F05-A09D93B7AE7A}"/>
+          </ac:spMkLst>
+        </pc:spChg>
+        <pc:spChg chg="del">
+          <ac:chgData name="Dwayne Natwick" userId="d11f0013982d5c78" providerId="LiveId" clId="{67AF20B4-6DC7-492D-BA3B-9FCF6F9AD6CF}" dt="2023-09-15T12:22:30.594" v="1" actId="26606"/>
+          <ac:spMkLst>
+            <pc:docMk/>
+            <pc:sldMk cId="4086260143" sldId="2147470608"/>
+            <ac:spMk id="3" creationId="{EEA0802F-FB95-E549-566C-5C162DF6AE92}"/>
+          </ac:spMkLst>
+        </pc:spChg>
+        <pc:spChg chg="add del mod">
+          <ac:chgData name="Dwayne Natwick" userId="d11f0013982d5c78" providerId="LiveId" clId="{67AF20B4-6DC7-492D-BA3B-9FCF6F9AD6CF}" dt="2023-09-15T12:22:37.849" v="2" actId="478"/>
+          <ac:spMkLst>
+            <pc:docMk/>
+            <pc:sldMk cId="4086260143" sldId="2147470608"/>
+            <ac:spMk id="9" creationId="{3C859FFF-7BFD-5EEA-4747-C61450C010D9}"/>
+          </ac:spMkLst>
+        </pc:spChg>
+        <pc:graphicFrameChg chg="add mod modGraphic">
+          <ac:chgData name="Dwayne Natwick" userId="d11f0013982d5c78" providerId="LiveId" clId="{67AF20B4-6DC7-492D-BA3B-9FCF6F9AD6CF}" dt="2023-09-15T12:22:53.331" v="4" actId="207"/>
+          <ac:graphicFrameMkLst>
+            <pc:docMk/>
+            <pc:sldMk cId="4086260143" sldId="2147470608"/>
+            <ac:graphicFrameMk id="5" creationId="{02521839-71E7-D3DB-2A79-15E7270E214C}"/>
+          </ac:graphicFrameMkLst>
+        </pc:graphicFrameChg>
+      </pc:sldChg>
+      <pc:sldChg chg="addSp delSp modSp mod">
+        <pc:chgData name="Dwayne Natwick" userId="d11f0013982d5c78" providerId="LiveId" clId="{67AF20B4-6DC7-492D-BA3B-9FCF6F9AD6CF}" dt="2023-09-15T12:24:13.533" v="6" actId="207"/>
+        <pc:sldMkLst>
+          <pc:docMk/>
+          <pc:sldMk cId="379969417" sldId="2147470609"/>
+        </pc:sldMkLst>
+        <pc:spChg chg="mod">
+          <ac:chgData name="Dwayne Natwick" userId="d11f0013982d5c78" providerId="LiveId" clId="{67AF20B4-6DC7-492D-BA3B-9FCF6F9AD6CF}" dt="2023-09-15T12:23:48.613" v="5" actId="26606"/>
+          <ac:spMkLst>
+            <pc:docMk/>
+            <pc:sldMk cId="379969417" sldId="2147470609"/>
+            <ac:spMk id="2" creationId="{C144469C-FA2E-89F4-8275-78C7809263F1}"/>
+          </ac:spMkLst>
+        </pc:spChg>
+        <pc:spChg chg="del">
+          <ac:chgData name="Dwayne Natwick" userId="d11f0013982d5c78" providerId="LiveId" clId="{67AF20B4-6DC7-492D-BA3B-9FCF6F9AD6CF}" dt="2023-09-15T12:23:48.613" v="5" actId="26606"/>
+          <ac:spMkLst>
+            <pc:docMk/>
+            <pc:sldMk cId="379969417" sldId="2147470609"/>
+            <ac:spMk id="3" creationId="{F3C47606-EBF4-2063-DFC2-36C74BD4FA71}"/>
+          </ac:spMkLst>
+        </pc:spChg>
+        <pc:graphicFrameChg chg="add mod">
+          <ac:chgData name="Dwayne Natwick" userId="d11f0013982d5c78" providerId="LiveId" clId="{67AF20B4-6DC7-492D-BA3B-9FCF6F9AD6CF}" dt="2023-09-15T12:24:13.533" v="6" actId="207"/>
+          <ac:graphicFrameMkLst>
+            <pc:docMk/>
+            <pc:sldMk cId="379969417" sldId="2147470609"/>
+            <ac:graphicFrameMk id="6" creationId="{8F951D51-311C-2EFC-35E8-15B871457F00}"/>
+          </ac:graphicFrameMkLst>
+        </pc:graphicFrameChg>
+      </pc:sldChg>
+      <pc:sldChg chg="addSp delSp modSp mod modClrScheme chgLayout">
+        <pc:chgData name="Dwayne Natwick" userId="d11f0013982d5c78" providerId="LiveId" clId="{67AF20B4-6DC7-492D-BA3B-9FCF6F9AD6CF}" dt="2023-09-15T12:26:06.004" v="28" actId="26606"/>
+        <pc:sldMkLst>
+          <pc:docMk/>
+          <pc:sldMk cId="1929971971" sldId="2147470610"/>
+        </pc:sldMkLst>
+        <pc:spChg chg="mod">
+          <ac:chgData name="Dwayne Natwick" userId="d11f0013982d5c78" providerId="LiveId" clId="{67AF20B4-6DC7-492D-BA3B-9FCF6F9AD6CF}" dt="2023-09-15T12:26:06.004" v="28" actId="26606"/>
+          <ac:spMkLst>
+            <pc:docMk/>
+            <pc:sldMk cId="1929971971" sldId="2147470610"/>
+            <ac:spMk id="2" creationId="{105B6354-2028-24B8-66E1-0D45962243CA}"/>
+          </ac:spMkLst>
+        </pc:spChg>
+        <pc:spChg chg="add del">
+          <ac:chgData name="Dwayne Natwick" userId="d11f0013982d5c78" providerId="LiveId" clId="{67AF20B4-6DC7-492D-BA3B-9FCF6F9AD6CF}" dt="2023-09-15T12:26:06.004" v="28" actId="26606"/>
+          <ac:spMkLst>
+            <pc:docMk/>
+            <pc:sldMk cId="1929971971" sldId="2147470610"/>
+            <ac:spMk id="3" creationId="{7407A4C3-86E5-EFE8-1E18-DC50FF22703B}"/>
+          </ac:spMkLst>
+        </pc:spChg>
+        <pc:spChg chg="add del mod">
+          <ac:chgData name="Dwayne Natwick" userId="d11f0013982d5c78" providerId="LiveId" clId="{67AF20B4-6DC7-492D-BA3B-9FCF6F9AD6CF}" dt="2023-09-15T12:26:05.986" v="27" actId="26606"/>
+          <ac:spMkLst>
+            <pc:docMk/>
+            <pc:sldMk cId="1929971971" sldId="2147470610"/>
+            <ac:spMk id="9" creationId="{BCECCEF1-42D4-E371-C1D3-B372EBE08756}"/>
+          </ac:spMkLst>
+        </pc:spChg>
+        <pc:graphicFrameChg chg="add del">
+          <ac:chgData name="Dwayne Natwick" userId="d11f0013982d5c78" providerId="LiveId" clId="{67AF20B4-6DC7-492D-BA3B-9FCF6F9AD6CF}" dt="2023-09-15T12:25:53.241" v="25" actId="26606"/>
+          <ac:graphicFrameMkLst>
+            <pc:docMk/>
+            <pc:sldMk cId="1929971971" sldId="2147470610"/>
+            <ac:graphicFrameMk id="5" creationId="{F05A35D9-D1C5-338E-A24B-63C76BB54E45}"/>
+          </ac:graphicFrameMkLst>
+        </pc:graphicFrameChg>
+        <pc:graphicFrameChg chg="add del mod">
+          <ac:chgData name="Dwayne Natwick" userId="d11f0013982d5c78" providerId="LiveId" clId="{67AF20B4-6DC7-492D-BA3B-9FCF6F9AD6CF}" dt="2023-09-15T12:26:05.986" v="27" actId="26606"/>
+          <ac:graphicFrameMkLst>
+            <pc:docMk/>
+            <pc:sldMk cId="1929971971" sldId="2147470610"/>
+            <ac:graphicFrameMk id="7" creationId="{CFDAEFEF-2C5F-EEFF-B591-6ABE2E227E31}"/>
+          </ac:graphicFrameMkLst>
+        </pc:graphicFrameChg>
+        <pc:graphicFrameChg chg="add">
+          <ac:chgData name="Dwayne Natwick" userId="d11f0013982d5c78" providerId="LiveId" clId="{67AF20B4-6DC7-492D-BA3B-9FCF6F9AD6CF}" dt="2023-09-15T12:26:06.004" v="28" actId="26606"/>
+          <ac:graphicFrameMkLst>
+            <pc:docMk/>
+            <pc:sldMk cId="1929971971" sldId="2147470610"/>
+            <ac:graphicFrameMk id="11" creationId="{F05A35D9-D1C5-338E-A24B-63C76BB54E45}"/>
+          </ac:graphicFrameMkLst>
+        </pc:graphicFrameChg>
+      </pc:sldChg>
+      <pc:sldChg chg="addSp delSp modSp mod">
+        <pc:chgData name="Dwayne Natwick" userId="d11f0013982d5c78" providerId="LiveId" clId="{67AF20B4-6DC7-492D-BA3B-9FCF6F9AD6CF}" dt="2023-09-15T12:24:51.046" v="11" actId="26606"/>
+        <pc:sldMkLst>
+          <pc:docMk/>
+          <pc:sldMk cId="2421521076" sldId="2147470611"/>
+        </pc:sldMkLst>
+        <pc:spChg chg="mod">
+          <ac:chgData name="Dwayne Natwick" userId="d11f0013982d5c78" providerId="LiveId" clId="{67AF20B4-6DC7-492D-BA3B-9FCF6F9AD6CF}" dt="2023-09-15T12:24:51.046" v="11" actId="26606"/>
+          <ac:spMkLst>
+            <pc:docMk/>
+            <pc:sldMk cId="2421521076" sldId="2147470611"/>
+            <ac:spMk id="2" creationId="{0F4D640B-8499-E0C5-C508-35266E13B6E6}"/>
+          </ac:spMkLst>
+        </pc:spChg>
+        <pc:spChg chg="del">
+          <ac:chgData name="Dwayne Natwick" userId="d11f0013982d5c78" providerId="LiveId" clId="{67AF20B4-6DC7-492D-BA3B-9FCF6F9AD6CF}" dt="2023-09-15T12:24:51.046" v="11" actId="26606"/>
+          <ac:spMkLst>
+            <pc:docMk/>
+            <pc:sldMk cId="2421521076" sldId="2147470611"/>
+            <ac:spMk id="3" creationId="{358EA097-101A-43CC-781A-E0E92A4D22E7}"/>
+          </ac:spMkLst>
+        </pc:spChg>
+        <pc:graphicFrameChg chg="add">
+          <ac:chgData name="Dwayne Natwick" userId="d11f0013982d5c78" providerId="LiveId" clId="{67AF20B4-6DC7-492D-BA3B-9FCF6F9AD6CF}" dt="2023-09-15T12:24:51.046" v="11" actId="26606"/>
+          <ac:graphicFrameMkLst>
+            <pc:docMk/>
+            <pc:sldMk cId="2421521076" sldId="2147470611"/>
+            <ac:graphicFrameMk id="5" creationId="{A5BBB90B-5CC9-A280-14DC-2C91D4F347EE}"/>
+          </ac:graphicFrameMkLst>
+        </pc:graphicFrameChg>
+      </pc:sldChg>
+      <pc:sldChg chg="delSp mod modNotesTx">
+        <pc:chgData name="Dwayne Natwick" userId="d11f0013982d5c78" providerId="LiveId" clId="{67AF20B4-6DC7-492D-BA3B-9FCF6F9AD6CF}" dt="2023-09-15T12:33:18.323" v="157" actId="478"/>
+        <pc:sldMkLst>
+          <pc:docMk/>
+          <pc:sldMk cId="2524577050" sldId="2147470612"/>
+        </pc:sldMkLst>
+        <pc:spChg chg="del">
+          <ac:chgData name="Dwayne Natwick" userId="d11f0013982d5c78" providerId="LiveId" clId="{67AF20B4-6DC7-492D-BA3B-9FCF6F9AD6CF}" dt="2023-09-15T12:33:18.323" v="157" actId="478"/>
+          <ac:spMkLst>
+            <pc:docMk/>
+            <pc:sldMk cId="2524577050" sldId="2147470612"/>
+            <ac:spMk id="4" creationId="{57240181-C93A-F4E8-472C-1AF0F2C2A855}"/>
+          </ac:spMkLst>
+        </pc:spChg>
+        <pc:spChg chg="del">
+          <ac:chgData name="Dwayne Natwick" userId="d11f0013982d5c78" providerId="LiveId" clId="{67AF20B4-6DC7-492D-BA3B-9FCF6F9AD6CF}" dt="2023-09-15T12:33:13.947" v="156" actId="478"/>
+          <ac:spMkLst>
+            <pc:docMk/>
+            <pc:sldMk cId="2524577050" sldId="2147470612"/>
+            <ac:spMk id="5" creationId="{D3A447DE-6903-1590-61FB-AB160302D80B}"/>
+          </ac:spMkLst>
+        </pc:spChg>
+        <pc:spChg chg="del">
+          <ac:chgData name="Dwayne Natwick" userId="d11f0013982d5c78" providerId="LiveId" clId="{67AF20B4-6DC7-492D-BA3B-9FCF6F9AD6CF}" dt="2023-09-15T12:33:06.604" v="154" actId="478"/>
+          <ac:spMkLst>
+            <pc:docMk/>
+            <pc:sldMk cId="2524577050" sldId="2147470612"/>
+            <ac:spMk id="6" creationId="{520C77B9-C55A-8B6C-DC16-CEE27B62CD45}"/>
+          </ac:spMkLst>
+        </pc:spChg>
+        <pc:spChg chg="del">
+          <ac:chgData name="Dwayne Natwick" userId="d11f0013982d5c78" providerId="LiveId" clId="{67AF20B4-6DC7-492D-BA3B-9FCF6F9AD6CF}" dt="2023-09-15T12:33:11.398" v="155" actId="478"/>
+          <ac:spMkLst>
+            <pc:docMk/>
+            <pc:sldMk cId="2524577050" sldId="2147470612"/>
+            <ac:spMk id="7" creationId="{C25B8EDA-4C77-A71B-612F-D5F8559DF688}"/>
+          </ac:spMkLst>
+        </pc:spChg>
+      </pc:sldChg>
+      <pc:sldChg chg="modSp mod">
+        <pc:chgData name="Dwayne Natwick" userId="d11f0013982d5c78" providerId="LiveId" clId="{67AF20B4-6DC7-492D-BA3B-9FCF6F9AD6CF}" dt="2023-09-15T12:24:40.874" v="10" actId="14100"/>
+        <pc:sldMkLst>
+          <pc:docMk/>
+          <pc:sldMk cId="848203549" sldId="2147470613"/>
+        </pc:sldMkLst>
+        <pc:spChg chg="mod ord">
+          <ac:chgData name="Dwayne Natwick" userId="d11f0013982d5c78" providerId="LiveId" clId="{67AF20B4-6DC7-492D-BA3B-9FCF6F9AD6CF}" dt="2023-09-15T12:24:40.874" v="10" actId="14100"/>
+          <ac:spMkLst>
+            <pc:docMk/>
+            <pc:sldMk cId="848203549" sldId="2147470613"/>
+            <ac:spMk id="3" creationId="{2E50BA7C-3255-BC69-812B-892217F5D36D}"/>
+          </ac:spMkLst>
+        </pc:spChg>
+        <pc:picChg chg="mod">
+          <ac:chgData name="Dwayne Natwick" userId="d11f0013982d5c78" providerId="LiveId" clId="{67AF20B4-6DC7-492D-BA3B-9FCF6F9AD6CF}" dt="2023-09-15T12:24:28.644" v="7" actId="26606"/>
+          <ac:picMkLst>
+            <pc:docMk/>
+            <pc:sldMk cId="848203549" sldId="2147470613"/>
+            <ac:picMk id="4" creationId="{D26C38C8-22B0-0868-2D0E-669BDC2059B1}"/>
+          </ac:picMkLst>
+        </pc:picChg>
+      </pc:sldChg>
+      <pc:sldChg chg="addSp delSp modSp mod modClrScheme chgLayout">
+        <pc:chgData name="Dwayne Natwick" userId="d11f0013982d5c78" providerId="LiveId" clId="{67AF20B4-6DC7-492D-BA3B-9FCF6F9AD6CF}" dt="2023-09-15T12:25:30.016" v="23" actId="404"/>
+        <pc:sldMkLst>
+          <pc:docMk/>
+          <pc:sldMk cId="3770102974" sldId="2147470614"/>
+        </pc:sldMkLst>
+        <pc:spChg chg="mod">
+          <ac:chgData name="Dwayne Natwick" userId="d11f0013982d5c78" providerId="LiveId" clId="{67AF20B4-6DC7-492D-BA3B-9FCF6F9AD6CF}" dt="2023-09-15T12:25:17.917" v="16" actId="26606"/>
+          <ac:spMkLst>
+            <pc:docMk/>
+            <pc:sldMk cId="3770102974" sldId="2147470614"/>
+            <ac:spMk id="2" creationId="{CFCF5E71-8482-5C4A-1937-62180CED69B1}"/>
+          </ac:spMkLst>
+        </pc:spChg>
+        <pc:spChg chg="add del">
+          <ac:chgData name="Dwayne Natwick" userId="d11f0013982d5c78" providerId="LiveId" clId="{67AF20B4-6DC7-492D-BA3B-9FCF6F9AD6CF}" dt="2023-09-15T12:25:09.961" v="14" actId="26606"/>
+          <ac:spMkLst>
+            <pc:docMk/>
+            <pc:sldMk cId="3770102974" sldId="2147470614"/>
+            <ac:spMk id="3" creationId="{2E8F6CC6-DEE5-E7CD-0610-AF173BD7F8EC}"/>
+          </ac:spMkLst>
+        </pc:spChg>
+        <pc:spChg chg="add del mod">
+          <ac:chgData name="Dwayne Natwick" userId="d11f0013982d5c78" providerId="LiveId" clId="{67AF20B4-6DC7-492D-BA3B-9FCF6F9AD6CF}" dt="2023-09-15T12:25:14.440" v="15" actId="478"/>
+          <ac:spMkLst>
+            <pc:docMk/>
+            <pc:sldMk cId="3770102974" sldId="2147470614"/>
+            <ac:spMk id="9" creationId="{58699FEA-8D93-6C54-EB4F-88BC2FCE5915}"/>
+          </ac:spMkLst>
+        </pc:spChg>
+        <pc:graphicFrameChg chg="add del">
+          <ac:chgData name="Dwayne Natwick" userId="d11f0013982d5c78" providerId="LiveId" clId="{67AF20B4-6DC7-492D-BA3B-9FCF6F9AD6CF}" dt="2023-09-15T12:25:09.866" v="13" actId="26606"/>
+          <ac:graphicFrameMkLst>
+            <pc:docMk/>
+            <pc:sldMk cId="3770102974" sldId="2147470614"/>
+            <ac:graphicFrameMk id="5" creationId="{5532D69F-20D3-37B9-F271-649CAC81B81A}"/>
+          </ac:graphicFrameMkLst>
+        </pc:graphicFrameChg>
+        <pc:graphicFrameChg chg="add mod modGraphic">
+          <ac:chgData name="Dwayne Natwick" userId="d11f0013982d5c78" providerId="LiveId" clId="{67AF20B4-6DC7-492D-BA3B-9FCF6F9AD6CF}" dt="2023-09-15T12:25:30.016" v="23" actId="404"/>
+          <ac:graphicFrameMkLst>
+            <pc:docMk/>
+            <pc:sldMk cId="3770102974" sldId="2147470614"/>
+            <ac:graphicFrameMk id="7" creationId="{A219546F-E536-A279-B526-1AE693C0FEBC}"/>
+          </ac:graphicFrameMkLst>
+        </pc:graphicFrameChg>
+      </pc:sldChg>
+      <pc:sldChg chg="addSp delSp modSp mod">
+        <pc:chgData name="Dwayne Natwick" userId="d11f0013982d5c78" providerId="LiveId" clId="{67AF20B4-6DC7-492D-BA3B-9FCF6F9AD6CF}" dt="2023-09-15T12:26:40.164" v="31" actId="207"/>
+        <pc:sldMkLst>
+          <pc:docMk/>
+          <pc:sldMk cId="3776730813" sldId="2147470620"/>
+        </pc:sldMkLst>
+        <pc:spChg chg="mod">
+          <ac:chgData name="Dwayne Natwick" userId="d11f0013982d5c78" providerId="LiveId" clId="{67AF20B4-6DC7-492D-BA3B-9FCF6F9AD6CF}" dt="2023-09-15T12:26:19.350" v="29" actId="26606"/>
+          <ac:spMkLst>
+            <pc:docMk/>
+            <pc:sldMk cId="3776730813" sldId="2147470620"/>
+            <ac:spMk id="2" creationId="{B98733DD-1422-5649-B7EC-6C22F68294E7}"/>
+          </ac:spMkLst>
+        </pc:spChg>
+        <pc:spChg chg="del">
+          <ac:chgData name="Dwayne Natwick" userId="d11f0013982d5c78" providerId="LiveId" clId="{67AF20B4-6DC7-492D-BA3B-9FCF6F9AD6CF}" dt="2023-09-15T12:26:19.350" v="29" actId="26606"/>
+          <ac:spMkLst>
+            <pc:docMk/>
+            <pc:sldMk cId="3776730813" sldId="2147470620"/>
+            <ac:spMk id="3" creationId="{6877C1DD-3080-4AEC-3E55-CF8ED035D114}"/>
+          </ac:spMkLst>
+        </pc:spChg>
+        <pc:graphicFrameChg chg="add mod">
+          <ac:chgData name="Dwayne Natwick" userId="d11f0013982d5c78" providerId="LiveId" clId="{67AF20B4-6DC7-492D-BA3B-9FCF6F9AD6CF}" dt="2023-09-15T12:26:40.164" v="31" actId="207"/>
+          <ac:graphicFrameMkLst>
+            <pc:docMk/>
+            <pc:sldMk cId="3776730813" sldId="2147470620"/>
+            <ac:graphicFrameMk id="5" creationId="{EAD11503-D133-32E7-E133-88CB07DFE0F3}"/>
+          </ac:graphicFrameMkLst>
+        </pc:graphicFrameChg>
+      </pc:sldChg>
+      <pc:sldChg chg="addSp delSp modSp mod modClrScheme chgLayout">
+        <pc:chgData name="Dwayne Natwick" userId="d11f0013982d5c78" providerId="LiveId" clId="{67AF20B4-6DC7-492D-BA3B-9FCF6F9AD6CF}" dt="2023-09-15T12:27:22.537" v="41" actId="12"/>
+        <pc:sldMkLst>
+          <pc:docMk/>
+          <pc:sldMk cId="1675599562" sldId="2147470621"/>
+        </pc:sldMkLst>
+        <pc:spChg chg="mod">
+          <ac:chgData name="Dwayne Natwick" userId="d11f0013982d5c78" providerId="LiveId" clId="{67AF20B4-6DC7-492D-BA3B-9FCF6F9AD6CF}" dt="2023-09-15T12:27:16.480" v="40" actId="26606"/>
+          <ac:spMkLst>
+            <pc:docMk/>
+            <pc:sldMk cId="1675599562" sldId="2147470621"/>
+            <ac:spMk id="2" creationId="{4F2E3601-0348-0AC8-926D-2963A6EBDE54}"/>
+          </ac:spMkLst>
+        </pc:spChg>
+        <pc:spChg chg="mod">
+          <ac:chgData name="Dwayne Natwick" userId="d11f0013982d5c78" providerId="LiveId" clId="{67AF20B4-6DC7-492D-BA3B-9FCF6F9AD6CF}" dt="2023-09-15T12:27:22.537" v="41" actId="12"/>
+          <ac:spMkLst>
+            <pc:docMk/>
+            <pc:sldMk cId="1675599562" sldId="2147470621"/>
+            <ac:spMk id="3" creationId="{226A9B3B-731B-E601-049B-025098728B19}"/>
+          </ac:spMkLst>
+        </pc:spChg>
+        <pc:spChg chg="add del mod">
+          <ac:chgData name="Dwayne Natwick" userId="d11f0013982d5c78" providerId="LiveId" clId="{67AF20B4-6DC7-492D-BA3B-9FCF6F9AD6CF}" dt="2023-09-15T12:27:08.351" v="33" actId="26606"/>
+          <ac:spMkLst>
+            <pc:docMk/>
+            <pc:sldMk cId="1675599562" sldId="2147470621"/>
+            <ac:spMk id="8" creationId="{CBDE5322-35C9-7798-3ACA-6181A40C14D0}"/>
+          </ac:spMkLst>
+        </pc:spChg>
+        <pc:spChg chg="add del mod">
+          <ac:chgData name="Dwayne Natwick" userId="d11f0013982d5c78" providerId="LiveId" clId="{67AF20B4-6DC7-492D-BA3B-9FCF6F9AD6CF}" dt="2023-09-15T12:27:11.088" v="35" actId="26606"/>
+          <ac:spMkLst>
+            <pc:docMk/>
+            <pc:sldMk cId="1675599562" sldId="2147470621"/>
+            <ac:spMk id="10" creationId="{795D7EBF-A03F-22DA-4479-3CEB4DE78634}"/>
+          </ac:spMkLst>
+        </pc:spChg>
+      </pc:sldChg>
+      <pc:sldChg chg="delSp modSp mod">
+        <pc:chgData name="Dwayne Natwick" userId="d11f0013982d5c78" providerId="LiveId" clId="{67AF20B4-6DC7-492D-BA3B-9FCF6F9AD6CF}" dt="2023-09-15T12:32:14.657" v="145"/>
+        <pc:sldMkLst>
+          <pc:docMk/>
+          <pc:sldMk cId="4211696148" sldId="2147470622"/>
+        </pc:sldMkLst>
+        <pc:spChg chg="mod">
+          <ac:chgData name="Dwayne Natwick" userId="d11f0013982d5c78" providerId="LiveId" clId="{67AF20B4-6DC7-492D-BA3B-9FCF6F9AD6CF}" dt="2023-09-15T12:32:12.113" v="143" actId="20577"/>
+          <ac:spMkLst>
+            <pc:docMk/>
+            <pc:sldMk cId="4211696148" sldId="2147470622"/>
+            <ac:spMk id="3" creationId="{8EBEE321-11FC-1E70-73C4-F9D3512763DC}"/>
+          </ac:spMkLst>
+        </pc:spChg>
+        <pc:spChg chg="del mod">
+          <ac:chgData name="Dwayne Natwick" userId="d11f0013982d5c78" providerId="LiveId" clId="{67AF20B4-6DC7-492D-BA3B-9FCF6F9AD6CF}" dt="2023-09-15T12:32:14.657" v="145"/>
+          <ac:spMkLst>
+            <pc:docMk/>
+            <pc:sldMk cId="4211696148" sldId="2147470622"/>
+            <ac:spMk id="4" creationId="{894C4432-C891-B2F2-36B5-DC9ABE788A25}"/>
+          </ac:spMkLst>
+        </pc:spChg>
+      </pc:sldChg>
+    </pc:docChg>
+  </pc:docChgLst>
+  <pc:docChgLst>
+    <pc:chgData name="Dwayne Natwick" userId="d11f0013982d5c78" providerId="Windows Live" clId="Web-{71AAC7CB-8687-4658-9B09-DDB30BE95366}"/>
+    <pc:docChg chg="delSld modSld sldOrd">
+      <pc:chgData name="Dwayne Natwick" userId="d11f0013982d5c78" providerId="Windows Live" clId="Web-{71AAC7CB-8687-4658-9B09-DDB30BE95366}" dt="2023-09-15T13:05:49.642" v="212" actId="20577"/>
+      <pc:docMkLst>
+        <pc:docMk/>
+      </pc:docMkLst>
+      <pc:sldChg chg="del">
+        <pc:chgData name="Dwayne Natwick" userId="d11f0013982d5c78" providerId="Windows Live" clId="Web-{71AAC7CB-8687-4658-9B09-DDB30BE95366}" dt="2023-09-15T12:44:28.257" v="0"/>
+        <pc:sldMkLst>
+          <pc:docMk/>
+          <pc:sldMk cId="4270848246" sldId="2147470560"/>
+        </pc:sldMkLst>
+      </pc:sldChg>
+      <pc:sldChg chg="del">
+        <pc:chgData name="Dwayne Natwick" userId="d11f0013982d5c78" providerId="Windows Live" clId="Web-{71AAC7CB-8687-4658-9B09-DDB30BE95366}" dt="2023-09-15T12:44:28.350" v="36"/>
+        <pc:sldMkLst>
+          <pc:docMk/>
+          <pc:sldMk cId="3644458694" sldId="2147470564"/>
+        </pc:sldMkLst>
+      </pc:sldChg>
+      <pc:sldChg chg="del">
+        <pc:chgData name="Dwayne Natwick" userId="d11f0013982d5c78" providerId="Windows Live" clId="Web-{71AAC7CB-8687-4658-9B09-DDB30BE95366}" dt="2023-09-15T12:44:37.835" v="38"/>
+        <pc:sldMkLst>
+          <pc:docMk/>
+          <pc:sldMk cId="2739312586" sldId="2147470565"/>
+        </pc:sldMkLst>
+      </pc:sldChg>
+      <pc:sldChg chg="ord">
+        <pc:chgData name="Dwayne Natwick" userId="d11f0013982d5c78" providerId="Windows Live" clId="Web-{71AAC7CB-8687-4658-9B09-DDB30BE95366}" dt="2023-09-15T12:44:35.898" v="37"/>
+        <pc:sldMkLst>
+          <pc:docMk/>
+          <pc:sldMk cId="2251723249" sldId="2147470571"/>
+        </pc:sldMkLst>
+      </pc:sldChg>
+      <pc:sldChg chg="del">
+        <pc:chgData name="Dwayne Natwick" userId="d11f0013982d5c78" providerId="Windows Live" clId="Web-{71AAC7CB-8687-4658-9B09-DDB30BE95366}" dt="2023-09-15T12:44:28.335" v="34"/>
+        <pc:sldMkLst>
+          <pc:docMk/>
+          <pc:sldMk cId="948136224" sldId="2147470573"/>
+        </pc:sldMkLst>
+      </pc:sldChg>
+      <pc:sldChg chg="del">
+        <pc:chgData name="Dwayne Natwick" userId="d11f0013982d5c78" providerId="Windows Live" clId="Web-{71AAC7CB-8687-4658-9B09-DDB30BE95366}" dt="2023-09-15T12:44:28.304" v="24"/>
+        <pc:sldMkLst>
+          <pc:docMk/>
+          <pc:sldMk cId="2030514790" sldId="2147470574"/>
+        </pc:sldMkLst>
+      </pc:sldChg>
+      <pc:sldChg chg="del">
+        <pc:chgData name="Dwayne Natwick" userId="d11f0013982d5c78" providerId="Windows Live" clId="Web-{71AAC7CB-8687-4658-9B09-DDB30BE95366}" dt="2023-09-15T12:44:28.304" v="22"/>
+        <pc:sldMkLst>
+          <pc:docMk/>
+          <pc:sldMk cId="3649936595" sldId="2147470575"/>
+        </pc:sldMkLst>
+      </pc:sldChg>
+      <pc:sldChg chg="del">
+        <pc:chgData name="Dwayne Natwick" userId="d11f0013982d5c78" providerId="Windows Live" clId="Web-{71AAC7CB-8687-4658-9B09-DDB30BE95366}" dt="2023-09-15T12:44:28.272" v="13"/>
+        <pc:sldMkLst>
+          <pc:docMk/>
+          <pc:sldMk cId="511214272" sldId="2147470576"/>
+        </pc:sldMkLst>
+      </pc:sldChg>
+      <pc:sldChg chg="del">
+        <pc:chgData name="Dwayne Natwick" userId="d11f0013982d5c78" providerId="Windows Live" clId="Web-{71AAC7CB-8687-4658-9B09-DDB30BE95366}" dt="2023-09-15T12:44:28.257" v="9"/>
+        <pc:sldMkLst>
+          <pc:docMk/>
+          <pc:sldMk cId="4196600117" sldId="2147470577"/>
+        </pc:sldMkLst>
+      </pc:sldChg>
+      <pc:sldChg chg="del">
+        <pc:chgData name="Dwayne Natwick" userId="d11f0013982d5c78" providerId="Windows Live" clId="Web-{71AAC7CB-8687-4658-9B09-DDB30BE95366}" dt="2023-09-15T12:44:28.257" v="8"/>
+        <pc:sldMkLst>
+          <pc:docMk/>
+          <pc:sldMk cId="1593797140" sldId="2147470578"/>
+        </pc:sldMkLst>
+      </pc:sldChg>
+      <pc:sldChg chg="del">
+        <pc:chgData name="Dwayne Natwick" userId="d11f0013982d5c78" providerId="Windows Live" clId="Web-{71AAC7CB-8687-4658-9B09-DDB30BE95366}" dt="2023-09-15T12:44:28.272" v="11"/>
+        <pc:sldMkLst>
+          <pc:docMk/>
+          <pc:sldMk cId="90178162" sldId="2147470579"/>
+        </pc:sldMkLst>
+      </pc:sldChg>
+      <pc:sldChg chg="del">
+        <pc:chgData name="Dwayne Natwick" userId="d11f0013982d5c78" providerId="Windows Live" clId="Web-{71AAC7CB-8687-4658-9B09-DDB30BE95366}" dt="2023-09-15T12:44:28.272" v="10"/>
+        <pc:sldMkLst>
+          <pc:docMk/>
+          <pc:sldMk cId="1437570267" sldId="2147470580"/>
+        </pc:sldMkLst>
+      </pc:sldChg>
+      <pc:sldChg chg="del">
+        <pc:chgData name="Dwayne Natwick" userId="d11f0013982d5c78" providerId="Windows Live" clId="Web-{71AAC7CB-8687-4658-9B09-DDB30BE95366}" dt="2023-09-15T12:44:28.257" v="7"/>
+        <pc:sldMkLst>
+          <pc:docMk/>
+          <pc:sldMk cId="1083283128" sldId="2147470581"/>
+        </pc:sldMkLst>
+      </pc:sldChg>
+      <pc:sldChg chg="del">
+        <pc:chgData name="Dwayne Natwick" userId="d11f0013982d5c78" providerId="Windows Live" clId="Web-{71AAC7CB-8687-4658-9B09-DDB30BE95366}" dt="2023-09-15T12:44:28.257" v="4"/>
+        <pc:sldMkLst>
+          <pc:docMk/>
+          <pc:sldMk cId="3763189814" sldId="2147470582"/>
+        </pc:sldMkLst>
+      </pc:sldChg>
+      <pc:sldChg chg="del">
+        <pc:chgData name="Dwayne Natwick" userId="d11f0013982d5c78" providerId="Windows Live" clId="Web-{71AAC7CB-8687-4658-9B09-DDB30BE95366}" dt="2023-09-15T12:44:28.335" v="33"/>
+        <pc:sldMkLst>
+          <pc:docMk/>
+          <pc:sldMk cId="3386646133" sldId="2147470584"/>
+        </pc:sldMkLst>
+      </pc:sldChg>
+      <pc:sldChg chg="del">
+        <pc:chgData name="Dwayne Natwick" userId="d11f0013982d5c78" providerId="Windows Live" clId="Web-{71AAC7CB-8687-4658-9B09-DDB30BE95366}" dt="2023-09-15T12:44:28.335" v="32"/>
+        <pc:sldMkLst>
+          <pc:docMk/>
+          <pc:sldMk cId="3650723693" sldId="2147470585"/>
+        </pc:sldMkLst>
+      </pc:sldChg>
+      <pc:sldChg chg="del">
+        <pc:chgData name="Dwayne Natwick" userId="d11f0013982d5c78" providerId="Windows Live" clId="Web-{71AAC7CB-8687-4658-9B09-DDB30BE95366}" dt="2023-09-15T12:44:28.335" v="31"/>
+        <pc:sldMkLst>
+          <pc:docMk/>
+          <pc:sldMk cId="694622249" sldId="2147470586"/>
+        </pc:sldMkLst>
+      </pc:sldChg>
+      <pc:sldChg chg="del">
+        <pc:chgData name="Dwayne Natwick" userId="d11f0013982d5c78" providerId="Windows Live" clId="Web-{71AAC7CB-8687-4658-9B09-DDB30BE95366}" dt="2023-09-15T12:44:28.335" v="30"/>
+        <pc:sldMkLst>
+          <pc:docMk/>
+          <pc:sldMk cId="347590927" sldId="2147470587"/>
+        </pc:sldMkLst>
+      </pc:sldChg>
+      <pc:sldChg chg="del">
+        <pc:chgData name="Dwayne Natwick" userId="d11f0013982d5c78" providerId="Windows Live" clId="Web-{71AAC7CB-8687-4658-9B09-DDB30BE95366}" dt="2023-09-15T12:44:28.319" v="28"/>
+        <pc:sldMkLst>
+          <pc:docMk/>
+          <pc:sldMk cId="2214484181" sldId="2147470588"/>
+        </pc:sldMkLst>
+      </pc:sldChg>
+      <pc:sldChg chg="del">
+        <pc:chgData name="Dwayne Natwick" userId="d11f0013982d5c78" providerId="Windows Live" clId="Web-{71AAC7CB-8687-4658-9B09-DDB30BE95366}" dt="2023-09-15T12:44:28.319" v="29"/>
+        <pc:sldMkLst>
+          <pc:docMk/>
+          <pc:sldMk cId="3716502182" sldId="2147470589"/>
+        </pc:sldMkLst>
+      </pc:sldChg>
+      <pc:sldChg chg="del">
+        <pc:chgData name="Dwayne Natwick" userId="d11f0013982d5c78" providerId="Windows Live" clId="Web-{71AAC7CB-8687-4658-9B09-DDB30BE95366}" dt="2023-09-15T12:44:28.319" v="27"/>
+        <pc:sldMkLst>
+          <pc:docMk/>
+          <pc:sldMk cId="836223342" sldId="2147470590"/>
+        </pc:sldMkLst>
+      </pc:sldChg>
+      <pc:sldChg chg="del">
+        <pc:chgData name="Dwayne Natwick" userId="d11f0013982d5c78" providerId="Windows Live" clId="Web-{71AAC7CB-8687-4658-9B09-DDB30BE95366}" dt="2023-09-15T12:44:28.304" v="23"/>
+        <pc:sldMkLst>
+          <pc:docMk/>
+          <pc:sldMk cId="1568180102" sldId="2147470591"/>
+        </pc:sldMkLst>
+      </pc:sldChg>
+      <pc:sldChg chg="del">
+        <pc:chgData name="Dwayne Natwick" userId="d11f0013982d5c78" providerId="Windows Live" clId="Web-{71AAC7CB-8687-4658-9B09-DDB30BE95366}" dt="2023-09-15T12:44:28.304" v="25"/>
+        <pc:sldMkLst>
+          <pc:docMk/>
+          <pc:sldMk cId="823722957" sldId="2147470592"/>
+        </pc:sldMkLst>
+      </pc:sldChg>
+      <pc:sldChg chg="del">
+        <pc:chgData name="Dwayne Natwick" userId="d11f0013982d5c78" providerId="Windows Live" clId="Web-{71AAC7CB-8687-4658-9B09-DDB30BE95366}" dt="2023-09-15T12:44:28.335" v="35"/>
+        <pc:sldMkLst>
+          <pc:docMk/>
+          <pc:sldMk cId="3948585883" sldId="2147470593"/>
+        </pc:sldMkLst>
+      </pc:sldChg>
+      <pc:sldChg chg="del">
+        <pc:chgData name="Dwayne Natwick" userId="d11f0013982d5c78" providerId="Windows Live" clId="Web-{71AAC7CB-8687-4658-9B09-DDB30BE95366}" dt="2023-09-15T12:44:28.304" v="21"/>
+        <pc:sldMkLst>
+          <pc:docMk/>
+          <pc:sldMk cId="449857184" sldId="2147470594"/>
+        </pc:sldMkLst>
+      </pc:sldChg>
+      <pc:sldChg chg="del">
+        <pc:chgData name="Dwayne Natwick" userId="d11f0013982d5c78" providerId="Windows Live" clId="Web-{71AAC7CB-8687-4658-9B09-DDB30BE95366}" dt="2023-09-15T12:44:28.288" v="17"/>
+        <pc:sldMkLst>
+          <pc:docMk/>
+          <pc:sldMk cId="3381500547" sldId="2147470595"/>
+        </pc:sldMkLst>
+      </pc:sldChg>
+      <pc:sldChg chg="del">
+        <pc:chgData name="Dwayne Natwick" userId="d11f0013982d5c78" providerId="Windows Live" clId="Web-{71AAC7CB-8687-4658-9B09-DDB30BE95366}" dt="2023-09-15T12:44:28.304" v="20"/>
+        <pc:sldMkLst>
+          <pc:docMk/>
+          <pc:sldMk cId="1619709891" sldId="2147470596"/>
+        </pc:sldMkLst>
+      </pc:sldChg>
+      <pc:sldChg chg="del">
+        <pc:chgData name="Dwayne Natwick" userId="d11f0013982d5c78" providerId="Windows Live" clId="Web-{71AAC7CB-8687-4658-9B09-DDB30BE95366}" dt="2023-09-15T12:44:28.304" v="19"/>
+        <pc:sldMkLst>
+          <pc:docMk/>
+          <pc:sldMk cId="3056138002" sldId="2147470597"/>
+        </pc:sldMkLst>
+      </pc:sldChg>
+      <pc:sldChg chg="del">
+        <pc:chgData name="Dwayne Natwick" userId="d11f0013982d5c78" providerId="Windows Live" clId="Web-{71AAC7CB-8687-4658-9B09-DDB30BE95366}" dt="2023-09-15T12:44:28.288" v="18"/>
+        <pc:sldMkLst>
+          <pc:docMk/>
+          <pc:sldMk cId="1103145275" sldId="2147470598"/>
+        </pc:sldMkLst>
+      </pc:sldChg>
+      <pc:sldChg chg="del">
+        <pc:chgData name="Dwayne Natwick" userId="d11f0013982d5c78" providerId="Windows Live" clId="Web-{71AAC7CB-8687-4658-9B09-DDB30BE95366}" dt="2023-09-15T12:44:28.288" v="15"/>
+        <pc:sldMkLst>
+          <pc:docMk/>
+          <pc:sldMk cId="2015539757" sldId="2147470599"/>
+        </pc:sldMkLst>
+      </pc:sldChg>
+      <pc:sldChg chg="del">
+        <pc:chgData name="Dwayne Natwick" userId="d11f0013982d5c78" providerId="Windows Live" clId="Web-{71AAC7CB-8687-4658-9B09-DDB30BE95366}" dt="2023-09-15T12:44:28.288" v="16"/>
+        <pc:sldMkLst>
+          <pc:docMk/>
+          <pc:sldMk cId="917890403" sldId="2147470600"/>
+        </pc:sldMkLst>
+      </pc:sldChg>
+      <pc:sldChg chg="del">
+        <pc:chgData name="Dwayne Natwick" userId="d11f0013982d5c78" providerId="Windows Live" clId="Web-{71AAC7CB-8687-4658-9B09-DDB30BE95366}" dt="2023-09-15T12:44:28.288" v="14"/>
+        <pc:sldMkLst>
+          <pc:docMk/>
+          <pc:sldMk cId="2983617397" sldId="2147470601"/>
+        </pc:sldMkLst>
+      </pc:sldChg>
+      <pc:sldChg chg="del">
+        <pc:chgData name="Dwayne Natwick" userId="d11f0013982d5c78" providerId="Windows Live" clId="Web-{71AAC7CB-8687-4658-9B09-DDB30BE95366}" dt="2023-09-15T12:44:28.272" v="12"/>
+        <pc:sldMkLst>
+          <pc:docMk/>
+          <pc:sldMk cId="1171446039" sldId="2147470602"/>
+        </pc:sldMkLst>
+      </pc:sldChg>
+      <pc:sldChg chg="del">
+        <pc:chgData name="Dwayne Natwick" userId="d11f0013982d5c78" providerId="Windows Live" clId="Web-{71AAC7CB-8687-4658-9B09-DDB30BE95366}" dt="2023-09-15T12:44:28.257" v="5"/>
+        <pc:sldMkLst>
+          <pc:docMk/>
+          <pc:sldMk cId="818381816" sldId="2147470603"/>
+        </pc:sldMkLst>
+      </pc:sldChg>
+      <pc:sldChg chg="del">
+        <pc:chgData name="Dwayne Natwick" userId="d11f0013982d5c78" providerId="Windows Live" clId="Web-{71AAC7CB-8687-4658-9B09-DDB30BE95366}" dt="2023-09-15T12:44:28.257" v="1"/>
+        <pc:sldMkLst>
+          <pc:docMk/>
+          <pc:sldMk cId="1742974702" sldId="2147470604"/>
+        </pc:sldMkLst>
+      </pc:sldChg>
+      <pc:sldChg chg="del">
+        <pc:chgData name="Dwayne Natwick" userId="d11f0013982d5c78" providerId="Windows Live" clId="Web-{71AAC7CB-8687-4658-9B09-DDB30BE95366}" dt="2023-09-15T12:44:28.257" v="2"/>
+        <pc:sldMkLst>
+          <pc:docMk/>
+          <pc:sldMk cId="1637472956" sldId="2147470605"/>
+        </pc:sldMkLst>
+      </pc:sldChg>
+      <pc:sldChg chg="del">
+        <pc:chgData name="Dwayne Natwick" userId="d11f0013982d5c78" providerId="Windows Live" clId="Web-{71AAC7CB-8687-4658-9B09-DDB30BE95366}" dt="2023-09-15T12:44:28.257" v="3"/>
+        <pc:sldMkLst>
+          <pc:docMk/>
+          <pc:sldMk cId="3543320482" sldId="2147470606"/>
+        </pc:sldMkLst>
+      </pc:sldChg>
+      <pc:sldChg chg="modSp">
+        <pc:chgData name="Dwayne Natwick" userId="d11f0013982d5c78" providerId="Windows Live" clId="Web-{71AAC7CB-8687-4658-9B09-DDB30BE95366}" dt="2023-09-15T12:54:46.410" v="175" actId="20577"/>
+        <pc:sldMkLst>
+          <pc:docMk/>
+          <pc:sldMk cId="2524577050" sldId="2147470612"/>
+        </pc:sldMkLst>
+        <pc:spChg chg="mod">
+          <ac:chgData name="Dwayne Natwick" userId="d11f0013982d5c78" providerId="Windows Live" clId="Web-{71AAC7CB-8687-4658-9B09-DDB30BE95366}" dt="2023-09-15T12:54:46.410" v="175" actId="20577"/>
+          <ac:spMkLst>
+            <pc:docMk/>
+            <pc:sldMk cId="2524577050" sldId="2147470612"/>
+            <ac:spMk id="3" creationId="{675F152E-D720-B366-A514-0FB945F73594}"/>
+          </ac:spMkLst>
+        </pc:spChg>
+      </pc:sldChg>
+      <pc:sldChg chg="del">
+        <pc:chgData name="Dwayne Natwick" userId="d11f0013982d5c78" providerId="Windows Live" clId="Web-{71AAC7CB-8687-4658-9B09-DDB30BE95366}" dt="2023-09-15T12:44:28.257" v="6"/>
+        <pc:sldMkLst>
+          <pc:docMk/>
+          <pc:sldMk cId="3921617707" sldId="2147470616"/>
+        </pc:sldMkLst>
+      </pc:sldChg>
+      <pc:sldChg chg="del">
+        <pc:chgData name="Dwayne Natwick" userId="d11f0013982d5c78" providerId="Windows Live" clId="Web-{71AAC7CB-8687-4658-9B09-DDB30BE95366}" dt="2023-09-15T12:44:28.304" v="26"/>
+        <pc:sldMkLst>
+          <pc:docMk/>
+          <pc:sldMk cId="1753990868" sldId="2147470617"/>
+        </pc:sldMkLst>
+      </pc:sldChg>
+      <pc:sldChg chg="modSp">
+        <pc:chgData name="Dwayne Natwick" userId="d11f0013982d5c78" providerId="Windows Live" clId="Web-{71AAC7CB-8687-4658-9B09-DDB30BE95366}" dt="2023-09-15T13:05:49.642" v="212" actId="20577"/>
+        <pc:sldMkLst>
+          <pc:docMk/>
+          <pc:sldMk cId="4211696148" sldId="2147470622"/>
+        </pc:sldMkLst>
+        <pc:spChg chg="mod">
+          <ac:chgData name="Dwayne Natwick" userId="d11f0013982d5c78" providerId="Windows Live" clId="Web-{71AAC7CB-8687-4658-9B09-DDB30BE95366}" dt="2023-09-15T13:05:49.642" v="212" actId="20577"/>
+          <ac:spMkLst>
+            <pc:docMk/>
+            <pc:sldMk cId="4211696148" sldId="2147470622"/>
+            <ac:spMk id="3" creationId="{8EBEE321-11FC-1E70-73C4-F9D3512763DC}"/>
           </ac:spMkLst>
         </pc:spChg>
       </pc:sldChg>
@@ -2108,1192 +3517,6 @@
           </pc:sldLayoutMkLst>
         </pc:sldLayoutChg>
       </pc:sldMasterChg>
-    </pc:docChg>
-  </pc:docChgLst>
-  <pc:docChgLst>
-    <pc:chgData name="Dwayne Natwick" userId="d11f0013982d5c78" providerId="Windows Live" clId="Web-{E91C9C7B-BB2D-4AFD-B454-4D10D65794B7}"/>
-    <pc:docChg chg="addSld delSld modSld sldOrd">
-      <pc:chgData name="Dwayne Natwick" userId="d11f0013982d5c78" providerId="Windows Live" clId="Web-{E91C9C7B-BB2D-4AFD-B454-4D10D65794B7}" dt="2023-09-14T19:08:05.804" v="1664"/>
-      <pc:docMkLst>
-        <pc:docMk/>
-      </pc:docMkLst>
-      <pc:sldChg chg="del">
-        <pc:chgData name="Dwayne Natwick" userId="d11f0013982d5c78" providerId="Windows Live" clId="Web-{E91C9C7B-BB2D-4AFD-B454-4D10D65794B7}" dt="2023-09-14T17:31:17.464" v="0"/>
-        <pc:sldMkLst>
-          <pc:docMk/>
-          <pc:sldMk cId="3164376787" sldId="2076137029"/>
-        </pc:sldMkLst>
-      </pc:sldChg>
-      <pc:sldChg chg="del">
-        <pc:chgData name="Dwayne Natwick" userId="d11f0013982d5c78" providerId="Windows Live" clId="Web-{E91C9C7B-BB2D-4AFD-B454-4D10D65794B7}" dt="2023-09-14T17:31:17.464" v="2"/>
-        <pc:sldMkLst>
-          <pc:docMk/>
-          <pc:sldMk cId="2024722602" sldId="2145705724"/>
-        </pc:sldMkLst>
-      </pc:sldChg>
-      <pc:sldChg chg="del">
-        <pc:chgData name="Dwayne Natwick" userId="d11f0013982d5c78" providerId="Windows Live" clId="Web-{E91C9C7B-BB2D-4AFD-B454-4D10D65794B7}" dt="2023-09-14T17:31:17.464" v="1"/>
-        <pc:sldMkLst>
-          <pc:docMk/>
-          <pc:sldMk cId="682611613" sldId="2147470555"/>
-        </pc:sldMkLst>
-      </pc:sldChg>
-      <pc:sldChg chg="ord">
-        <pc:chgData name="Dwayne Natwick" userId="d11f0013982d5c78" providerId="Windows Live" clId="Web-{E91C9C7B-BB2D-4AFD-B454-4D10D65794B7}" dt="2023-09-14T17:51:26.121" v="590"/>
-        <pc:sldMkLst>
-          <pc:docMk/>
-          <pc:sldMk cId="3682517411" sldId="2147470559"/>
-        </pc:sldMkLst>
-      </pc:sldChg>
-      <pc:sldChg chg="modSp modNotes">
-        <pc:chgData name="Dwayne Natwick" userId="d11f0013982d5c78" providerId="Windows Live" clId="Web-{E91C9C7B-BB2D-4AFD-B454-4D10D65794B7}" dt="2023-09-14T17:42:38.560" v="492"/>
-        <pc:sldMkLst>
-          <pc:docMk/>
-          <pc:sldMk cId="3861986293" sldId="2147470583"/>
-        </pc:sldMkLst>
-        <pc:spChg chg="mod">
-          <ac:chgData name="Dwayne Natwick" userId="d11f0013982d5c78" providerId="Windows Live" clId="Web-{E91C9C7B-BB2D-4AFD-B454-4D10D65794B7}" dt="2023-09-14T17:42:38.560" v="492"/>
-          <ac:spMkLst>
-            <pc:docMk/>
-            <pc:sldMk cId="3861986293" sldId="2147470583"/>
-            <ac:spMk id="4" creationId="{B269E640-ABA6-E084-C63A-7A1C976F25BF}"/>
-          </ac:spMkLst>
-        </pc:spChg>
-      </pc:sldChg>
-      <pc:sldChg chg="delSp modSp new mod ord modClrScheme chgLayout">
-        <pc:chgData name="Dwayne Natwick" userId="d11f0013982d5c78" providerId="Windows Live" clId="Web-{E91C9C7B-BB2D-4AFD-B454-4D10D65794B7}" dt="2023-09-14T17:33:46.078" v="165" actId="20577"/>
-        <pc:sldMkLst>
-          <pc:docMk/>
-          <pc:sldMk cId="2839524364" sldId="2147470607"/>
-        </pc:sldMkLst>
-        <pc:spChg chg="mod ord">
-          <ac:chgData name="Dwayne Natwick" userId="d11f0013982d5c78" providerId="Windows Live" clId="Web-{E91C9C7B-BB2D-4AFD-B454-4D10D65794B7}" dt="2023-09-14T17:31:51.387" v="29" actId="20577"/>
-          <ac:spMkLst>
-            <pc:docMk/>
-            <pc:sldMk cId="2839524364" sldId="2147470607"/>
-            <ac:spMk id="2" creationId="{09C07B8E-14FF-3C2D-BE0E-F25E0D4B4DB3}"/>
-          </ac:spMkLst>
-        </pc:spChg>
-        <pc:spChg chg="mod ord">
-          <ac:chgData name="Dwayne Natwick" userId="d11f0013982d5c78" providerId="Windows Live" clId="Web-{E91C9C7B-BB2D-4AFD-B454-4D10D65794B7}" dt="2023-09-14T17:33:46.078" v="165" actId="20577"/>
-          <ac:spMkLst>
-            <pc:docMk/>
-            <pc:sldMk cId="2839524364" sldId="2147470607"/>
-            <ac:spMk id="3" creationId="{C9D88242-39E7-FD9D-8E94-B07DD53805B5}"/>
-          </ac:spMkLst>
-        </pc:spChg>
-        <pc:spChg chg="del">
-          <ac:chgData name="Dwayne Natwick" userId="d11f0013982d5c78" providerId="Windows Live" clId="Web-{E91C9C7B-BB2D-4AFD-B454-4D10D65794B7}" dt="2023-09-14T17:31:33.340" v="4"/>
-          <ac:spMkLst>
-            <pc:docMk/>
-            <pc:sldMk cId="2839524364" sldId="2147470607"/>
-            <ac:spMk id="4" creationId="{5042A307-8831-D2F5-44AC-94A741452604}"/>
-          </ac:spMkLst>
-        </pc:spChg>
-      </pc:sldChg>
-      <pc:sldChg chg="modSp new">
-        <pc:chgData name="Dwayne Natwick" userId="d11f0013982d5c78" providerId="Windows Live" clId="Web-{E91C9C7B-BB2D-4AFD-B454-4D10D65794B7}" dt="2023-09-14T17:37:51.240" v="443" actId="20577"/>
-        <pc:sldMkLst>
-          <pc:docMk/>
-          <pc:sldMk cId="4086260143" sldId="2147470608"/>
-        </pc:sldMkLst>
-        <pc:spChg chg="mod">
-          <ac:chgData name="Dwayne Natwick" userId="d11f0013982d5c78" providerId="Windows Live" clId="Web-{E91C9C7B-BB2D-4AFD-B454-4D10D65794B7}" dt="2023-09-14T17:34:02.313" v="184" actId="20577"/>
-          <ac:spMkLst>
-            <pc:docMk/>
-            <pc:sldMk cId="4086260143" sldId="2147470608"/>
-            <ac:spMk id="2" creationId="{BA3D571B-B150-1C46-5F05-A09D93B7AE7A}"/>
-          </ac:spMkLst>
-        </pc:spChg>
-        <pc:spChg chg="mod">
-          <ac:chgData name="Dwayne Natwick" userId="d11f0013982d5c78" providerId="Windows Live" clId="Web-{E91C9C7B-BB2D-4AFD-B454-4D10D65794B7}" dt="2023-09-14T17:37:51.240" v="443" actId="20577"/>
-          <ac:spMkLst>
-            <pc:docMk/>
-            <pc:sldMk cId="4086260143" sldId="2147470608"/>
-            <ac:spMk id="3" creationId="{EEA0802F-FB95-E549-566C-5C162DF6AE92}"/>
-          </ac:spMkLst>
-        </pc:spChg>
-      </pc:sldChg>
-      <pc:sldChg chg="addSp delSp modSp new modNotes">
-        <pc:chgData name="Dwayne Natwick" userId="d11f0013982d5c78" providerId="Windows Live" clId="Web-{E91C9C7B-BB2D-4AFD-B454-4D10D65794B7}" dt="2023-09-14T17:40:31.854" v="487" actId="20577"/>
-        <pc:sldMkLst>
-          <pc:docMk/>
-          <pc:sldMk cId="379969417" sldId="2147470609"/>
-        </pc:sldMkLst>
-        <pc:spChg chg="mod">
-          <ac:chgData name="Dwayne Natwick" userId="d11f0013982d5c78" providerId="Windows Live" clId="Web-{E91C9C7B-BB2D-4AFD-B454-4D10D65794B7}" dt="2023-09-14T17:38:02.037" v="449" actId="20577"/>
-          <ac:spMkLst>
-            <pc:docMk/>
-            <pc:sldMk cId="379969417" sldId="2147470609"/>
-            <ac:spMk id="2" creationId="{C144469C-FA2E-89F4-8275-78C7809263F1}"/>
-          </ac:spMkLst>
-        </pc:spChg>
-        <pc:spChg chg="mod">
-          <ac:chgData name="Dwayne Natwick" userId="d11f0013982d5c78" providerId="Windows Live" clId="Web-{E91C9C7B-BB2D-4AFD-B454-4D10D65794B7}" dt="2023-09-14T17:40:31.854" v="487" actId="20577"/>
-          <ac:spMkLst>
-            <pc:docMk/>
-            <pc:sldMk cId="379969417" sldId="2147470609"/>
-            <ac:spMk id="3" creationId="{F3C47606-EBF4-2063-DFC2-36C74BD4FA71}"/>
-          </ac:spMkLst>
-        </pc:spChg>
-        <pc:spChg chg="add del mod">
-          <ac:chgData name="Dwayne Natwick" userId="d11f0013982d5c78" providerId="Windows Live" clId="Web-{E91C9C7B-BB2D-4AFD-B454-4D10D65794B7}" dt="2023-09-14T17:39:56.619" v="477"/>
-          <ac:spMkLst>
-            <pc:docMk/>
-            <pc:sldMk cId="379969417" sldId="2147470609"/>
-            <ac:spMk id="4" creationId="{90CC4371-D359-AE00-7C53-DC23F88881E8}"/>
-          </ac:spMkLst>
-        </pc:spChg>
-        <pc:spChg chg="add del mod">
-          <ac:chgData name="Dwayne Natwick" userId="d11f0013982d5c78" providerId="Windows Live" clId="Web-{E91C9C7B-BB2D-4AFD-B454-4D10D65794B7}" dt="2023-09-14T17:40:24.385" v="483"/>
-          <ac:spMkLst>
-            <pc:docMk/>
-            <pc:sldMk cId="379969417" sldId="2147470609"/>
-            <ac:spMk id="5" creationId="{4209EB24-B1ED-706B-D799-95AD17C92A69}"/>
-          </ac:spMkLst>
-        </pc:spChg>
-      </pc:sldChg>
-      <pc:sldChg chg="modSp new ord">
-        <pc:chgData name="Dwayne Natwick" userId="d11f0013982d5c78" providerId="Windows Live" clId="Web-{E91C9C7B-BB2D-4AFD-B454-4D10D65794B7}" dt="2023-09-14T18:55:40.078" v="1008" actId="20577"/>
-        <pc:sldMkLst>
-          <pc:docMk/>
-          <pc:sldMk cId="1929971971" sldId="2147470610"/>
-        </pc:sldMkLst>
-        <pc:spChg chg="mod">
-          <ac:chgData name="Dwayne Natwick" userId="d11f0013982d5c78" providerId="Windows Live" clId="Web-{E91C9C7B-BB2D-4AFD-B454-4D10D65794B7}" dt="2023-09-14T17:43:54.203" v="519" actId="20577"/>
-          <ac:spMkLst>
-            <pc:docMk/>
-            <pc:sldMk cId="1929971971" sldId="2147470610"/>
-            <ac:spMk id="2" creationId="{105B6354-2028-24B8-66E1-0D45962243CA}"/>
-          </ac:spMkLst>
-        </pc:spChg>
-        <pc:spChg chg="mod">
-          <ac:chgData name="Dwayne Natwick" userId="d11f0013982d5c78" providerId="Windows Live" clId="Web-{E91C9C7B-BB2D-4AFD-B454-4D10D65794B7}" dt="2023-09-14T18:55:40.078" v="1008" actId="20577"/>
-          <ac:spMkLst>
-            <pc:docMk/>
-            <pc:sldMk cId="1929971971" sldId="2147470610"/>
-            <ac:spMk id="3" creationId="{7407A4C3-86E5-EFE8-1E18-DC50FF22703B}"/>
-          </ac:spMkLst>
-        </pc:spChg>
-      </pc:sldChg>
-      <pc:sldChg chg="delSp modSp new mod modClrScheme chgLayout">
-        <pc:chgData name="Dwayne Natwick" userId="d11f0013982d5c78" providerId="Windows Live" clId="Web-{E91C9C7B-BB2D-4AFD-B454-4D10D65794B7}" dt="2023-09-14T17:56:40.582" v="716" actId="20577"/>
-        <pc:sldMkLst>
-          <pc:docMk/>
-          <pc:sldMk cId="2421521076" sldId="2147470611"/>
-        </pc:sldMkLst>
-        <pc:spChg chg="mod ord">
-          <ac:chgData name="Dwayne Natwick" userId="d11f0013982d5c78" providerId="Windows Live" clId="Web-{E91C9C7B-BB2D-4AFD-B454-4D10D65794B7}" dt="2023-09-14T17:46:12.159" v="549" actId="20577"/>
-          <ac:spMkLst>
-            <pc:docMk/>
-            <pc:sldMk cId="2421521076" sldId="2147470611"/>
-            <ac:spMk id="2" creationId="{0F4D640B-8499-E0C5-C508-35266E13B6E6}"/>
-          </ac:spMkLst>
-        </pc:spChg>
-        <pc:spChg chg="mod ord">
-          <ac:chgData name="Dwayne Natwick" userId="d11f0013982d5c78" providerId="Windows Live" clId="Web-{E91C9C7B-BB2D-4AFD-B454-4D10D65794B7}" dt="2023-09-14T17:56:40.582" v="716" actId="20577"/>
-          <ac:spMkLst>
-            <pc:docMk/>
-            <pc:sldMk cId="2421521076" sldId="2147470611"/>
-            <ac:spMk id="3" creationId="{358EA097-101A-43CC-781A-E0E92A4D22E7}"/>
-          </ac:spMkLst>
-        </pc:spChg>
-        <pc:spChg chg="del">
-          <ac:chgData name="Dwayne Natwick" userId="d11f0013982d5c78" providerId="Windows Live" clId="Web-{E91C9C7B-BB2D-4AFD-B454-4D10D65794B7}" dt="2023-09-14T17:45:27.769" v="522"/>
-          <ac:spMkLst>
-            <pc:docMk/>
-            <pc:sldMk cId="2421521076" sldId="2147470611"/>
-            <ac:spMk id="4" creationId="{9F2C3E0F-6202-6F36-75C7-7F943D05D8A4}"/>
-          </ac:spMkLst>
-        </pc:spChg>
-      </pc:sldChg>
-      <pc:sldChg chg="addSp modSp new">
-        <pc:chgData name="Dwayne Natwick" userId="d11f0013982d5c78" providerId="Windows Live" clId="Web-{E91C9C7B-BB2D-4AFD-B454-4D10D65794B7}" dt="2023-09-14T18:53:57.232" v="890" actId="20577"/>
-        <pc:sldMkLst>
-          <pc:docMk/>
-          <pc:sldMk cId="2524577050" sldId="2147470612"/>
-        </pc:sldMkLst>
-        <pc:spChg chg="mod">
-          <ac:chgData name="Dwayne Natwick" userId="d11f0013982d5c78" providerId="Windows Live" clId="Web-{E91C9C7B-BB2D-4AFD-B454-4D10D65794B7}" dt="2023-09-14T18:53:57.232" v="890" actId="20577"/>
-          <ac:spMkLst>
-            <pc:docMk/>
-            <pc:sldMk cId="2524577050" sldId="2147470612"/>
-            <ac:spMk id="2" creationId="{CDF7A4E4-C3FF-9DA3-1E01-6E7681781D01}"/>
-          </ac:spMkLst>
-        </pc:spChg>
-        <pc:spChg chg="mod">
-          <ac:chgData name="Dwayne Natwick" userId="d11f0013982d5c78" providerId="Windows Live" clId="Web-{E91C9C7B-BB2D-4AFD-B454-4D10D65794B7}" dt="2023-09-14T17:52:29.669" v="601" actId="20577"/>
-          <ac:spMkLst>
-            <pc:docMk/>
-            <pc:sldMk cId="2524577050" sldId="2147470612"/>
-            <ac:spMk id="3" creationId="{675F152E-D720-B366-A514-0FB945F73594}"/>
-          </ac:spMkLst>
-        </pc:spChg>
-        <pc:spChg chg="add mod">
-          <ac:chgData name="Dwayne Natwick" userId="d11f0013982d5c78" providerId="Windows Live" clId="Web-{E91C9C7B-BB2D-4AFD-B454-4D10D65794B7}" dt="2023-09-14T17:52:43.216" v="605" actId="1076"/>
-          <ac:spMkLst>
-            <pc:docMk/>
-            <pc:sldMk cId="2524577050" sldId="2147470612"/>
-            <ac:spMk id="4" creationId="{57240181-C93A-F4E8-472C-1AF0F2C2A855}"/>
-          </ac:spMkLst>
-        </pc:spChg>
-        <pc:spChg chg="add mod">
-          <ac:chgData name="Dwayne Natwick" userId="d11f0013982d5c78" providerId="Windows Live" clId="Web-{E91C9C7B-BB2D-4AFD-B454-4D10D65794B7}" dt="2023-09-14T17:54:08.515" v="611" actId="1076"/>
-          <ac:spMkLst>
-            <pc:docMk/>
-            <pc:sldMk cId="2524577050" sldId="2147470612"/>
-            <ac:spMk id="5" creationId="{D3A447DE-6903-1590-61FB-AB160302D80B}"/>
-          </ac:spMkLst>
-        </pc:spChg>
-        <pc:spChg chg="add mod">
-          <ac:chgData name="Dwayne Natwick" userId="d11f0013982d5c78" providerId="Windows Live" clId="Web-{E91C9C7B-BB2D-4AFD-B454-4D10D65794B7}" dt="2023-09-14T17:54:29.157" v="615" actId="1076"/>
-          <ac:spMkLst>
-            <pc:docMk/>
-            <pc:sldMk cId="2524577050" sldId="2147470612"/>
-            <ac:spMk id="6" creationId="{520C77B9-C55A-8B6C-DC16-CEE27B62CD45}"/>
-          </ac:spMkLst>
-        </pc:spChg>
-        <pc:spChg chg="add mod">
-          <ac:chgData name="Dwayne Natwick" userId="d11f0013982d5c78" providerId="Windows Live" clId="Web-{E91C9C7B-BB2D-4AFD-B454-4D10D65794B7}" dt="2023-09-14T17:54:58.704" v="620" actId="14100"/>
-          <ac:spMkLst>
-            <pc:docMk/>
-            <pc:sldMk cId="2524577050" sldId="2147470612"/>
-            <ac:spMk id="7" creationId="{C25B8EDA-4C77-A71B-612F-D5F8559DF688}"/>
-          </ac:spMkLst>
-        </pc:spChg>
-      </pc:sldChg>
-      <pc:sldChg chg="addSp delSp modSp new mod modClrScheme chgLayout modNotes">
-        <pc:chgData name="Dwayne Natwick" userId="d11f0013982d5c78" providerId="Windows Live" clId="Web-{E91C9C7B-BB2D-4AFD-B454-4D10D65794B7}" dt="2023-09-14T18:49:56.021" v="875"/>
-        <pc:sldMkLst>
-          <pc:docMk/>
-          <pc:sldMk cId="848203549" sldId="2147470613"/>
-        </pc:sldMkLst>
-        <pc:spChg chg="mod">
-          <ac:chgData name="Dwayne Natwick" userId="d11f0013982d5c78" providerId="Windows Live" clId="Web-{E91C9C7B-BB2D-4AFD-B454-4D10D65794B7}" dt="2023-09-14T18:49:22.770" v="864"/>
-          <ac:spMkLst>
-            <pc:docMk/>
-            <pc:sldMk cId="848203549" sldId="2147470613"/>
-            <ac:spMk id="2" creationId="{63644AF7-A23F-1DD9-6E3C-EE7368917D77}"/>
-          </ac:spMkLst>
-        </pc:spChg>
-        <pc:spChg chg="mod">
-          <ac:chgData name="Dwayne Natwick" userId="d11f0013982d5c78" providerId="Windows Live" clId="Web-{E91C9C7B-BB2D-4AFD-B454-4D10D65794B7}" dt="2023-09-14T18:49:35.833" v="868" actId="14100"/>
-          <ac:spMkLst>
-            <pc:docMk/>
-            <pc:sldMk cId="848203549" sldId="2147470613"/>
-            <ac:spMk id="3" creationId="{2E50BA7C-3255-BC69-812B-892217F5D36D}"/>
-          </ac:spMkLst>
-        </pc:spChg>
-        <pc:spChg chg="add del mod">
-          <ac:chgData name="Dwayne Natwick" userId="d11f0013982d5c78" providerId="Windows Live" clId="Web-{E91C9C7B-BB2D-4AFD-B454-4D10D65794B7}" dt="2023-09-14T18:49:56.021" v="875"/>
-          <ac:spMkLst>
-            <pc:docMk/>
-            <pc:sldMk cId="848203549" sldId="2147470613"/>
-            <ac:spMk id="5" creationId="{922D9E5B-053B-2662-2AD3-E7F26E827B71}"/>
-          </ac:spMkLst>
-        </pc:spChg>
-        <pc:picChg chg="add mod">
-          <ac:chgData name="Dwayne Natwick" userId="d11f0013982d5c78" providerId="Windows Live" clId="Web-{E91C9C7B-BB2D-4AFD-B454-4D10D65794B7}" dt="2023-09-14T18:49:22.770" v="864"/>
-          <ac:picMkLst>
-            <pc:docMk/>
-            <pc:sldMk cId="848203549" sldId="2147470613"/>
-            <ac:picMk id="4" creationId="{D26C38C8-22B0-0868-2D0E-669BDC2059B1}"/>
-          </ac:picMkLst>
-        </pc:picChg>
-      </pc:sldChg>
-      <pc:sldChg chg="addSp delSp modSp new modNotes">
-        <pc:chgData name="Dwayne Natwick" userId="d11f0013982d5c78" providerId="Windows Live" clId="Web-{E91C9C7B-BB2D-4AFD-B454-4D10D65794B7}" dt="2023-09-14T18:57:11.581" v="1105"/>
-        <pc:sldMkLst>
-          <pc:docMk/>
-          <pc:sldMk cId="3770102974" sldId="2147470614"/>
-        </pc:sldMkLst>
-        <pc:spChg chg="mod">
-          <ac:chgData name="Dwayne Natwick" userId="d11f0013982d5c78" providerId="Windows Live" clId="Web-{E91C9C7B-BB2D-4AFD-B454-4D10D65794B7}" dt="2023-09-14T18:54:08.513" v="904" actId="20577"/>
-          <ac:spMkLst>
-            <pc:docMk/>
-            <pc:sldMk cId="3770102974" sldId="2147470614"/>
-            <ac:spMk id="2" creationId="{CFCF5E71-8482-5C4A-1937-62180CED69B1}"/>
-          </ac:spMkLst>
-        </pc:spChg>
-        <pc:spChg chg="mod">
-          <ac:chgData name="Dwayne Natwick" userId="d11f0013982d5c78" providerId="Windows Live" clId="Web-{E91C9C7B-BB2D-4AFD-B454-4D10D65794B7}" dt="2023-09-14T18:56:47.659" v="1101" actId="20577"/>
-          <ac:spMkLst>
-            <pc:docMk/>
-            <pc:sldMk cId="3770102974" sldId="2147470614"/>
-            <ac:spMk id="3" creationId="{2E8F6CC6-DEE5-E7CD-0610-AF173BD7F8EC}"/>
-          </ac:spMkLst>
-        </pc:spChg>
-        <pc:spChg chg="add del mod">
-          <ac:chgData name="Dwayne Natwick" userId="d11f0013982d5c78" providerId="Windows Live" clId="Web-{E91C9C7B-BB2D-4AFD-B454-4D10D65794B7}" dt="2023-09-14T18:57:11.581" v="1105"/>
-          <ac:spMkLst>
-            <pc:docMk/>
-            <pc:sldMk cId="3770102974" sldId="2147470614"/>
-            <ac:spMk id="4" creationId="{F59A0AD9-2731-F101-8A88-A97CEEED7C5D}"/>
-          </ac:spMkLst>
-        </pc:spChg>
-      </pc:sldChg>
-      <pc:sldChg chg="addSp delSp modSp new mod chgLayout">
-        <pc:chgData name="Dwayne Natwick" userId="d11f0013982d5c78" providerId="Windows Live" clId="Web-{E91C9C7B-BB2D-4AFD-B454-4D10D65794B7}" dt="2023-09-14T18:57:20.347" v="1109"/>
-        <pc:sldMkLst>
-          <pc:docMk/>
-          <pc:sldMk cId="3933044535" sldId="2147470615"/>
-        </pc:sldMkLst>
-        <pc:spChg chg="mod ord">
-          <ac:chgData name="Dwayne Natwick" userId="d11f0013982d5c78" providerId="Windows Live" clId="Web-{E91C9C7B-BB2D-4AFD-B454-4D10D65794B7}" dt="2023-09-14T18:50:45.163" v="882" actId="20577"/>
-          <ac:spMkLst>
-            <pc:docMk/>
-            <pc:sldMk cId="3933044535" sldId="2147470615"/>
-            <ac:spMk id="2" creationId="{EDF87A23-46AF-F5CE-1408-BC8C91B71A9B}"/>
-          </ac:spMkLst>
-        </pc:spChg>
-        <pc:spChg chg="del">
-          <ac:chgData name="Dwayne Natwick" userId="d11f0013982d5c78" providerId="Windows Live" clId="Web-{E91C9C7B-BB2D-4AFD-B454-4D10D65794B7}" dt="2023-09-14T18:50:39.101" v="878"/>
-          <ac:spMkLst>
-            <pc:docMk/>
-            <pc:sldMk cId="3933044535" sldId="2147470615"/>
-            <ac:spMk id="3" creationId="{884F335E-7FF2-0DF4-80B1-93DACA319859}"/>
-          </ac:spMkLst>
-        </pc:spChg>
-        <pc:spChg chg="add del mod">
-          <ac:chgData name="Dwayne Natwick" userId="d11f0013982d5c78" providerId="Windows Live" clId="Web-{E91C9C7B-BB2D-4AFD-B454-4D10D65794B7}" dt="2023-09-14T18:57:20.347" v="1109"/>
-          <ac:spMkLst>
-            <pc:docMk/>
-            <pc:sldMk cId="3933044535" sldId="2147470615"/>
-            <ac:spMk id="4" creationId="{86024C3E-11CA-B130-F720-2EDCEA10853F}"/>
-          </ac:spMkLst>
-        </pc:spChg>
-      </pc:sldChg>
-      <pc:sldChg chg="add replId">
-        <pc:chgData name="Dwayne Natwick" userId="d11f0013982d5c78" providerId="Windows Live" clId="Web-{E91C9C7B-BB2D-4AFD-B454-4D10D65794B7}" dt="2023-09-14T18:51:18.305" v="883"/>
-        <pc:sldMkLst>
-          <pc:docMk/>
-          <pc:sldMk cId="3921617707" sldId="2147470616"/>
-        </pc:sldMkLst>
-      </pc:sldChg>
-      <pc:sldChg chg="modSp add replId">
-        <pc:chgData name="Dwayne Natwick" userId="d11f0013982d5c78" providerId="Windows Live" clId="Web-{E91C9C7B-BB2D-4AFD-B454-4D10D65794B7}" dt="2023-09-14T18:51:54.634" v="887" actId="20577"/>
-        <pc:sldMkLst>
-          <pc:docMk/>
-          <pc:sldMk cId="1753990868" sldId="2147470617"/>
-        </pc:sldMkLst>
-        <pc:spChg chg="mod">
-          <ac:chgData name="Dwayne Natwick" userId="d11f0013982d5c78" providerId="Windows Live" clId="Web-{E91C9C7B-BB2D-4AFD-B454-4D10D65794B7}" dt="2023-09-14T18:51:54.634" v="887" actId="20577"/>
-          <ac:spMkLst>
-            <pc:docMk/>
-            <pc:sldMk cId="1753990868" sldId="2147470617"/>
-            <ac:spMk id="2" creationId="{EDF87A23-46AF-F5CE-1408-BC8C91B71A9B}"/>
-          </ac:spMkLst>
-        </pc:spChg>
-      </pc:sldChg>
-      <pc:sldChg chg="add replId">
-        <pc:chgData name="Dwayne Natwick" userId="d11f0013982d5c78" providerId="Windows Live" clId="Web-{E91C9C7B-BB2D-4AFD-B454-4D10D65794B7}" dt="2023-09-14T18:52:16.213" v="888"/>
-        <pc:sldMkLst>
-          <pc:docMk/>
-          <pc:sldMk cId="3572404749" sldId="2147470618"/>
-        </pc:sldMkLst>
-      </pc:sldChg>
-      <pc:sldChg chg="modSp new mod chgLayout">
-        <pc:chgData name="Dwayne Natwick" userId="d11f0013982d5c78" providerId="Windows Live" clId="Web-{E91C9C7B-BB2D-4AFD-B454-4D10D65794B7}" dt="2023-09-14T18:57:44.895" v="1139" actId="20577"/>
-        <pc:sldMkLst>
-          <pc:docMk/>
-          <pc:sldMk cId="2409884957" sldId="2147470619"/>
-        </pc:sldMkLst>
-        <pc:spChg chg="mod ord">
-          <ac:chgData name="Dwayne Natwick" userId="d11f0013982d5c78" providerId="Windows Live" clId="Web-{E91C9C7B-BB2D-4AFD-B454-4D10D65794B7}" dt="2023-09-14T18:57:44.895" v="1139" actId="20577"/>
-          <ac:spMkLst>
-            <pc:docMk/>
-            <pc:sldMk cId="2409884957" sldId="2147470619"/>
-            <ac:spMk id="2" creationId="{DD98F413-FA4A-5DAC-66E1-E02E10AE53D2}"/>
-          </ac:spMkLst>
-        </pc:spChg>
-      </pc:sldChg>
-      <pc:sldChg chg="modSp new">
-        <pc:chgData name="Dwayne Natwick" userId="d11f0013982d5c78" providerId="Windows Live" clId="Web-{E91C9C7B-BB2D-4AFD-B454-4D10D65794B7}" dt="2023-09-14T19:03:13.373" v="1632" actId="20577"/>
-        <pc:sldMkLst>
-          <pc:docMk/>
-          <pc:sldMk cId="3776730813" sldId="2147470620"/>
-        </pc:sldMkLst>
-        <pc:spChg chg="mod">
-          <ac:chgData name="Dwayne Natwick" userId="d11f0013982d5c78" providerId="Windows Live" clId="Web-{E91C9C7B-BB2D-4AFD-B454-4D10D65794B7}" dt="2023-09-14T18:57:56.348" v="1142" actId="20577"/>
-          <ac:spMkLst>
-            <pc:docMk/>
-            <pc:sldMk cId="3776730813" sldId="2147470620"/>
-            <ac:spMk id="2" creationId="{B98733DD-1422-5649-B7EC-6C22F68294E7}"/>
-          </ac:spMkLst>
-        </pc:spChg>
-        <pc:spChg chg="mod">
-          <ac:chgData name="Dwayne Natwick" userId="d11f0013982d5c78" providerId="Windows Live" clId="Web-{E91C9C7B-BB2D-4AFD-B454-4D10D65794B7}" dt="2023-09-14T19:03:13.373" v="1632" actId="20577"/>
-          <ac:spMkLst>
-            <pc:docMk/>
-            <pc:sldMk cId="3776730813" sldId="2147470620"/>
-            <ac:spMk id="3" creationId="{6877C1DD-3080-4AEC-3E55-CF8ED035D114}"/>
-          </ac:spMkLst>
-        </pc:spChg>
-      </pc:sldChg>
-      <pc:sldChg chg="addSp delSp modSp new modNotes">
-        <pc:chgData name="Dwayne Natwick" userId="d11f0013982d5c78" providerId="Windows Live" clId="Web-{E91C9C7B-BB2D-4AFD-B454-4D10D65794B7}" dt="2023-09-14T19:08:05.804" v="1664"/>
-        <pc:sldMkLst>
-          <pc:docMk/>
-          <pc:sldMk cId="1675599562" sldId="2147470621"/>
-        </pc:sldMkLst>
-        <pc:spChg chg="mod">
-          <ac:chgData name="Dwayne Natwick" userId="d11f0013982d5c78" providerId="Windows Live" clId="Web-{E91C9C7B-BB2D-4AFD-B454-4D10D65794B7}" dt="2023-09-14T19:03:28.920" v="1644" actId="20577"/>
-          <ac:spMkLst>
-            <pc:docMk/>
-            <pc:sldMk cId="1675599562" sldId="2147470621"/>
-            <ac:spMk id="2" creationId="{4F2E3601-0348-0AC8-926D-2963A6EBDE54}"/>
-          </ac:spMkLst>
-        </pc:spChg>
-        <pc:spChg chg="mod">
-          <ac:chgData name="Dwayne Natwick" userId="d11f0013982d5c78" providerId="Windows Live" clId="Web-{E91C9C7B-BB2D-4AFD-B454-4D10D65794B7}" dt="2023-09-14T19:03:35.499" v="1647" actId="20577"/>
-          <ac:spMkLst>
-            <pc:docMk/>
-            <pc:sldMk cId="1675599562" sldId="2147470621"/>
-            <ac:spMk id="3" creationId="{226A9B3B-731B-E601-049B-025098728B19}"/>
-          </ac:spMkLst>
-        </pc:spChg>
-        <pc:spChg chg="add del mod">
-          <ac:chgData name="Dwayne Natwick" userId="d11f0013982d5c78" providerId="Windows Live" clId="Web-{E91C9C7B-BB2D-4AFD-B454-4D10D65794B7}" dt="2023-09-14T19:08:05.804" v="1664"/>
-          <ac:spMkLst>
-            <pc:docMk/>
-            <pc:sldMk cId="1675599562" sldId="2147470621"/>
-            <ac:spMk id="4" creationId="{475DAF6E-27CB-D2FC-04C5-770BF18601CB}"/>
-          </ac:spMkLst>
-        </pc:spChg>
-      </pc:sldChg>
-      <pc:sldChg chg="addSp modSp new modNotes">
-        <pc:chgData name="Dwayne Natwick" userId="d11f0013982d5c78" providerId="Windows Live" clId="Web-{E91C9C7B-BB2D-4AFD-B454-4D10D65794B7}" dt="2023-09-14T19:04:44.751" v="1660" actId="1076"/>
-        <pc:sldMkLst>
-          <pc:docMk/>
-          <pc:sldMk cId="4211696148" sldId="2147470622"/>
-        </pc:sldMkLst>
-        <pc:spChg chg="mod">
-          <ac:chgData name="Dwayne Natwick" userId="d11f0013982d5c78" providerId="Windows Live" clId="Web-{E91C9C7B-BB2D-4AFD-B454-4D10D65794B7}" dt="2023-09-14T19:04:26.719" v="1655" actId="20577"/>
-          <ac:spMkLst>
-            <pc:docMk/>
-            <pc:sldMk cId="4211696148" sldId="2147470622"/>
-            <ac:spMk id="2" creationId="{BFA64A8C-98C4-0EC5-C359-C3F08F09CCD2}"/>
-          </ac:spMkLst>
-        </pc:spChg>
-        <pc:spChg chg="add mod">
-          <ac:chgData name="Dwayne Natwick" userId="d11f0013982d5c78" providerId="Windows Live" clId="Web-{E91C9C7B-BB2D-4AFD-B454-4D10D65794B7}" dt="2023-09-14T19:04:44.751" v="1660" actId="1076"/>
-          <ac:spMkLst>
-            <pc:docMk/>
-            <pc:sldMk cId="4211696148" sldId="2147470622"/>
-            <ac:spMk id="4" creationId="{894C4432-C891-B2F2-36B5-DC9ABE788A25}"/>
-          </ac:spMkLst>
-        </pc:spChg>
-      </pc:sldChg>
-    </pc:docChg>
-  </pc:docChgLst>
-  <pc:docChgLst>
-    <pc:chgData name="Dwayne Natwick" userId="d11f0013982d5c78" providerId="Windows Live" clId="Web-{71AAC7CB-8687-4658-9B09-DDB30BE95366}"/>
-    <pc:docChg chg="delSld modSld sldOrd">
-      <pc:chgData name="Dwayne Natwick" userId="d11f0013982d5c78" providerId="Windows Live" clId="Web-{71AAC7CB-8687-4658-9B09-DDB30BE95366}" dt="2023-09-15T13:05:49.642" v="212" actId="20577"/>
-      <pc:docMkLst>
-        <pc:docMk/>
-      </pc:docMkLst>
-      <pc:sldChg chg="del">
-        <pc:chgData name="Dwayne Natwick" userId="d11f0013982d5c78" providerId="Windows Live" clId="Web-{71AAC7CB-8687-4658-9B09-DDB30BE95366}" dt="2023-09-15T12:44:28.257" v="0"/>
-        <pc:sldMkLst>
-          <pc:docMk/>
-          <pc:sldMk cId="4270848246" sldId="2147470560"/>
-        </pc:sldMkLst>
-      </pc:sldChg>
-      <pc:sldChg chg="del">
-        <pc:chgData name="Dwayne Natwick" userId="d11f0013982d5c78" providerId="Windows Live" clId="Web-{71AAC7CB-8687-4658-9B09-DDB30BE95366}" dt="2023-09-15T12:44:28.350" v="36"/>
-        <pc:sldMkLst>
-          <pc:docMk/>
-          <pc:sldMk cId="3644458694" sldId="2147470564"/>
-        </pc:sldMkLst>
-      </pc:sldChg>
-      <pc:sldChg chg="del">
-        <pc:chgData name="Dwayne Natwick" userId="d11f0013982d5c78" providerId="Windows Live" clId="Web-{71AAC7CB-8687-4658-9B09-DDB30BE95366}" dt="2023-09-15T12:44:37.835" v="38"/>
-        <pc:sldMkLst>
-          <pc:docMk/>
-          <pc:sldMk cId="2739312586" sldId="2147470565"/>
-        </pc:sldMkLst>
-      </pc:sldChg>
-      <pc:sldChg chg="ord">
-        <pc:chgData name="Dwayne Natwick" userId="d11f0013982d5c78" providerId="Windows Live" clId="Web-{71AAC7CB-8687-4658-9B09-DDB30BE95366}" dt="2023-09-15T12:44:35.898" v="37"/>
-        <pc:sldMkLst>
-          <pc:docMk/>
-          <pc:sldMk cId="2251723249" sldId="2147470571"/>
-        </pc:sldMkLst>
-      </pc:sldChg>
-      <pc:sldChg chg="del">
-        <pc:chgData name="Dwayne Natwick" userId="d11f0013982d5c78" providerId="Windows Live" clId="Web-{71AAC7CB-8687-4658-9B09-DDB30BE95366}" dt="2023-09-15T12:44:28.335" v="34"/>
-        <pc:sldMkLst>
-          <pc:docMk/>
-          <pc:sldMk cId="948136224" sldId="2147470573"/>
-        </pc:sldMkLst>
-      </pc:sldChg>
-      <pc:sldChg chg="del">
-        <pc:chgData name="Dwayne Natwick" userId="d11f0013982d5c78" providerId="Windows Live" clId="Web-{71AAC7CB-8687-4658-9B09-DDB30BE95366}" dt="2023-09-15T12:44:28.304" v="24"/>
-        <pc:sldMkLst>
-          <pc:docMk/>
-          <pc:sldMk cId="2030514790" sldId="2147470574"/>
-        </pc:sldMkLst>
-      </pc:sldChg>
-      <pc:sldChg chg="del">
-        <pc:chgData name="Dwayne Natwick" userId="d11f0013982d5c78" providerId="Windows Live" clId="Web-{71AAC7CB-8687-4658-9B09-DDB30BE95366}" dt="2023-09-15T12:44:28.304" v="22"/>
-        <pc:sldMkLst>
-          <pc:docMk/>
-          <pc:sldMk cId="3649936595" sldId="2147470575"/>
-        </pc:sldMkLst>
-      </pc:sldChg>
-      <pc:sldChg chg="del">
-        <pc:chgData name="Dwayne Natwick" userId="d11f0013982d5c78" providerId="Windows Live" clId="Web-{71AAC7CB-8687-4658-9B09-DDB30BE95366}" dt="2023-09-15T12:44:28.272" v="13"/>
-        <pc:sldMkLst>
-          <pc:docMk/>
-          <pc:sldMk cId="511214272" sldId="2147470576"/>
-        </pc:sldMkLst>
-      </pc:sldChg>
-      <pc:sldChg chg="del">
-        <pc:chgData name="Dwayne Natwick" userId="d11f0013982d5c78" providerId="Windows Live" clId="Web-{71AAC7CB-8687-4658-9B09-DDB30BE95366}" dt="2023-09-15T12:44:28.257" v="9"/>
-        <pc:sldMkLst>
-          <pc:docMk/>
-          <pc:sldMk cId="4196600117" sldId="2147470577"/>
-        </pc:sldMkLst>
-      </pc:sldChg>
-      <pc:sldChg chg="del">
-        <pc:chgData name="Dwayne Natwick" userId="d11f0013982d5c78" providerId="Windows Live" clId="Web-{71AAC7CB-8687-4658-9B09-DDB30BE95366}" dt="2023-09-15T12:44:28.257" v="8"/>
-        <pc:sldMkLst>
-          <pc:docMk/>
-          <pc:sldMk cId="1593797140" sldId="2147470578"/>
-        </pc:sldMkLst>
-      </pc:sldChg>
-      <pc:sldChg chg="del">
-        <pc:chgData name="Dwayne Natwick" userId="d11f0013982d5c78" providerId="Windows Live" clId="Web-{71AAC7CB-8687-4658-9B09-DDB30BE95366}" dt="2023-09-15T12:44:28.272" v="11"/>
-        <pc:sldMkLst>
-          <pc:docMk/>
-          <pc:sldMk cId="90178162" sldId="2147470579"/>
-        </pc:sldMkLst>
-      </pc:sldChg>
-      <pc:sldChg chg="del">
-        <pc:chgData name="Dwayne Natwick" userId="d11f0013982d5c78" providerId="Windows Live" clId="Web-{71AAC7CB-8687-4658-9B09-DDB30BE95366}" dt="2023-09-15T12:44:28.272" v="10"/>
-        <pc:sldMkLst>
-          <pc:docMk/>
-          <pc:sldMk cId="1437570267" sldId="2147470580"/>
-        </pc:sldMkLst>
-      </pc:sldChg>
-      <pc:sldChg chg="del">
-        <pc:chgData name="Dwayne Natwick" userId="d11f0013982d5c78" providerId="Windows Live" clId="Web-{71AAC7CB-8687-4658-9B09-DDB30BE95366}" dt="2023-09-15T12:44:28.257" v="7"/>
-        <pc:sldMkLst>
-          <pc:docMk/>
-          <pc:sldMk cId="1083283128" sldId="2147470581"/>
-        </pc:sldMkLst>
-      </pc:sldChg>
-      <pc:sldChg chg="del">
-        <pc:chgData name="Dwayne Natwick" userId="d11f0013982d5c78" providerId="Windows Live" clId="Web-{71AAC7CB-8687-4658-9B09-DDB30BE95366}" dt="2023-09-15T12:44:28.257" v="4"/>
-        <pc:sldMkLst>
-          <pc:docMk/>
-          <pc:sldMk cId="3763189814" sldId="2147470582"/>
-        </pc:sldMkLst>
-      </pc:sldChg>
-      <pc:sldChg chg="del">
-        <pc:chgData name="Dwayne Natwick" userId="d11f0013982d5c78" providerId="Windows Live" clId="Web-{71AAC7CB-8687-4658-9B09-DDB30BE95366}" dt="2023-09-15T12:44:28.335" v="33"/>
-        <pc:sldMkLst>
-          <pc:docMk/>
-          <pc:sldMk cId="3386646133" sldId="2147470584"/>
-        </pc:sldMkLst>
-      </pc:sldChg>
-      <pc:sldChg chg="del">
-        <pc:chgData name="Dwayne Natwick" userId="d11f0013982d5c78" providerId="Windows Live" clId="Web-{71AAC7CB-8687-4658-9B09-DDB30BE95366}" dt="2023-09-15T12:44:28.335" v="32"/>
-        <pc:sldMkLst>
-          <pc:docMk/>
-          <pc:sldMk cId="3650723693" sldId="2147470585"/>
-        </pc:sldMkLst>
-      </pc:sldChg>
-      <pc:sldChg chg="del">
-        <pc:chgData name="Dwayne Natwick" userId="d11f0013982d5c78" providerId="Windows Live" clId="Web-{71AAC7CB-8687-4658-9B09-DDB30BE95366}" dt="2023-09-15T12:44:28.335" v="31"/>
-        <pc:sldMkLst>
-          <pc:docMk/>
-          <pc:sldMk cId="694622249" sldId="2147470586"/>
-        </pc:sldMkLst>
-      </pc:sldChg>
-      <pc:sldChg chg="del">
-        <pc:chgData name="Dwayne Natwick" userId="d11f0013982d5c78" providerId="Windows Live" clId="Web-{71AAC7CB-8687-4658-9B09-DDB30BE95366}" dt="2023-09-15T12:44:28.335" v="30"/>
-        <pc:sldMkLst>
-          <pc:docMk/>
-          <pc:sldMk cId="347590927" sldId="2147470587"/>
-        </pc:sldMkLst>
-      </pc:sldChg>
-      <pc:sldChg chg="del">
-        <pc:chgData name="Dwayne Natwick" userId="d11f0013982d5c78" providerId="Windows Live" clId="Web-{71AAC7CB-8687-4658-9B09-DDB30BE95366}" dt="2023-09-15T12:44:28.319" v="28"/>
-        <pc:sldMkLst>
-          <pc:docMk/>
-          <pc:sldMk cId="2214484181" sldId="2147470588"/>
-        </pc:sldMkLst>
-      </pc:sldChg>
-      <pc:sldChg chg="del">
-        <pc:chgData name="Dwayne Natwick" userId="d11f0013982d5c78" providerId="Windows Live" clId="Web-{71AAC7CB-8687-4658-9B09-DDB30BE95366}" dt="2023-09-15T12:44:28.319" v="29"/>
-        <pc:sldMkLst>
-          <pc:docMk/>
-          <pc:sldMk cId="3716502182" sldId="2147470589"/>
-        </pc:sldMkLst>
-      </pc:sldChg>
-      <pc:sldChg chg="del">
-        <pc:chgData name="Dwayne Natwick" userId="d11f0013982d5c78" providerId="Windows Live" clId="Web-{71AAC7CB-8687-4658-9B09-DDB30BE95366}" dt="2023-09-15T12:44:28.319" v="27"/>
-        <pc:sldMkLst>
-          <pc:docMk/>
-          <pc:sldMk cId="836223342" sldId="2147470590"/>
-        </pc:sldMkLst>
-      </pc:sldChg>
-      <pc:sldChg chg="del">
-        <pc:chgData name="Dwayne Natwick" userId="d11f0013982d5c78" providerId="Windows Live" clId="Web-{71AAC7CB-8687-4658-9B09-DDB30BE95366}" dt="2023-09-15T12:44:28.304" v="23"/>
-        <pc:sldMkLst>
-          <pc:docMk/>
-          <pc:sldMk cId="1568180102" sldId="2147470591"/>
-        </pc:sldMkLst>
-      </pc:sldChg>
-      <pc:sldChg chg="del">
-        <pc:chgData name="Dwayne Natwick" userId="d11f0013982d5c78" providerId="Windows Live" clId="Web-{71AAC7CB-8687-4658-9B09-DDB30BE95366}" dt="2023-09-15T12:44:28.304" v="25"/>
-        <pc:sldMkLst>
-          <pc:docMk/>
-          <pc:sldMk cId="823722957" sldId="2147470592"/>
-        </pc:sldMkLst>
-      </pc:sldChg>
-      <pc:sldChg chg="del">
-        <pc:chgData name="Dwayne Natwick" userId="d11f0013982d5c78" providerId="Windows Live" clId="Web-{71AAC7CB-8687-4658-9B09-DDB30BE95366}" dt="2023-09-15T12:44:28.335" v="35"/>
-        <pc:sldMkLst>
-          <pc:docMk/>
-          <pc:sldMk cId="3948585883" sldId="2147470593"/>
-        </pc:sldMkLst>
-      </pc:sldChg>
-      <pc:sldChg chg="del">
-        <pc:chgData name="Dwayne Natwick" userId="d11f0013982d5c78" providerId="Windows Live" clId="Web-{71AAC7CB-8687-4658-9B09-DDB30BE95366}" dt="2023-09-15T12:44:28.304" v="21"/>
-        <pc:sldMkLst>
-          <pc:docMk/>
-          <pc:sldMk cId="449857184" sldId="2147470594"/>
-        </pc:sldMkLst>
-      </pc:sldChg>
-      <pc:sldChg chg="del">
-        <pc:chgData name="Dwayne Natwick" userId="d11f0013982d5c78" providerId="Windows Live" clId="Web-{71AAC7CB-8687-4658-9B09-DDB30BE95366}" dt="2023-09-15T12:44:28.288" v="17"/>
-        <pc:sldMkLst>
-          <pc:docMk/>
-          <pc:sldMk cId="3381500547" sldId="2147470595"/>
-        </pc:sldMkLst>
-      </pc:sldChg>
-      <pc:sldChg chg="del">
-        <pc:chgData name="Dwayne Natwick" userId="d11f0013982d5c78" providerId="Windows Live" clId="Web-{71AAC7CB-8687-4658-9B09-DDB30BE95366}" dt="2023-09-15T12:44:28.304" v="20"/>
-        <pc:sldMkLst>
-          <pc:docMk/>
-          <pc:sldMk cId="1619709891" sldId="2147470596"/>
-        </pc:sldMkLst>
-      </pc:sldChg>
-      <pc:sldChg chg="del">
-        <pc:chgData name="Dwayne Natwick" userId="d11f0013982d5c78" providerId="Windows Live" clId="Web-{71AAC7CB-8687-4658-9B09-DDB30BE95366}" dt="2023-09-15T12:44:28.304" v="19"/>
-        <pc:sldMkLst>
-          <pc:docMk/>
-          <pc:sldMk cId="3056138002" sldId="2147470597"/>
-        </pc:sldMkLst>
-      </pc:sldChg>
-      <pc:sldChg chg="del">
-        <pc:chgData name="Dwayne Natwick" userId="d11f0013982d5c78" providerId="Windows Live" clId="Web-{71AAC7CB-8687-4658-9B09-DDB30BE95366}" dt="2023-09-15T12:44:28.288" v="18"/>
-        <pc:sldMkLst>
-          <pc:docMk/>
-          <pc:sldMk cId="1103145275" sldId="2147470598"/>
-        </pc:sldMkLst>
-      </pc:sldChg>
-      <pc:sldChg chg="del">
-        <pc:chgData name="Dwayne Natwick" userId="d11f0013982d5c78" providerId="Windows Live" clId="Web-{71AAC7CB-8687-4658-9B09-DDB30BE95366}" dt="2023-09-15T12:44:28.288" v="15"/>
-        <pc:sldMkLst>
-          <pc:docMk/>
-          <pc:sldMk cId="2015539757" sldId="2147470599"/>
-        </pc:sldMkLst>
-      </pc:sldChg>
-      <pc:sldChg chg="del">
-        <pc:chgData name="Dwayne Natwick" userId="d11f0013982d5c78" providerId="Windows Live" clId="Web-{71AAC7CB-8687-4658-9B09-DDB30BE95366}" dt="2023-09-15T12:44:28.288" v="16"/>
-        <pc:sldMkLst>
-          <pc:docMk/>
-          <pc:sldMk cId="917890403" sldId="2147470600"/>
-        </pc:sldMkLst>
-      </pc:sldChg>
-      <pc:sldChg chg="del">
-        <pc:chgData name="Dwayne Natwick" userId="d11f0013982d5c78" providerId="Windows Live" clId="Web-{71AAC7CB-8687-4658-9B09-DDB30BE95366}" dt="2023-09-15T12:44:28.288" v="14"/>
-        <pc:sldMkLst>
-          <pc:docMk/>
-          <pc:sldMk cId="2983617397" sldId="2147470601"/>
-        </pc:sldMkLst>
-      </pc:sldChg>
-      <pc:sldChg chg="del">
-        <pc:chgData name="Dwayne Natwick" userId="d11f0013982d5c78" providerId="Windows Live" clId="Web-{71AAC7CB-8687-4658-9B09-DDB30BE95366}" dt="2023-09-15T12:44:28.272" v="12"/>
-        <pc:sldMkLst>
-          <pc:docMk/>
-          <pc:sldMk cId="1171446039" sldId="2147470602"/>
-        </pc:sldMkLst>
-      </pc:sldChg>
-      <pc:sldChg chg="del">
-        <pc:chgData name="Dwayne Natwick" userId="d11f0013982d5c78" providerId="Windows Live" clId="Web-{71AAC7CB-8687-4658-9B09-DDB30BE95366}" dt="2023-09-15T12:44:28.257" v="5"/>
-        <pc:sldMkLst>
-          <pc:docMk/>
-          <pc:sldMk cId="818381816" sldId="2147470603"/>
-        </pc:sldMkLst>
-      </pc:sldChg>
-      <pc:sldChg chg="del">
-        <pc:chgData name="Dwayne Natwick" userId="d11f0013982d5c78" providerId="Windows Live" clId="Web-{71AAC7CB-8687-4658-9B09-DDB30BE95366}" dt="2023-09-15T12:44:28.257" v="1"/>
-        <pc:sldMkLst>
-          <pc:docMk/>
-          <pc:sldMk cId="1742974702" sldId="2147470604"/>
-        </pc:sldMkLst>
-      </pc:sldChg>
-      <pc:sldChg chg="del">
-        <pc:chgData name="Dwayne Natwick" userId="d11f0013982d5c78" providerId="Windows Live" clId="Web-{71AAC7CB-8687-4658-9B09-DDB30BE95366}" dt="2023-09-15T12:44:28.257" v="2"/>
-        <pc:sldMkLst>
-          <pc:docMk/>
-          <pc:sldMk cId="1637472956" sldId="2147470605"/>
-        </pc:sldMkLst>
-      </pc:sldChg>
-      <pc:sldChg chg="del">
-        <pc:chgData name="Dwayne Natwick" userId="d11f0013982d5c78" providerId="Windows Live" clId="Web-{71AAC7CB-8687-4658-9B09-DDB30BE95366}" dt="2023-09-15T12:44:28.257" v="3"/>
-        <pc:sldMkLst>
-          <pc:docMk/>
-          <pc:sldMk cId="3543320482" sldId="2147470606"/>
-        </pc:sldMkLst>
-      </pc:sldChg>
-      <pc:sldChg chg="modSp">
-        <pc:chgData name="Dwayne Natwick" userId="d11f0013982d5c78" providerId="Windows Live" clId="Web-{71AAC7CB-8687-4658-9B09-DDB30BE95366}" dt="2023-09-15T12:54:46.410" v="175" actId="20577"/>
-        <pc:sldMkLst>
-          <pc:docMk/>
-          <pc:sldMk cId="2524577050" sldId="2147470612"/>
-        </pc:sldMkLst>
-        <pc:spChg chg="mod">
-          <ac:chgData name="Dwayne Natwick" userId="d11f0013982d5c78" providerId="Windows Live" clId="Web-{71AAC7CB-8687-4658-9B09-DDB30BE95366}" dt="2023-09-15T12:54:46.410" v="175" actId="20577"/>
-          <ac:spMkLst>
-            <pc:docMk/>
-            <pc:sldMk cId="2524577050" sldId="2147470612"/>
-            <ac:spMk id="3" creationId="{675F152E-D720-B366-A514-0FB945F73594}"/>
-          </ac:spMkLst>
-        </pc:spChg>
-      </pc:sldChg>
-      <pc:sldChg chg="del">
-        <pc:chgData name="Dwayne Natwick" userId="d11f0013982d5c78" providerId="Windows Live" clId="Web-{71AAC7CB-8687-4658-9B09-DDB30BE95366}" dt="2023-09-15T12:44:28.257" v="6"/>
-        <pc:sldMkLst>
-          <pc:docMk/>
-          <pc:sldMk cId="3921617707" sldId="2147470616"/>
-        </pc:sldMkLst>
-      </pc:sldChg>
-      <pc:sldChg chg="del">
-        <pc:chgData name="Dwayne Natwick" userId="d11f0013982d5c78" providerId="Windows Live" clId="Web-{71AAC7CB-8687-4658-9B09-DDB30BE95366}" dt="2023-09-15T12:44:28.304" v="26"/>
-        <pc:sldMkLst>
-          <pc:docMk/>
-          <pc:sldMk cId="1753990868" sldId="2147470617"/>
-        </pc:sldMkLst>
-      </pc:sldChg>
-      <pc:sldChg chg="modSp">
-        <pc:chgData name="Dwayne Natwick" userId="d11f0013982d5c78" providerId="Windows Live" clId="Web-{71AAC7CB-8687-4658-9B09-DDB30BE95366}" dt="2023-09-15T13:05:49.642" v="212" actId="20577"/>
-        <pc:sldMkLst>
-          <pc:docMk/>
-          <pc:sldMk cId="4211696148" sldId="2147470622"/>
-        </pc:sldMkLst>
-        <pc:spChg chg="mod">
-          <ac:chgData name="Dwayne Natwick" userId="d11f0013982d5c78" providerId="Windows Live" clId="Web-{71AAC7CB-8687-4658-9B09-DDB30BE95366}" dt="2023-09-15T13:05:49.642" v="212" actId="20577"/>
-          <ac:spMkLst>
-            <pc:docMk/>
-            <pc:sldMk cId="4211696148" sldId="2147470622"/>
-            <ac:spMk id="3" creationId="{8EBEE321-11FC-1E70-73C4-F9D3512763DC}"/>
-          </ac:spMkLst>
-        </pc:spChg>
-      </pc:sldChg>
-    </pc:docChg>
-  </pc:docChgLst>
-  <pc:docChgLst>
-    <pc:chgData name="Dwayne Natwick" userId="d11f0013982d5c78" providerId="LiveId" clId="{67AF20B4-6DC7-492D-BA3B-9FCF6F9AD6CF}"/>
-    <pc:docChg chg="undo custSel modSld">
-      <pc:chgData name="Dwayne Natwick" userId="d11f0013982d5c78" providerId="LiveId" clId="{67AF20B4-6DC7-492D-BA3B-9FCF6F9AD6CF}" dt="2023-09-15T12:33:18.323" v="157" actId="478"/>
-      <pc:docMkLst>
-        <pc:docMk/>
-      </pc:docMkLst>
-      <pc:sldChg chg="addSp modSp mod modClrScheme chgLayout">
-        <pc:chgData name="Dwayne Natwick" userId="d11f0013982d5c78" providerId="LiveId" clId="{67AF20B4-6DC7-492D-BA3B-9FCF6F9AD6CF}" dt="2023-09-15T12:22:20.232" v="0" actId="26606"/>
-        <pc:sldMkLst>
-          <pc:docMk/>
-          <pc:sldMk cId="2839524364" sldId="2147470607"/>
-        </pc:sldMkLst>
-        <pc:spChg chg="mod">
-          <ac:chgData name="Dwayne Natwick" userId="d11f0013982d5c78" providerId="LiveId" clId="{67AF20B4-6DC7-492D-BA3B-9FCF6F9AD6CF}" dt="2023-09-15T12:22:20.232" v="0" actId="26606"/>
-          <ac:spMkLst>
-            <pc:docMk/>
-            <pc:sldMk cId="2839524364" sldId="2147470607"/>
-            <ac:spMk id="2" creationId="{09C07B8E-14FF-3C2D-BE0E-F25E0D4B4DB3}"/>
-          </ac:spMkLst>
-        </pc:spChg>
-        <pc:spChg chg="mod">
-          <ac:chgData name="Dwayne Natwick" userId="d11f0013982d5c78" providerId="LiveId" clId="{67AF20B4-6DC7-492D-BA3B-9FCF6F9AD6CF}" dt="2023-09-15T12:22:20.232" v="0" actId="26606"/>
-          <ac:spMkLst>
-            <pc:docMk/>
-            <pc:sldMk cId="2839524364" sldId="2147470607"/>
-            <ac:spMk id="3" creationId="{C9D88242-39E7-FD9D-8E94-B07DD53805B5}"/>
-          </ac:spMkLst>
-        </pc:spChg>
-        <pc:spChg chg="add mod">
-          <ac:chgData name="Dwayne Natwick" userId="d11f0013982d5c78" providerId="LiveId" clId="{67AF20B4-6DC7-492D-BA3B-9FCF6F9AD6CF}" dt="2023-09-15T12:22:20.232" v="0" actId="26606"/>
-          <ac:spMkLst>
-            <pc:docMk/>
-            <pc:sldMk cId="2839524364" sldId="2147470607"/>
-            <ac:spMk id="8" creationId="{0BEC7ADA-45E0-D0DE-3260-36E676ED3447}"/>
-          </ac:spMkLst>
-        </pc:spChg>
-      </pc:sldChg>
-      <pc:sldChg chg="addSp delSp modSp mod modClrScheme chgLayout">
-        <pc:chgData name="Dwayne Natwick" userId="d11f0013982d5c78" providerId="LiveId" clId="{67AF20B4-6DC7-492D-BA3B-9FCF6F9AD6CF}" dt="2023-09-15T12:22:53.331" v="4" actId="207"/>
-        <pc:sldMkLst>
-          <pc:docMk/>
-          <pc:sldMk cId="4086260143" sldId="2147470608"/>
-        </pc:sldMkLst>
-        <pc:spChg chg="mod">
-          <ac:chgData name="Dwayne Natwick" userId="d11f0013982d5c78" providerId="LiveId" clId="{67AF20B4-6DC7-492D-BA3B-9FCF6F9AD6CF}" dt="2023-09-15T12:22:43.779" v="3" actId="26606"/>
-          <ac:spMkLst>
-            <pc:docMk/>
-            <pc:sldMk cId="4086260143" sldId="2147470608"/>
-            <ac:spMk id="2" creationId="{BA3D571B-B150-1C46-5F05-A09D93B7AE7A}"/>
-          </ac:spMkLst>
-        </pc:spChg>
-        <pc:spChg chg="del">
-          <ac:chgData name="Dwayne Natwick" userId="d11f0013982d5c78" providerId="LiveId" clId="{67AF20B4-6DC7-492D-BA3B-9FCF6F9AD6CF}" dt="2023-09-15T12:22:30.594" v="1" actId="26606"/>
-          <ac:spMkLst>
-            <pc:docMk/>
-            <pc:sldMk cId="4086260143" sldId="2147470608"/>
-            <ac:spMk id="3" creationId="{EEA0802F-FB95-E549-566C-5C162DF6AE92}"/>
-          </ac:spMkLst>
-        </pc:spChg>
-        <pc:spChg chg="add del mod">
-          <ac:chgData name="Dwayne Natwick" userId="d11f0013982d5c78" providerId="LiveId" clId="{67AF20B4-6DC7-492D-BA3B-9FCF6F9AD6CF}" dt="2023-09-15T12:22:37.849" v="2" actId="478"/>
-          <ac:spMkLst>
-            <pc:docMk/>
-            <pc:sldMk cId="4086260143" sldId="2147470608"/>
-            <ac:spMk id="9" creationId="{3C859FFF-7BFD-5EEA-4747-C61450C010D9}"/>
-          </ac:spMkLst>
-        </pc:spChg>
-        <pc:graphicFrameChg chg="add mod modGraphic">
-          <ac:chgData name="Dwayne Natwick" userId="d11f0013982d5c78" providerId="LiveId" clId="{67AF20B4-6DC7-492D-BA3B-9FCF6F9AD6CF}" dt="2023-09-15T12:22:53.331" v="4" actId="207"/>
-          <ac:graphicFrameMkLst>
-            <pc:docMk/>
-            <pc:sldMk cId="4086260143" sldId="2147470608"/>
-            <ac:graphicFrameMk id="5" creationId="{02521839-71E7-D3DB-2A79-15E7270E214C}"/>
-          </ac:graphicFrameMkLst>
-        </pc:graphicFrameChg>
-      </pc:sldChg>
-      <pc:sldChg chg="addSp delSp modSp mod">
-        <pc:chgData name="Dwayne Natwick" userId="d11f0013982d5c78" providerId="LiveId" clId="{67AF20B4-6DC7-492D-BA3B-9FCF6F9AD6CF}" dt="2023-09-15T12:24:13.533" v="6" actId="207"/>
-        <pc:sldMkLst>
-          <pc:docMk/>
-          <pc:sldMk cId="379969417" sldId="2147470609"/>
-        </pc:sldMkLst>
-        <pc:spChg chg="mod">
-          <ac:chgData name="Dwayne Natwick" userId="d11f0013982d5c78" providerId="LiveId" clId="{67AF20B4-6DC7-492D-BA3B-9FCF6F9AD6CF}" dt="2023-09-15T12:23:48.613" v="5" actId="26606"/>
-          <ac:spMkLst>
-            <pc:docMk/>
-            <pc:sldMk cId="379969417" sldId="2147470609"/>
-            <ac:spMk id="2" creationId="{C144469C-FA2E-89F4-8275-78C7809263F1}"/>
-          </ac:spMkLst>
-        </pc:spChg>
-        <pc:spChg chg="del">
-          <ac:chgData name="Dwayne Natwick" userId="d11f0013982d5c78" providerId="LiveId" clId="{67AF20B4-6DC7-492D-BA3B-9FCF6F9AD6CF}" dt="2023-09-15T12:23:48.613" v="5" actId="26606"/>
-          <ac:spMkLst>
-            <pc:docMk/>
-            <pc:sldMk cId="379969417" sldId="2147470609"/>
-            <ac:spMk id="3" creationId="{F3C47606-EBF4-2063-DFC2-36C74BD4FA71}"/>
-          </ac:spMkLst>
-        </pc:spChg>
-        <pc:graphicFrameChg chg="add mod">
-          <ac:chgData name="Dwayne Natwick" userId="d11f0013982d5c78" providerId="LiveId" clId="{67AF20B4-6DC7-492D-BA3B-9FCF6F9AD6CF}" dt="2023-09-15T12:24:13.533" v="6" actId="207"/>
-          <ac:graphicFrameMkLst>
-            <pc:docMk/>
-            <pc:sldMk cId="379969417" sldId="2147470609"/>
-            <ac:graphicFrameMk id="6" creationId="{8F951D51-311C-2EFC-35E8-15B871457F00}"/>
-          </ac:graphicFrameMkLst>
-        </pc:graphicFrameChg>
-      </pc:sldChg>
-      <pc:sldChg chg="addSp delSp modSp mod modClrScheme chgLayout">
-        <pc:chgData name="Dwayne Natwick" userId="d11f0013982d5c78" providerId="LiveId" clId="{67AF20B4-6DC7-492D-BA3B-9FCF6F9AD6CF}" dt="2023-09-15T12:26:06.004" v="28" actId="26606"/>
-        <pc:sldMkLst>
-          <pc:docMk/>
-          <pc:sldMk cId="1929971971" sldId="2147470610"/>
-        </pc:sldMkLst>
-        <pc:spChg chg="mod">
-          <ac:chgData name="Dwayne Natwick" userId="d11f0013982d5c78" providerId="LiveId" clId="{67AF20B4-6DC7-492D-BA3B-9FCF6F9AD6CF}" dt="2023-09-15T12:26:06.004" v="28" actId="26606"/>
-          <ac:spMkLst>
-            <pc:docMk/>
-            <pc:sldMk cId="1929971971" sldId="2147470610"/>
-            <ac:spMk id="2" creationId="{105B6354-2028-24B8-66E1-0D45962243CA}"/>
-          </ac:spMkLst>
-        </pc:spChg>
-        <pc:spChg chg="add del">
-          <ac:chgData name="Dwayne Natwick" userId="d11f0013982d5c78" providerId="LiveId" clId="{67AF20B4-6DC7-492D-BA3B-9FCF6F9AD6CF}" dt="2023-09-15T12:26:06.004" v="28" actId="26606"/>
-          <ac:spMkLst>
-            <pc:docMk/>
-            <pc:sldMk cId="1929971971" sldId="2147470610"/>
-            <ac:spMk id="3" creationId="{7407A4C3-86E5-EFE8-1E18-DC50FF22703B}"/>
-          </ac:spMkLst>
-        </pc:spChg>
-        <pc:spChg chg="add del mod">
-          <ac:chgData name="Dwayne Natwick" userId="d11f0013982d5c78" providerId="LiveId" clId="{67AF20B4-6DC7-492D-BA3B-9FCF6F9AD6CF}" dt="2023-09-15T12:26:05.986" v="27" actId="26606"/>
-          <ac:spMkLst>
-            <pc:docMk/>
-            <pc:sldMk cId="1929971971" sldId="2147470610"/>
-            <ac:spMk id="9" creationId="{BCECCEF1-42D4-E371-C1D3-B372EBE08756}"/>
-          </ac:spMkLst>
-        </pc:spChg>
-        <pc:graphicFrameChg chg="add del">
-          <ac:chgData name="Dwayne Natwick" userId="d11f0013982d5c78" providerId="LiveId" clId="{67AF20B4-6DC7-492D-BA3B-9FCF6F9AD6CF}" dt="2023-09-15T12:25:53.241" v="25" actId="26606"/>
-          <ac:graphicFrameMkLst>
-            <pc:docMk/>
-            <pc:sldMk cId="1929971971" sldId="2147470610"/>
-            <ac:graphicFrameMk id="5" creationId="{F05A35D9-D1C5-338E-A24B-63C76BB54E45}"/>
-          </ac:graphicFrameMkLst>
-        </pc:graphicFrameChg>
-        <pc:graphicFrameChg chg="add del mod">
-          <ac:chgData name="Dwayne Natwick" userId="d11f0013982d5c78" providerId="LiveId" clId="{67AF20B4-6DC7-492D-BA3B-9FCF6F9AD6CF}" dt="2023-09-15T12:26:05.986" v="27" actId="26606"/>
-          <ac:graphicFrameMkLst>
-            <pc:docMk/>
-            <pc:sldMk cId="1929971971" sldId="2147470610"/>
-            <ac:graphicFrameMk id="7" creationId="{CFDAEFEF-2C5F-EEFF-B591-6ABE2E227E31}"/>
-          </ac:graphicFrameMkLst>
-        </pc:graphicFrameChg>
-        <pc:graphicFrameChg chg="add">
-          <ac:chgData name="Dwayne Natwick" userId="d11f0013982d5c78" providerId="LiveId" clId="{67AF20B4-6DC7-492D-BA3B-9FCF6F9AD6CF}" dt="2023-09-15T12:26:06.004" v="28" actId="26606"/>
-          <ac:graphicFrameMkLst>
-            <pc:docMk/>
-            <pc:sldMk cId="1929971971" sldId="2147470610"/>
-            <ac:graphicFrameMk id="11" creationId="{F05A35D9-D1C5-338E-A24B-63C76BB54E45}"/>
-          </ac:graphicFrameMkLst>
-        </pc:graphicFrameChg>
-      </pc:sldChg>
-      <pc:sldChg chg="addSp delSp modSp mod">
-        <pc:chgData name="Dwayne Natwick" userId="d11f0013982d5c78" providerId="LiveId" clId="{67AF20B4-6DC7-492D-BA3B-9FCF6F9AD6CF}" dt="2023-09-15T12:24:51.046" v="11" actId="26606"/>
-        <pc:sldMkLst>
-          <pc:docMk/>
-          <pc:sldMk cId="2421521076" sldId="2147470611"/>
-        </pc:sldMkLst>
-        <pc:spChg chg="mod">
-          <ac:chgData name="Dwayne Natwick" userId="d11f0013982d5c78" providerId="LiveId" clId="{67AF20B4-6DC7-492D-BA3B-9FCF6F9AD6CF}" dt="2023-09-15T12:24:51.046" v="11" actId="26606"/>
-          <ac:spMkLst>
-            <pc:docMk/>
-            <pc:sldMk cId="2421521076" sldId="2147470611"/>
-            <ac:spMk id="2" creationId="{0F4D640B-8499-E0C5-C508-35266E13B6E6}"/>
-          </ac:spMkLst>
-        </pc:spChg>
-        <pc:spChg chg="del">
-          <ac:chgData name="Dwayne Natwick" userId="d11f0013982d5c78" providerId="LiveId" clId="{67AF20B4-6DC7-492D-BA3B-9FCF6F9AD6CF}" dt="2023-09-15T12:24:51.046" v="11" actId="26606"/>
-          <ac:spMkLst>
-            <pc:docMk/>
-            <pc:sldMk cId="2421521076" sldId="2147470611"/>
-            <ac:spMk id="3" creationId="{358EA097-101A-43CC-781A-E0E92A4D22E7}"/>
-          </ac:spMkLst>
-        </pc:spChg>
-        <pc:graphicFrameChg chg="add">
-          <ac:chgData name="Dwayne Natwick" userId="d11f0013982d5c78" providerId="LiveId" clId="{67AF20B4-6DC7-492D-BA3B-9FCF6F9AD6CF}" dt="2023-09-15T12:24:51.046" v="11" actId="26606"/>
-          <ac:graphicFrameMkLst>
-            <pc:docMk/>
-            <pc:sldMk cId="2421521076" sldId="2147470611"/>
-            <ac:graphicFrameMk id="5" creationId="{A5BBB90B-5CC9-A280-14DC-2C91D4F347EE}"/>
-          </ac:graphicFrameMkLst>
-        </pc:graphicFrameChg>
-      </pc:sldChg>
-      <pc:sldChg chg="delSp mod modNotesTx">
-        <pc:chgData name="Dwayne Natwick" userId="d11f0013982d5c78" providerId="LiveId" clId="{67AF20B4-6DC7-492D-BA3B-9FCF6F9AD6CF}" dt="2023-09-15T12:33:18.323" v="157" actId="478"/>
-        <pc:sldMkLst>
-          <pc:docMk/>
-          <pc:sldMk cId="2524577050" sldId="2147470612"/>
-        </pc:sldMkLst>
-        <pc:spChg chg="del">
-          <ac:chgData name="Dwayne Natwick" userId="d11f0013982d5c78" providerId="LiveId" clId="{67AF20B4-6DC7-492D-BA3B-9FCF6F9AD6CF}" dt="2023-09-15T12:33:18.323" v="157" actId="478"/>
-          <ac:spMkLst>
-            <pc:docMk/>
-            <pc:sldMk cId="2524577050" sldId="2147470612"/>
-            <ac:spMk id="4" creationId="{57240181-C93A-F4E8-472C-1AF0F2C2A855}"/>
-          </ac:spMkLst>
-        </pc:spChg>
-        <pc:spChg chg="del">
-          <ac:chgData name="Dwayne Natwick" userId="d11f0013982d5c78" providerId="LiveId" clId="{67AF20B4-6DC7-492D-BA3B-9FCF6F9AD6CF}" dt="2023-09-15T12:33:13.947" v="156" actId="478"/>
-          <ac:spMkLst>
-            <pc:docMk/>
-            <pc:sldMk cId="2524577050" sldId="2147470612"/>
-            <ac:spMk id="5" creationId="{D3A447DE-6903-1590-61FB-AB160302D80B}"/>
-          </ac:spMkLst>
-        </pc:spChg>
-        <pc:spChg chg="del">
-          <ac:chgData name="Dwayne Natwick" userId="d11f0013982d5c78" providerId="LiveId" clId="{67AF20B4-6DC7-492D-BA3B-9FCF6F9AD6CF}" dt="2023-09-15T12:33:06.604" v="154" actId="478"/>
-          <ac:spMkLst>
-            <pc:docMk/>
-            <pc:sldMk cId="2524577050" sldId="2147470612"/>
-            <ac:spMk id="6" creationId="{520C77B9-C55A-8B6C-DC16-CEE27B62CD45}"/>
-          </ac:spMkLst>
-        </pc:spChg>
-        <pc:spChg chg="del">
-          <ac:chgData name="Dwayne Natwick" userId="d11f0013982d5c78" providerId="LiveId" clId="{67AF20B4-6DC7-492D-BA3B-9FCF6F9AD6CF}" dt="2023-09-15T12:33:11.398" v="155" actId="478"/>
-          <ac:spMkLst>
-            <pc:docMk/>
-            <pc:sldMk cId="2524577050" sldId="2147470612"/>
-            <ac:spMk id="7" creationId="{C25B8EDA-4C77-A71B-612F-D5F8559DF688}"/>
-          </ac:spMkLst>
-        </pc:spChg>
-      </pc:sldChg>
-      <pc:sldChg chg="modSp mod">
-        <pc:chgData name="Dwayne Natwick" userId="d11f0013982d5c78" providerId="LiveId" clId="{67AF20B4-6DC7-492D-BA3B-9FCF6F9AD6CF}" dt="2023-09-15T12:24:40.874" v="10" actId="14100"/>
-        <pc:sldMkLst>
-          <pc:docMk/>
-          <pc:sldMk cId="848203549" sldId="2147470613"/>
-        </pc:sldMkLst>
-        <pc:spChg chg="mod ord">
-          <ac:chgData name="Dwayne Natwick" userId="d11f0013982d5c78" providerId="LiveId" clId="{67AF20B4-6DC7-492D-BA3B-9FCF6F9AD6CF}" dt="2023-09-15T12:24:40.874" v="10" actId="14100"/>
-          <ac:spMkLst>
-            <pc:docMk/>
-            <pc:sldMk cId="848203549" sldId="2147470613"/>
-            <ac:spMk id="3" creationId="{2E50BA7C-3255-BC69-812B-892217F5D36D}"/>
-          </ac:spMkLst>
-        </pc:spChg>
-        <pc:picChg chg="mod">
-          <ac:chgData name="Dwayne Natwick" userId="d11f0013982d5c78" providerId="LiveId" clId="{67AF20B4-6DC7-492D-BA3B-9FCF6F9AD6CF}" dt="2023-09-15T12:24:28.644" v="7" actId="26606"/>
-          <ac:picMkLst>
-            <pc:docMk/>
-            <pc:sldMk cId="848203549" sldId="2147470613"/>
-            <ac:picMk id="4" creationId="{D26C38C8-22B0-0868-2D0E-669BDC2059B1}"/>
-          </ac:picMkLst>
-        </pc:picChg>
-      </pc:sldChg>
-      <pc:sldChg chg="addSp delSp modSp mod modClrScheme chgLayout">
-        <pc:chgData name="Dwayne Natwick" userId="d11f0013982d5c78" providerId="LiveId" clId="{67AF20B4-6DC7-492D-BA3B-9FCF6F9AD6CF}" dt="2023-09-15T12:25:30.016" v="23" actId="404"/>
-        <pc:sldMkLst>
-          <pc:docMk/>
-          <pc:sldMk cId="3770102974" sldId="2147470614"/>
-        </pc:sldMkLst>
-        <pc:spChg chg="mod">
-          <ac:chgData name="Dwayne Natwick" userId="d11f0013982d5c78" providerId="LiveId" clId="{67AF20B4-6DC7-492D-BA3B-9FCF6F9AD6CF}" dt="2023-09-15T12:25:17.917" v="16" actId="26606"/>
-          <ac:spMkLst>
-            <pc:docMk/>
-            <pc:sldMk cId="3770102974" sldId="2147470614"/>
-            <ac:spMk id="2" creationId="{CFCF5E71-8482-5C4A-1937-62180CED69B1}"/>
-          </ac:spMkLst>
-        </pc:spChg>
-        <pc:spChg chg="add del">
-          <ac:chgData name="Dwayne Natwick" userId="d11f0013982d5c78" providerId="LiveId" clId="{67AF20B4-6DC7-492D-BA3B-9FCF6F9AD6CF}" dt="2023-09-15T12:25:09.961" v="14" actId="26606"/>
-          <ac:spMkLst>
-            <pc:docMk/>
-            <pc:sldMk cId="3770102974" sldId="2147470614"/>
-            <ac:spMk id="3" creationId="{2E8F6CC6-DEE5-E7CD-0610-AF173BD7F8EC}"/>
-          </ac:spMkLst>
-        </pc:spChg>
-        <pc:spChg chg="add del mod">
-          <ac:chgData name="Dwayne Natwick" userId="d11f0013982d5c78" providerId="LiveId" clId="{67AF20B4-6DC7-492D-BA3B-9FCF6F9AD6CF}" dt="2023-09-15T12:25:14.440" v="15" actId="478"/>
-          <ac:spMkLst>
-            <pc:docMk/>
-            <pc:sldMk cId="3770102974" sldId="2147470614"/>
-            <ac:spMk id="9" creationId="{58699FEA-8D93-6C54-EB4F-88BC2FCE5915}"/>
-          </ac:spMkLst>
-        </pc:spChg>
-        <pc:graphicFrameChg chg="add del">
-          <ac:chgData name="Dwayne Natwick" userId="d11f0013982d5c78" providerId="LiveId" clId="{67AF20B4-6DC7-492D-BA3B-9FCF6F9AD6CF}" dt="2023-09-15T12:25:09.866" v="13" actId="26606"/>
-          <ac:graphicFrameMkLst>
-            <pc:docMk/>
-            <pc:sldMk cId="3770102974" sldId="2147470614"/>
-            <ac:graphicFrameMk id="5" creationId="{5532D69F-20D3-37B9-F271-649CAC81B81A}"/>
-          </ac:graphicFrameMkLst>
-        </pc:graphicFrameChg>
-        <pc:graphicFrameChg chg="add mod modGraphic">
-          <ac:chgData name="Dwayne Natwick" userId="d11f0013982d5c78" providerId="LiveId" clId="{67AF20B4-6DC7-492D-BA3B-9FCF6F9AD6CF}" dt="2023-09-15T12:25:30.016" v="23" actId="404"/>
-          <ac:graphicFrameMkLst>
-            <pc:docMk/>
-            <pc:sldMk cId="3770102974" sldId="2147470614"/>
-            <ac:graphicFrameMk id="7" creationId="{A219546F-E536-A279-B526-1AE693C0FEBC}"/>
-          </ac:graphicFrameMkLst>
-        </pc:graphicFrameChg>
-      </pc:sldChg>
-      <pc:sldChg chg="addSp delSp modSp mod">
-        <pc:chgData name="Dwayne Natwick" userId="d11f0013982d5c78" providerId="LiveId" clId="{67AF20B4-6DC7-492D-BA3B-9FCF6F9AD6CF}" dt="2023-09-15T12:26:40.164" v="31" actId="207"/>
-        <pc:sldMkLst>
-          <pc:docMk/>
-          <pc:sldMk cId="3776730813" sldId="2147470620"/>
-        </pc:sldMkLst>
-        <pc:spChg chg="mod">
-          <ac:chgData name="Dwayne Natwick" userId="d11f0013982d5c78" providerId="LiveId" clId="{67AF20B4-6DC7-492D-BA3B-9FCF6F9AD6CF}" dt="2023-09-15T12:26:19.350" v="29" actId="26606"/>
-          <ac:spMkLst>
-            <pc:docMk/>
-            <pc:sldMk cId="3776730813" sldId="2147470620"/>
-            <ac:spMk id="2" creationId="{B98733DD-1422-5649-B7EC-6C22F68294E7}"/>
-          </ac:spMkLst>
-        </pc:spChg>
-        <pc:spChg chg="del">
-          <ac:chgData name="Dwayne Natwick" userId="d11f0013982d5c78" providerId="LiveId" clId="{67AF20B4-6DC7-492D-BA3B-9FCF6F9AD6CF}" dt="2023-09-15T12:26:19.350" v="29" actId="26606"/>
-          <ac:spMkLst>
-            <pc:docMk/>
-            <pc:sldMk cId="3776730813" sldId="2147470620"/>
-            <ac:spMk id="3" creationId="{6877C1DD-3080-4AEC-3E55-CF8ED035D114}"/>
-          </ac:spMkLst>
-        </pc:spChg>
-        <pc:graphicFrameChg chg="add mod">
-          <ac:chgData name="Dwayne Natwick" userId="d11f0013982d5c78" providerId="LiveId" clId="{67AF20B4-6DC7-492D-BA3B-9FCF6F9AD6CF}" dt="2023-09-15T12:26:40.164" v="31" actId="207"/>
-          <ac:graphicFrameMkLst>
-            <pc:docMk/>
-            <pc:sldMk cId="3776730813" sldId="2147470620"/>
-            <ac:graphicFrameMk id="5" creationId="{EAD11503-D133-32E7-E133-88CB07DFE0F3}"/>
-          </ac:graphicFrameMkLst>
-        </pc:graphicFrameChg>
-      </pc:sldChg>
-      <pc:sldChg chg="addSp delSp modSp mod modClrScheme chgLayout">
-        <pc:chgData name="Dwayne Natwick" userId="d11f0013982d5c78" providerId="LiveId" clId="{67AF20B4-6DC7-492D-BA3B-9FCF6F9AD6CF}" dt="2023-09-15T12:27:22.537" v="41" actId="12"/>
-        <pc:sldMkLst>
-          <pc:docMk/>
-          <pc:sldMk cId="1675599562" sldId="2147470621"/>
-        </pc:sldMkLst>
-        <pc:spChg chg="mod">
-          <ac:chgData name="Dwayne Natwick" userId="d11f0013982d5c78" providerId="LiveId" clId="{67AF20B4-6DC7-492D-BA3B-9FCF6F9AD6CF}" dt="2023-09-15T12:27:16.480" v="40" actId="26606"/>
-          <ac:spMkLst>
-            <pc:docMk/>
-            <pc:sldMk cId="1675599562" sldId="2147470621"/>
-            <ac:spMk id="2" creationId="{4F2E3601-0348-0AC8-926D-2963A6EBDE54}"/>
-          </ac:spMkLst>
-        </pc:spChg>
-        <pc:spChg chg="mod">
-          <ac:chgData name="Dwayne Natwick" userId="d11f0013982d5c78" providerId="LiveId" clId="{67AF20B4-6DC7-492D-BA3B-9FCF6F9AD6CF}" dt="2023-09-15T12:27:22.537" v="41" actId="12"/>
-          <ac:spMkLst>
-            <pc:docMk/>
-            <pc:sldMk cId="1675599562" sldId="2147470621"/>
-            <ac:spMk id="3" creationId="{226A9B3B-731B-E601-049B-025098728B19}"/>
-          </ac:spMkLst>
-        </pc:spChg>
-        <pc:spChg chg="add del mod">
-          <ac:chgData name="Dwayne Natwick" userId="d11f0013982d5c78" providerId="LiveId" clId="{67AF20B4-6DC7-492D-BA3B-9FCF6F9AD6CF}" dt="2023-09-15T12:27:08.351" v="33" actId="26606"/>
-          <ac:spMkLst>
-            <pc:docMk/>
-            <pc:sldMk cId="1675599562" sldId="2147470621"/>
-            <ac:spMk id="8" creationId="{CBDE5322-35C9-7798-3ACA-6181A40C14D0}"/>
-          </ac:spMkLst>
-        </pc:spChg>
-        <pc:spChg chg="add del mod">
-          <ac:chgData name="Dwayne Natwick" userId="d11f0013982d5c78" providerId="LiveId" clId="{67AF20B4-6DC7-492D-BA3B-9FCF6F9AD6CF}" dt="2023-09-15T12:27:11.088" v="35" actId="26606"/>
-          <ac:spMkLst>
-            <pc:docMk/>
-            <pc:sldMk cId="1675599562" sldId="2147470621"/>
-            <ac:spMk id="10" creationId="{795D7EBF-A03F-22DA-4479-3CEB4DE78634}"/>
-          </ac:spMkLst>
-        </pc:spChg>
-      </pc:sldChg>
-      <pc:sldChg chg="delSp modSp mod">
-        <pc:chgData name="Dwayne Natwick" userId="d11f0013982d5c78" providerId="LiveId" clId="{67AF20B4-6DC7-492D-BA3B-9FCF6F9AD6CF}" dt="2023-09-15T12:32:14.657" v="145"/>
-        <pc:sldMkLst>
-          <pc:docMk/>
-          <pc:sldMk cId="4211696148" sldId="2147470622"/>
-        </pc:sldMkLst>
-        <pc:spChg chg="mod">
-          <ac:chgData name="Dwayne Natwick" userId="d11f0013982d5c78" providerId="LiveId" clId="{67AF20B4-6DC7-492D-BA3B-9FCF6F9AD6CF}" dt="2023-09-15T12:32:12.113" v="143" actId="20577"/>
-          <ac:spMkLst>
-            <pc:docMk/>
-            <pc:sldMk cId="4211696148" sldId="2147470622"/>
-            <ac:spMk id="3" creationId="{8EBEE321-11FC-1E70-73C4-F9D3512763DC}"/>
-          </ac:spMkLst>
-        </pc:spChg>
-        <pc:spChg chg="del mod">
-          <ac:chgData name="Dwayne Natwick" userId="d11f0013982d5c78" providerId="LiveId" clId="{67AF20B4-6DC7-492D-BA3B-9FCF6F9AD6CF}" dt="2023-09-15T12:32:14.657" v="145"/>
-          <ac:spMkLst>
-            <pc:docMk/>
-            <pc:sldMk cId="4211696148" sldId="2147470622"/>
-            <ac:spMk id="4" creationId="{894C4432-C891-B2F2-36B5-DC9ABE788A25}"/>
-          </ac:spMkLst>
-        </pc:spChg>
-      </pc:sldChg>
     </pc:docChg>
   </pc:docChgLst>
 </pc:chgInfo>
@@ -9687,7 +9910,7 @@
 <dgm:dataModel xmlns:dgm="http://schemas.openxmlformats.org/drawingml/2006/diagram" xmlns:a="http://schemas.openxmlformats.org/drawingml/2006/main">
   <dgm:ptLst>
     <dgm:pt modelId="{A6D18301-54A6-4D9F-9E1C-020EEFF69F07}" type="doc">
-      <dgm:prSet loTypeId="urn:microsoft.com/office/officeart/2008/layout/LinedList" loCatId="list" qsTypeId="urn:microsoft.com/office/officeart/2005/8/quickstyle/simple1" qsCatId="simple" csTypeId="urn:microsoft.com/office/officeart/2005/8/colors/accent1_2" csCatId="accent1"/>
+      <dgm:prSet loTypeId="urn:microsoft.com/office/officeart/2008/layout/LinedList" loCatId="list" qsTypeId="urn:microsoft.com/office/officeart/2005/8/quickstyle/simple1" qsCatId="simple" csTypeId="urn:microsoft.com/office/officeart/2005/8/colors/accent1_2" csCatId="accent1" phldr="1"/>
       <dgm:spPr/>
       <dgm:t>
         <a:bodyPr/>
@@ -9705,10 +9928,10 @@
         <a:lstStyle/>
         <a:p>
           <a:r>
-            <a:rPr lang="en-US" baseline="0"/>
-            <a:t>Blocks products from purchase in public marketplace</a:t>
+            <a:rPr lang="en-US" baseline="0" dirty="0"/>
+            <a:t>Blocks products from purchase in public marketplace (exceptions: of Microsoft published and endorsed Linux distributions)</a:t>
           </a:r>
-          <a:endParaRPr lang="en-US"/>
+          <a:endParaRPr lang="en-US" dirty="0"/>
         </a:p>
       </dgm:t>
     </dgm:pt>
@@ -9983,10 +10206,10 @@
         <a:lstStyle/>
         <a:p>
           <a:r>
-            <a:rPr lang="en-US" baseline="0"/>
-            <a:t>Azure Marketplace Limitations</a:t>
+            <a:rPr lang="en-US" baseline="0" dirty="0"/>
+            <a:t>Marketplace Limitations</a:t>
           </a:r>
-          <a:endParaRPr lang="en-US"/>
+          <a:endParaRPr lang="en-US" dirty="0"/>
         </a:p>
       </dgm:t>
     </dgm:pt>
@@ -10118,10 +10341,10 @@
         <a:lstStyle/>
         <a:p>
           <a:r>
-            <a:rPr lang="en-US" baseline="0"/>
+            <a:rPr lang="en-US" baseline="0" dirty="0"/>
             <a:t>No "out of the box" integration with enterprise procurement or workflow</a:t>
           </a:r>
-          <a:endParaRPr lang="en-US"/>
+          <a:endParaRPr lang="en-US" dirty="0"/>
         </a:p>
       </dgm:t>
     </dgm:pt>
@@ -13343,12 +13566,12 @@
         <a:fontRef idx="minor"/>
       </dsp:style>
       <dsp:txBody>
-        <a:bodyPr spcFirstLastPara="0" vert="horz" wrap="square" lIns="121920" tIns="121920" rIns="121920" bIns="121920" numCol="1" spcCol="1270" anchor="t" anchorCtr="0">
+        <a:bodyPr spcFirstLastPara="0" vert="horz" wrap="square" lIns="110490" tIns="110490" rIns="110490" bIns="110490" numCol="1" spcCol="1270" anchor="t" anchorCtr="0">
           <a:noAutofit/>
         </a:bodyPr>
         <a:lstStyle/>
         <a:p>
-          <a:pPr marL="0" lvl="0" indent="0" algn="l" defTabSz="1422400">
+          <a:pPr marL="0" lvl="0" indent="0" algn="l" defTabSz="1289050">
             <a:lnSpc>
               <a:spcPct val="90000"/>
             </a:lnSpc>
@@ -13361,10 +13584,10 @@
             <a:buNone/>
           </a:pPr>
           <a:r>
-            <a:rPr lang="en-US" sz="3200" kern="1200" baseline="0"/>
-            <a:t>Blocks products from purchase in public marketplace</a:t>
+            <a:rPr lang="en-US" sz="2900" kern="1200" baseline="0" dirty="0"/>
+            <a:t>Blocks products from purchase in public marketplace (exceptions: of Microsoft published and endorsed Linux distributions)</a:t>
           </a:r>
-          <a:endParaRPr lang="en-US" sz="3200" kern="1200"/>
+          <a:endParaRPr lang="en-US" sz="2900" kern="1200" dirty="0"/>
         </a:p>
       </dsp:txBody>
       <dsp:txXfrm>
@@ -13453,12 +13676,12 @@
         <a:fontRef idx="minor"/>
       </dsp:style>
       <dsp:txBody>
-        <a:bodyPr spcFirstLastPara="0" vert="horz" wrap="square" lIns="121920" tIns="121920" rIns="121920" bIns="121920" numCol="1" spcCol="1270" anchor="t" anchorCtr="0">
+        <a:bodyPr spcFirstLastPara="0" vert="horz" wrap="square" lIns="110490" tIns="110490" rIns="110490" bIns="110490" numCol="1" spcCol="1270" anchor="t" anchorCtr="0">
           <a:noAutofit/>
         </a:bodyPr>
         <a:lstStyle/>
         <a:p>
-          <a:pPr marL="0" lvl="0" indent="0" algn="l" defTabSz="1422400">
+          <a:pPr marL="0" lvl="0" indent="0" algn="l" defTabSz="1289050">
             <a:lnSpc>
               <a:spcPct val="90000"/>
             </a:lnSpc>
@@ -13471,10 +13694,10 @@
             <a:buNone/>
           </a:pPr>
           <a:r>
-            <a:rPr lang="en-US" sz="3200" kern="1200" baseline="0"/>
+            <a:rPr lang="en-US" sz="2900" kern="1200" baseline="0"/>
             <a:t>Users submit requests to add a product to the allowlist</a:t>
           </a:r>
-          <a:endParaRPr lang="en-US" sz="3200" kern="1200"/>
+          <a:endParaRPr lang="en-US" sz="2900" kern="1200"/>
         </a:p>
       </dsp:txBody>
       <dsp:txXfrm>
@@ -13563,12 +13786,12 @@
         <a:fontRef idx="minor"/>
       </dsp:style>
       <dsp:txBody>
-        <a:bodyPr spcFirstLastPara="0" vert="horz" wrap="square" lIns="121920" tIns="121920" rIns="121920" bIns="121920" numCol="1" spcCol="1270" anchor="t" anchorCtr="0">
+        <a:bodyPr spcFirstLastPara="0" vert="horz" wrap="square" lIns="110490" tIns="110490" rIns="110490" bIns="110490" numCol="1" spcCol="1270" anchor="t" anchorCtr="0">
           <a:noAutofit/>
         </a:bodyPr>
         <a:lstStyle/>
         <a:p>
-          <a:pPr marL="0" lvl="0" indent="0" algn="l" defTabSz="1422400">
+          <a:pPr marL="0" lvl="0" indent="0" algn="l" defTabSz="1289050">
             <a:lnSpc>
               <a:spcPct val="90000"/>
             </a:lnSpc>
@@ -13581,10 +13804,10 @@
             <a:buNone/>
           </a:pPr>
           <a:r>
-            <a:rPr lang="en-US" sz="3200" kern="1200" baseline="0"/>
+            <a:rPr lang="en-US" sz="2900" kern="1200" baseline="0"/>
             <a:t>Marketplace administrator has authority to approve request</a:t>
           </a:r>
-          <a:endParaRPr lang="en-US" sz="3200" kern="1200"/>
+          <a:endParaRPr lang="en-US" sz="2900" kern="1200"/>
         </a:p>
       </dsp:txBody>
       <dsp:txXfrm>
@@ -13673,12 +13896,12 @@
         <a:fontRef idx="minor"/>
       </dsp:style>
       <dsp:txBody>
-        <a:bodyPr spcFirstLastPara="0" vert="horz" wrap="square" lIns="121920" tIns="121920" rIns="121920" bIns="121920" numCol="1" spcCol="1270" anchor="t" anchorCtr="0">
+        <a:bodyPr spcFirstLastPara="0" vert="horz" wrap="square" lIns="110490" tIns="110490" rIns="110490" bIns="110490" numCol="1" spcCol="1270" anchor="t" anchorCtr="0">
           <a:noAutofit/>
         </a:bodyPr>
         <a:lstStyle/>
         <a:p>
-          <a:pPr marL="0" lvl="0" indent="0" algn="l" defTabSz="1422400">
+          <a:pPr marL="0" lvl="0" indent="0" algn="l" defTabSz="1289050">
             <a:lnSpc>
               <a:spcPct val="90000"/>
             </a:lnSpc>
@@ -13691,10 +13914,10 @@
             <a:buNone/>
           </a:pPr>
           <a:r>
-            <a:rPr lang="en-US" sz="3200" kern="1200" baseline="0"/>
+            <a:rPr lang="en-US" sz="2900" kern="1200" baseline="0"/>
             <a:t>Private offers can be automatically enabled, if configured to</a:t>
           </a:r>
-          <a:endParaRPr lang="en-US" sz="3200" kern="1200"/>
+          <a:endParaRPr lang="en-US" sz="2900" kern="1200"/>
         </a:p>
       </dsp:txBody>
       <dsp:txXfrm>
@@ -13818,10 +14041,10 @@
             <a:buChar char="•"/>
           </a:pPr>
           <a:r>
-            <a:rPr lang="en-US" sz="2000" kern="1200" baseline="0"/>
+            <a:rPr lang="en-US" sz="2000" kern="1200" baseline="0" dirty="0"/>
             <a:t>No "out of the box" integration with enterprise procurement or workflow</a:t>
           </a:r>
-          <a:endParaRPr lang="en-US" sz="2000" kern="1200"/>
+          <a:endParaRPr lang="en-US" sz="2000" kern="1200" dirty="0"/>
         </a:p>
       </dsp:txBody>
       <dsp:txXfrm rot="-5400000">
@@ -13891,10 +14114,10 @@
             <a:buNone/>
           </a:pPr>
           <a:r>
-            <a:rPr lang="en-US" sz="2900" kern="1200" baseline="0"/>
-            <a:t>Azure Marketplace Limitations</a:t>
+            <a:rPr lang="en-US" sz="2900" kern="1200" baseline="0" dirty="0"/>
+            <a:t>Marketplace Limitations</a:t>
           </a:r>
-          <a:endParaRPr lang="en-US" sz="2900" kern="1200"/>
+          <a:endParaRPr lang="en-US" sz="2900" kern="1200" dirty="0"/>
         </a:p>
       </dsp:txBody>
       <dsp:txXfrm>
@@ -22273,7 +22496,7 @@
           <a:p>
             <a:fld id="{0D354273-E04F-4A6B-AB46-301CAB090479}" type="datetimeFigureOut">
               <a:rPr lang="en-US" smtClean="0"/>
-              <a:t>9/15/2023</a:t>
+              <a:t>11/13/2023</a:t>
             </a:fld>
             <a:endParaRPr lang="en-US"/>
           </a:p>
@@ -22776,7 +22999,7 @@
           <a:p>
             <a:fld id="{297A4B63-AD09-44DE-BEEC-F379281B23CC}" type="slidenum">
               <a:rPr lang="en-US" smtClean="0"/>
-              <a:t>55</a:t>
+              <a:t>17</a:t>
             </a:fld>
             <a:endParaRPr lang="en-US"/>
           </a:p>
@@ -22866,7 +23089,7 @@
           <a:p>
             <a:fld id="{297A4B63-AD09-44DE-BEEC-F379281B23CC}" type="slidenum">
               <a:rPr lang="en-US" smtClean="0"/>
-              <a:t>57</a:t>
+              <a:t>20</a:t>
             </a:fld>
             <a:endParaRPr lang="en-US"/>
           </a:p>
@@ -22956,7 +23179,7 @@
           <a:p>
             <a:fld id="{297A4B63-AD09-44DE-BEEC-F379281B23CC}" type="slidenum">
               <a:rPr lang="en-US" smtClean="0"/>
-              <a:t>58</a:t>
+              <a:t>21</a:t>
             </a:fld>
             <a:endParaRPr lang="en-US"/>
           </a:p>
@@ -23093,7 +23316,7 @@
                 <a:tabLst/>
                 <a:defRPr/>
               </a:pPr>
-              <a:t>59</a:t>
+              <a:t>22</a:t>
             </a:fld>
             <a:endParaRPr kumimoji="0" lang="en-US" sz="1200" b="0" i="0" u="none" strike="noStrike" kern="1200" cap="none" spc="0" normalizeH="0" baseline="0" noProof="0">
               <a:ln>
@@ -23501,7 +23724,7 @@
                 <a:tabLst/>
                 <a:defRPr/>
               </a:pPr>
-              <a:t>43</a:t>
+              <a:t>4</a:t>
             </a:fld>
             <a:endParaRPr kumimoji="0" lang="en-US" sz="1200" b="0" i="0" u="none" strike="noStrike" kern="1200" cap="none" spc="0" normalizeH="0" baseline="0" noProof="0">
               <a:ln>
@@ -24102,7 +24325,7 @@
                 <a:tabLst/>
                 <a:defRPr/>
               </a:pPr>
-              <a:t>44</a:t>
+              <a:t>6</a:t>
             </a:fld>
             <a:endParaRPr kumimoji="0" lang="en-US" sz="1200" b="0" i="0" u="none" strike="noStrike" kern="1200" cap="none" spc="0" normalizeH="0" baseline="0" noProof="0">
               <a:ln>
@@ -24213,7 +24436,7 @@
           <a:p>
             <a:fld id="{297A4B63-AD09-44DE-BEEC-F379281B23CC}" type="slidenum">
               <a:rPr lang="en-US" smtClean="0"/>
-              <a:t>47</a:t>
+              <a:t>9</a:t>
             </a:fld>
             <a:endParaRPr lang="en-US"/>
           </a:p>
@@ -24303,7 +24526,7 @@
           <a:p>
             <a:fld id="{297A4B63-AD09-44DE-BEEC-F379281B23CC}" type="slidenum">
               <a:rPr lang="en-US" smtClean="0"/>
-              <a:t>48</a:t>
+              <a:t>10</a:t>
             </a:fld>
             <a:endParaRPr lang="en-US"/>
           </a:p>
@@ -24398,7 +24621,7 @@
           <a:p>
             <a:fld id="{297A4B63-AD09-44DE-BEEC-F379281B23CC}" type="slidenum">
               <a:rPr lang="en-US" smtClean="0"/>
-              <a:t>49</a:t>
+              <a:t>11</a:t>
             </a:fld>
             <a:endParaRPr lang="en-US"/>
           </a:p>
@@ -24634,7 +24857,7 @@
           <a:p>
             <a:fld id="{297A4B63-AD09-44DE-BEEC-F379281B23CC}" type="slidenum">
               <a:rPr lang="en-US" smtClean="0"/>
-              <a:t>52</a:t>
+              <a:t>14</a:t>
             </a:fld>
             <a:endParaRPr lang="en-US"/>
           </a:p>
@@ -28020,7 +28243,7 @@
           <a:p>
             <a:fld id="{5B804146-93B5-4C8A-9A4F-B58F5551F951}" type="datetimeFigureOut">
               <a:rPr lang="en-US" smtClean="0"/>
-              <a:t>9/15/2023</a:t>
+              <a:t>11/13/2023</a:t>
             </a:fld>
             <a:endParaRPr lang="en-US"/>
           </a:p>
@@ -32312,12 +32535,12 @@
               </a:lnSpc>
             </a:pPr>
             <a:r>
-              <a:rPr lang="en-US" sz="3700">
+              <a:rPr lang="en-US" sz="3700" dirty="0">
                 <a:cs typeface="Segoe UI"/>
               </a:rPr>
-              <a:t>Microsoft Azure Marketplace</a:t>
+              <a:t>Microsoft Commercial Marketplace</a:t>
             </a:r>
-            <a:endParaRPr lang="en-US" sz="3700"/>
+            <a:endParaRPr lang="en-US" sz="3700" dirty="0"/>
           </a:p>
         </p:txBody>
       </p:sp>
@@ -33565,8 +33788,8 @@
           <a:lstStyle/>
           <a:p>
             <a:r>
-              <a:rPr lang="en-US"/>
-              <a:t>Azure Private Marketplace</a:t>
+              <a:rPr lang="en-US" dirty="0"/>
+              <a:t>Private Marketplace</a:t>
             </a:r>
           </a:p>
         </p:txBody>
@@ -33587,7 +33810,7 @@
             <p:ph sz="quarter" idx="10"/>
             <p:extLst>
               <p:ext uri="{D42A27DB-BD31-4B8C-83A1-F6EECF244321}">
-                <p14:modId xmlns:p14="http://schemas.microsoft.com/office/powerpoint/2010/main" val="541834131"/>
+                <p14:modId xmlns:p14="http://schemas.microsoft.com/office/powerpoint/2010/main" val="805655330"/>
               </p:ext>
             </p:extLst>
           </p:nvPr>
@@ -33686,7 +33909,7 @@
             <p:ph sz="quarter" idx="10"/>
             <p:extLst>
               <p:ext uri="{D42A27DB-BD31-4B8C-83A1-F6EECF244321}">
-                <p14:modId xmlns:p14="http://schemas.microsoft.com/office/powerpoint/2010/main" val="2261787843"/>
+                <p14:modId xmlns:p14="http://schemas.microsoft.com/office/powerpoint/2010/main" val="3857716844"/>
               </p:ext>
             </p:extLst>
           </p:nvPr>
@@ -34663,13 +34886,13 @@
               </a:tabLst>
             </a:pPr>
             <a:r>
-              <a:rPr lang="en-US" sz="1400">
+              <a:rPr lang="en-US" sz="1400" dirty="0">
                 <a:ea typeface="Calibri" panose="020F0502020204030204" pitchFamily="34" charset="0"/>
                 <a:cs typeface="Arial"/>
               </a:rPr>
-              <a:t>Accessing and navigating the Microsoft Azure Marketplace.</a:t>
+              <a:t>Accessing and navigating the Microsoft Marketplace.</a:t>
             </a:r>
-            <a:endParaRPr lang="en-US" sz="1400">
+            <a:endParaRPr lang="en-US" sz="1400" dirty="0">
               <a:effectLst/>
               <a:ea typeface="Calibri" panose="020F0502020204030204" pitchFamily="34" charset="0"/>
               <a:cs typeface="Arial"/>
@@ -34715,13 +34938,13 @@
               </a:tabLst>
             </a:pPr>
             <a:r>
-              <a:rPr lang="en-US" sz="1400">
+              <a:rPr lang="en-US" sz="1400" dirty="0">
                 <a:ea typeface="Calibri" panose="020F0502020204030204" pitchFamily="34" charset="0"/>
                 <a:cs typeface="Arial"/>
               </a:rPr>
-              <a:t>Searching and deploying solutions in the Microsoft Azure Marketplace.</a:t>
+              <a:t>Searching and deploying solutions in the Microsoft Marketplace.</a:t>
             </a:r>
-            <a:endParaRPr lang="en-US" sz="1400">
+            <a:endParaRPr lang="en-US" sz="1400" dirty="0">
               <a:effectLst/>
               <a:ea typeface="Calibri" panose="020F0502020204030204" pitchFamily="34" charset="0"/>
               <a:cs typeface="Arial" panose="020B0604020202020204" pitchFamily="34" charset="0"/>
@@ -34767,14 +34990,14 @@
               </a:tabLst>
             </a:pPr>
             <a:r>
-              <a:rPr lang="en-US" sz="1400">
+              <a:rPr lang="en-US" sz="1400" dirty="0">
                 <a:ea typeface="Calibri" panose="020F0502020204030204" pitchFamily="34" charset="0"/>
                 <a:cs typeface="Arial"/>
               </a:rPr>
-              <a:t>Integration of procurement applications into the Microsoft Azure Marketplace</a:t>
+              <a:t>Integration of procurement applications into the Microsoft Marketplace</a:t>
             </a:r>
             <a:r>
-              <a:rPr lang="en-US" sz="1400">
+              <a:rPr lang="en-US" sz="1400" dirty="0">
                 <a:effectLst/>
                 <a:ea typeface="Calibri" panose="020F0502020204030204" pitchFamily="34" charset="0"/>
                 <a:cs typeface="Arial"/>
@@ -34822,14 +35045,14 @@
               </a:tabLst>
             </a:pPr>
             <a:r>
-              <a:rPr lang="en-US" sz="1400">
+              <a:rPr lang="en-US" sz="1400" dirty="0">
                 <a:ea typeface="Calibri" panose="020F0502020204030204" pitchFamily="34" charset="0"/>
                 <a:cs typeface="Arial"/>
               </a:rPr>
-              <a:t>Microsoft Azure Marketplace governance and permissions</a:t>
+              <a:t>Microsoft Marketplace governance and permissions</a:t>
             </a:r>
             <a:r>
-              <a:rPr lang="en-US" sz="1400">
+              <a:rPr lang="en-US" sz="1400" dirty="0">
                 <a:effectLst/>
                 <a:ea typeface="Calibri" panose="020F0502020204030204" pitchFamily="34" charset="0"/>
                 <a:cs typeface="Arial"/>
@@ -36058,13 +36281,13 @@
             </a:lstStyle>
             <a:p>
               <a:r>
-                <a:rPr lang="en-US" sz="1800">
+                <a:rPr lang="en-US" sz="1800" dirty="0">
                   <a:solidFill>
                     <a:schemeClr val="tx1"/>
                   </a:solidFill>
                   <a:cs typeface="Segoe UI"/>
                 </a:rPr>
-                <a:t>Explain how to Integrate Azure Marketplace with Procurement Systems.</a:t>
+                <a:t>Explain how to enable SSO to Marketplace with Procurement Systems.</a:t>
               </a:r>
             </a:p>
           </p:txBody>
@@ -36166,9 +36389,9 @@
         <p:grpSpPr>
           <a:xfrm>
             <a:off x="3987847" y="2455846"/>
-            <a:ext cx="7621541" cy="276999"/>
+            <a:ext cx="7621541" cy="553998"/>
             <a:chOff x="3987847" y="2196868"/>
-            <a:chExt cx="7621541" cy="276999"/>
+            <a:chExt cx="7621541" cy="553998"/>
           </a:xfrm>
         </p:grpSpPr>
         <p:sp>
@@ -36186,7 +36409,7 @@
           <p:spPr>
             <a:xfrm>
               <a:off x="4214813" y="2196868"/>
-              <a:ext cx="7394575" cy="276999"/>
+              <a:ext cx="7394575" cy="553998"/>
             </a:xfrm>
             <a:prstGeom prst="rect">
               <a:avLst/>
@@ -36296,13 +36519,31 @@
             </a:lstStyle>
             <a:p>
               <a:r>
-                <a:rPr lang="en-US" sz="1800">
+                <a:rPr lang="en-US" sz="1800" dirty="0">
                   <a:solidFill>
                     <a:schemeClr val="tx1"/>
                   </a:solidFill>
                   <a:cs typeface="Segoe UI"/>
                 </a:rPr>
-                <a:t>Understand the ways to Integrate of Entra ID to Procurement Systems.</a:t>
+                <a:t>Understand the ways to enable of </a:t>
+              </a:r>
+              <a:r>
+                <a:rPr lang="en-US" sz="1800" dirty="0" err="1">
+                  <a:solidFill>
+                    <a:schemeClr val="tx1"/>
+                  </a:solidFill>
+                  <a:cs typeface="Segoe UI"/>
+                </a:rPr>
+                <a:t>Entra</a:t>
+              </a:r>
+              <a:r>
+                <a:rPr lang="en-US" sz="1800" dirty="0">
+                  <a:solidFill>
+                    <a:schemeClr val="tx1"/>
+                  </a:solidFill>
+                  <a:cs typeface="Segoe UI"/>
+                </a:rPr>
+                <a:t> ID authentication and authorization to Procurement Systems.</a:t>
               </a:r>
             </a:p>
           </p:txBody>
@@ -36403,7 +36644,7 @@
         </p:nvGrpSpPr>
         <p:grpSpPr>
           <a:xfrm>
-            <a:off x="3987847" y="3183349"/>
+            <a:off x="3987847" y="3351392"/>
             <a:ext cx="7621541" cy="276999"/>
             <a:chOff x="3987847" y="2730268"/>
             <a:chExt cx="7621541" cy="276999"/>
@@ -36534,7 +36775,7 @@
             </a:lstStyle>
             <a:p>
               <a:r>
-                <a:rPr lang="en-US" sz="1800">
+                <a:rPr lang="en-US" sz="1800" dirty="0">
                   <a:solidFill>
                     <a:schemeClr val="tx1"/>
                   </a:solidFill>
@@ -36543,13 +36784,13 @@
                 <a:t>How to </a:t>
               </a:r>
               <a:r>
-                <a:rPr lang="en-US" sz="1800">
+                <a:rPr lang="en-US" sz="1800" dirty="0">
                   <a:ea typeface="+mn-lt"/>
                   <a:cs typeface="+mn-lt"/>
                 </a:rPr>
-                <a:t>Set up a Private Azure Marketplace.</a:t>
+                <a:t>Set up a private Marketplace.</a:t>
               </a:r>
-              <a:endParaRPr lang="en-US" sz="1800">
+              <a:endParaRPr lang="en-US" sz="1800" dirty="0">
                 <a:solidFill>
                   <a:schemeClr val="tx1"/>
                 </a:solidFill>
@@ -36785,7 +37026,7 @@
             </a:lstStyle>
             <a:p>
               <a:r>
-                <a:rPr lang="en-US" sz="1800">
+                <a:rPr lang="en-US" sz="1800" dirty="0">
                   <a:solidFill>
                     <a:schemeClr val="tx1"/>
                   </a:solidFill>
@@ -36794,13 +37035,23 @@
                 <a:t>How to </a:t>
               </a:r>
               <a:r>
-                <a:rPr lang="en-US" sz="1800">
+                <a:rPr lang="en-US" sz="1800" dirty="0">
+                  <a:solidFill>
+                    <a:schemeClr val="tx1"/>
+                  </a:solidFill>
                   <a:ea typeface="+mn-lt"/>
                   <a:cs typeface="+mn-lt"/>
                 </a:rPr>
-                <a:t>Create purchasing permissions and resource limits. </a:t>
+                <a:t>c</a:t>
               </a:r>
-              <a:endParaRPr lang="en-US"/>
+              <a:r>
+                <a:rPr lang="en-US" sz="1800" dirty="0">
+                  <a:ea typeface="+mn-lt"/>
+                  <a:cs typeface="+mn-lt"/>
+                </a:rPr>
+                <a:t>reate purchasing permissions and resource limits. </a:t>
+              </a:r>
+              <a:endParaRPr lang="en-US" dirty="0"/>
             </a:p>
           </p:txBody>
         </p:sp>
@@ -38001,15 +38252,15 @@
           <a:lstStyle/>
           <a:p>
             <a:r>
-              <a:rPr lang="en-US">
+              <a:rPr lang="en-US" dirty="0">
                 <a:solidFill>
                   <a:srgbClr val="FFFFFF"/>
                 </a:solidFill>
                 <a:cs typeface="Segoe UI"/>
               </a:rPr>
-              <a:t>Day Two: Azure Marketplace procurement application integration and governance</a:t>
+              <a:t>Day Two: Marketplace procurement application integration and governance</a:t>
             </a:r>
-            <a:endParaRPr lang="en-US" altLang="zh-CN">
+            <a:endParaRPr lang="en-US" altLang="zh-CN" dirty="0">
               <a:solidFill>
                 <a:srgbClr val="FFFFFF"/>
               </a:solidFill>
@@ -38446,7 +38697,7 @@
           <p:nvPr>
             <p:extLst>
               <p:ext uri="{D42A27DB-BD31-4B8C-83A1-F6EECF244321}">
-                <p14:modId xmlns:p14="http://schemas.microsoft.com/office/powerpoint/2010/main" val="1014208434"/>
+                <p14:modId xmlns:p14="http://schemas.microsoft.com/office/powerpoint/2010/main" val="2431226382"/>
               </p:ext>
             </p:extLst>
           </p:nvPr>
@@ -38983,12 +39234,12 @@
                         <a:buNone/>
                       </a:pPr>
                       <a:r>
-                        <a:rPr lang="en-US" sz="1600">
+                        <a:rPr lang="en-US" sz="1600" dirty="0">
                           <a:solidFill>
                             <a:schemeClr val="tx2"/>
                           </a:solidFill>
                         </a:rPr>
-                        <a:t>What is Microsoft Azure Marketplace</a:t>
+                        <a:t>What is Microsoft Marketplace</a:t>
                       </a:r>
                     </a:p>
                   </a:txBody>
@@ -39175,12 +39426,12 @@
                     <a:p>
                       <a:pPr algn="l" fontAlgn="b"/>
                       <a:r>
-                        <a:rPr lang="en-US" sz="1600">
+                        <a:rPr lang="en-US" sz="1600" dirty="0">
                           <a:solidFill>
                             <a:schemeClr val="tx2"/>
                           </a:solidFill>
                         </a:rPr>
-                        <a:t>Purchasing in Azure Marketplace </a:t>
+                        <a:t>Purchasing in Marketplace </a:t>
                       </a:r>
                     </a:p>
                   </a:txBody>
@@ -39780,7 +40031,7 @@
                         <a:buNone/>
                       </a:pPr>
                       <a:r>
-                        <a:rPr lang="en-US" sz="1600" b="0" i="0" u="none" strike="noStrike" noProof="0">
+                        <a:rPr lang="en-US" sz="1600" b="0" i="0" u="none" strike="noStrike" noProof="0" dirty="0">
                           <a:solidFill>
                             <a:schemeClr val="tx2"/>
                           </a:solidFill>
@@ -39788,7 +40039,7 @@
                         </a:rPr>
                         <a:t>Wrap-up – General Channel </a:t>
                       </a:r>
-                      <a:endParaRPr lang="en-US" sz="1600" b="0" i="0" u="none" strike="noStrike" noProof="0">
+                      <a:endParaRPr lang="en-US" sz="1600" b="0" i="0" u="none" strike="noStrike" noProof="0" dirty="0">
                         <a:solidFill>
                           <a:srgbClr val="E6E6E6"/>
                         </a:solidFill>
@@ -39862,14 +40113,14 @@
           <p:nvPr>
             <p:extLst>
               <p:ext uri="{D42A27DB-BD31-4B8C-83A1-F6EECF244321}">
-                <p14:modId xmlns:p14="http://schemas.microsoft.com/office/powerpoint/2010/main" val="1498839789"/>
+                <p14:modId xmlns:p14="http://schemas.microsoft.com/office/powerpoint/2010/main" val="2643932422"/>
               </p:ext>
             </p:extLst>
           </p:nvPr>
         </p:nvGraphicFramePr>
         <p:xfrm>
           <a:off x="4027715" y="3242233"/>
-          <a:ext cx="8117153" cy="3493008"/>
+          <a:ext cx="8117153" cy="3005328"/>
         </p:xfrm>
         <a:graphic>
           <a:graphicData uri="http://schemas.openxmlformats.org/drawingml/2006/table">
@@ -40402,12 +40653,12 @@
                         <a:buNone/>
                       </a:pPr>
                       <a:r>
-                        <a:rPr lang="en-US" sz="1600">
+                        <a:rPr lang="en-US" sz="1600" dirty="0">
                           <a:solidFill>
                             <a:schemeClr val="tx2"/>
                           </a:solidFill>
                         </a:rPr>
-                        <a:t>Integrating Azure Marketplace with Procurement Systems</a:t>
+                        <a:t>Integrating Marketplace with Procurement Systems</a:t>
                       </a:r>
                     </a:p>
                   </a:txBody>
@@ -40612,12 +40863,12 @@
                     <a:p>
                       <a:pPr algn="l" fontAlgn="b"/>
                       <a:r>
-                        <a:rPr lang="en-US" sz="1600">
+                        <a:rPr lang="en-US" sz="1600" dirty="0">
                           <a:solidFill>
                             <a:schemeClr val="tx2"/>
                           </a:solidFill>
                         </a:rPr>
-                        <a:t>Lab – Integration of Entra ID to Procurement System (i.e. Ariba, Coupa, SNOW)</a:t>
+                        <a:t>Lab – </a:t>
                       </a:r>
                     </a:p>
                   </a:txBody>
@@ -41002,12 +41253,12 @@
                         <a:buNone/>
                       </a:pPr>
                       <a:r>
-                        <a:rPr lang="en-US" sz="1600">
+                        <a:rPr lang="en-US" sz="1600" dirty="0">
                           <a:solidFill>
                             <a:schemeClr val="tx2"/>
                           </a:solidFill>
                         </a:rPr>
-                        <a:t>Setting up a Private Azure Marketplace</a:t>
+                        <a:t>Setting up a private Azure Marketplace</a:t>
                       </a:r>
                     </a:p>
                   </a:txBody>
@@ -41196,7 +41447,7 @@
                         <a:buNone/>
                       </a:pPr>
                       <a:r>
-                        <a:rPr lang="en-US" sz="1600">
+                        <a:rPr lang="en-US" sz="1600" dirty="0">
                           <a:solidFill>
                             <a:schemeClr val="tx2"/>
                           </a:solidFill>
@@ -42648,8 +42899,8 @@
               <a:defRPr/>
             </a:pPr>
             <a:r>
-              <a:rPr lang="en-US"/>
-              <a:t>In this module, you’ll begin by learning how to connect procurement applications to Azure Marketplace.  You will also create a private Azure Marketplace and setup purchasing permissions.</a:t>
+              <a:rPr lang="en-US" dirty="0"/>
+              <a:t>In this module, you’ll begin by learning how to connect procurement applications to Marketplace.  You will also create a private Marketplace and setup purchasing permissions.</a:t>
             </a:r>
           </a:p>
         </p:txBody>
@@ -43010,27 +43261,10 @@
               <a:defRPr/>
             </a:pPr>
             <a:r>
-              <a:rPr lang="en-US" sz="1400"/>
-              <a:t>Integrate </a:t>
+              <a:rPr lang="en-US" sz="1400" dirty="0"/>
+              <a:t>Integrate Marketplace with Procurement Systems.</a:t>
             </a:r>
-            <a:r>
-              <a:rPr kumimoji="0" lang="en-US" sz="1400" b="0" i="0" u="none" strike="noStrike" kern="1200" cap="none" spc="0" normalizeH="0" baseline="0" noProof="0">
-                <a:ln>
-                  <a:noFill/>
-                </a:ln>
-                <a:effectLst/>
-                <a:uLnTx/>
-                <a:uFillTx/>
-                <a:ea typeface="+mn-ea"/>
-                <a:cs typeface="+mn-cs"/>
-              </a:rPr>
-              <a:t>Azure </a:t>
-            </a:r>
-            <a:r>
-              <a:rPr lang="en-US" sz="1400"/>
-              <a:t>Marketplace with Procurement Systems.</a:t>
-            </a:r>
-            <a:endParaRPr lang="en-US">
+            <a:endParaRPr lang="en-US" dirty="0">
               <a:ea typeface="+mn-ea"/>
               <a:cs typeface="+mn-cs"/>
             </a:endParaRPr>
@@ -43483,10 +43717,10 @@
               <a:defRPr/>
             </a:pPr>
             <a:r>
-              <a:rPr lang="en-US" sz="1400">
+              <a:rPr lang="en-US" sz="1400" dirty="0">
                 <a:cs typeface="Segoe UI"/>
               </a:rPr>
-              <a:t>Setting up a Private Azure Marketplace.</a:t>
+              <a:t>Setting up a private Marketplace.</a:t>
             </a:r>
           </a:p>
         </p:txBody>
@@ -43523,11 +43757,11 @@
               <a:defRPr/>
             </a:pPr>
             <a:r>
-              <a:rPr lang="en-US" sz="1400"/>
-              <a:t>Create purchasing permissions and resource limits</a:t>
+              <a:rPr lang="en-US" sz="1400" dirty="0"/>
+              <a:t>Create purchasing permissions and resource purchase limits</a:t>
             </a:r>
             <a:r>
-              <a:rPr kumimoji="0" lang="en-US" sz="1400" b="0" i="0" u="none" strike="noStrike" kern="1200" cap="none" spc="0" normalizeH="0" baseline="0" noProof="0">
+              <a:rPr kumimoji="0" lang="en-US" sz="1400" b="0" i="0" u="none" strike="noStrike" kern="1200" cap="none" spc="0" normalizeH="0" baseline="0" noProof="0" dirty="0">
                 <a:ln>
                   <a:noFill/>
                 </a:ln>
@@ -43539,7 +43773,7 @@
               </a:rPr>
               <a:t>.</a:t>
             </a:r>
-            <a:endParaRPr lang="en-US" sz="1400"/>
+            <a:endParaRPr lang="en-US" sz="1400" dirty="0"/>
           </a:p>
         </p:txBody>
       </p:sp>
@@ -46044,29 +46278,6 @@
 </file>
 
 <file path=customXml/item1.xml><?xml version="1.0" encoding="utf-8"?>
-<p:properties xmlns:p="http://schemas.microsoft.com/office/2006/metadata/properties" xmlns:xsi="http://www.w3.org/2001/XMLSchema-instance" xmlns:pc="http://schemas.microsoft.com/office/infopath/2007/PartnerControls">
-  <documentManagement>
-    <lcf76f155ced4ddcb4097134ff3c332f xmlns="ec9ab3cf-5ffc-4e23-9951-e59f1d4d2772">
-      <Terms xmlns="http://schemas.microsoft.com/office/infopath/2007/PartnerControls"/>
-    </lcf76f155ced4ddcb4097134ff3c332f>
-    <Credits xmlns="ec9ab3cf-5ffc-4e23-9951-e59f1d4d2772" xsi:nil="true"/>
-    <Audience xmlns="ec9ab3cf-5ffc-4e23-9951-e59f1d4d2772" xsi:nil="true"/>
-    <TaxCatchAll xmlns="df7f103e-597c-493b-bc31-914106b908e0" xsi:nil="true"/>
-    <OverallScore xmlns="ec9ab3cf-5ffc-4e23-9951-e59f1d4d2772" xsi:nil="true"/>
-  </documentManagement>
-</p:properties>
-</file>
-
-<file path=customXml/item2.xml><?xml version="1.0" encoding="utf-8"?>
-<?mso-contentType ?>
-<FormTemplates xmlns="http://schemas.microsoft.com/sharepoint/v3/contenttype/forms">
-  <Display>DocumentLibraryForm</Display>
-  <Edit>DocumentLibraryForm</Edit>
-  <New>DocumentLibraryForm</New>
-</FormTemplates>
-</file>
-
-<file path=customXml/item3.xml><?xml version="1.0" encoding="utf-8"?>
 <ct:contentTypeSchema xmlns:ct="http://schemas.microsoft.com/office/2006/metadata/contentType" xmlns:ma="http://schemas.microsoft.com/office/2006/metadata/properties/metaAttributes" ct:_="" ma:_="" ma:contentTypeName="Document" ma:contentTypeID="0x010100F9AA89542497BB44B17EFF15C96C765B" ma:contentTypeVersion="22" ma:contentTypeDescription="Create a new document." ma:contentTypeScope="" ma:versionID="c9e3a3a2a1871a01c0bb174ddf2a8ada">
   <xsd:schema xmlns:xsd="http://www.w3.org/2001/XMLSchema" xmlns:xs="http://www.w3.org/2001/XMLSchema" xmlns:p="http://schemas.microsoft.com/office/2006/metadata/properties" xmlns:ns2="ec9ab3cf-5ffc-4e23-9951-e59f1d4d2772" xmlns:ns3="df7f103e-597c-493b-bc31-914106b908e0" targetNamespace="http://schemas.microsoft.com/office/2006/metadata/properties" ma:root="true" ma:fieldsID="9b3649dff5115b20f453b846654cb8f9" ns2:_="" ns3:_="">
     <xsd:import namespace="ec9ab3cf-5ffc-4e23-9951-e59f1d4d2772"/>
@@ -46356,26 +46567,30 @@
 </ct:contentTypeSchema>
 </file>
 
-<file path=customXml/itemProps1.xml><?xml version="1.0" encoding="utf-8"?>
-<ds:datastoreItem xmlns:ds="http://schemas.openxmlformats.org/officeDocument/2006/customXml" ds:itemID="{EDCB3B52-9508-4A63-AFCC-05E7630C15CA}">
-  <ds:schemaRefs>
-    <ds:schemaRef ds:uri="df7f103e-597c-493b-bc31-914106b908e0"/>
-    <ds:schemaRef ds:uri="ec9ab3cf-5ffc-4e23-9951-e59f1d4d2772"/>
-    <ds:schemaRef ds:uri="http://schemas.microsoft.com/office/2006/metadata/properties"/>
-    <ds:schemaRef ds:uri="http://schemas.microsoft.com/office/infopath/2007/PartnerControls"/>
-  </ds:schemaRefs>
-</ds:datastoreItem>
+<file path=customXml/item2.xml><?xml version="1.0" encoding="utf-8"?>
+<?mso-contentType ?>
+<FormTemplates xmlns="http://schemas.microsoft.com/sharepoint/v3/contenttype/forms">
+  <Display>DocumentLibraryForm</Display>
+  <Edit>DocumentLibraryForm</Edit>
+  <New>DocumentLibraryForm</New>
+</FormTemplates>
 </file>
 
-<file path=customXml/itemProps2.xml><?xml version="1.0" encoding="utf-8"?>
-<ds:datastoreItem xmlns:ds="http://schemas.openxmlformats.org/officeDocument/2006/customXml" ds:itemID="{08B55F93-F793-45E6-8EF9-B02CA25D11D4}">
-  <ds:schemaRefs>
-    <ds:schemaRef ds:uri="http://schemas.microsoft.com/sharepoint/v3/contenttype/forms"/>
-  </ds:schemaRefs>
-</ds:datastoreItem>
+<file path=customXml/item3.xml><?xml version="1.0" encoding="utf-8"?>
+<p:properties xmlns:p="http://schemas.microsoft.com/office/2006/metadata/properties" xmlns:xsi="http://www.w3.org/2001/XMLSchema-instance" xmlns:pc="http://schemas.microsoft.com/office/infopath/2007/PartnerControls">
+  <documentManagement>
+    <lcf76f155ced4ddcb4097134ff3c332f xmlns="ec9ab3cf-5ffc-4e23-9951-e59f1d4d2772">
+      <Terms xmlns="http://schemas.microsoft.com/office/infopath/2007/PartnerControls"/>
+    </lcf76f155ced4ddcb4097134ff3c332f>
+    <Credits xmlns="ec9ab3cf-5ffc-4e23-9951-e59f1d4d2772" xsi:nil="true"/>
+    <Audience xmlns="ec9ab3cf-5ffc-4e23-9951-e59f1d4d2772" xsi:nil="true"/>
+    <TaxCatchAll xmlns="df7f103e-597c-493b-bc31-914106b908e0" xsi:nil="true"/>
+    <OverallScore xmlns="ec9ab3cf-5ffc-4e23-9951-e59f1d4d2772" xsi:nil="true"/>
+  </documentManagement>
+</p:properties>
 </file>
 
-<file path=customXml/itemProps3.xml><?xml version="1.0" encoding="utf-8"?>
+<file path=customXml/itemProps1.xml><?xml version="1.0" encoding="utf-8"?>
 <ds:datastoreItem xmlns:ds="http://schemas.openxmlformats.org/officeDocument/2006/customXml" ds:itemID="{C5DC1468-2D5A-4AF4-B6A1-FA3F00E879EA}">
   <ds:schemaRefs>
     <ds:schemaRef ds:uri="df7f103e-597c-493b-bc31-914106b908e0"/>
@@ -46394,6 +46609,25 @@
 </ds:datastoreItem>
 </file>
 
+<file path=customXml/itemProps2.xml><?xml version="1.0" encoding="utf-8"?>
+<ds:datastoreItem xmlns:ds="http://schemas.openxmlformats.org/officeDocument/2006/customXml" ds:itemID="{08B55F93-F793-45E6-8EF9-B02CA25D11D4}">
+  <ds:schemaRefs>
+    <ds:schemaRef ds:uri="http://schemas.microsoft.com/sharepoint/v3/contenttype/forms"/>
+  </ds:schemaRefs>
+</ds:datastoreItem>
+</file>
+
+<file path=customXml/itemProps3.xml><?xml version="1.0" encoding="utf-8"?>
+<ds:datastoreItem xmlns:ds="http://schemas.openxmlformats.org/officeDocument/2006/customXml" ds:itemID="{EDCB3B52-9508-4A63-AFCC-05E7630C15CA}">
+  <ds:schemaRefs>
+    <ds:schemaRef ds:uri="df7f103e-597c-493b-bc31-914106b908e0"/>
+    <ds:schemaRef ds:uri="ec9ab3cf-5ffc-4e23-9951-e59f1d4d2772"/>
+    <ds:schemaRef ds:uri="http://schemas.microsoft.com/office/2006/metadata/properties"/>
+    <ds:schemaRef ds:uri="http://schemas.microsoft.com/office/infopath/2007/PartnerControls"/>
+  </ds:schemaRefs>
+</ds:datastoreItem>
+</file>
+
 <file path=docMetadata/LabelInfo.xml><?xml version="1.0" encoding="utf-8"?>
 <clbl:labelList xmlns:clbl="http://schemas.microsoft.com/office/2020/mipLabelMetadata">
   <clbl:label id="{f42aa342-8706-4288-bd11-ebb85995028c}" enabled="1" method="Standard" siteId="{72f988bf-86f1-41af-91ab-2d7cd011db47}" contentBits="0" removed="0"/>

--- a/azure-marketplace-workshop/Day 2 - Skilling Deck for Microsoft Marketplace.pptx
+++ b/azure-marketplace-workshop/Day 2 - Skilling Deck for Microsoft Marketplace.pptx
@@ -5,7 +5,7 @@
     <p:sldMasterId id="2147483660" r:id="rId4"/>
   </p:sldMasterIdLst>
   <p:notesMasterIdLst>
-    <p:notesMasterId r:id="rId27"/>
+    <p:notesMasterId r:id="rId31"/>
   </p:notesMasterIdLst>
   <p:sldIdLst>
     <p:sldId id="2147470553" r:id="rId5"/>
@@ -13,23 +13,27 @@
     <p:sldId id="2147470558" r:id="rId7"/>
     <p:sldId id="2147470571" r:id="rId8"/>
     <p:sldId id="2147470559" r:id="rId9"/>
-    <p:sldId id="2147470572" r:id="rId10"/>
-    <p:sldId id="2147470607" r:id="rId11"/>
-    <p:sldId id="2147470608" r:id="rId12"/>
-    <p:sldId id="2147470609" r:id="rId13"/>
-    <p:sldId id="2147470613" r:id="rId14"/>
-    <p:sldId id="2147470583" r:id="rId15"/>
-    <p:sldId id="2147470611" r:id="rId16"/>
-    <p:sldId id="2147470618" r:id="rId17"/>
-    <p:sldId id="2147470612" r:id="rId18"/>
-    <p:sldId id="2147470615" r:id="rId19"/>
-    <p:sldId id="2147470619" r:id="rId20"/>
-    <p:sldId id="2147470614" r:id="rId21"/>
-    <p:sldId id="2147470610" r:id="rId22"/>
-    <p:sldId id="2147470620" r:id="rId23"/>
-    <p:sldId id="2147470621" r:id="rId24"/>
-    <p:sldId id="2147470622" r:id="rId25"/>
-    <p:sldId id="2147470566" r:id="rId26"/>
+    <p:sldId id="2147470625" r:id="rId10"/>
+    <p:sldId id="2147470572" r:id="rId11"/>
+    <p:sldId id="2147470607" r:id="rId12"/>
+    <p:sldId id="2147470608" r:id="rId13"/>
+    <p:sldId id="2147470609" r:id="rId14"/>
+    <p:sldId id="2147470613" r:id="rId15"/>
+    <p:sldId id="2147470583" r:id="rId16"/>
+    <p:sldId id="2147470611" r:id="rId17"/>
+    <p:sldId id="2147470618" r:id="rId18"/>
+    <p:sldId id="2147470612" r:id="rId19"/>
+    <p:sldId id="2147470623" r:id="rId20"/>
+    <p:sldId id="2147470626" r:id="rId21"/>
+    <p:sldId id="2147470624" r:id="rId22"/>
+    <p:sldId id="2147470615" r:id="rId23"/>
+    <p:sldId id="2147470619" r:id="rId24"/>
+    <p:sldId id="2147470614" r:id="rId25"/>
+    <p:sldId id="2147470610" r:id="rId26"/>
+    <p:sldId id="2147470620" r:id="rId27"/>
+    <p:sldId id="2147470621" r:id="rId28"/>
+    <p:sldId id="2147470622" r:id="rId29"/>
+    <p:sldId id="2147470566" r:id="rId30"/>
   </p:sldIdLst>
   <p:sldSz cx="12192000" cy="6858000"/>
   <p:notesSz cx="6858000" cy="9144000"/>
@@ -139,7 +143,7 @@
 <file path=ppt/revisionInfo.xml><?xml version="1.0" encoding="utf-8"?>
 <p1510:revInfo xmlns:a="http://schemas.openxmlformats.org/drawingml/2006/main" xmlns:r="http://schemas.openxmlformats.org/officeDocument/2006/relationships" xmlns:p1510="http://schemas.microsoft.com/office/powerpoint/2015/10/main">
   <p1510:revLst>
-    <p1510:client id="{E95F42E3-C4F3-474F-B9C2-A0BA12FFF20C}" v="97" dt="2023-11-13T15:46:59.410"/>
+    <p1510:client id="{E95F42E3-C4F3-474F-B9C2-A0BA12FFF20C}" v="109" dt="2023-11-14T16:13:45.876"/>
   </p1510:revLst>
 </p1510:revInfo>
 </file>
@@ -1570,8 +1574,8 @@
   </pc:docChgLst>
   <pc:docChgLst>
     <pc:chgData name="Dwayne Natwick" userId="3561b13b-c7da-4a5b-9614-8a4db83ccfee" providerId="ADAL" clId="{E95F42E3-C4F3-474F-B9C2-A0BA12FFF20C}"/>
-    <pc:docChg chg="modSld">
-      <pc:chgData name="Dwayne Natwick" userId="3561b13b-c7da-4a5b-9614-8a4db83ccfee" providerId="ADAL" clId="{E95F42E3-C4F3-474F-B9C2-A0BA12FFF20C}" dt="2023-11-13T15:49:05.045" v="211" actId="1076"/>
+    <pc:docChg chg="custSel addSld modSld">
+      <pc:chgData name="Dwayne Natwick" userId="3561b13b-c7da-4a5b-9614-8a4db83ccfee" providerId="ADAL" clId="{E95F42E3-C4F3-474F-B9C2-A0BA12FFF20C}" dt="2023-11-14T16:13:45.874" v="1033" actId="20577"/>
       <pc:docMkLst>
         <pc:docMk/>
       </pc:docMkLst>
@@ -1630,7 +1634,7 @@
         </pc:spChg>
       </pc:sldChg>
       <pc:sldChg chg="modSp mod">
-        <pc:chgData name="Dwayne Natwick" userId="3561b13b-c7da-4a5b-9614-8a4db83ccfee" providerId="ADAL" clId="{E95F42E3-C4F3-474F-B9C2-A0BA12FFF20C}" dt="2023-11-13T15:43:38.915" v="20" actId="20577"/>
+        <pc:chgData name="Dwayne Natwick" userId="3561b13b-c7da-4a5b-9614-8a4db83ccfee" providerId="ADAL" clId="{E95F42E3-C4F3-474F-B9C2-A0BA12FFF20C}" dt="2023-11-14T15:50:12.026" v="315" actId="14734"/>
         <pc:sldMkLst>
           <pc:docMk/>
           <pc:sldMk cId="3682517411" sldId="2147470559"/>
@@ -1643,8 +1647,8 @@
             <ac:graphicFrameMk id="8" creationId="{CC919F4A-A7D9-8DDD-DB16-BF7FF8DD9E3B}"/>
           </ac:graphicFrameMkLst>
         </pc:graphicFrameChg>
-        <pc:graphicFrameChg chg="modGraphic">
-          <ac:chgData name="Dwayne Natwick" userId="3561b13b-c7da-4a5b-9614-8a4db83ccfee" providerId="ADAL" clId="{E95F42E3-C4F3-474F-B9C2-A0BA12FFF20C}" dt="2023-11-13T15:43:38.915" v="20" actId="20577"/>
+        <pc:graphicFrameChg chg="mod modGraphic">
+          <ac:chgData name="Dwayne Natwick" userId="3561b13b-c7da-4a5b-9614-8a4db83ccfee" providerId="ADAL" clId="{E95F42E3-C4F3-474F-B9C2-A0BA12FFF20C}" dt="2023-11-14T15:50:12.026" v="315" actId="14734"/>
           <ac:graphicFrameMkLst>
             <pc:docMk/>
             <pc:sldMk cId="3682517411" sldId="2147470559"/>
@@ -1776,6 +1780,28 @@
           </ac:graphicFrameMkLst>
         </pc:graphicFrameChg>
       </pc:sldChg>
+      <pc:sldChg chg="mod modShow">
+        <pc:chgData name="Dwayne Natwick" userId="3561b13b-c7da-4a5b-9614-8a4db83ccfee" providerId="ADAL" clId="{E95F42E3-C4F3-474F-B9C2-A0BA12FFF20C}" dt="2023-11-14T15:45:01.068" v="236" actId="729"/>
+        <pc:sldMkLst>
+          <pc:docMk/>
+          <pc:sldMk cId="2524577050" sldId="2147470612"/>
+        </pc:sldMkLst>
+      </pc:sldChg>
+      <pc:sldChg chg="modSp mod">
+        <pc:chgData name="Dwayne Natwick" userId="3561b13b-c7da-4a5b-9614-8a4db83ccfee" providerId="ADAL" clId="{E95F42E3-C4F3-474F-B9C2-A0BA12FFF20C}" dt="2023-11-14T16:05:58.160" v="385" actId="20577"/>
+        <pc:sldMkLst>
+          <pc:docMk/>
+          <pc:sldMk cId="3572404749" sldId="2147470618"/>
+        </pc:sldMkLst>
+        <pc:spChg chg="mod">
+          <ac:chgData name="Dwayne Natwick" userId="3561b13b-c7da-4a5b-9614-8a4db83ccfee" providerId="ADAL" clId="{E95F42E3-C4F3-474F-B9C2-A0BA12FFF20C}" dt="2023-11-14T16:05:58.160" v="385" actId="20577"/>
+          <ac:spMkLst>
+            <pc:docMk/>
+            <pc:sldMk cId="3572404749" sldId="2147470618"/>
+            <ac:spMk id="2" creationId="{EDF87A23-46AF-F5CE-1408-BC8C91B71A9B}"/>
+          </ac:spMkLst>
+        </pc:spChg>
+      </pc:sldChg>
       <pc:sldChg chg="modSp">
         <pc:chgData name="Dwayne Natwick" userId="3561b13b-c7da-4a5b-9614-8a4db83ccfee" providerId="ADAL" clId="{E95F42E3-C4F3-474F-B9C2-A0BA12FFF20C}" dt="2023-11-13T15:46:59.410" v="146" actId="20577"/>
         <pc:sldMkLst>
@@ -1790,6 +1816,98 @@
             <ac:graphicFrameMk id="5" creationId="{EAD11503-D133-32E7-E133-88CB07DFE0F3}"/>
           </ac:graphicFrameMkLst>
         </pc:graphicFrameChg>
+      </pc:sldChg>
+      <pc:sldChg chg="modSp new mod">
+        <pc:chgData name="Dwayne Natwick" userId="3561b13b-c7da-4a5b-9614-8a4db83ccfee" providerId="ADAL" clId="{E95F42E3-C4F3-474F-B9C2-A0BA12FFF20C}" dt="2023-11-14T16:11:45.530" v="971" actId="20577"/>
+        <pc:sldMkLst>
+          <pc:docMk/>
+          <pc:sldMk cId="2990052108" sldId="2147470623"/>
+        </pc:sldMkLst>
+        <pc:spChg chg="mod">
+          <ac:chgData name="Dwayne Natwick" userId="3561b13b-c7da-4a5b-9614-8a4db83ccfee" providerId="ADAL" clId="{E95F42E3-C4F3-474F-B9C2-A0BA12FFF20C}" dt="2023-11-14T15:45:24.900" v="254" actId="20577"/>
+          <ac:spMkLst>
+            <pc:docMk/>
+            <pc:sldMk cId="2990052108" sldId="2147470623"/>
+            <ac:spMk id="2" creationId="{1DF7B20E-BDDA-FD42-628C-C0761EA21203}"/>
+          </ac:spMkLst>
+        </pc:spChg>
+        <pc:spChg chg="mod">
+          <ac:chgData name="Dwayne Natwick" userId="3561b13b-c7da-4a5b-9614-8a4db83ccfee" providerId="ADAL" clId="{E95F42E3-C4F3-474F-B9C2-A0BA12FFF20C}" dt="2023-11-14T16:11:45.530" v="971" actId="20577"/>
+          <ac:spMkLst>
+            <pc:docMk/>
+            <pc:sldMk cId="2990052108" sldId="2147470623"/>
+            <ac:spMk id="3" creationId="{69CA874A-9652-F723-DEFE-FBA3B96CA7BC}"/>
+          </ac:spMkLst>
+        </pc:spChg>
+      </pc:sldChg>
+      <pc:sldChg chg="modSp add mod">
+        <pc:chgData name="Dwayne Natwick" userId="3561b13b-c7da-4a5b-9614-8a4db83ccfee" providerId="ADAL" clId="{E95F42E3-C4F3-474F-B9C2-A0BA12FFF20C}" dt="2023-11-14T16:13:13.654" v="1030" actId="20577"/>
+        <pc:sldMkLst>
+          <pc:docMk/>
+          <pc:sldMk cId="1348257230" sldId="2147470624"/>
+        </pc:sldMkLst>
+        <pc:spChg chg="mod">
+          <ac:chgData name="Dwayne Natwick" userId="3561b13b-c7da-4a5b-9614-8a4db83ccfee" providerId="ADAL" clId="{E95F42E3-C4F3-474F-B9C2-A0BA12FFF20C}" dt="2023-11-14T16:12:28.908" v="1028" actId="20577"/>
+          <ac:spMkLst>
+            <pc:docMk/>
+            <pc:sldMk cId="1348257230" sldId="2147470624"/>
+            <ac:spMk id="2" creationId="{1DF7B20E-BDDA-FD42-628C-C0761EA21203}"/>
+          </ac:spMkLst>
+        </pc:spChg>
+        <pc:spChg chg="mod">
+          <ac:chgData name="Dwayne Natwick" userId="3561b13b-c7da-4a5b-9614-8a4db83ccfee" providerId="ADAL" clId="{E95F42E3-C4F3-474F-B9C2-A0BA12FFF20C}" dt="2023-11-14T16:13:13.654" v="1030" actId="20577"/>
+          <ac:spMkLst>
+            <pc:docMk/>
+            <pc:sldMk cId="1348257230" sldId="2147470624"/>
+            <ac:spMk id="3" creationId="{69CA874A-9652-F723-DEFE-FBA3B96CA7BC}"/>
+          </ac:spMkLst>
+        </pc:spChg>
+      </pc:sldChg>
+      <pc:sldChg chg="delSp modSp add mod">
+        <pc:chgData name="Dwayne Natwick" userId="3561b13b-c7da-4a5b-9614-8a4db83ccfee" providerId="ADAL" clId="{E95F42E3-C4F3-474F-B9C2-A0BA12FFF20C}" dt="2023-11-14T16:00:25.176" v="383" actId="20577"/>
+        <pc:sldMkLst>
+          <pc:docMk/>
+          <pc:sldMk cId="481991722" sldId="2147470625"/>
+        </pc:sldMkLst>
+        <pc:graphicFrameChg chg="del">
+          <ac:chgData name="Dwayne Natwick" userId="3561b13b-c7da-4a5b-9614-8a4db83ccfee" providerId="ADAL" clId="{E95F42E3-C4F3-474F-B9C2-A0BA12FFF20C}" dt="2023-11-14T15:56:20.130" v="317" actId="478"/>
+          <ac:graphicFrameMkLst>
+            <pc:docMk/>
+            <pc:sldMk cId="481991722" sldId="2147470625"/>
+            <ac:graphicFrameMk id="8" creationId="{CC919F4A-A7D9-8DDD-DB16-BF7FF8DD9E3B}"/>
+          </ac:graphicFrameMkLst>
+        </pc:graphicFrameChg>
+        <pc:graphicFrameChg chg="mod modGraphic">
+          <ac:chgData name="Dwayne Natwick" userId="3561b13b-c7da-4a5b-9614-8a4db83ccfee" providerId="ADAL" clId="{E95F42E3-C4F3-474F-B9C2-A0BA12FFF20C}" dt="2023-11-14T16:00:25.176" v="383" actId="20577"/>
+          <ac:graphicFrameMkLst>
+            <pc:docMk/>
+            <pc:sldMk cId="481991722" sldId="2147470625"/>
+            <ac:graphicFrameMk id="11" creationId="{A52E73B0-7A2A-ED30-FEF2-D5B76028305D}"/>
+          </ac:graphicFrameMkLst>
+        </pc:graphicFrameChg>
+      </pc:sldChg>
+      <pc:sldChg chg="modSp new mod modNotesTx">
+        <pc:chgData name="Dwayne Natwick" userId="3561b13b-c7da-4a5b-9614-8a4db83ccfee" providerId="ADAL" clId="{E95F42E3-C4F3-474F-B9C2-A0BA12FFF20C}" dt="2023-11-14T16:13:45.874" v="1033" actId="20577"/>
+        <pc:sldMkLst>
+          <pc:docMk/>
+          <pc:sldMk cId="870078105" sldId="2147470626"/>
+        </pc:sldMkLst>
+        <pc:spChg chg="mod">
+          <ac:chgData name="Dwayne Natwick" userId="3561b13b-c7da-4a5b-9614-8a4db83ccfee" providerId="ADAL" clId="{E95F42E3-C4F3-474F-B9C2-A0BA12FFF20C}" dt="2023-11-14T16:12:16.329" v="1008" actId="20577"/>
+          <ac:spMkLst>
+            <pc:docMk/>
+            <pc:sldMk cId="870078105" sldId="2147470626"/>
+            <ac:spMk id="2" creationId="{FC074790-19A4-EFC1-BD1E-9D989E35927B}"/>
+          </ac:spMkLst>
+        </pc:spChg>
+        <pc:spChg chg="mod">
+          <ac:chgData name="Dwayne Natwick" userId="3561b13b-c7da-4a5b-9614-8a4db83ccfee" providerId="ADAL" clId="{E95F42E3-C4F3-474F-B9C2-A0BA12FFF20C}" dt="2023-11-14T16:13:45.874" v="1033" actId="20577"/>
+          <ac:spMkLst>
+            <pc:docMk/>
+            <pc:sldMk cId="870078105" sldId="2147470626"/>
+            <ac:spMk id="3" creationId="{8E9FBFAB-26A7-4035-93DF-812906DE89B7}"/>
+          </ac:spMkLst>
+        </pc:spChg>
       </pc:sldChg>
     </pc:docChg>
   </pc:docChgLst>
@@ -22496,7 +22614,7 @@
           <a:p>
             <a:fld id="{0D354273-E04F-4A6B-AB46-301CAB090479}" type="datetimeFigureOut">
               <a:rPr lang="en-US" smtClean="0"/>
-              <a:t>11/13/2023</a:t>
+              <a:t>11/14/2023</a:t>
             </a:fld>
             <a:endParaRPr lang="en-US"/>
           </a:p>
@@ -22972,13 +23090,246 @@
           <a:bodyPr/>
           <a:lstStyle/>
           <a:p>
+            <a:pPr marL="0" marR="0" lvl="0" indent="0" algn="l" defTabSz="914400" rtl="0" eaLnBrk="1" fontAlgn="auto" latinLnBrk="0" hangingPunct="1">
+              <a:lnSpc>
+                <a:spcPct val="100000"/>
+              </a:lnSpc>
+              <a:spcBef>
+                <a:spcPts val="0"/>
+              </a:spcBef>
+              <a:spcAft>
+                <a:spcPts val="0"/>
+              </a:spcAft>
+              <a:buClrTx/>
+              <a:buSzTx/>
+              <a:buFontTx/>
+              <a:buNone/>
+              <a:tabLst/>
+              <a:defRPr/>
+            </a:pPr>
             <a:r>
               <a:rPr lang="en-US">
                 <a:hlinkClick r:id="rId3"/>
               </a:rPr>
-              <a:t>Procurement playbook - How to drive custom deals on Azure Marketplace - Microsoft marketplace | Microsoft Learn</a:t>
+              <a:t>Tutorial: Azure Active Directory integration with Ariba - Microsoft </a:t>
+            </a:r>
+            <a:r>
+              <a:rPr lang="en-US" err="1">
+                <a:hlinkClick r:id="rId3"/>
+              </a:rPr>
+              <a:t>Entra</a:t>
+            </a:r>
+            <a:r>
+              <a:rPr lang="en-US">
+                <a:hlinkClick r:id="rId3"/>
+              </a:rPr>
+              <a:t> | Microsoft Learn</a:t>
             </a:r>
             <a:endParaRPr lang="en-US"/>
+          </a:p>
+          <a:p>
+            <a:pPr marL="0" marR="0" lvl="0" indent="0" algn="l" defTabSz="914400" rtl="0" eaLnBrk="1" fontAlgn="auto" latinLnBrk="0" hangingPunct="1">
+              <a:lnSpc>
+                <a:spcPct val="100000"/>
+              </a:lnSpc>
+              <a:spcBef>
+                <a:spcPts val="0"/>
+              </a:spcBef>
+              <a:spcAft>
+                <a:spcPts val="0"/>
+              </a:spcAft>
+              <a:buClrTx/>
+              <a:buSzTx/>
+              <a:buFontTx/>
+              <a:buNone/>
+              <a:tabLst/>
+              <a:defRPr/>
+            </a:pPr>
+            <a:r>
+              <a:rPr lang="en-US">
+                <a:hlinkClick r:id="rId4"/>
+              </a:rPr>
+              <a:t>Tutorial: Azure Active Directory single sign-on (SSO) integration with ServiceNow - Microsoft </a:t>
+            </a:r>
+            <a:r>
+              <a:rPr lang="en-US" err="1">
+                <a:hlinkClick r:id="rId4"/>
+              </a:rPr>
+              <a:t>Entra</a:t>
+            </a:r>
+            <a:r>
+              <a:rPr lang="en-US">
+                <a:hlinkClick r:id="rId4"/>
+              </a:rPr>
+              <a:t> | Microsoft Learn</a:t>
+            </a:r>
+            <a:endParaRPr lang="en-US"/>
+          </a:p>
+          <a:p>
+            <a:pPr marL="0" marR="0" lvl="0" indent="0" algn="l" defTabSz="914400" rtl="0" eaLnBrk="1" fontAlgn="auto" latinLnBrk="0" hangingPunct="1">
+              <a:lnSpc>
+                <a:spcPct val="100000"/>
+              </a:lnSpc>
+              <a:spcBef>
+                <a:spcPts val="0"/>
+              </a:spcBef>
+              <a:spcAft>
+                <a:spcPts val="0"/>
+              </a:spcAft>
+              <a:buClrTx/>
+              <a:buSzTx/>
+              <a:buFontTx/>
+              <a:buNone/>
+              <a:tabLst/>
+              <a:defRPr/>
+            </a:pPr>
+            <a:r>
+              <a:rPr lang="en-US">
+                <a:hlinkClick r:id="rId5"/>
+              </a:rPr>
+              <a:t>Tutorial: Azure Active Directory integration with Coupa - Microsoft </a:t>
+            </a:r>
+            <a:r>
+              <a:rPr lang="en-US" err="1">
+                <a:hlinkClick r:id="rId5"/>
+              </a:rPr>
+              <a:t>Entra</a:t>
+            </a:r>
+            <a:r>
+              <a:rPr lang="en-US">
+                <a:hlinkClick r:id="rId5"/>
+              </a:rPr>
+              <a:t> | Microsoft Learn</a:t>
+            </a:r>
+            <a:endParaRPr lang="en-US"/>
+          </a:p>
+          <a:p>
+            <a:pPr marL="0" marR="0" lvl="0" indent="0" algn="l" defTabSz="914400" rtl="0" eaLnBrk="1" fontAlgn="auto" latinLnBrk="0" hangingPunct="1">
+              <a:lnSpc>
+                <a:spcPct val="100000"/>
+              </a:lnSpc>
+              <a:spcBef>
+                <a:spcPts val="0"/>
+              </a:spcBef>
+              <a:spcAft>
+                <a:spcPts val="0"/>
+              </a:spcAft>
+              <a:buClrTx/>
+              <a:buSzTx/>
+              <a:buFontTx/>
+              <a:buNone/>
+              <a:tabLst/>
+              <a:defRPr/>
+            </a:pPr>
+            <a:r>
+              <a:rPr lang="en-US">
+                <a:hlinkClick r:id="rId6"/>
+              </a:rPr>
+              <a:t>Tutorial: Azure AD SSO integration with Oracle Fusion ERP - Microsoft </a:t>
+            </a:r>
+            <a:r>
+              <a:rPr lang="en-US" err="1">
+                <a:hlinkClick r:id="rId6"/>
+              </a:rPr>
+              <a:t>Entra</a:t>
+            </a:r>
+            <a:r>
+              <a:rPr lang="en-US">
+                <a:hlinkClick r:id="rId6"/>
+              </a:rPr>
+              <a:t> | Microsoft Learn</a:t>
+            </a:r>
+            <a:endParaRPr lang="en-US"/>
+          </a:p>
+          <a:p>
+            <a:endParaRPr lang="en-US"/>
+          </a:p>
+        </p:txBody>
+      </p:sp>
+      <p:sp>
+        <p:nvSpPr>
+          <p:cNvPr id="4" name="Slide Number Placeholder 3"/>
+          <p:cNvSpPr>
+            <a:spLocks noGrp="1"/>
+          </p:cNvSpPr>
+          <p:nvPr>
+            <p:ph type="sldNum" sz="quarter" idx="5"/>
+          </p:nvPr>
+        </p:nvSpPr>
+        <p:spPr/>
+        <p:txBody>
+          <a:bodyPr/>
+          <a:lstStyle/>
+          <a:p>
+            <a:fld id="{297A4B63-AD09-44DE-BEEC-F379281B23CC}" type="slidenum">
+              <a:rPr lang="en-US" smtClean="0"/>
+              <a:t>15</a:t>
+            </a:fld>
+            <a:endParaRPr lang="en-US"/>
+          </a:p>
+        </p:txBody>
+      </p:sp>
+    </p:spTree>
+    <p:extLst>
+      <p:ext uri="{BB962C8B-B14F-4D97-AF65-F5344CB8AC3E}">
+        <p14:creationId xmlns:p14="http://schemas.microsoft.com/office/powerpoint/2010/main" val="484726582"/>
+      </p:ext>
+    </p:extLst>
+  </p:cSld>
+  <p:clrMapOvr>
+    <a:masterClrMapping/>
+  </p:clrMapOvr>
+</p:notes>
+</file>
+
+<file path=ppt/notesSlides/notesSlide11.xml><?xml version="1.0" encoding="utf-8"?>
+<p:notes xmlns:a="http://schemas.openxmlformats.org/drawingml/2006/main" xmlns:r="http://schemas.openxmlformats.org/officeDocument/2006/relationships" xmlns:p="http://schemas.openxmlformats.org/presentationml/2006/main">
+  <p:cSld>
+    <p:spTree>
+      <p:nvGrpSpPr>
+        <p:cNvPr id="1" name=""/>
+        <p:cNvGrpSpPr/>
+        <p:nvPr/>
+      </p:nvGrpSpPr>
+      <p:grpSpPr>
+        <a:xfrm>
+          <a:off x="0" y="0"/>
+          <a:ext cx="0" cy="0"/>
+          <a:chOff x="0" y="0"/>
+          <a:chExt cx="0" cy="0"/>
+        </a:xfrm>
+      </p:grpSpPr>
+      <p:sp>
+        <p:nvSpPr>
+          <p:cNvPr id="2" name="Slide Image Placeholder 1"/>
+          <p:cNvSpPr>
+            <a:spLocks noGrp="1" noRot="1" noChangeAspect="1"/>
+          </p:cNvSpPr>
+          <p:nvPr>
+            <p:ph type="sldImg"/>
+          </p:nvPr>
+        </p:nvSpPr>
+        <p:spPr/>
+      </p:sp>
+      <p:sp>
+        <p:nvSpPr>
+          <p:cNvPr id="3" name="Notes Placeholder 2"/>
+          <p:cNvSpPr>
+            <a:spLocks noGrp="1"/>
+          </p:cNvSpPr>
+          <p:nvPr>
+            <p:ph type="body" idx="1"/>
+          </p:nvPr>
+        </p:nvSpPr>
+        <p:spPr/>
+        <p:txBody>
+          <a:bodyPr/>
+          <a:lstStyle/>
+          <a:p>
+            <a:r>
+              <a:rPr lang="en-US" dirty="0"/>
+              <a:t>https://learn.microsoft.com/en-us/marketplace/private-offers-in-azure-marketplace</a:t>
+            </a:r>
           </a:p>
         </p:txBody>
       </p:sp>
@@ -23008,7 +23359,7 @@
     </p:spTree>
     <p:extLst>
       <p:ext uri="{BB962C8B-B14F-4D97-AF65-F5344CB8AC3E}">
-        <p14:creationId xmlns:p14="http://schemas.microsoft.com/office/powerpoint/2010/main" val="2714033206"/>
+        <p14:creationId xmlns:p14="http://schemas.microsoft.com/office/powerpoint/2010/main" val="3906540034"/>
       </p:ext>
     </p:extLst>
   </p:cSld>
@@ -23018,7 +23369,7 @@
 </p:notes>
 </file>
 
-<file path=ppt/notesSlides/notesSlide11.xml><?xml version="1.0" encoding="utf-8"?>
+<file path=ppt/notesSlides/notesSlide12.xml><?xml version="1.0" encoding="utf-8"?>
 <p:notes xmlns:a="http://schemas.openxmlformats.org/drawingml/2006/main" xmlns:r="http://schemas.openxmlformats.org/officeDocument/2006/relationships" xmlns:p="http://schemas.openxmlformats.org/presentationml/2006/main">
   <p:cSld>
     <p:spTree>
@@ -23089,7 +23440,97 @@
           <a:p>
             <a:fld id="{297A4B63-AD09-44DE-BEEC-F379281B23CC}" type="slidenum">
               <a:rPr lang="en-US" smtClean="0"/>
-              <a:t>20</a:t>
+              <a:t>21</a:t>
+            </a:fld>
+            <a:endParaRPr lang="en-US"/>
+          </a:p>
+        </p:txBody>
+      </p:sp>
+    </p:spTree>
+    <p:extLst>
+      <p:ext uri="{BB962C8B-B14F-4D97-AF65-F5344CB8AC3E}">
+        <p14:creationId xmlns:p14="http://schemas.microsoft.com/office/powerpoint/2010/main" val="2714033206"/>
+      </p:ext>
+    </p:extLst>
+  </p:cSld>
+  <p:clrMapOvr>
+    <a:masterClrMapping/>
+  </p:clrMapOvr>
+</p:notes>
+</file>
+
+<file path=ppt/notesSlides/notesSlide13.xml><?xml version="1.0" encoding="utf-8"?>
+<p:notes xmlns:a="http://schemas.openxmlformats.org/drawingml/2006/main" xmlns:r="http://schemas.openxmlformats.org/officeDocument/2006/relationships" xmlns:p="http://schemas.openxmlformats.org/presentationml/2006/main">
+  <p:cSld>
+    <p:spTree>
+      <p:nvGrpSpPr>
+        <p:cNvPr id="1" name=""/>
+        <p:cNvGrpSpPr/>
+        <p:nvPr/>
+      </p:nvGrpSpPr>
+      <p:grpSpPr>
+        <a:xfrm>
+          <a:off x="0" y="0"/>
+          <a:ext cx="0" cy="0"/>
+          <a:chOff x="0" y="0"/>
+          <a:chExt cx="0" cy="0"/>
+        </a:xfrm>
+      </p:grpSpPr>
+      <p:sp>
+        <p:nvSpPr>
+          <p:cNvPr id="2" name="Slide Image Placeholder 1"/>
+          <p:cNvSpPr>
+            <a:spLocks noGrp="1" noRot="1" noChangeAspect="1"/>
+          </p:cNvSpPr>
+          <p:nvPr>
+            <p:ph type="sldImg"/>
+          </p:nvPr>
+        </p:nvSpPr>
+        <p:spPr/>
+      </p:sp>
+      <p:sp>
+        <p:nvSpPr>
+          <p:cNvPr id="3" name="Notes Placeholder 2"/>
+          <p:cNvSpPr>
+            <a:spLocks noGrp="1"/>
+          </p:cNvSpPr>
+          <p:nvPr>
+            <p:ph type="body" idx="1"/>
+          </p:nvPr>
+        </p:nvSpPr>
+        <p:spPr/>
+        <p:txBody>
+          <a:bodyPr/>
+          <a:lstStyle/>
+          <a:p>
+            <a:r>
+              <a:rPr lang="en-US">
+                <a:hlinkClick r:id="rId3"/>
+              </a:rPr>
+              <a:t>Procurement playbook - How to drive custom deals on Azure Marketplace - Microsoft marketplace | Microsoft Learn</a:t>
+            </a:r>
+            <a:endParaRPr lang="en-US"/>
+          </a:p>
+        </p:txBody>
+      </p:sp>
+      <p:sp>
+        <p:nvSpPr>
+          <p:cNvPr id="4" name="Slide Number Placeholder 3"/>
+          <p:cNvSpPr>
+            <a:spLocks noGrp="1"/>
+          </p:cNvSpPr>
+          <p:nvPr>
+            <p:ph type="sldNum" sz="quarter" idx="5"/>
+          </p:nvPr>
+        </p:nvSpPr>
+        <p:spPr/>
+        <p:txBody>
+          <a:bodyPr/>
+          <a:lstStyle/>
+          <a:p>
+            <a:fld id="{297A4B63-AD09-44DE-BEEC-F379281B23CC}" type="slidenum">
+              <a:rPr lang="en-US" smtClean="0"/>
+              <a:t>24</a:t>
             </a:fld>
             <a:endParaRPr lang="en-US"/>
           </a:p>
@@ -23108,7 +23549,7 @@
 </p:notes>
 </file>
 
-<file path=ppt/notesSlides/notesSlide12.xml><?xml version="1.0" encoding="utf-8"?>
+<file path=ppt/notesSlides/notesSlide14.xml><?xml version="1.0" encoding="utf-8"?>
 <p:notes xmlns:a="http://schemas.openxmlformats.org/drawingml/2006/main" xmlns:r="http://schemas.openxmlformats.org/officeDocument/2006/relationships" xmlns:p="http://schemas.openxmlformats.org/presentationml/2006/main">
   <p:cSld>
     <p:spTree>
@@ -23179,7 +23620,7 @@
           <a:p>
             <a:fld id="{297A4B63-AD09-44DE-BEEC-F379281B23CC}" type="slidenum">
               <a:rPr lang="en-US" smtClean="0"/>
-              <a:t>21</a:t>
+              <a:t>25</a:t>
             </a:fld>
             <a:endParaRPr lang="en-US"/>
           </a:p>
@@ -23198,7 +23639,7 @@
 </p:notes>
 </file>
 
-<file path=ppt/notesSlides/notesSlide13.xml><?xml version="1.0" encoding="utf-8"?>
+<file path=ppt/notesSlides/notesSlide15.xml><?xml version="1.0" encoding="utf-8"?>
 <p:notes xmlns:a="http://schemas.openxmlformats.org/drawingml/2006/main" xmlns:r="http://schemas.openxmlformats.org/officeDocument/2006/relationships" xmlns:p="http://schemas.openxmlformats.org/presentationml/2006/main">
   <p:cSld>
     <p:spTree>
@@ -23316,7 +23757,7 @@
                 <a:tabLst/>
                 <a:defRPr/>
               </a:pPr>
-              <a:t>22</a:t>
+              <a:t>26</a:t>
             </a:fld>
             <a:endParaRPr kumimoji="0" lang="en-US" sz="1200" b="0" i="0" u="none" strike="noStrike" kern="1200" cap="none" spc="0" normalizeH="0" baseline="0" noProof="0">
               <a:ln>
@@ -24140,6 +24581,346 @@
           <a:bodyPr/>
           <a:lstStyle/>
           <a:p>
+            <a:pPr>
+              <a:defRPr/>
+            </a:pPr>
+            <a:endParaRPr lang="en-US" sz="1000" b="1" i="0">
+              <a:latin typeface="Segoe UI Light"/>
+              <a:cs typeface="Segoe UI Light"/>
+            </a:endParaRPr>
+          </a:p>
+          <a:p>
+            <a:pPr>
+              <a:defRPr/>
+            </a:pPr>
+            <a:r>
+              <a:rPr lang="en-US" sz="1000" b="1" i="0">
+                <a:latin typeface="Segoe UI Light"/>
+                <a:cs typeface="Segoe UI Light"/>
+              </a:rPr>
+              <a:t>NOTE: </a:t>
+            </a:r>
+            <a:r>
+              <a:rPr lang="en-US" sz="1000" i="0">
+                <a:latin typeface="Segoe UI Light"/>
+                <a:cs typeface="Segoe UI Light"/>
+              </a:rPr>
+              <a:t>Your start time may vary. Please fill in time zone for this delivery.</a:t>
+            </a:r>
+          </a:p>
+          <a:p>
+            <a:pPr marL="0" marR="0" lvl="0" indent="0" algn="l" defTabSz="914400" rtl="0" eaLnBrk="1" fontAlgn="auto" latinLnBrk="0" hangingPunct="1">
+              <a:lnSpc>
+                <a:spcPct val="100000"/>
+              </a:lnSpc>
+              <a:spcBef>
+                <a:spcPts val="0"/>
+              </a:spcBef>
+              <a:spcAft>
+                <a:spcPts val="0"/>
+              </a:spcAft>
+              <a:buClrTx/>
+              <a:buSzTx/>
+              <a:buFontTx/>
+              <a:buNone/>
+              <a:tabLst/>
+              <a:defRPr/>
+            </a:pPr>
+            <a:endParaRPr lang="en-US" sz="1000" i="1">
+              <a:latin typeface="Segoe UI Light" panose="020B0502040204020203" pitchFamily="34" charset="0"/>
+              <a:cs typeface="Segoe UI Light" panose="020B0502040204020203" pitchFamily="34" charset="0"/>
+            </a:endParaRPr>
+          </a:p>
+          <a:p>
+            <a:pPr marL="0" marR="0" lvl="0" indent="0" algn="l" defTabSz="914400">
+              <a:lnSpc>
+                <a:spcPct val="100000"/>
+              </a:lnSpc>
+              <a:spcBef>
+                <a:spcPts val="0"/>
+              </a:spcBef>
+              <a:spcAft>
+                <a:spcPts val="0"/>
+              </a:spcAft>
+              <a:buClrTx/>
+              <a:buSzTx/>
+              <a:buFontTx/>
+              <a:buNone/>
+              <a:tabLst/>
+              <a:defRPr/>
+            </a:pPr>
+            <a:r>
+              <a:rPr lang="en-US" sz="1000" b="1" i="0">
+                <a:latin typeface="Segoe UI Light"/>
+                <a:cs typeface="Segoe UI Light"/>
+              </a:rPr>
+              <a:t>SAY:</a:t>
+            </a:r>
+            <a:endParaRPr lang="en-US">
+              <a:latin typeface="Segoe UI Light"/>
+              <a:cs typeface="Segoe UI Light"/>
+            </a:endParaRPr>
+          </a:p>
+          <a:p>
+            <a:pPr marL="171450" marR="0" lvl="0" indent="-171450" algn="l" defTabSz="914400" rtl="0" eaLnBrk="1" fontAlgn="auto" latinLnBrk="0" hangingPunct="1">
+              <a:lnSpc>
+                <a:spcPct val="100000"/>
+              </a:lnSpc>
+              <a:spcBef>
+                <a:spcPts val="0"/>
+              </a:spcBef>
+              <a:spcAft>
+                <a:spcPts val="0"/>
+              </a:spcAft>
+              <a:buClrTx/>
+              <a:buSzTx/>
+              <a:buFont typeface="Wingdings" panose="05000000000000000000" pitchFamily="2" charset="2"/>
+              <a:buChar char="§"/>
+              <a:tabLst/>
+              <a:defRPr/>
+            </a:pPr>
+            <a:r>
+              <a:rPr lang="en-US" sz="1000">
+                <a:latin typeface="Segoe UI Light"/>
+                <a:cs typeface="Segoe UI Light"/>
+              </a:rPr>
+              <a:t>Training is x hours long.</a:t>
+            </a:r>
+          </a:p>
+          <a:p>
+            <a:pPr marL="171450" indent="-171450">
+              <a:buFont typeface="Wingdings" panose="05000000000000000000" pitchFamily="2" charset="2"/>
+              <a:buChar char="§"/>
+            </a:pPr>
+            <a:r>
+              <a:rPr lang="en-US" sz="1000">
+                <a:latin typeface="Segoe UI Light"/>
+                <a:cs typeface="Segoe UI Light"/>
+              </a:rPr>
+              <a:t>There are no scheduled breaks, take when needed. There is a 45-minute lunch.</a:t>
+            </a:r>
+          </a:p>
+          <a:p>
+            <a:pPr marL="171450" indent="-171450">
+              <a:buFont typeface="Wingdings" panose="05000000000000000000" pitchFamily="2" charset="2"/>
+              <a:buChar char="§"/>
+            </a:pPr>
+            <a:endParaRPr lang="en-US" sz="1000">
+              <a:latin typeface="Segoe UI Light"/>
+              <a:cs typeface="Segoe UI Light"/>
+            </a:endParaRPr>
+          </a:p>
+          <a:p>
+            <a:pPr marL="171450" indent="-171450">
+              <a:buFont typeface="Wingdings" panose="05000000000000000000" pitchFamily="2" charset="2"/>
+              <a:buChar char="§"/>
+            </a:pPr>
+            <a:r>
+              <a:rPr lang="en-US" sz="1000">
+                <a:latin typeface="Segoe UI Light"/>
+                <a:cs typeface="Segoe UI Light"/>
+              </a:rPr>
+              <a:t>Head Coach will start the workshop in the General Channel and wrap up the workshop at the end of the day in the General Channel. </a:t>
+            </a:r>
+          </a:p>
+          <a:p>
+            <a:pPr marL="171450" indent="-171450">
+              <a:buFont typeface="Wingdings" panose="05000000000000000000" pitchFamily="2" charset="2"/>
+              <a:buChar char="§"/>
+            </a:pPr>
+            <a:r>
+              <a:rPr lang="en-US" sz="1000">
+                <a:latin typeface="Segoe UI Light"/>
+                <a:cs typeface="Segoe UI Light"/>
+              </a:rPr>
+              <a:t>The rest of the day, the students will work in their individual TEAM Channels with you as the other coaches leading them through activities and monitoring the schedule.</a:t>
+            </a:r>
+          </a:p>
+          <a:p>
+            <a:pPr marL="171450" indent="-171450">
+              <a:buFont typeface="Wingdings" panose="05000000000000000000" pitchFamily="2" charset="2"/>
+              <a:buChar char="§"/>
+            </a:pPr>
+            <a:endParaRPr lang="en-US" sz="1000">
+              <a:latin typeface="Segoe UI Light"/>
+              <a:cs typeface="Segoe UI Light"/>
+            </a:endParaRPr>
+          </a:p>
+          <a:p>
+            <a:pPr marL="171450" indent="-171450">
+              <a:buFont typeface="Wingdings" panose="05000000000000000000" pitchFamily="2" charset="2"/>
+              <a:buChar char="§"/>
+            </a:pPr>
+            <a:r>
+              <a:rPr lang="en-US" sz="1000">
+                <a:latin typeface="Segoe UI Light"/>
+                <a:cs typeface="Segoe UI Light"/>
+              </a:rPr>
+              <a:t>Coach should do a high-level walk-through of the agenda and what is happening at each of the lab modules.</a:t>
+            </a:r>
+          </a:p>
+          <a:p>
+            <a:pPr marL="457200" lvl="1" indent="0" algn="l">
+              <a:buFont typeface="Wingdings" panose="05000000000000000000" pitchFamily="2" charset="2"/>
+              <a:buNone/>
+            </a:pPr>
+            <a:endParaRPr lang="en-US" sz="1000" b="0" i="0">
+              <a:solidFill>
+                <a:srgbClr val="24292E"/>
+              </a:solidFill>
+              <a:effectLst/>
+              <a:latin typeface="Segoe UI" panose="020B0502040204020203" pitchFamily="34" charset="0"/>
+              <a:cs typeface="Segoe UI" panose="020B0502040204020203" pitchFamily="34" charset="0"/>
+            </a:endParaRPr>
+          </a:p>
+          <a:p>
+            <a:endParaRPr lang="en-US" sz="1000" i="1">
+              <a:latin typeface="Segoe UI Light" panose="020B0502040204020203" pitchFamily="34" charset="0"/>
+              <a:cs typeface="Segoe UI Light" panose="020B0502040204020203" pitchFamily="34" charset="0"/>
+            </a:endParaRPr>
+          </a:p>
+        </p:txBody>
+      </p:sp>
+      <p:sp>
+        <p:nvSpPr>
+          <p:cNvPr id="4" name="Slide Number Placeholder 3"/>
+          <p:cNvSpPr>
+            <a:spLocks noGrp="1"/>
+          </p:cNvSpPr>
+          <p:nvPr>
+            <p:ph type="sldNum" sz="quarter" idx="5"/>
+          </p:nvPr>
+        </p:nvSpPr>
+        <p:spPr/>
+        <p:txBody>
+          <a:bodyPr/>
+          <a:lstStyle/>
+          <a:p>
+            <a:pPr marL="0" marR="0" lvl="0" indent="0" algn="r" defTabSz="914400" rtl="0" eaLnBrk="1" fontAlgn="auto" latinLnBrk="0" hangingPunct="1">
+              <a:lnSpc>
+                <a:spcPct val="100000"/>
+              </a:lnSpc>
+              <a:spcBef>
+                <a:spcPts val="0"/>
+              </a:spcBef>
+              <a:spcAft>
+                <a:spcPts val="0"/>
+              </a:spcAft>
+              <a:buClrTx/>
+              <a:buSzTx/>
+              <a:buFontTx/>
+              <a:buNone/>
+              <a:tabLst/>
+              <a:defRPr/>
+            </a:pPr>
+            <a:fld id="{0998D5BB-B127-481F-BC0A-2F77C576BB34}" type="slidenum">
+              <a:rPr kumimoji="0" lang="en-US" sz="1200" b="0" i="0" u="none" strike="noStrike" kern="1200" cap="none" spc="0" normalizeH="0" baseline="0" noProof="0" smtClean="0">
+                <a:ln>
+                  <a:noFill/>
+                </a:ln>
+                <a:solidFill>
+                  <a:prstClr val="black"/>
+                </a:solidFill>
+                <a:effectLst/>
+                <a:uLnTx/>
+                <a:uFillTx/>
+                <a:latin typeface="Calibri" panose="020F0502020204030204"/>
+                <a:ea typeface="+mn-ea"/>
+                <a:cs typeface="+mn-cs"/>
+              </a:rPr>
+              <a:pPr marL="0" marR="0" lvl="0" indent="0" algn="r" defTabSz="914400" rtl="0" eaLnBrk="1" fontAlgn="auto" latinLnBrk="0" hangingPunct="1">
+                <a:lnSpc>
+                  <a:spcPct val="100000"/>
+                </a:lnSpc>
+                <a:spcBef>
+                  <a:spcPts val="0"/>
+                </a:spcBef>
+                <a:spcAft>
+                  <a:spcPts val="0"/>
+                </a:spcAft>
+                <a:buClrTx/>
+                <a:buSzTx/>
+                <a:buFontTx/>
+                <a:buNone/>
+                <a:tabLst/>
+                <a:defRPr/>
+              </a:pPr>
+              <a:t>6</a:t>
+            </a:fld>
+            <a:endParaRPr kumimoji="0" lang="en-US" sz="1200" b="0" i="0" u="none" strike="noStrike" kern="1200" cap="none" spc="0" normalizeH="0" baseline="0" noProof="0">
+              <a:ln>
+                <a:noFill/>
+              </a:ln>
+              <a:solidFill>
+                <a:prstClr val="black"/>
+              </a:solidFill>
+              <a:effectLst/>
+              <a:uLnTx/>
+              <a:uFillTx/>
+              <a:latin typeface="Calibri" panose="020F0502020204030204"/>
+              <a:ea typeface="+mn-ea"/>
+              <a:cs typeface="+mn-cs"/>
+            </a:endParaRPr>
+          </a:p>
+        </p:txBody>
+      </p:sp>
+    </p:spTree>
+    <p:extLst>
+      <p:ext uri="{BB962C8B-B14F-4D97-AF65-F5344CB8AC3E}">
+        <p14:creationId xmlns:p14="http://schemas.microsoft.com/office/powerpoint/2010/main" val="4226856219"/>
+      </p:ext>
+    </p:extLst>
+  </p:cSld>
+  <p:clrMapOvr>
+    <a:masterClrMapping/>
+  </p:clrMapOvr>
+</p:notes>
+</file>
+
+<file path=ppt/notesSlides/notesSlide6.xml><?xml version="1.0" encoding="utf-8"?>
+<p:notes xmlns:a="http://schemas.openxmlformats.org/drawingml/2006/main" xmlns:r="http://schemas.openxmlformats.org/officeDocument/2006/relationships" xmlns:p="http://schemas.openxmlformats.org/presentationml/2006/main">
+  <p:cSld>
+    <p:spTree>
+      <p:nvGrpSpPr>
+        <p:cNvPr id="1" name=""/>
+        <p:cNvGrpSpPr/>
+        <p:nvPr/>
+      </p:nvGrpSpPr>
+      <p:grpSpPr>
+        <a:xfrm>
+          <a:off x="0" y="0"/>
+          <a:ext cx="0" cy="0"/>
+          <a:chOff x="0" y="0"/>
+          <a:chExt cx="0" cy="0"/>
+        </a:xfrm>
+      </p:grpSpPr>
+      <p:sp>
+        <p:nvSpPr>
+          <p:cNvPr id="2" name="Slide Image Placeholder 1"/>
+          <p:cNvSpPr>
+            <a:spLocks noGrp="1" noRot="1" noChangeAspect="1"/>
+          </p:cNvSpPr>
+          <p:nvPr>
+            <p:ph type="sldImg"/>
+          </p:nvPr>
+        </p:nvSpPr>
+        <p:spPr/>
+      </p:sp>
+      <p:sp>
+        <p:nvSpPr>
+          <p:cNvPr id="3" name="Notes Placeholder 2"/>
+          <p:cNvSpPr>
+            <a:spLocks noGrp="1"/>
+          </p:cNvSpPr>
+          <p:nvPr>
+            <p:ph type="body" idx="1"/>
+          </p:nvPr>
+        </p:nvSpPr>
+        <p:spPr/>
+        <p:txBody>
+          <a:bodyPr/>
+          <a:lstStyle/>
+          <a:p>
             <a:pPr algn="l"/>
             <a:endParaRPr lang="en-US" b="0" i="0">
               <a:solidFill>
@@ -24325,7 +25106,7 @@
                 <a:tabLst/>
                 <a:defRPr/>
               </a:pPr>
-              <a:t>6</a:t>
+              <a:t>7</a:t>
             </a:fld>
             <a:endParaRPr kumimoji="0" lang="en-US" sz="1200" b="0" i="0" u="none" strike="noStrike" kern="1200" cap="none" spc="0" normalizeH="0" baseline="0" noProof="0">
               <a:ln>
@@ -24357,7 +25138,7 @@
 </p:notes>
 </file>
 
-<file path=ppt/notesSlides/notesSlide6.xml><?xml version="1.0" encoding="utf-8"?>
+<file path=ppt/notesSlides/notesSlide7.xml><?xml version="1.0" encoding="utf-8"?>
 <p:notes xmlns:a="http://schemas.openxmlformats.org/drawingml/2006/main" xmlns:r="http://schemas.openxmlformats.org/officeDocument/2006/relationships" xmlns:p="http://schemas.openxmlformats.org/presentationml/2006/main">
   <p:cSld>
     <p:spTree>
@@ -24436,7 +25217,7 @@
           <a:p>
             <a:fld id="{297A4B63-AD09-44DE-BEEC-F379281B23CC}" type="slidenum">
               <a:rPr lang="en-US" smtClean="0"/>
-              <a:t>9</a:t>
+              <a:t>10</a:t>
             </a:fld>
             <a:endParaRPr lang="en-US"/>
           </a:p>
@@ -24455,7 +25236,7 @@
 </p:notes>
 </file>
 
-<file path=ppt/notesSlides/notesSlide7.xml><?xml version="1.0" encoding="utf-8"?>
+<file path=ppt/notesSlides/notesSlide8.xml><?xml version="1.0" encoding="utf-8"?>
 <p:notes xmlns:a="http://schemas.openxmlformats.org/drawingml/2006/main" xmlns:r="http://schemas.openxmlformats.org/officeDocument/2006/relationships" xmlns:p="http://schemas.openxmlformats.org/presentationml/2006/main">
   <p:cSld>
     <p:spTree>
@@ -24526,7 +25307,7 @@
           <a:p>
             <a:fld id="{297A4B63-AD09-44DE-BEEC-F379281B23CC}" type="slidenum">
               <a:rPr lang="en-US" smtClean="0"/>
-              <a:t>10</a:t>
+              <a:t>11</a:t>
             </a:fld>
             <a:endParaRPr lang="en-US"/>
           </a:p>
@@ -24545,7 +25326,7 @@
 </p:notes>
 </file>
 
-<file path=ppt/notesSlides/notesSlide8.xml><?xml version="1.0" encoding="utf-8"?>
+<file path=ppt/notesSlides/notesSlide9.xml><?xml version="1.0" encoding="utf-8"?>
 <p:notes xmlns:a="http://schemas.openxmlformats.org/drawingml/2006/main" xmlns:r="http://schemas.openxmlformats.org/officeDocument/2006/relationships" xmlns:p="http://schemas.openxmlformats.org/presentationml/2006/main">
   <p:cSld>
     <p:spTree>
@@ -24621,7 +25402,7 @@
           <a:p>
             <a:fld id="{297A4B63-AD09-44DE-BEEC-F379281B23CC}" type="slidenum">
               <a:rPr lang="en-US" smtClean="0"/>
-              <a:t>11</a:t>
+              <a:t>12</a:t>
             </a:fld>
             <a:endParaRPr lang="en-US"/>
           </a:p>
@@ -24631,242 +25412,6 @@
     <p:extLst>
       <p:ext uri="{BB962C8B-B14F-4D97-AF65-F5344CB8AC3E}">
         <p14:creationId xmlns:p14="http://schemas.microsoft.com/office/powerpoint/2010/main" val="802170203"/>
-      </p:ext>
-    </p:extLst>
-  </p:cSld>
-  <p:clrMapOvr>
-    <a:masterClrMapping/>
-  </p:clrMapOvr>
-</p:notes>
-</file>
-
-<file path=ppt/notesSlides/notesSlide9.xml><?xml version="1.0" encoding="utf-8"?>
-<p:notes xmlns:a="http://schemas.openxmlformats.org/drawingml/2006/main" xmlns:r="http://schemas.openxmlformats.org/officeDocument/2006/relationships" xmlns:p="http://schemas.openxmlformats.org/presentationml/2006/main">
-  <p:cSld>
-    <p:spTree>
-      <p:nvGrpSpPr>
-        <p:cNvPr id="1" name=""/>
-        <p:cNvGrpSpPr/>
-        <p:nvPr/>
-      </p:nvGrpSpPr>
-      <p:grpSpPr>
-        <a:xfrm>
-          <a:off x="0" y="0"/>
-          <a:ext cx="0" cy="0"/>
-          <a:chOff x="0" y="0"/>
-          <a:chExt cx="0" cy="0"/>
-        </a:xfrm>
-      </p:grpSpPr>
-      <p:sp>
-        <p:nvSpPr>
-          <p:cNvPr id="2" name="Slide Image Placeholder 1"/>
-          <p:cNvSpPr>
-            <a:spLocks noGrp="1" noRot="1" noChangeAspect="1"/>
-          </p:cNvSpPr>
-          <p:nvPr>
-            <p:ph type="sldImg"/>
-          </p:nvPr>
-        </p:nvSpPr>
-        <p:spPr/>
-      </p:sp>
-      <p:sp>
-        <p:nvSpPr>
-          <p:cNvPr id="3" name="Notes Placeholder 2"/>
-          <p:cNvSpPr>
-            <a:spLocks noGrp="1"/>
-          </p:cNvSpPr>
-          <p:nvPr>
-            <p:ph type="body" idx="1"/>
-          </p:nvPr>
-        </p:nvSpPr>
-        <p:spPr/>
-        <p:txBody>
-          <a:bodyPr/>
-          <a:lstStyle/>
-          <a:p>
-            <a:pPr marL="0" marR="0" lvl="0" indent="0" algn="l" defTabSz="914400" rtl="0" eaLnBrk="1" fontAlgn="auto" latinLnBrk="0" hangingPunct="1">
-              <a:lnSpc>
-                <a:spcPct val="100000"/>
-              </a:lnSpc>
-              <a:spcBef>
-                <a:spcPts val="0"/>
-              </a:spcBef>
-              <a:spcAft>
-                <a:spcPts val="0"/>
-              </a:spcAft>
-              <a:buClrTx/>
-              <a:buSzTx/>
-              <a:buFontTx/>
-              <a:buNone/>
-              <a:tabLst/>
-              <a:defRPr/>
-            </a:pPr>
-            <a:r>
-              <a:rPr lang="en-US">
-                <a:hlinkClick r:id="rId3"/>
-              </a:rPr>
-              <a:t>Tutorial: Azure Active Directory integration with Ariba - Microsoft </a:t>
-            </a:r>
-            <a:r>
-              <a:rPr lang="en-US" err="1">
-                <a:hlinkClick r:id="rId3"/>
-              </a:rPr>
-              <a:t>Entra</a:t>
-            </a:r>
-            <a:r>
-              <a:rPr lang="en-US">
-                <a:hlinkClick r:id="rId3"/>
-              </a:rPr>
-              <a:t> | Microsoft Learn</a:t>
-            </a:r>
-            <a:endParaRPr lang="en-US"/>
-          </a:p>
-          <a:p>
-            <a:pPr marL="0" marR="0" lvl="0" indent="0" algn="l" defTabSz="914400" rtl="0" eaLnBrk="1" fontAlgn="auto" latinLnBrk="0" hangingPunct="1">
-              <a:lnSpc>
-                <a:spcPct val="100000"/>
-              </a:lnSpc>
-              <a:spcBef>
-                <a:spcPts val="0"/>
-              </a:spcBef>
-              <a:spcAft>
-                <a:spcPts val="0"/>
-              </a:spcAft>
-              <a:buClrTx/>
-              <a:buSzTx/>
-              <a:buFontTx/>
-              <a:buNone/>
-              <a:tabLst/>
-              <a:defRPr/>
-            </a:pPr>
-            <a:r>
-              <a:rPr lang="en-US">
-                <a:hlinkClick r:id="rId4"/>
-              </a:rPr>
-              <a:t>Tutorial: Azure Active Directory single sign-on (SSO) integration with ServiceNow - Microsoft </a:t>
-            </a:r>
-            <a:r>
-              <a:rPr lang="en-US" err="1">
-                <a:hlinkClick r:id="rId4"/>
-              </a:rPr>
-              <a:t>Entra</a:t>
-            </a:r>
-            <a:r>
-              <a:rPr lang="en-US">
-                <a:hlinkClick r:id="rId4"/>
-              </a:rPr>
-              <a:t> | Microsoft Learn</a:t>
-            </a:r>
-            <a:endParaRPr lang="en-US"/>
-          </a:p>
-          <a:p>
-            <a:pPr marL="0" marR="0" lvl="0" indent="0" algn="l" defTabSz="914400" rtl="0" eaLnBrk="1" fontAlgn="auto" latinLnBrk="0" hangingPunct="1">
-              <a:lnSpc>
-                <a:spcPct val="100000"/>
-              </a:lnSpc>
-              <a:spcBef>
-                <a:spcPts val="0"/>
-              </a:spcBef>
-              <a:spcAft>
-                <a:spcPts val="0"/>
-              </a:spcAft>
-              <a:buClrTx/>
-              <a:buSzTx/>
-              <a:buFontTx/>
-              <a:buNone/>
-              <a:tabLst/>
-              <a:defRPr/>
-            </a:pPr>
-            <a:r>
-              <a:rPr lang="en-US">
-                <a:hlinkClick r:id="rId5"/>
-              </a:rPr>
-              <a:t>Tutorial: Azure Active Directory integration with Coupa - Microsoft </a:t>
-            </a:r>
-            <a:r>
-              <a:rPr lang="en-US" err="1">
-                <a:hlinkClick r:id="rId5"/>
-              </a:rPr>
-              <a:t>Entra</a:t>
-            </a:r>
-            <a:r>
-              <a:rPr lang="en-US">
-                <a:hlinkClick r:id="rId5"/>
-              </a:rPr>
-              <a:t> | Microsoft Learn</a:t>
-            </a:r>
-            <a:endParaRPr lang="en-US"/>
-          </a:p>
-          <a:p>
-            <a:pPr marL="0" marR="0" lvl="0" indent="0" algn="l" defTabSz="914400" rtl="0" eaLnBrk="1" fontAlgn="auto" latinLnBrk="0" hangingPunct="1">
-              <a:lnSpc>
-                <a:spcPct val="100000"/>
-              </a:lnSpc>
-              <a:spcBef>
-                <a:spcPts val="0"/>
-              </a:spcBef>
-              <a:spcAft>
-                <a:spcPts val="0"/>
-              </a:spcAft>
-              <a:buClrTx/>
-              <a:buSzTx/>
-              <a:buFontTx/>
-              <a:buNone/>
-              <a:tabLst/>
-              <a:defRPr/>
-            </a:pPr>
-            <a:r>
-              <a:rPr lang="en-US">
-                <a:hlinkClick r:id="rId6"/>
-              </a:rPr>
-              <a:t>Tutorial: Azure AD SSO integration with Oracle Fusion ERP - Microsoft </a:t>
-            </a:r>
-            <a:r>
-              <a:rPr lang="en-US" err="1">
-                <a:hlinkClick r:id="rId6"/>
-              </a:rPr>
-              <a:t>Entra</a:t>
-            </a:r>
-            <a:r>
-              <a:rPr lang="en-US">
-                <a:hlinkClick r:id="rId6"/>
-              </a:rPr>
-              <a:t> | Microsoft Learn</a:t>
-            </a:r>
-            <a:endParaRPr lang="en-US"/>
-          </a:p>
-          <a:p>
-            <a:endParaRPr lang="en-US"/>
-          </a:p>
-        </p:txBody>
-      </p:sp>
-      <p:sp>
-        <p:nvSpPr>
-          <p:cNvPr id="4" name="Slide Number Placeholder 3"/>
-          <p:cNvSpPr>
-            <a:spLocks noGrp="1"/>
-          </p:cNvSpPr>
-          <p:nvPr>
-            <p:ph type="sldNum" sz="quarter" idx="5"/>
-          </p:nvPr>
-        </p:nvSpPr>
-        <p:spPr/>
-        <p:txBody>
-          <a:bodyPr/>
-          <a:lstStyle/>
-          <a:p>
-            <a:fld id="{297A4B63-AD09-44DE-BEEC-F379281B23CC}" type="slidenum">
-              <a:rPr lang="en-US" smtClean="0"/>
-              <a:t>14</a:t>
-            </a:fld>
-            <a:endParaRPr lang="en-US"/>
-          </a:p>
-        </p:txBody>
-      </p:sp>
-    </p:spTree>
-    <p:extLst>
-      <p:ext uri="{BB962C8B-B14F-4D97-AF65-F5344CB8AC3E}">
-        <p14:creationId xmlns:p14="http://schemas.microsoft.com/office/powerpoint/2010/main" val="484726582"/>
       </p:ext>
     </p:extLst>
   </p:cSld>
@@ -28243,7 +28788,7 @@
           <a:p>
             <a:fld id="{5B804146-93B5-4C8A-9A4F-B58F5551F951}" type="datetimeFigureOut">
               <a:rPr lang="en-US" smtClean="0"/>
-              <a:t>11/13/2023</a:t>
+              <a:t>11/14/2023</a:t>
             </a:fld>
             <a:endParaRPr lang="en-US"/>
           </a:p>
@@ -32631,6 +33176,105 @@
           <p:cNvPr id="2" name="Title 1">
             <a:extLst>
               <a:ext uri="{FF2B5EF4-FFF2-40B4-BE49-F238E27FC236}">
+                <a16:creationId xmlns:a16="http://schemas.microsoft.com/office/drawing/2014/main" id="{C144469C-FA2E-89F4-8275-78C7809263F1}"/>
+              </a:ext>
+            </a:extLst>
+          </p:cNvPr>
+          <p:cNvSpPr>
+            <a:spLocks noGrp="1"/>
+          </p:cNvSpPr>
+          <p:nvPr>
+            <p:ph type="title"/>
+          </p:nvPr>
+        </p:nvSpPr>
+        <p:spPr>
+          <a:xfrm>
+            <a:off x="588263" y="457200"/>
+            <a:ext cx="11018520" cy="553998"/>
+          </a:xfrm>
+        </p:spPr>
+        <p:txBody>
+          <a:bodyPr wrap="square" anchor="t">
+            <a:normAutofit/>
+          </a:bodyPr>
+          <a:lstStyle/>
+          <a:p>
+            <a:r>
+              <a:rPr lang="en-US"/>
+              <a:t>Account settings demo</a:t>
+            </a:r>
+          </a:p>
+        </p:txBody>
+      </p:sp>
+      <p:graphicFrame>
+        <p:nvGraphicFramePr>
+          <p:cNvPr id="6" name="Content Placeholder 2">
+            <a:extLst>
+              <a:ext uri="{FF2B5EF4-FFF2-40B4-BE49-F238E27FC236}">
+                <a16:creationId xmlns:a16="http://schemas.microsoft.com/office/drawing/2014/main" id="{8F951D51-311C-2EFC-35E8-15B871457F00}"/>
+              </a:ext>
+            </a:extLst>
+          </p:cNvPr>
+          <p:cNvGraphicFramePr>
+            <a:graphicFrameLocks noGrp="1"/>
+          </p:cNvGraphicFramePr>
+          <p:nvPr>
+            <p:ph sz="quarter" idx="10"/>
+            <p:extLst>
+              <p:ext uri="{D42A27DB-BD31-4B8C-83A1-F6EECF244321}">
+                <p14:modId xmlns:p14="http://schemas.microsoft.com/office/powerpoint/2010/main" val="1567760707"/>
+              </p:ext>
+            </p:extLst>
+          </p:nvPr>
+        </p:nvGraphicFramePr>
+        <p:xfrm>
+          <a:off x="584200" y="1435100"/>
+          <a:ext cx="11018838" cy="4833938"/>
+        </p:xfrm>
+        <a:graphic>
+          <a:graphicData uri="http://schemas.openxmlformats.org/drawingml/2006/diagram">
+            <dgm:relIds xmlns:dgm="http://schemas.openxmlformats.org/drawingml/2006/diagram" xmlns:r="http://schemas.openxmlformats.org/officeDocument/2006/relationships" r:dm="rId3" r:lo="rId4" r:qs="rId5" r:cs="rId6"/>
+          </a:graphicData>
+        </a:graphic>
+      </p:graphicFrame>
+    </p:spTree>
+    <p:extLst>
+      <p:ext uri="{BB962C8B-B14F-4D97-AF65-F5344CB8AC3E}">
+        <p14:creationId xmlns:p14="http://schemas.microsoft.com/office/powerpoint/2010/main" val="379969417"/>
+      </p:ext>
+    </p:extLst>
+  </p:cSld>
+  <p:clrMapOvr>
+    <a:masterClrMapping/>
+  </p:clrMapOvr>
+  <p:transition>
+    <p:fade/>
+  </p:transition>
+</p:sld>
+</file>
+
+<file path=ppt/slides/slide11.xml><?xml version="1.0" encoding="utf-8"?>
+<p:sld xmlns:a="http://schemas.openxmlformats.org/drawingml/2006/main" xmlns:r="http://schemas.openxmlformats.org/officeDocument/2006/relationships" xmlns:p="http://schemas.openxmlformats.org/presentationml/2006/main">
+  <p:cSld>
+    <p:spTree>
+      <p:nvGrpSpPr>
+        <p:cNvPr id="1" name=""/>
+        <p:cNvGrpSpPr/>
+        <p:nvPr/>
+      </p:nvGrpSpPr>
+      <p:grpSpPr>
+        <a:xfrm>
+          <a:off x="0" y="0"/>
+          <a:ext cx="0" cy="0"/>
+          <a:chOff x="0" y="0"/>
+          <a:chExt cx="0" cy="0"/>
+        </a:xfrm>
+      </p:grpSpPr>
+      <p:sp>
+        <p:nvSpPr>
+          <p:cNvPr id="2" name="Title 1">
+            <a:extLst>
+              <a:ext uri="{FF2B5EF4-FFF2-40B4-BE49-F238E27FC236}">
                 <a16:creationId xmlns:a16="http://schemas.microsoft.com/office/drawing/2014/main" id="{63644AF7-A23F-1DD9-6E3C-EE7368917D77}"/>
               </a:ext>
             </a:extLst>
@@ -32926,7 +33570,7 @@
 </p:sld>
 </file>
 
-<file path=ppt/slides/slide11.xml><?xml version="1.0" encoding="utf-8"?>
+<file path=ppt/slides/slide12.xml><?xml version="1.0" encoding="utf-8"?>
 <p:sld xmlns:a="http://schemas.openxmlformats.org/drawingml/2006/main" xmlns:r="http://schemas.openxmlformats.org/officeDocument/2006/relationships" xmlns:p="http://schemas.openxmlformats.org/presentationml/2006/main">
   <p:cSld>
     <p:spTree>
@@ -33125,7 +33769,7 @@
 </p:sld>
 </file>
 
-<file path=ppt/slides/slide12.xml><?xml version="1.0" encoding="utf-8"?>
+<file path=ppt/slides/slide13.xml><?xml version="1.0" encoding="utf-8"?>
 <p:sld xmlns:a="http://schemas.openxmlformats.org/drawingml/2006/main" xmlns:r="http://schemas.openxmlformats.org/officeDocument/2006/relationships" xmlns:p="http://schemas.openxmlformats.org/presentationml/2006/main">
   <p:cSld>
     <p:spTree>
@@ -33224,7 +33868,7 @@
 </p:sld>
 </file>
 
-<file path=ppt/slides/slide13.xml><?xml version="1.0" encoding="utf-8"?>
+<file path=ppt/slides/slide14.xml><?xml version="1.0" encoding="utf-8"?>
 <p:sld xmlns:a="http://schemas.openxmlformats.org/drawingml/2006/main" xmlns:r="http://schemas.openxmlformats.org/officeDocument/2006/relationships" xmlns:p="http://schemas.openxmlformats.org/presentationml/2006/main">
   <p:cSld>
     <p:spTree>
@@ -33263,12 +33907,12 @@
           <a:lstStyle/>
           <a:p>
             <a:r>
-              <a:rPr lang="en-US">
+              <a:rPr lang="en-US" dirty="0">
                 <a:cs typeface="Segoe UI"/>
               </a:rPr>
-              <a:t>15 minute break</a:t>
+              <a:t>20 minute break</a:t>
             </a:r>
-            <a:endParaRPr lang="en-US"/>
+            <a:endParaRPr lang="en-US" dirty="0"/>
           </a:p>
         </p:txBody>
       </p:sp>
@@ -33297,8 +33941,8 @@
 </p:sld>
 </file>
 
-<file path=ppt/slides/slide14.xml><?xml version="1.0" encoding="utf-8"?>
-<p:sld xmlns:a="http://schemas.openxmlformats.org/drawingml/2006/main" xmlns:r="http://schemas.openxmlformats.org/officeDocument/2006/relationships" xmlns:p="http://schemas.openxmlformats.org/presentationml/2006/main">
+<file path=ppt/slides/slide15.xml><?xml version="1.0" encoding="utf-8"?>
+<p:sld xmlns:a="http://schemas.openxmlformats.org/drawingml/2006/main" xmlns:r="http://schemas.openxmlformats.org/officeDocument/2006/relationships" xmlns:p="http://schemas.openxmlformats.org/presentationml/2006/main" show="0">
   <p:cSld>
     <p:spTree>
       <p:nvGrpSpPr>
@@ -33336,10 +33980,22 @@
           <a:lstStyle/>
           <a:p>
             <a:r>
-              <a:rPr lang="en-US">
+              <a:rPr lang="en-US" dirty="0">
                 <a:cs typeface="Segoe UI"/>
               </a:rPr>
-              <a:t>Labs – Entra ID integration</a:t>
+              <a:t>Labs – </a:t>
+            </a:r>
+            <a:r>
+              <a:rPr lang="en-US" dirty="0" err="1">
+                <a:cs typeface="Segoe UI"/>
+              </a:rPr>
+              <a:t>Entra</a:t>
+            </a:r>
+            <a:r>
+              <a:rPr lang="en-US" dirty="0">
+                <a:cs typeface="Segoe UI"/>
+              </a:rPr>
+              <a:t> ID integration</a:t>
             </a:r>
           </a:p>
         </p:txBody>
@@ -33497,7 +34153,363 @@
 </p:sld>
 </file>
 
-<file path=ppt/slides/slide15.xml><?xml version="1.0" encoding="utf-8"?>
+<file path=ppt/slides/slide16.xml><?xml version="1.0" encoding="utf-8"?>
+<p:sld xmlns:a="http://schemas.openxmlformats.org/drawingml/2006/main" xmlns:r="http://schemas.openxmlformats.org/officeDocument/2006/relationships" xmlns:p="http://schemas.openxmlformats.org/presentationml/2006/main">
+  <p:cSld>
+    <p:spTree>
+      <p:nvGrpSpPr>
+        <p:cNvPr id="1" name=""/>
+        <p:cNvGrpSpPr/>
+        <p:nvPr/>
+      </p:nvGrpSpPr>
+      <p:grpSpPr>
+        <a:xfrm>
+          <a:off x="0" y="0"/>
+          <a:ext cx="0" cy="0"/>
+          <a:chOff x="0" y="0"/>
+          <a:chExt cx="0" cy="0"/>
+        </a:xfrm>
+      </p:grpSpPr>
+      <p:sp>
+        <p:nvSpPr>
+          <p:cNvPr id="2" name="Title 1">
+            <a:extLst>
+              <a:ext uri="{FF2B5EF4-FFF2-40B4-BE49-F238E27FC236}">
+                <a16:creationId xmlns:a16="http://schemas.microsoft.com/office/drawing/2014/main" id="{1DF7B20E-BDDA-FD42-628C-C0761EA21203}"/>
+              </a:ext>
+            </a:extLst>
+          </p:cNvPr>
+          <p:cNvSpPr>
+            <a:spLocks noGrp="1"/>
+          </p:cNvSpPr>
+          <p:nvPr>
+            <p:ph type="title"/>
+          </p:nvPr>
+        </p:nvSpPr>
+        <p:spPr/>
+        <p:txBody>
+          <a:bodyPr/>
+          <a:lstStyle/>
+          <a:p>
+            <a:r>
+              <a:rPr lang="en-US" dirty="0"/>
+              <a:t>Private Offers</a:t>
+            </a:r>
+          </a:p>
+        </p:txBody>
+      </p:sp>
+      <p:sp>
+        <p:nvSpPr>
+          <p:cNvPr id="3" name="Content Placeholder 2">
+            <a:extLst>
+              <a:ext uri="{FF2B5EF4-FFF2-40B4-BE49-F238E27FC236}">
+                <a16:creationId xmlns:a16="http://schemas.microsoft.com/office/drawing/2014/main" id="{69CA874A-9652-F723-DEFE-FBA3B96CA7BC}"/>
+              </a:ext>
+            </a:extLst>
+          </p:cNvPr>
+          <p:cNvSpPr>
+            <a:spLocks noGrp="1"/>
+          </p:cNvSpPr>
+          <p:nvPr>
+            <p:ph sz="quarter" idx="10"/>
+          </p:nvPr>
+        </p:nvSpPr>
+        <p:spPr>
+          <a:xfrm>
+            <a:off x="584200" y="1435100"/>
+            <a:ext cx="11018838" cy="4419671"/>
+          </a:xfrm>
+        </p:spPr>
+        <p:txBody>
+          <a:bodyPr/>
+          <a:lstStyle/>
+          <a:p>
+            <a:r>
+              <a:rPr lang="en-US" dirty="0"/>
+              <a:t>Engagement with Microsoft partner and their solution</a:t>
+            </a:r>
+          </a:p>
+          <a:p>
+            <a:r>
+              <a:rPr lang="en-US" dirty="0"/>
+              <a:t>Procuring a private offer is a three (3) step process:</a:t>
+            </a:r>
+          </a:p>
+          <a:p>
+            <a:pPr lvl="1"/>
+            <a:r>
+              <a:rPr lang="en-US" dirty="0"/>
+              <a:t>1. Provide billing account ID and contact information to the partner</a:t>
+            </a:r>
+          </a:p>
+          <a:p>
+            <a:pPr lvl="1"/>
+            <a:r>
+              <a:rPr lang="en-US" dirty="0"/>
+              <a:t>2. Accept the private offer</a:t>
+            </a:r>
+          </a:p>
+          <a:p>
+            <a:pPr lvl="1"/>
+            <a:r>
+              <a:rPr lang="en-US" dirty="0"/>
+              <a:t>3. Purchase the private offer</a:t>
+            </a:r>
+          </a:p>
+          <a:p>
+            <a:r>
+              <a:rPr lang="en-US" dirty="0"/>
+              <a:t>Requires </a:t>
+            </a:r>
+            <a:r>
+              <a:rPr lang="en-US" dirty="0" err="1"/>
+              <a:t>Entra</a:t>
+            </a:r>
+            <a:r>
+              <a:rPr lang="en-US" dirty="0"/>
+              <a:t> permission for SSO to Microsoft partner solutions through user consent</a:t>
+            </a:r>
+          </a:p>
+          <a:p>
+            <a:pPr lvl="1"/>
+            <a:r>
+              <a:rPr lang="en-US" dirty="0"/>
+              <a:t>Within Applications -&gt; Enterprise applications -&gt; Consent and permissions -&gt; User consent settings</a:t>
+            </a:r>
+          </a:p>
+          <a:p>
+            <a:pPr lvl="1"/>
+            <a:r>
+              <a:rPr lang="en-US" dirty="0"/>
+              <a:t>Select the consent setting</a:t>
+            </a:r>
+          </a:p>
+          <a:p>
+            <a:pPr lvl="1"/>
+            <a:r>
+              <a:rPr lang="en-US" dirty="0"/>
+              <a:t>Save settings</a:t>
+            </a:r>
+          </a:p>
+        </p:txBody>
+      </p:sp>
+    </p:spTree>
+    <p:extLst>
+      <p:ext uri="{BB962C8B-B14F-4D97-AF65-F5344CB8AC3E}">
+        <p14:creationId xmlns:p14="http://schemas.microsoft.com/office/powerpoint/2010/main" val="2990052108"/>
+      </p:ext>
+    </p:extLst>
+  </p:cSld>
+  <p:clrMapOvr>
+    <a:masterClrMapping/>
+  </p:clrMapOvr>
+  <p:transition>
+    <p:fade/>
+  </p:transition>
+</p:sld>
+</file>
+
+<file path=ppt/slides/slide17.xml><?xml version="1.0" encoding="utf-8"?>
+<p:sld xmlns:a="http://schemas.openxmlformats.org/drawingml/2006/main" xmlns:r="http://schemas.openxmlformats.org/officeDocument/2006/relationships" xmlns:p="http://schemas.openxmlformats.org/presentationml/2006/main">
+  <p:cSld>
+    <p:spTree>
+      <p:nvGrpSpPr>
+        <p:cNvPr id="1" name=""/>
+        <p:cNvGrpSpPr/>
+        <p:nvPr/>
+      </p:nvGrpSpPr>
+      <p:grpSpPr>
+        <a:xfrm>
+          <a:off x="0" y="0"/>
+          <a:ext cx="0" cy="0"/>
+          <a:chOff x="0" y="0"/>
+          <a:chExt cx="0" cy="0"/>
+        </a:xfrm>
+      </p:grpSpPr>
+      <p:sp>
+        <p:nvSpPr>
+          <p:cNvPr id="2" name="Title 1">
+            <a:extLst>
+              <a:ext uri="{FF2B5EF4-FFF2-40B4-BE49-F238E27FC236}">
+                <a16:creationId xmlns:a16="http://schemas.microsoft.com/office/drawing/2014/main" id="{FC074790-19A4-EFC1-BD1E-9D989E35927B}"/>
+              </a:ext>
+            </a:extLst>
+          </p:cNvPr>
+          <p:cNvSpPr>
+            <a:spLocks noGrp="1"/>
+          </p:cNvSpPr>
+          <p:nvPr>
+            <p:ph type="title"/>
+          </p:nvPr>
+        </p:nvSpPr>
+        <p:spPr/>
+        <p:txBody>
+          <a:bodyPr/>
+          <a:lstStyle/>
+          <a:p>
+            <a:r>
+              <a:rPr lang="en-US" dirty="0"/>
+              <a:t>Walk through of private offers</a:t>
+            </a:r>
+          </a:p>
+        </p:txBody>
+      </p:sp>
+      <p:sp>
+        <p:nvSpPr>
+          <p:cNvPr id="3" name="Content Placeholder 2">
+            <a:extLst>
+              <a:ext uri="{FF2B5EF4-FFF2-40B4-BE49-F238E27FC236}">
+                <a16:creationId xmlns:a16="http://schemas.microsoft.com/office/drawing/2014/main" id="{8E9FBFAB-26A7-4035-93DF-812906DE89B7}"/>
+              </a:ext>
+            </a:extLst>
+          </p:cNvPr>
+          <p:cNvSpPr>
+            <a:spLocks noGrp="1"/>
+          </p:cNvSpPr>
+          <p:nvPr>
+            <p:ph sz="quarter" idx="10"/>
+          </p:nvPr>
+        </p:nvSpPr>
+        <p:spPr>
+          <a:xfrm>
+            <a:off x="584200" y="1435100"/>
+            <a:ext cx="11018838" cy="1378839"/>
+          </a:xfrm>
+        </p:spPr>
+        <p:txBody>
+          <a:bodyPr/>
+          <a:lstStyle/>
+          <a:p>
+            <a:r>
+              <a:rPr lang="en-US" dirty="0">
+                <a:hlinkClick r:id="rId3"/>
+              </a:rPr>
+              <a:t>https://learn.microsoft.com/en-us/marketplace/private-offers-in-azure-marketplace</a:t>
+            </a:r>
+            <a:endParaRPr lang="en-US" dirty="0"/>
+          </a:p>
+          <a:p>
+            <a:endParaRPr lang="en-US" dirty="0"/>
+          </a:p>
+        </p:txBody>
+      </p:sp>
+    </p:spTree>
+    <p:extLst>
+      <p:ext uri="{BB962C8B-B14F-4D97-AF65-F5344CB8AC3E}">
+        <p14:creationId xmlns:p14="http://schemas.microsoft.com/office/powerpoint/2010/main" val="870078105"/>
+      </p:ext>
+    </p:extLst>
+  </p:cSld>
+  <p:clrMapOvr>
+    <a:masterClrMapping/>
+  </p:clrMapOvr>
+  <p:transition>
+    <p:fade/>
+  </p:transition>
+</p:sld>
+</file>
+
+<file path=ppt/slides/slide18.xml><?xml version="1.0" encoding="utf-8"?>
+<p:sld xmlns:a="http://schemas.openxmlformats.org/drawingml/2006/main" xmlns:r="http://schemas.openxmlformats.org/officeDocument/2006/relationships" xmlns:p="http://schemas.openxmlformats.org/presentationml/2006/main">
+  <p:cSld>
+    <p:spTree>
+      <p:nvGrpSpPr>
+        <p:cNvPr id="1" name=""/>
+        <p:cNvGrpSpPr/>
+        <p:nvPr/>
+      </p:nvGrpSpPr>
+      <p:grpSpPr>
+        <a:xfrm>
+          <a:off x="0" y="0"/>
+          <a:ext cx="0" cy="0"/>
+          <a:chOff x="0" y="0"/>
+          <a:chExt cx="0" cy="0"/>
+        </a:xfrm>
+      </p:grpSpPr>
+      <p:sp>
+        <p:nvSpPr>
+          <p:cNvPr id="2" name="Title 1">
+            <a:extLst>
+              <a:ext uri="{FF2B5EF4-FFF2-40B4-BE49-F238E27FC236}">
+                <a16:creationId xmlns:a16="http://schemas.microsoft.com/office/drawing/2014/main" id="{1DF7B20E-BDDA-FD42-628C-C0761EA21203}"/>
+              </a:ext>
+            </a:extLst>
+          </p:cNvPr>
+          <p:cNvSpPr>
+            <a:spLocks noGrp="1"/>
+          </p:cNvSpPr>
+          <p:nvPr>
+            <p:ph type="title"/>
+          </p:nvPr>
+        </p:nvSpPr>
+        <p:spPr/>
+        <p:txBody>
+          <a:bodyPr/>
+          <a:lstStyle/>
+          <a:p>
+            <a:r>
+              <a:rPr lang="en-US" dirty="0"/>
+              <a:t>Private Offers customer experience</a:t>
+            </a:r>
+          </a:p>
+        </p:txBody>
+      </p:sp>
+      <p:sp>
+        <p:nvSpPr>
+          <p:cNvPr id="3" name="Content Placeholder 2">
+            <a:extLst>
+              <a:ext uri="{FF2B5EF4-FFF2-40B4-BE49-F238E27FC236}">
+                <a16:creationId xmlns:a16="http://schemas.microsoft.com/office/drawing/2014/main" id="{69CA874A-9652-F723-DEFE-FBA3B96CA7BC}"/>
+              </a:ext>
+            </a:extLst>
+          </p:cNvPr>
+          <p:cNvSpPr>
+            <a:spLocks noGrp="1"/>
+          </p:cNvSpPr>
+          <p:nvPr>
+            <p:ph sz="quarter" idx="10"/>
+          </p:nvPr>
+        </p:nvSpPr>
+        <p:spPr>
+          <a:xfrm>
+            <a:off x="584200" y="1435100"/>
+            <a:ext cx="11018838" cy="947952"/>
+          </a:xfrm>
+        </p:spPr>
+        <p:txBody>
+          <a:bodyPr/>
+          <a:lstStyle/>
+          <a:p>
+            <a:r>
+              <a:rPr lang="en-US" dirty="0">
+                <a:hlinkClick r:id="rId2"/>
+              </a:rPr>
+              <a:t>https://www.youtube.com/watch?v=TANUlgLuVqI</a:t>
+            </a:r>
+            <a:endParaRPr lang="en-US" dirty="0"/>
+          </a:p>
+          <a:p>
+            <a:endParaRPr lang="en-US" dirty="0"/>
+          </a:p>
+        </p:txBody>
+      </p:sp>
+    </p:spTree>
+    <p:extLst>
+      <p:ext uri="{BB962C8B-B14F-4D97-AF65-F5344CB8AC3E}">
+        <p14:creationId xmlns:p14="http://schemas.microsoft.com/office/powerpoint/2010/main" val="1348257230"/>
+      </p:ext>
+    </p:extLst>
+  </p:cSld>
+  <p:clrMapOvr>
+    <a:masterClrMapping/>
+  </p:clrMapOvr>
+  <p:transition>
+    <p:fade/>
+  </p:transition>
+</p:sld>
+</file>
+
+<file path=ppt/slides/slide19.xml><?xml version="1.0" encoding="utf-8"?>
 <p:sld xmlns:a="http://schemas.openxmlformats.org/drawingml/2006/main" xmlns:r="http://schemas.openxmlformats.org/officeDocument/2006/relationships" xmlns:p="http://schemas.openxmlformats.org/presentationml/2006/main">
   <p:cSld>
     <p:spTree>
@@ -33567,376 +34579,6 @@
       </p:transition>
     </mc:Fallback>
   </mc:AlternateContent>
-</p:sld>
-</file>
-
-<file path=ppt/slides/slide16.xml><?xml version="1.0" encoding="utf-8"?>
-<p:sld xmlns:a="http://schemas.openxmlformats.org/drawingml/2006/main" xmlns:r="http://schemas.openxmlformats.org/officeDocument/2006/relationships" xmlns:p="http://schemas.openxmlformats.org/presentationml/2006/main">
-  <p:cSld>
-    <p:spTree>
-      <p:nvGrpSpPr>
-        <p:cNvPr id="1" name=""/>
-        <p:cNvGrpSpPr/>
-        <p:nvPr/>
-      </p:nvGrpSpPr>
-      <p:grpSpPr>
-        <a:xfrm>
-          <a:off x="0" y="0"/>
-          <a:ext cx="0" cy="0"/>
-          <a:chOff x="0" y="0"/>
-          <a:chExt cx="0" cy="0"/>
-        </a:xfrm>
-      </p:grpSpPr>
-      <p:sp>
-        <p:nvSpPr>
-          <p:cNvPr id="2" name="Title 1">
-            <a:extLst>
-              <a:ext uri="{FF2B5EF4-FFF2-40B4-BE49-F238E27FC236}">
-                <a16:creationId xmlns:a16="http://schemas.microsoft.com/office/drawing/2014/main" id="{DD98F413-FA4A-5DAC-66E1-E02E10AE53D2}"/>
-              </a:ext>
-            </a:extLst>
-          </p:cNvPr>
-          <p:cNvSpPr>
-            <a:spLocks noGrp="1"/>
-          </p:cNvSpPr>
-          <p:nvPr>
-            <p:ph type="title"/>
-          </p:nvPr>
-        </p:nvSpPr>
-        <p:spPr/>
-        <p:txBody>
-          <a:bodyPr/>
-          <a:lstStyle/>
-          <a:p>
-            <a:r>
-              <a:rPr lang="en-US">
-                <a:cs typeface="Segoe UI"/>
-              </a:rPr>
-              <a:t>Governance and Procurement management</a:t>
-            </a:r>
-            <a:endParaRPr lang="en-US"/>
-          </a:p>
-        </p:txBody>
-      </p:sp>
-    </p:spTree>
-    <p:extLst>
-      <p:ext uri="{BB962C8B-B14F-4D97-AF65-F5344CB8AC3E}">
-        <p14:creationId xmlns:p14="http://schemas.microsoft.com/office/powerpoint/2010/main" val="2409884957"/>
-      </p:ext>
-    </p:extLst>
-  </p:cSld>
-  <p:clrMapOvr>
-    <a:masterClrMapping/>
-  </p:clrMapOvr>
-  <mc:AlternateContent xmlns:mc="http://schemas.openxmlformats.org/markup-compatibility/2006" xmlns:p14="http://schemas.microsoft.com/office/powerpoint/2010/main">
-    <mc:Choice Requires="p14">
-      <p:transition spd="med" p14:dur="700">
-        <p:fade/>
-      </p:transition>
-    </mc:Choice>
-    <mc:Fallback xmlns="">
-      <p:transition spd="med">
-        <p:fade/>
-      </p:transition>
-    </mc:Fallback>
-  </mc:AlternateContent>
-</p:sld>
-</file>
-
-<file path=ppt/slides/slide17.xml><?xml version="1.0" encoding="utf-8"?>
-<p:sld xmlns:a="http://schemas.openxmlformats.org/drawingml/2006/main" xmlns:r="http://schemas.openxmlformats.org/officeDocument/2006/relationships" xmlns:p="http://schemas.openxmlformats.org/presentationml/2006/main">
-  <p:cSld>
-    <p:spTree>
-      <p:nvGrpSpPr>
-        <p:cNvPr id="1" name=""/>
-        <p:cNvGrpSpPr/>
-        <p:nvPr/>
-      </p:nvGrpSpPr>
-      <p:grpSpPr>
-        <a:xfrm>
-          <a:off x="0" y="0"/>
-          <a:ext cx="0" cy="0"/>
-          <a:chOff x="0" y="0"/>
-          <a:chExt cx="0" cy="0"/>
-        </a:xfrm>
-      </p:grpSpPr>
-      <p:sp>
-        <p:nvSpPr>
-          <p:cNvPr id="2" name="Title 1">
-            <a:extLst>
-              <a:ext uri="{FF2B5EF4-FFF2-40B4-BE49-F238E27FC236}">
-                <a16:creationId xmlns:a16="http://schemas.microsoft.com/office/drawing/2014/main" id="{CFCF5E71-8482-5C4A-1937-62180CED69B1}"/>
-              </a:ext>
-            </a:extLst>
-          </p:cNvPr>
-          <p:cNvSpPr>
-            <a:spLocks noGrp="1"/>
-          </p:cNvSpPr>
-          <p:nvPr>
-            <p:ph type="title"/>
-          </p:nvPr>
-        </p:nvSpPr>
-        <p:spPr>
-          <a:xfrm>
-            <a:off x="588263" y="457200"/>
-            <a:ext cx="11018520" cy="553998"/>
-          </a:xfrm>
-        </p:spPr>
-        <p:txBody>
-          <a:bodyPr wrap="square" anchor="t">
-            <a:normAutofit/>
-          </a:bodyPr>
-          <a:lstStyle/>
-          <a:p>
-            <a:r>
-              <a:rPr lang="en-US"/>
-              <a:t>Governance of Product Inventory</a:t>
-            </a:r>
-          </a:p>
-        </p:txBody>
-      </p:sp>
-      <p:graphicFrame>
-        <p:nvGraphicFramePr>
-          <p:cNvPr id="7" name="Content Placeholder 2">
-            <a:extLst>
-              <a:ext uri="{FF2B5EF4-FFF2-40B4-BE49-F238E27FC236}">
-                <a16:creationId xmlns:a16="http://schemas.microsoft.com/office/drawing/2014/main" id="{A219546F-E536-A279-B526-1AE693C0FEBC}"/>
-              </a:ext>
-            </a:extLst>
-          </p:cNvPr>
-          <p:cNvGraphicFramePr>
-            <a:graphicFrameLocks noGrp="1"/>
-          </p:cNvGraphicFramePr>
-          <p:nvPr>
-            <p:ph sz="quarter" idx="10"/>
-            <p:extLst>
-              <p:ext uri="{D42A27DB-BD31-4B8C-83A1-F6EECF244321}">
-                <p14:modId xmlns:p14="http://schemas.microsoft.com/office/powerpoint/2010/main" val="2761161283"/>
-              </p:ext>
-            </p:extLst>
-          </p:nvPr>
-        </p:nvGraphicFramePr>
-        <p:xfrm>
-          <a:off x="584200" y="1435100"/>
-          <a:ext cx="11018838" cy="4833938"/>
-        </p:xfrm>
-        <a:graphic>
-          <a:graphicData uri="http://schemas.openxmlformats.org/drawingml/2006/diagram">
-            <dgm:relIds xmlns:dgm="http://schemas.openxmlformats.org/drawingml/2006/diagram" xmlns:r="http://schemas.openxmlformats.org/officeDocument/2006/relationships" r:dm="rId3" r:lo="rId4" r:qs="rId5" r:cs="rId6"/>
-          </a:graphicData>
-        </a:graphic>
-      </p:graphicFrame>
-    </p:spTree>
-    <p:extLst>
-      <p:ext uri="{BB962C8B-B14F-4D97-AF65-F5344CB8AC3E}">
-        <p14:creationId xmlns:p14="http://schemas.microsoft.com/office/powerpoint/2010/main" val="3770102974"/>
-      </p:ext>
-    </p:extLst>
-  </p:cSld>
-  <p:clrMapOvr>
-    <a:masterClrMapping/>
-  </p:clrMapOvr>
-  <p:transition>
-    <p:fade/>
-  </p:transition>
-</p:sld>
-</file>
-
-<file path=ppt/slides/slide18.xml><?xml version="1.0" encoding="utf-8"?>
-<p:sld xmlns:a="http://schemas.openxmlformats.org/drawingml/2006/main" xmlns:r="http://schemas.openxmlformats.org/officeDocument/2006/relationships" xmlns:p="http://schemas.openxmlformats.org/presentationml/2006/main">
-  <p:cSld>
-    <p:spTree>
-      <p:nvGrpSpPr>
-        <p:cNvPr id="1" name=""/>
-        <p:cNvGrpSpPr/>
-        <p:nvPr/>
-      </p:nvGrpSpPr>
-      <p:grpSpPr>
-        <a:xfrm>
-          <a:off x="0" y="0"/>
-          <a:ext cx="0" cy="0"/>
-          <a:chOff x="0" y="0"/>
-          <a:chExt cx="0" cy="0"/>
-        </a:xfrm>
-      </p:grpSpPr>
-      <p:sp>
-        <p:nvSpPr>
-          <p:cNvPr id="2" name="Title 1">
-            <a:extLst>
-              <a:ext uri="{FF2B5EF4-FFF2-40B4-BE49-F238E27FC236}">
-                <a16:creationId xmlns:a16="http://schemas.microsoft.com/office/drawing/2014/main" id="{105B6354-2028-24B8-66E1-0D45962243CA}"/>
-              </a:ext>
-            </a:extLst>
-          </p:cNvPr>
-          <p:cNvSpPr>
-            <a:spLocks noGrp="1"/>
-          </p:cNvSpPr>
-          <p:nvPr>
-            <p:ph type="title"/>
-          </p:nvPr>
-        </p:nvSpPr>
-        <p:spPr>
-          <a:xfrm>
-            <a:off x="588263" y="457200"/>
-            <a:ext cx="11018520" cy="553998"/>
-          </a:xfrm>
-        </p:spPr>
-        <p:txBody>
-          <a:bodyPr wrap="square" anchor="t">
-            <a:normAutofit/>
-          </a:bodyPr>
-          <a:lstStyle/>
-          <a:p>
-            <a:r>
-              <a:rPr lang="en-US" dirty="0"/>
-              <a:t>Private Marketplace</a:t>
-            </a:r>
-          </a:p>
-        </p:txBody>
-      </p:sp>
-      <p:graphicFrame>
-        <p:nvGraphicFramePr>
-          <p:cNvPr id="11" name="Content Placeholder 2">
-            <a:extLst>
-              <a:ext uri="{FF2B5EF4-FFF2-40B4-BE49-F238E27FC236}">
-                <a16:creationId xmlns:a16="http://schemas.microsoft.com/office/drawing/2014/main" id="{F05A35D9-D1C5-338E-A24B-63C76BB54E45}"/>
-              </a:ext>
-            </a:extLst>
-          </p:cNvPr>
-          <p:cNvGraphicFramePr>
-            <a:graphicFrameLocks noGrp="1"/>
-          </p:cNvGraphicFramePr>
-          <p:nvPr>
-            <p:ph sz="quarter" idx="10"/>
-            <p:extLst>
-              <p:ext uri="{D42A27DB-BD31-4B8C-83A1-F6EECF244321}">
-                <p14:modId xmlns:p14="http://schemas.microsoft.com/office/powerpoint/2010/main" val="805655330"/>
-              </p:ext>
-            </p:extLst>
-          </p:nvPr>
-        </p:nvGraphicFramePr>
-        <p:xfrm>
-          <a:off x="584200" y="1435100"/>
-          <a:ext cx="11018838" cy="4833938"/>
-        </p:xfrm>
-        <a:graphic>
-          <a:graphicData uri="http://schemas.openxmlformats.org/drawingml/2006/diagram">
-            <dgm:relIds xmlns:dgm="http://schemas.openxmlformats.org/drawingml/2006/diagram" xmlns:r="http://schemas.openxmlformats.org/officeDocument/2006/relationships" r:dm="rId2" r:lo="rId3" r:qs="rId4" r:cs="rId5"/>
-          </a:graphicData>
-        </a:graphic>
-      </p:graphicFrame>
-    </p:spTree>
-    <p:extLst>
-      <p:ext uri="{BB962C8B-B14F-4D97-AF65-F5344CB8AC3E}">
-        <p14:creationId xmlns:p14="http://schemas.microsoft.com/office/powerpoint/2010/main" val="1929971971"/>
-      </p:ext>
-    </p:extLst>
-  </p:cSld>
-  <p:clrMapOvr>
-    <a:masterClrMapping/>
-  </p:clrMapOvr>
-  <p:transition>
-    <p:fade/>
-  </p:transition>
-</p:sld>
-</file>
-
-<file path=ppt/slides/slide19.xml><?xml version="1.0" encoding="utf-8"?>
-<p:sld xmlns:a="http://schemas.openxmlformats.org/drawingml/2006/main" xmlns:r="http://schemas.openxmlformats.org/officeDocument/2006/relationships" xmlns:p="http://schemas.openxmlformats.org/presentationml/2006/main">
-  <p:cSld>
-    <p:spTree>
-      <p:nvGrpSpPr>
-        <p:cNvPr id="1" name=""/>
-        <p:cNvGrpSpPr/>
-        <p:nvPr/>
-      </p:nvGrpSpPr>
-      <p:grpSpPr>
-        <a:xfrm>
-          <a:off x="0" y="0"/>
-          <a:ext cx="0" cy="0"/>
-          <a:chOff x="0" y="0"/>
-          <a:chExt cx="0" cy="0"/>
-        </a:xfrm>
-      </p:grpSpPr>
-      <p:sp>
-        <p:nvSpPr>
-          <p:cNvPr id="2" name="Title 1">
-            <a:extLst>
-              <a:ext uri="{FF2B5EF4-FFF2-40B4-BE49-F238E27FC236}">
-                <a16:creationId xmlns:a16="http://schemas.microsoft.com/office/drawing/2014/main" id="{B98733DD-1422-5649-B7EC-6C22F68294E7}"/>
-              </a:ext>
-            </a:extLst>
-          </p:cNvPr>
-          <p:cNvSpPr>
-            <a:spLocks noGrp="1"/>
-          </p:cNvSpPr>
-          <p:nvPr>
-            <p:ph type="title"/>
-          </p:nvPr>
-        </p:nvSpPr>
-        <p:spPr>
-          <a:xfrm>
-            <a:off x="588263" y="457200"/>
-            <a:ext cx="11018520" cy="553998"/>
-          </a:xfrm>
-        </p:spPr>
-        <p:txBody>
-          <a:bodyPr wrap="square" anchor="t">
-            <a:normAutofit/>
-          </a:bodyPr>
-          <a:lstStyle/>
-          <a:p>
-            <a:r>
-              <a:rPr lang="en-US"/>
-              <a:t>Procurement Management</a:t>
-            </a:r>
-          </a:p>
-        </p:txBody>
-      </p:sp>
-      <p:graphicFrame>
-        <p:nvGraphicFramePr>
-          <p:cNvPr id="5" name="Content Placeholder 2">
-            <a:extLst>
-              <a:ext uri="{FF2B5EF4-FFF2-40B4-BE49-F238E27FC236}">
-                <a16:creationId xmlns:a16="http://schemas.microsoft.com/office/drawing/2014/main" id="{EAD11503-D133-32E7-E133-88CB07DFE0F3}"/>
-              </a:ext>
-            </a:extLst>
-          </p:cNvPr>
-          <p:cNvGraphicFramePr>
-            <a:graphicFrameLocks noGrp="1"/>
-          </p:cNvGraphicFramePr>
-          <p:nvPr>
-            <p:ph sz="quarter" idx="10"/>
-            <p:extLst>
-              <p:ext uri="{D42A27DB-BD31-4B8C-83A1-F6EECF244321}">
-                <p14:modId xmlns:p14="http://schemas.microsoft.com/office/powerpoint/2010/main" val="3857716844"/>
-              </p:ext>
-            </p:extLst>
-          </p:nvPr>
-        </p:nvGraphicFramePr>
-        <p:xfrm>
-          <a:off x="584200" y="1435100"/>
-          <a:ext cx="11018838" cy="4833938"/>
-        </p:xfrm>
-        <a:graphic>
-          <a:graphicData uri="http://schemas.openxmlformats.org/drawingml/2006/diagram">
-            <dgm:relIds xmlns:dgm="http://schemas.openxmlformats.org/drawingml/2006/diagram" xmlns:r="http://schemas.openxmlformats.org/officeDocument/2006/relationships" r:dm="rId2" r:lo="rId3" r:qs="rId4" r:cs="rId5"/>
-          </a:graphicData>
-        </a:graphic>
-      </p:graphicFrame>
-    </p:spTree>
-    <p:extLst>
-      <p:ext uri="{BB962C8B-B14F-4D97-AF65-F5344CB8AC3E}">
-        <p14:creationId xmlns:p14="http://schemas.microsoft.com/office/powerpoint/2010/main" val="3776730813"/>
-      </p:ext>
-    </p:extLst>
-  </p:cSld>
-  <p:clrMapOvr>
-    <a:masterClrMapping/>
-  </p:clrMapOvr>
-  <p:transition>
-    <p:fade/>
-  </p:transition>
 </p:sld>
 </file>
 
@@ -35230,6 +35872,376 @@
           <p:cNvPr id="2" name="Title 1">
             <a:extLst>
               <a:ext uri="{FF2B5EF4-FFF2-40B4-BE49-F238E27FC236}">
+                <a16:creationId xmlns:a16="http://schemas.microsoft.com/office/drawing/2014/main" id="{DD98F413-FA4A-5DAC-66E1-E02E10AE53D2}"/>
+              </a:ext>
+            </a:extLst>
+          </p:cNvPr>
+          <p:cNvSpPr>
+            <a:spLocks noGrp="1"/>
+          </p:cNvSpPr>
+          <p:nvPr>
+            <p:ph type="title"/>
+          </p:nvPr>
+        </p:nvSpPr>
+        <p:spPr/>
+        <p:txBody>
+          <a:bodyPr/>
+          <a:lstStyle/>
+          <a:p>
+            <a:r>
+              <a:rPr lang="en-US">
+                <a:cs typeface="Segoe UI"/>
+              </a:rPr>
+              <a:t>Governance and Procurement management</a:t>
+            </a:r>
+            <a:endParaRPr lang="en-US"/>
+          </a:p>
+        </p:txBody>
+      </p:sp>
+    </p:spTree>
+    <p:extLst>
+      <p:ext uri="{BB962C8B-B14F-4D97-AF65-F5344CB8AC3E}">
+        <p14:creationId xmlns:p14="http://schemas.microsoft.com/office/powerpoint/2010/main" val="2409884957"/>
+      </p:ext>
+    </p:extLst>
+  </p:cSld>
+  <p:clrMapOvr>
+    <a:masterClrMapping/>
+  </p:clrMapOvr>
+  <mc:AlternateContent xmlns:mc="http://schemas.openxmlformats.org/markup-compatibility/2006" xmlns:p14="http://schemas.microsoft.com/office/powerpoint/2010/main">
+    <mc:Choice Requires="p14">
+      <p:transition spd="med" p14:dur="700">
+        <p:fade/>
+      </p:transition>
+    </mc:Choice>
+    <mc:Fallback xmlns="">
+      <p:transition spd="med">
+        <p:fade/>
+      </p:transition>
+    </mc:Fallback>
+  </mc:AlternateContent>
+</p:sld>
+</file>
+
+<file path=ppt/slides/slide21.xml><?xml version="1.0" encoding="utf-8"?>
+<p:sld xmlns:a="http://schemas.openxmlformats.org/drawingml/2006/main" xmlns:r="http://schemas.openxmlformats.org/officeDocument/2006/relationships" xmlns:p="http://schemas.openxmlformats.org/presentationml/2006/main">
+  <p:cSld>
+    <p:spTree>
+      <p:nvGrpSpPr>
+        <p:cNvPr id="1" name=""/>
+        <p:cNvGrpSpPr/>
+        <p:nvPr/>
+      </p:nvGrpSpPr>
+      <p:grpSpPr>
+        <a:xfrm>
+          <a:off x="0" y="0"/>
+          <a:ext cx="0" cy="0"/>
+          <a:chOff x="0" y="0"/>
+          <a:chExt cx="0" cy="0"/>
+        </a:xfrm>
+      </p:grpSpPr>
+      <p:sp>
+        <p:nvSpPr>
+          <p:cNvPr id="2" name="Title 1">
+            <a:extLst>
+              <a:ext uri="{FF2B5EF4-FFF2-40B4-BE49-F238E27FC236}">
+                <a16:creationId xmlns:a16="http://schemas.microsoft.com/office/drawing/2014/main" id="{CFCF5E71-8482-5C4A-1937-62180CED69B1}"/>
+              </a:ext>
+            </a:extLst>
+          </p:cNvPr>
+          <p:cNvSpPr>
+            <a:spLocks noGrp="1"/>
+          </p:cNvSpPr>
+          <p:nvPr>
+            <p:ph type="title"/>
+          </p:nvPr>
+        </p:nvSpPr>
+        <p:spPr>
+          <a:xfrm>
+            <a:off x="588263" y="457200"/>
+            <a:ext cx="11018520" cy="553998"/>
+          </a:xfrm>
+        </p:spPr>
+        <p:txBody>
+          <a:bodyPr wrap="square" anchor="t">
+            <a:normAutofit/>
+          </a:bodyPr>
+          <a:lstStyle/>
+          <a:p>
+            <a:r>
+              <a:rPr lang="en-US"/>
+              <a:t>Governance of Product Inventory</a:t>
+            </a:r>
+          </a:p>
+        </p:txBody>
+      </p:sp>
+      <p:graphicFrame>
+        <p:nvGraphicFramePr>
+          <p:cNvPr id="7" name="Content Placeholder 2">
+            <a:extLst>
+              <a:ext uri="{FF2B5EF4-FFF2-40B4-BE49-F238E27FC236}">
+                <a16:creationId xmlns:a16="http://schemas.microsoft.com/office/drawing/2014/main" id="{A219546F-E536-A279-B526-1AE693C0FEBC}"/>
+              </a:ext>
+            </a:extLst>
+          </p:cNvPr>
+          <p:cNvGraphicFramePr>
+            <a:graphicFrameLocks noGrp="1"/>
+          </p:cNvGraphicFramePr>
+          <p:nvPr>
+            <p:ph sz="quarter" idx="10"/>
+            <p:extLst>
+              <p:ext uri="{D42A27DB-BD31-4B8C-83A1-F6EECF244321}">
+                <p14:modId xmlns:p14="http://schemas.microsoft.com/office/powerpoint/2010/main" val="2761161283"/>
+              </p:ext>
+            </p:extLst>
+          </p:nvPr>
+        </p:nvGraphicFramePr>
+        <p:xfrm>
+          <a:off x="584200" y="1435100"/>
+          <a:ext cx="11018838" cy="4833938"/>
+        </p:xfrm>
+        <a:graphic>
+          <a:graphicData uri="http://schemas.openxmlformats.org/drawingml/2006/diagram">
+            <dgm:relIds xmlns:dgm="http://schemas.openxmlformats.org/drawingml/2006/diagram" xmlns:r="http://schemas.openxmlformats.org/officeDocument/2006/relationships" r:dm="rId3" r:lo="rId4" r:qs="rId5" r:cs="rId6"/>
+          </a:graphicData>
+        </a:graphic>
+      </p:graphicFrame>
+    </p:spTree>
+    <p:extLst>
+      <p:ext uri="{BB962C8B-B14F-4D97-AF65-F5344CB8AC3E}">
+        <p14:creationId xmlns:p14="http://schemas.microsoft.com/office/powerpoint/2010/main" val="3770102974"/>
+      </p:ext>
+    </p:extLst>
+  </p:cSld>
+  <p:clrMapOvr>
+    <a:masterClrMapping/>
+  </p:clrMapOvr>
+  <p:transition>
+    <p:fade/>
+  </p:transition>
+</p:sld>
+</file>
+
+<file path=ppt/slides/slide22.xml><?xml version="1.0" encoding="utf-8"?>
+<p:sld xmlns:a="http://schemas.openxmlformats.org/drawingml/2006/main" xmlns:r="http://schemas.openxmlformats.org/officeDocument/2006/relationships" xmlns:p="http://schemas.openxmlformats.org/presentationml/2006/main">
+  <p:cSld>
+    <p:spTree>
+      <p:nvGrpSpPr>
+        <p:cNvPr id="1" name=""/>
+        <p:cNvGrpSpPr/>
+        <p:nvPr/>
+      </p:nvGrpSpPr>
+      <p:grpSpPr>
+        <a:xfrm>
+          <a:off x="0" y="0"/>
+          <a:ext cx="0" cy="0"/>
+          <a:chOff x="0" y="0"/>
+          <a:chExt cx="0" cy="0"/>
+        </a:xfrm>
+      </p:grpSpPr>
+      <p:sp>
+        <p:nvSpPr>
+          <p:cNvPr id="2" name="Title 1">
+            <a:extLst>
+              <a:ext uri="{FF2B5EF4-FFF2-40B4-BE49-F238E27FC236}">
+                <a16:creationId xmlns:a16="http://schemas.microsoft.com/office/drawing/2014/main" id="{105B6354-2028-24B8-66E1-0D45962243CA}"/>
+              </a:ext>
+            </a:extLst>
+          </p:cNvPr>
+          <p:cNvSpPr>
+            <a:spLocks noGrp="1"/>
+          </p:cNvSpPr>
+          <p:nvPr>
+            <p:ph type="title"/>
+          </p:nvPr>
+        </p:nvSpPr>
+        <p:spPr>
+          <a:xfrm>
+            <a:off x="588263" y="457200"/>
+            <a:ext cx="11018520" cy="553998"/>
+          </a:xfrm>
+        </p:spPr>
+        <p:txBody>
+          <a:bodyPr wrap="square" anchor="t">
+            <a:normAutofit/>
+          </a:bodyPr>
+          <a:lstStyle/>
+          <a:p>
+            <a:r>
+              <a:rPr lang="en-US" dirty="0"/>
+              <a:t>Private Marketplace</a:t>
+            </a:r>
+          </a:p>
+        </p:txBody>
+      </p:sp>
+      <p:graphicFrame>
+        <p:nvGraphicFramePr>
+          <p:cNvPr id="11" name="Content Placeholder 2">
+            <a:extLst>
+              <a:ext uri="{FF2B5EF4-FFF2-40B4-BE49-F238E27FC236}">
+                <a16:creationId xmlns:a16="http://schemas.microsoft.com/office/drawing/2014/main" id="{F05A35D9-D1C5-338E-A24B-63C76BB54E45}"/>
+              </a:ext>
+            </a:extLst>
+          </p:cNvPr>
+          <p:cNvGraphicFramePr>
+            <a:graphicFrameLocks noGrp="1"/>
+          </p:cNvGraphicFramePr>
+          <p:nvPr>
+            <p:ph sz="quarter" idx="10"/>
+            <p:extLst>
+              <p:ext uri="{D42A27DB-BD31-4B8C-83A1-F6EECF244321}">
+                <p14:modId xmlns:p14="http://schemas.microsoft.com/office/powerpoint/2010/main" val="805655330"/>
+              </p:ext>
+            </p:extLst>
+          </p:nvPr>
+        </p:nvGraphicFramePr>
+        <p:xfrm>
+          <a:off x="584200" y="1435100"/>
+          <a:ext cx="11018838" cy="4833938"/>
+        </p:xfrm>
+        <a:graphic>
+          <a:graphicData uri="http://schemas.openxmlformats.org/drawingml/2006/diagram">
+            <dgm:relIds xmlns:dgm="http://schemas.openxmlformats.org/drawingml/2006/diagram" xmlns:r="http://schemas.openxmlformats.org/officeDocument/2006/relationships" r:dm="rId2" r:lo="rId3" r:qs="rId4" r:cs="rId5"/>
+          </a:graphicData>
+        </a:graphic>
+      </p:graphicFrame>
+    </p:spTree>
+    <p:extLst>
+      <p:ext uri="{BB962C8B-B14F-4D97-AF65-F5344CB8AC3E}">
+        <p14:creationId xmlns:p14="http://schemas.microsoft.com/office/powerpoint/2010/main" val="1929971971"/>
+      </p:ext>
+    </p:extLst>
+  </p:cSld>
+  <p:clrMapOvr>
+    <a:masterClrMapping/>
+  </p:clrMapOvr>
+  <p:transition>
+    <p:fade/>
+  </p:transition>
+</p:sld>
+</file>
+
+<file path=ppt/slides/slide23.xml><?xml version="1.0" encoding="utf-8"?>
+<p:sld xmlns:a="http://schemas.openxmlformats.org/drawingml/2006/main" xmlns:r="http://schemas.openxmlformats.org/officeDocument/2006/relationships" xmlns:p="http://schemas.openxmlformats.org/presentationml/2006/main">
+  <p:cSld>
+    <p:spTree>
+      <p:nvGrpSpPr>
+        <p:cNvPr id="1" name=""/>
+        <p:cNvGrpSpPr/>
+        <p:nvPr/>
+      </p:nvGrpSpPr>
+      <p:grpSpPr>
+        <a:xfrm>
+          <a:off x="0" y="0"/>
+          <a:ext cx="0" cy="0"/>
+          <a:chOff x="0" y="0"/>
+          <a:chExt cx="0" cy="0"/>
+        </a:xfrm>
+      </p:grpSpPr>
+      <p:sp>
+        <p:nvSpPr>
+          <p:cNvPr id="2" name="Title 1">
+            <a:extLst>
+              <a:ext uri="{FF2B5EF4-FFF2-40B4-BE49-F238E27FC236}">
+                <a16:creationId xmlns:a16="http://schemas.microsoft.com/office/drawing/2014/main" id="{B98733DD-1422-5649-B7EC-6C22F68294E7}"/>
+              </a:ext>
+            </a:extLst>
+          </p:cNvPr>
+          <p:cNvSpPr>
+            <a:spLocks noGrp="1"/>
+          </p:cNvSpPr>
+          <p:nvPr>
+            <p:ph type="title"/>
+          </p:nvPr>
+        </p:nvSpPr>
+        <p:spPr>
+          <a:xfrm>
+            <a:off x="588263" y="457200"/>
+            <a:ext cx="11018520" cy="553998"/>
+          </a:xfrm>
+        </p:spPr>
+        <p:txBody>
+          <a:bodyPr wrap="square" anchor="t">
+            <a:normAutofit/>
+          </a:bodyPr>
+          <a:lstStyle/>
+          <a:p>
+            <a:r>
+              <a:rPr lang="en-US"/>
+              <a:t>Procurement Management</a:t>
+            </a:r>
+          </a:p>
+        </p:txBody>
+      </p:sp>
+      <p:graphicFrame>
+        <p:nvGraphicFramePr>
+          <p:cNvPr id="5" name="Content Placeholder 2">
+            <a:extLst>
+              <a:ext uri="{FF2B5EF4-FFF2-40B4-BE49-F238E27FC236}">
+                <a16:creationId xmlns:a16="http://schemas.microsoft.com/office/drawing/2014/main" id="{EAD11503-D133-32E7-E133-88CB07DFE0F3}"/>
+              </a:ext>
+            </a:extLst>
+          </p:cNvPr>
+          <p:cNvGraphicFramePr>
+            <a:graphicFrameLocks noGrp="1"/>
+          </p:cNvGraphicFramePr>
+          <p:nvPr>
+            <p:ph sz="quarter" idx="10"/>
+            <p:extLst>
+              <p:ext uri="{D42A27DB-BD31-4B8C-83A1-F6EECF244321}">
+                <p14:modId xmlns:p14="http://schemas.microsoft.com/office/powerpoint/2010/main" val="3857716844"/>
+              </p:ext>
+            </p:extLst>
+          </p:nvPr>
+        </p:nvGraphicFramePr>
+        <p:xfrm>
+          <a:off x="584200" y="1435100"/>
+          <a:ext cx="11018838" cy="4833938"/>
+        </p:xfrm>
+        <a:graphic>
+          <a:graphicData uri="http://schemas.openxmlformats.org/drawingml/2006/diagram">
+            <dgm:relIds xmlns:dgm="http://schemas.openxmlformats.org/drawingml/2006/diagram" xmlns:r="http://schemas.openxmlformats.org/officeDocument/2006/relationships" r:dm="rId2" r:lo="rId3" r:qs="rId4" r:cs="rId5"/>
+          </a:graphicData>
+        </a:graphic>
+      </p:graphicFrame>
+    </p:spTree>
+    <p:extLst>
+      <p:ext uri="{BB962C8B-B14F-4D97-AF65-F5344CB8AC3E}">
+        <p14:creationId xmlns:p14="http://schemas.microsoft.com/office/powerpoint/2010/main" val="3776730813"/>
+      </p:ext>
+    </p:extLst>
+  </p:cSld>
+  <p:clrMapOvr>
+    <a:masterClrMapping/>
+  </p:clrMapOvr>
+  <p:transition>
+    <p:fade/>
+  </p:transition>
+</p:sld>
+</file>
+
+<file path=ppt/slides/slide24.xml><?xml version="1.0" encoding="utf-8"?>
+<p:sld xmlns:a="http://schemas.openxmlformats.org/drawingml/2006/main" xmlns:r="http://schemas.openxmlformats.org/officeDocument/2006/relationships" xmlns:p="http://schemas.openxmlformats.org/presentationml/2006/main">
+  <p:cSld>
+    <p:spTree>
+      <p:nvGrpSpPr>
+        <p:cNvPr id="1" name=""/>
+        <p:cNvGrpSpPr/>
+        <p:nvPr/>
+      </p:nvGrpSpPr>
+      <p:grpSpPr>
+        <a:xfrm>
+          <a:off x="0" y="0"/>
+          <a:ext cx="0" cy="0"/>
+          <a:chOff x="0" y="0"/>
+          <a:chExt cx="0" cy="0"/>
+        </a:xfrm>
+      </p:grpSpPr>
+      <p:sp>
+        <p:nvSpPr>
+          <p:cNvPr id="2" name="Title 1">
+            <a:extLst>
+              <a:ext uri="{FF2B5EF4-FFF2-40B4-BE49-F238E27FC236}">
                 <a16:creationId xmlns:a16="http://schemas.microsoft.com/office/drawing/2014/main" id="{4F2E3601-0348-0AC8-926D-2963A6EBDE54}"/>
               </a:ext>
             </a:extLst>
@@ -35344,7 +36356,7 @@
 </p:sld>
 </file>
 
-<file path=ppt/slides/slide21.xml><?xml version="1.0" encoding="utf-8"?>
+<file path=ppt/slides/slide25.xml><?xml version="1.0" encoding="utf-8"?>
 <p:sld xmlns:a="http://schemas.openxmlformats.org/drawingml/2006/main" xmlns:r="http://schemas.openxmlformats.org/officeDocument/2006/relationships" xmlns:p="http://schemas.openxmlformats.org/presentationml/2006/main">
   <p:cSld>
     <p:spTree>
@@ -35454,7 +36466,7 @@
 </p:sld>
 </file>
 
-<file path=ppt/slides/slide22.xml><?xml version="1.0" encoding="utf-8"?>
+<file path=ppt/slides/slide26.xml><?xml version="1.0" encoding="utf-8"?>
 <p:sld xmlns:a="http://schemas.openxmlformats.org/drawingml/2006/main" xmlns:r="http://schemas.openxmlformats.org/officeDocument/2006/relationships" xmlns:p="http://schemas.openxmlformats.org/presentationml/2006/main">
   <p:cSld>
     <p:spTree>
@@ -40113,35 +41125,35 @@
           <p:nvPr>
             <p:extLst>
               <p:ext uri="{D42A27DB-BD31-4B8C-83A1-F6EECF244321}">
-                <p14:modId xmlns:p14="http://schemas.microsoft.com/office/powerpoint/2010/main" val="2643932422"/>
+                <p14:modId xmlns:p14="http://schemas.microsoft.com/office/powerpoint/2010/main" val="123777173"/>
               </p:ext>
             </p:extLst>
           </p:nvPr>
         </p:nvGraphicFramePr>
         <p:xfrm>
           <a:off x="4027715" y="3242233"/>
-          <a:ext cx="8117153" cy="3005328"/>
+          <a:ext cx="8097610" cy="3639312"/>
         </p:xfrm>
         <a:graphic>
           <a:graphicData uri="http://schemas.openxmlformats.org/drawingml/2006/table">
             <a:tbl>
               <a:tblPr/>
               <a:tblGrid>
-                <a:gridCol w="1982146">
+                <a:gridCol w="1909446">
                   <a:extLst>
                     <a:ext uri="{9D8B030D-6E8A-4147-A177-3AD203B41FA5}">
                       <a16:colId xmlns:a16="http://schemas.microsoft.com/office/drawing/2014/main" val="1070106141"/>
                     </a:ext>
                   </a:extLst>
                 </a:gridCol>
-                <a:gridCol w="2293961">
+                <a:gridCol w="2822861">
                   <a:extLst>
                     <a:ext uri="{9D8B030D-6E8A-4147-A177-3AD203B41FA5}">
                       <a16:colId xmlns:a16="http://schemas.microsoft.com/office/drawing/2014/main" val="1928585651"/>
                     </a:ext>
                   </a:extLst>
                 </a:gridCol>
-                <a:gridCol w="3841046">
+                <a:gridCol w="3365303">
                   <a:extLst>
                     <a:ext uri="{9D8B030D-6E8A-4147-A177-3AD203B41FA5}">
                       <a16:colId xmlns:a16="http://schemas.microsoft.com/office/drawing/2014/main" val="4174341124"/>
@@ -40800,7 +41812,7 @@
                     <a:p>
                       <a:pPr algn="l" fontAlgn="b"/>
                       <a:r>
-                        <a:rPr lang="en-US" sz="1600">
+                        <a:rPr lang="en-US" sz="1600" dirty="0">
                           <a:solidFill>
                             <a:schemeClr val="tx1"/>
                           </a:solidFill>
@@ -40868,7 +41880,7 @@
                             <a:schemeClr val="tx2"/>
                           </a:solidFill>
                         </a:rPr>
-                        <a:t>Lab – </a:t>
+                        <a:t>Private offers overview </a:t>
                       </a:r>
                     </a:p>
                   </a:txBody>
@@ -41188,12 +42200,12 @@
                     <a:p>
                       <a:pPr algn="l" fontAlgn="b"/>
                       <a:r>
-                        <a:rPr lang="en-US" sz="1600">
+                        <a:rPr lang="en-US" sz="1600" dirty="0">
                           <a:solidFill>
                             <a:schemeClr val="tx1"/>
                           </a:solidFill>
                         </a:rPr>
-                        <a:t>165 minutes</a:t>
+                        <a:t>60 minutes</a:t>
                       </a:r>
                     </a:p>
                   </a:txBody>
@@ -41258,7 +42270,7 @@
                             <a:schemeClr val="tx2"/>
                           </a:solidFill>
                         </a:rPr>
-                        <a:t>Setting up a private Azure Marketplace</a:t>
+                        <a:t>Private Marketplace overview </a:t>
                       </a:r>
                     </a:p>
                   </a:txBody>
@@ -41319,7 +42331,215 @@
                     <a:p>
                       <a:pPr algn="l" fontAlgn="b"/>
                       <a:r>
-                        <a:rPr lang="en-US" sz="1600" b="1">
+                        <a:rPr lang="en-US" sz="1600" b="1" dirty="0">
+                          <a:solidFill>
+                            <a:schemeClr val="tx1"/>
+                          </a:solidFill>
+                        </a:rPr>
+                        <a:t>13:45</a:t>
+                      </a:r>
+                    </a:p>
+                  </a:txBody>
+                  <a:tcPr marR="45720" marT="73152" marB="73152" anchor="ctr">
+                    <a:lnL w="6350" cap="flat" cmpd="sng" algn="ctr">
+                      <a:noFill/>
+                      <a:prstDash val="solid"/>
+                      <a:round/>
+                      <a:headEnd type="none" w="med" len="med"/>
+                      <a:tailEnd type="none" w="med" len="med"/>
+                    </a:lnL>
+                    <a:lnR w="6350" cap="flat" cmpd="sng" algn="ctr">
+                      <a:noFill/>
+                      <a:prstDash val="solid"/>
+                      <a:round/>
+                      <a:headEnd type="none" w="med" len="med"/>
+                      <a:tailEnd type="none" w="med" len="med"/>
+                    </a:lnR>
+                    <a:lnT w="3175" cap="flat" cmpd="sng" algn="ctr">
+                      <a:solidFill>
+                        <a:schemeClr val="bg1">
+                          <a:lumMod val="75000"/>
+                        </a:schemeClr>
+                      </a:solidFill>
+                      <a:prstDash val="solid"/>
+                      <a:round/>
+                      <a:headEnd type="none" w="med" len="med"/>
+                      <a:tailEnd type="none" w="med" len="med"/>
+                    </a:lnT>
+                    <a:lnB w="3175" cap="flat" cmpd="sng" algn="ctr">
+                      <a:solidFill>
+                        <a:schemeClr val="bg1">
+                          <a:lumMod val="75000"/>
+                        </a:schemeClr>
+                      </a:solidFill>
+                      <a:prstDash val="solid"/>
+                      <a:round/>
+                      <a:headEnd type="none" w="med" len="med"/>
+                      <a:tailEnd type="none" w="med" len="med"/>
+                    </a:lnB>
+                    <a:lnTlToBr w="12700" cmpd="sng">
+                      <a:noFill/>
+                      <a:prstDash val="solid"/>
+                    </a:lnTlToBr>
+                    <a:lnBlToTr w="12700" cmpd="sng">
+                      <a:noFill/>
+                      <a:prstDash val="solid"/>
+                    </a:lnBlToTr>
+                  </a:tcPr>
+                </a:tc>
+                <a:tc>
+                  <a:txBody>
+                    <a:bodyPr/>
+                    <a:lstStyle/>
+                    <a:p>
+                      <a:pPr algn="l" fontAlgn="b"/>
+                      <a:r>
+                        <a:rPr lang="en-US" sz="1600" dirty="0">
+                          <a:solidFill>
+                            <a:schemeClr val="tx1"/>
+                          </a:solidFill>
+                        </a:rPr>
+                        <a:t>105 minutes</a:t>
+                      </a:r>
+                    </a:p>
+                  </a:txBody>
+                  <a:tcPr marR="45720" marT="73152" marB="73152" anchor="ctr">
+                    <a:lnL w="6350" cap="flat" cmpd="sng" algn="ctr">
+                      <a:noFill/>
+                      <a:prstDash val="solid"/>
+                      <a:round/>
+                      <a:headEnd type="none" w="med" len="med"/>
+                      <a:tailEnd type="none" w="med" len="med"/>
+                    </a:lnL>
+                    <a:lnR w="6350" cap="flat" cmpd="sng" algn="ctr">
+                      <a:noFill/>
+                      <a:prstDash val="solid"/>
+                      <a:round/>
+                      <a:headEnd type="none" w="med" len="med"/>
+                      <a:tailEnd type="none" w="med" len="med"/>
+                    </a:lnR>
+                    <a:lnT w="3175" cap="flat" cmpd="sng" algn="ctr">
+                      <a:solidFill>
+                        <a:schemeClr val="bg1">
+                          <a:lumMod val="75000"/>
+                        </a:schemeClr>
+                      </a:solidFill>
+                      <a:prstDash val="solid"/>
+                      <a:round/>
+                      <a:headEnd type="none" w="med" len="med"/>
+                      <a:tailEnd type="none" w="med" len="med"/>
+                    </a:lnT>
+                    <a:lnB w="3175" cap="flat" cmpd="sng" algn="ctr">
+                      <a:solidFill>
+                        <a:schemeClr val="bg1">
+                          <a:lumMod val="75000"/>
+                        </a:schemeClr>
+                      </a:solidFill>
+                      <a:prstDash val="solid"/>
+                      <a:round/>
+                      <a:headEnd type="none" w="med" len="med"/>
+                      <a:tailEnd type="none" w="med" len="med"/>
+                    </a:lnB>
+                    <a:lnTlToBr w="12700" cmpd="sng">
+                      <a:noFill/>
+                      <a:prstDash val="solid"/>
+                    </a:lnTlToBr>
+                    <a:lnBlToTr w="12700" cmpd="sng">
+                      <a:noFill/>
+                      <a:prstDash val="solid"/>
+                    </a:lnBlToTr>
+                  </a:tcPr>
+                </a:tc>
+                <a:tc>
+                  <a:txBody>
+                    <a:bodyPr/>
+                    <a:lstStyle/>
+                    <a:p>
+                      <a:pPr marL="0" marR="0" lvl="0" indent="0" algn="l" defTabSz="932742" rtl="0" eaLnBrk="1" fontAlgn="auto" latinLnBrk="0" hangingPunct="1">
+                        <a:lnSpc>
+                          <a:spcPct val="100000"/>
+                        </a:lnSpc>
+                        <a:spcBef>
+                          <a:spcPts val="0"/>
+                        </a:spcBef>
+                        <a:spcAft>
+                          <a:spcPts val="0"/>
+                        </a:spcAft>
+                        <a:buClrTx/>
+                        <a:buSzTx/>
+                        <a:buFontTx/>
+                        <a:buNone/>
+                        <a:tabLst/>
+                        <a:defRPr/>
+                      </a:pPr>
+                      <a:r>
+                        <a:rPr lang="en-US" sz="1600" dirty="0">
+                          <a:solidFill>
+                            <a:schemeClr val="tx2"/>
+                          </a:solidFill>
+                        </a:rPr>
+                        <a:t>Lab - Setting up and using a private Marketplace </a:t>
+                      </a:r>
+                    </a:p>
+                  </a:txBody>
+                  <a:tcPr marR="45720" marT="73152" marB="73152" anchor="ctr">
+                    <a:lnL w="6350" cap="flat" cmpd="sng" algn="ctr">
+                      <a:noFill/>
+                      <a:prstDash val="solid"/>
+                      <a:round/>
+                      <a:headEnd type="none" w="med" len="med"/>
+                      <a:tailEnd type="none" w="med" len="med"/>
+                    </a:lnL>
+                    <a:lnR w="6350" cap="flat" cmpd="sng" algn="ctr">
+                      <a:noFill/>
+                      <a:prstDash val="solid"/>
+                      <a:round/>
+                      <a:headEnd type="none" w="med" len="med"/>
+                      <a:tailEnd type="none" w="med" len="med"/>
+                    </a:lnR>
+                    <a:lnT w="3175" cap="flat" cmpd="sng" algn="ctr">
+                      <a:solidFill>
+                        <a:schemeClr val="tx2"/>
+                      </a:solidFill>
+                      <a:prstDash val="lgDash"/>
+                      <a:round/>
+                      <a:headEnd type="none" w="med" len="med"/>
+                      <a:tailEnd type="none" w="med" len="med"/>
+                    </a:lnT>
+                    <a:lnB w="3175" cap="flat" cmpd="sng" algn="ctr">
+                      <a:solidFill>
+                        <a:schemeClr val="tx2"/>
+                      </a:solidFill>
+                      <a:prstDash val="lgDash"/>
+                      <a:round/>
+                      <a:headEnd type="none" w="med" len="med"/>
+                      <a:tailEnd type="none" w="med" len="med"/>
+                    </a:lnB>
+                    <a:lnTlToBr w="12700" cmpd="sng">
+                      <a:noFill/>
+                      <a:prstDash val="solid"/>
+                    </a:lnTlToBr>
+                    <a:lnBlToTr w="12700" cmpd="sng">
+                      <a:noFill/>
+                      <a:prstDash val="solid"/>
+                    </a:lnBlToTr>
+                  </a:tcPr>
+                </a:tc>
+                <a:extLst>
+                  <a:ext uri="{0D108BD9-81ED-4DB2-BD59-A6C34878D82A}">
+                    <a16:rowId xmlns:a16="http://schemas.microsoft.com/office/drawing/2014/main" val="2013727797"/>
+                  </a:ext>
+                </a:extLst>
+              </a:tr>
+              <a:tr h="0">
+                <a:tc>
+                  <a:txBody>
+                    <a:bodyPr/>
+                    <a:lstStyle/>
+                    <a:p>
+                      <a:pPr algn="l" fontAlgn="b"/>
+                      <a:r>
+                        <a:rPr lang="en-US" sz="1600" b="1" dirty="0">
                           <a:solidFill>
                             <a:schemeClr val="tx1"/>
                           </a:solidFill>
@@ -41376,22 +42596,30 @@
                     <a:bodyPr/>
                     <a:lstStyle/>
                     <a:p>
-                      <a:pPr algn="l" fontAlgn="b"/>
+                      <a:pPr marL="0" marR="0" lvl="0" indent="0" algn="l" defTabSz="932742" rtl="0" eaLnBrk="1" fontAlgn="b" latinLnBrk="0" hangingPunct="1">
+                        <a:lnSpc>
+                          <a:spcPct val="100000"/>
+                        </a:lnSpc>
+                        <a:spcBef>
+                          <a:spcPts val="0"/>
+                        </a:spcBef>
+                        <a:spcAft>
+                          <a:spcPts val="0"/>
+                        </a:spcAft>
+                        <a:buClrTx/>
+                        <a:buSzTx/>
+                        <a:buFontTx/>
+                        <a:buNone/>
+                        <a:tabLst/>
+                        <a:defRPr/>
+                      </a:pPr>
                       <a:r>
-                        <a:rPr lang="en-US" sz="1600">
+                        <a:rPr lang="en-US" sz="1600" dirty="0">
                           <a:solidFill>
                             <a:schemeClr val="tx1"/>
                           </a:solidFill>
                         </a:rPr>
-                        <a:t> 20 </a:t>
-                      </a:r>
-                      <a:r>
-                        <a:rPr lang="en-US" sz="1600" err="1">
-                          <a:solidFill>
-                            <a:schemeClr val="tx1"/>
-                          </a:solidFill>
-                        </a:rPr>
-                        <a:t>minues</a:t>
+                        <a:t> 20 minutes</a:t>
                       </a:r>
                     </a:p>
                   </a:txBody>
@@ -41452,7 +42680,7 @@
                             <a:schemeClr val="tx2"/>
                           </a:solidFill>
                         </a:rPr>
-                        <a:t>Wrap-up </a:t>
+                        <a:t>Wrap-up</a:t>
                       </a:r>
                     </a:p>
                   </a:txBody>
@@ -41499,7 +42727,7 @@
                 </a:tc>
                 <a:extLst>
                   <a:ext uri="{0D108BD9-81ED-4DB2-BD59-A6C34878D82A}">
-                    <a16:rowId xmlns:a16="http://schemas.microsoft.com/office/drawing/2014/main" val="2013727797"/>
+                    <a16:rowId xmlns:a16="http://schemas.microsoft.com/office/drawing/2014/main" val="456057151"/>
                   </a:ext>
                 </a:extLst>
               </a:tr>
@@ -41527,6 +42755,2466 @@
 </file>
 
 <file path=ppt/slides/slide6.xml><?xml version="1.0" encoding="utf-8"?>
+<p:sld xmlns:a="http://schemas.openxmlformats.org/drawingml/2006/main" xmlns:r="http://schemas.openxmlformats.org/officeDocument/2006/relationships" xmlns:p="http://schemas.openxmlformats.org/presentationml/2006/main">
+  <p:cSld>
+    <p:spTree>
+      <p:nvGrpSpPr>
+        <p:cNvPr id="1" name=""/>
+        <p:cNvGrpSpPr/>
+        <p:nvPr/>
+      </p:nvGrpSpPr>
+      <p:grpSpPr>
+        <a:xfrm>
+          <a:off x="0" y="0"/>
+          <a:ext cx="0" cy="0"/>
+          <a:chOff x="0" y="0"/>
+          <a:chExt cx="0" cy="0"/>
+        </a:xfrm>
+      </p:grpSpPr>
+      <p:graphicFrame>
+        <p:nvGraphicFramePr>
+          <p:cNvPr id="6" name="Object 5" hidden="1">
+            <a:extLst>
+              <a:ext uri="{FF2B5EF4-FFF2-40B4-BE49-F238E27FC236}">
+                <a16:creationId xmlns:a16="http://schemas.microsoft.com/office/drawing/2014/main" id="{3EA76A25-0FDA-3E13-F3C0-3A6315421878}"/>
+              </a:ext>
+            </a:extLst>
+          </p:cNvPr>
+          <p:cNvGraphicFramePr>
+            <a:graphicFrameLocks noChangeAspect="1"/>
+          </p:cNvGraphicFramePr>
+          <p:nvPr>
+            <p:custDataLst>
+              <p:tags r:id="rId2"/>
+            </p:custDataLst>
+          </p:nvPr>
+        </p:nvGraphicFramePr>
+        <p:xfrm>
+          <a:off x="1588" y="1588"/>
+          <a:ext cx="1588" cy="1588"/>
+        </p:xfrm>
+        <a:graphic>
+          <a:graphicData uri="http://schemas.openxmlformats.org/presentationml/2006/ole">
+            <mc:AlternateContent xmlns:mc="http://schemas.openxmlformats.org/markup-compatibility/2006">
+              <mc:Choice xmlns:v="urn:schemas-microsoft-com:vml" Requires="v">
+                <p:oleObj name="think-cell Slide" r:id="rId5" imgW="425" imgH="424" progId="TCLayout.ActiveDocument.1">
+                  <p:embed/>
+                </p:oleObj>
+              </mc:Choice>
+              <mc:Fallback>
+                <p:oleObj name="think-cell Slide" r:id="rId5" imgW="425" imgH="424" progId="TCLayout.ActiveDocument.1">
+                  <p:embed/>
+                  <p:pic>
+                    <p:nvPicPr>
+                      <p:cNvPr id="6" name="Object 5" hidden="1">
+                        <a:extLst>
+                          <a:ext uri="{FF2B5EF4-FFF2-40B4-BE49-F238E27FC236}">
+                            <a16:creationId xmlns:a16="http://schemas.microsoft.com/office/drawing/2014/main" id="{3EA76A25-0FDA-3E13-F3C0-3A6315421878}"/>
+                          </a:ext>
+                        </a:extLst>
+                      </p:cNvPr>
+                      <p:cNvPicPr/>
+                      <p:nvPr/>
+                    </p:nvPicPr>
+                    <p:blipFill>
+                      <a:blip r:embed="rId6"/>
+                      <a:stretch>
+                        <a:fillRect/>
+                      </a:stretch>
+                    </p:blipFill>
+                    <p:spPr>
+                      <a:xfrm>
+                        <a:off x="1588" y="1588"/>
+                        <a:ext cx="1588" cy="1588"/>
+                      </a:xfrm>
+                      <a:prstGeom prst="rect">
+                        <a:avLst/>
+                      </a:prstGeom>
+                    </p:spPr>
+                  </p:pic>
+                </p:oleObj>
+              </mc:Fallback>
+            </mc:AlternateContent>
+          </a:graphicData>
+        </a:graphic>
+      </p:graphicFrame>
+      <p:sp>
+        <p:nvSpPr>
+          <p:cNvPr id="9" name="Rectangle: Single Corner Rounded 8">
+            <a:extLst>
+              <a:ext uri="{FF2B5EF4-FFF2-40B4-BE49-F238E27FC236}">
+                <a16:creationId xmlns:a16="http://schemas.microsoft.com/office/drawing/2014/main" id="{6BDC4CFE-BCC4-DF0A-B73A-86DADF57C607}"/>
+              </a:ext>
+            </a:extLst>
+          </p:cNvPr>
+          <p:cNvSpPr/>
+          <p:nvPr/>
+        </p:nvSpPr>
+        <p:spPr bwMode="auto">
+          <a:xfrm flipH="1">
+            <a:off x="8023122" y="292100"/>
+            <a:ext cx="4168877" cy="6565900"/>
+          </a:xfrm>
+          <a:prstGeom prst="round1Rect">
+            <a:avLst>
+              <a:gd name="adj" fmla="val 5009"/>
+            </a:avLst>
+          </a:prstGeom>
+          <a:solidFill>
+            <a:schemeClr val="bg1"/>
+          </a:solidFill>
+          <a:ln>
+            <a:noFill/>
+            <a:headEnd type="none" w="med" len="med"/>
+            <a:tailEnd type="none" w="med" len="med"/>
+          </a:ln>
+          <a:effectLst>
+            <a:outerShdw blurRad="50800" algn="ctr" rotWithShape="0">
+              <a:prstClr val="black">
+                <a:alpha val="15000"/>
+              </a:prstClr>
+            </a:outerShdw>
+          </a:effectLst>
+        </p:spPr>
+        <p:style>
+          <a:lnRef idx="1">
+            <a:schemeClr val="accent2"/>
+          </a:lnRef>
+          <a:fillRef idx="3">
+            <a:schemeClr val="accent2"/>
+          </a:fillRef>
+          <a:effectRef idx="2">
+            <a:schemeClr val="accent2"/>
+          </a:effectRef>
+          <a:fontRef idx="minor">
+            <a:schemeClr val="lt1"/>
+          </a:fontRef>
+        </p:style>
+        <p:txBody>
+          <a:bodyPr rot="0" spcFirstLastPara="0" vertOverflow="overflow" horzOverflow="overflow" vert="horz" wrap="square" lIns="182880" tIns="146304" rIns="182880" bIns="146304" numCol="1" spcCol="0" rtlCol="0" fromWordArt="0" anchor="t" anchorCtr="0" forceAA="0" compatLnSpc="1">
+            <a:prstTxWarp prst="textNoShape">
+              <a:avLst/>
+            </a:prstTxWarp>
+            <a:noAutofit/>
+          </a:bodyPr>
+          <a:lstStyle/>
+          <a:p>
+            <a:pPr defTabSz="932472" fontAlgn="base">
+              <a:spcBef>
+                <a:spcPct val="0"/>
+              </a:spcBef>
+              <a:spcAft>
+                <a:spcPct val="0"/>
+              </a:spcAft>
+            </a:pPr>
+            <a:endParaRPr lang="en-US" sz="2000" err="1">
+              <a:solidFill>
+                <a:srgbClr val="FFFFFF"/>
+              </a:solidFill>
+              <a:cs typeface="Segoe UI" pitchFamily="34" charset="0"/>
+            </a:endParaRPr>
+          </a:p>
+        </p:txBody>
+      </p:sp>
+      <p:sp>
+        <p:nvSpPr>
+          <p:cNvPr id="2" name="Rectangle: Top Corners Rounded 1">
+            <a:extLst>
+              <a:ext uri="{FF2B5EF4-FFF2-40B4-BE49-F238E27FC236}">
+                <a16:creationId xmlns:a16="http://schemas.microsoft.com/office/drawing/2014/main" id="{AD8A4A21-7957-6BF3-8AA5-D8826A66E7DA}"/>
+              </a:ext>
+            </a:extLst>
+          </p:cNvPr>
+          <p:cNvSpPr/>
+          <p:nvPr/>
+        </p:nvSpPr>
+        <p:spPr bwMode="auto">
+          <a:xfrm rot="5400000">
+            <a:off x="-1485900" y="1552575"/>
+            <a:ext cx="6858000" cy="3752850"/>
+          </a:xfrm>
+          <a:prstGeom prst="round2SameRect">
+            <a:avLst>
+              <a:gd name="adj1" fmla="val 6555"/>
+              <a:gd name="adj2" fmla="val 0"/>
+            </a:avLst>
+          </a:prstGeom>
+          <a:solidFill>
+            <a:schemeClr val="accent1">
+              <a:lumMod val="50000"/>
+            </a:schemeClr>
+          </a:solidFill>
+          <a:ln>
+            <a:noFill/>
+            <a:headEnd type="none" w="med" len="med"/>
+            <a:tailEnd type="none" w="med" len="med"/>
+          </a:ln>
+          <a:effectLst/>
+        </p:spPr>
+        <p:style>
+          <a:lnRef idx="1">
+            <a:schemeClr val="accent2"/>
+          </a:lnRef>
+          <a:fillRef idx="3">
+            <a:schemeClr val="accent2"/>
+          </a:fillRef>
+          <a:effectRef idx="2">
+            <a:schemeClr val="accent2"/>
+          </a:effectRef>
+          <a:fontRef idx="minor">
+            <a:schemeClr val="lt1"/>
+          </a:fontRef>
+        </p:style>
+        <p:txBody>
+          <a:bodyPr rot="0" spcFirstLastPara="0" vertOverflow="overflow" horzOverflow="overflow" vert="horz" wrap="square" lIns="182880" tIns="146304" rIns="182880" bIns="146304" numCol="1" spcCol="0" rtlCol="0" fromWordArt="0" anchor="t" anchorCtr="0" forceAA="0" compatLnSpc="1">
+            <a:prstTxWarp prst="textNoShape">
+              <a:avLst/>
+            </a:prstTxWarp>
+            <a:noAutofit/>
+          </a:bodyPr>
+          <a:lstStyle/>
+          <a:p>
+            <a:pPr algn="l" defTabSz="932472" fontAlgn="base">
+              <a:spcBef>
+                <a:spcPct val="0"/>
+              </a:spcBef>
+              <a:spcAft>
+                <a:spcPct val="0"/>
+              </a:spcAft>
+            </a:pPr>
+            <a:endParaRPr lang="en-US" sz="2000" err="1">
+              <a:solidFill>
+                <a:srgbClr val="FFFFFF"/>
+              </a:solidFill>
+              <a:ea typeface="Segoe UI" pitchFamily="34" charset="0"/>
+              <a:cs typeface="Segoe UI" pitchFamily="34" charset="0"/>
+            </a:endParaRPr>
+          </a:p>
+        </p:txBody>
+      </p:sp>
+      <p:pic>
+        <p:nvPicPr>
+          <p:cNvPr id="3" name="Picture 2" descr="Background pattern&#10;&#10;Description automatically generated">
+            <a:extLst>
+              <a:ext uri="{FF2B5EF4-FFF2-40B4-BE49-F238E27FC236}">
+                <a16:creationId xmlns:a16="http://schemas.microsoft.com/office/drawing/2014/main" id="{40AAB784-6E2F-E05F-E3E5-3BCC3C4EF7D7}"/>
+              </a:ext>
+            </a:extLst>
+          </p:cNvPr>
+          <p:cNvPicPr>
+            <a:picLocks noChangeAspect="1"/>
+          </p:cNvPicPr>
+          <p:nvPr/>
+        </p:nvPicPr>
+        <p:blipFill rotWithShape="1">
+          <a:blip r:embed="rId7"/>
+          <a:srcRect l="34609" r="34609"/>
+          <a:stretch/>
+        </p:blipFill>
+        <p:spPr>
+          <a:xfrm>
+            <a:off x="0" y="1"/>
+            <a:ext cx="3752850" cy="6857999"/>
+          </a:xfrm>
+          <a:custGeom>
+            <a:avLst/>
+            <a:gdLst>
+              <a:gd name="connsiteX0" fmla="*/ 0 w 3752850"/>
+              <a:gd name="connsiteY0" fmla="*/ 0 h 6857999"/>
+              <a:gd name="connsiteX1" fmla="*/ 3506851 w 3752850"/>
+              <a:gd name="connsiteY1" fmla="*/ 0 h 6857999"/>
+              <a:gd name="connsiteX2" fmla="*/ 3752850 w 3752850"/>
+              <a:gd name="connsiteY2" fmla="*/ 245999 h 6857999"/>
+              <a:gd name="connsiteX3" fmla="*/ 3752850 w 3752850"/>
+              <a:gd name="connsiteY3" fmla="*/ 6612001 h 6857999"/>
+              <a:gd name="connsiteX4" fmla="*/ 3556429 w 3752850"/>
+              <a:gd name="connsiteY4" fmla="*/ 6853002 h 6857999"/>
+              <a:gd name="connsiteX5" fmla="*/ 3506861 w 3752850"/>
+              <a:gd name="connsiteY5" fmla="*/ 6857999 h 6857999"/>
+              <a:gd name="connsiteX6" fmla="*/ 0 w 3752850"/>
+              <a:gd name="connsiteY6" fmla="*/ 6857999 h 6857999"/>
+            </a:gdLst>
+            <a:ahLst/>
+            <a:cxnLst>
+              <a:cxn ang="0">
+                <a:pos x="connsiteX0" y="connsiteY0"/>
+              </a:cxn>
+              <a:cxn ang="0">
+                <a:pos x="connsiteX1" y="connsiteY1"/>
+              </a:cxn>
+              <a:cxn ang="0">
+                <a:pos x="connsiteX2" y="connsiteY2"/>
+              </a:cxn>
+              <a:cxn ang="0">
+                <a:pos x="connsiteX3" y="connsiteY3"/>
+              </a:cxn>
+              <a:cxn ang="0">
+                <a:pos x="connsiteX4" y="connsiteY4"/>
+              </a:cxn>
+              <a:cxn ang="0">
+                <a:pos x="connsiteX5" y="connsiteY5"/>
+              </a:cxn>
+              <a:cxn ang="0">
+                <a:pos x="connsiteX6" y="connsiteY6"/>
+              </a:cxn>
+            </a:cxnLst>
+            <a:rect l="l" t="t" r="r" b="b"/>
+            <a:pathLst>
+              <a:path w="3752850" h="6857999">
+                <a:moveTo>
+                  <a:pt x="0" y="0"/>
+                </a:moveTo>
+                <a:lnTo>
+                  <a:pt x="3506851" y="0"/>
+                </a:lnTo>
+                <a:cubicBezTo>
+                  <a:pt x="3642712" y="0"/>
+                  <a:pt x="3752850" y="110138"/>
+                  <a:pt x="3752850" y="245999"/>
+                </a:cubicBezTo>
+                <a:lnTo>
+                  <a:pt x="3752850" y="6612001"/>
+                </a:lnTo>
+                <a:cubicBezTo>
+                  <a:pt x="3752850" y="6730880"/>
+                  <a:pt x="3668526" y="6830064"/>
+                  <a:pt x="3556429" y="6853002"/>
+                </a:cubicBezTo>
+                <a:lnTo>
+                  <a:pt x="3506861" y="6857999"/>
+                </a:lnTo>
+                <a:lnTo>
+                  <a:pt x="0" y="6857999"/>
+                </a:lnTo>
+                <a:close/>
+              </a:path>
+            </a:pathLst>
+          </a:custGeom>
+        </p:spPr>
+      </p:pic>
+      <p:sp>
+        <p:nvSpPr>
+          <p:cNvPr id="7" name="Title 3" descr="PRE-CALL: Agenda. Coach and Team Lead​ pre-workshop call ">
+            <a:extLst>
+              <a:ext uri="{FF2B5EF4-FFF2-40B4-BE49-F238E27FC236}">
+                <a16:creationId xmlns:a16="http://schemas.microsoft.com/office/drawing/2014/main" id="{7BF5FCCE-F384-EED5-6A36-45F100E181C8}"/>
+              </a:ext>
+            </a:extLst>
+          </p:cNvPr>
+          <p:cNvSpPr txBox="1">
+            <a:spLocks/>
+          </p:cNvSpPr>
+          <p:nvPr/>
+        </p:nvSpPr>
+        <p:spPr>
+          <a:xfrm>
+            <a:off x="588263" y="2895600"/>
+            <a:ext cx="2167637" cy="553998"/>
+          </a:xfrm>
+          <a:prstGeom prst="rect">
+            <a:avLst/>
+          </a:prstGeom>
+        </p:spPr>
+        <p:txBody>
+          <a:bodyPr/>
+          <a:lstStyle>
+            <a:lvl1pPr algn="l" defTabSz="932742" rtl="0" eaLnBrk="1" latinLnBrk="0" hangingPunct="1">
+              <a:lnSpc>
+                <a:spcPct val="100000"/>
+              </a:lnSpc>
+              <a:spcBef>
+                <a:spcPct val="0"/>
+              </a:spcBef>
+              <a:buNone/>
+              <a:defRPr lang="en-US" sz="3600" b="1" kern="1200" cap="none" spc="-50" baseline="0" dirty="0" smtClean="0">
+                <a:ln w="3175">
+                  <a:noFill/>
+                </a:ln>
+                <a:solidFill>
+                  <a:schemeClr val="tx1"/>
+                </a:solidFill>
+                <a:effectLst/>
+                <a:latin typeface="+mn-lt"/>
+                <a:ea typeface="+mn-ea"/>
+                <a:cs typeface="Segoe UI" pitchFamily="34" charset="0"/>
+              </a:defRPr>
+            </a:lvl1pPr>
+          </a:lstStyle>
+          <a:p>
+            <a:r>
+              <a:rPr lang="en-IN">
+                <a:solidFill>
+                  <a:schemeClr val="bg1"/>
+                </a:solidFill>
+              </a:rPr>
+              <a:t>Agenda</a:t>
+            </a:r>
+          </a:p>
+        </p:txBody>
+      </p:sp>
+      <p:graphicFrame>
+        <p:nvGraphicFramePr>
+          <p:cNvPr id="11" name="Table 10">
+            <a:extLst>
+              <a:ext uri="{FF2B5EF4-FFF2-40B4-BE49-F238E27FC236}">
+                <a16:creationId xmlns:a16="http://schemas.microsoft.com/office/drawing/2014/main" id="{A52E73B0-7A2A-ED30-FEF2-D5B76028305D}"/>
+              </a:ext>
+            </a:extLst>
+          </p:cNvPr>
+          <p:cNvGraphicFramePr>
+            <a:graphicFrameLocks noGrp="1"/>
+          </p:cNvGraphicFramePr>
+          <p:nvPr>
+            <p:extLst>
+              <p:ext uri="{D42A27DB-BD31-4B8C-83A1-F6EECF244321}">
+                <p14:modId xmlns:p14="http://schemas.microsoft.com/office/powerpoint/2010/main" val="1125988874"/>
+              </p:ext>
+            </p:extLst>
+          </p:nvPr>
+        </p:nvGraphicFramePr>
+        <p:xfrm>
+          <a:off x="3907642" y="1352943"/>
+          <a:ext cx="7309257" cy="4419600"/>
+        </p:xfrm>
+        <a:graphic>
+          <a:graphicData uri="http://schemas.openxmlformats.org/drawingml/2006/table">
+            <a:tbl>
+              <a:tblPr/>
+              <a:tblGrid>
+                <a:gridCol w="1121093">
+                  <a:extLst>
+                    <a:ext uri="{9D8B030D-6E8A-4147-A177-3AD203B41FA5}">
+                      <a16:colId xmlns:a16="http://schemas.microsoft.com/office/drawing/2014/main" val="1070106141"/>
+                    </a:ext>
+                  </a:extLst>
+                </a:gridCol>
+                <a:gridCol w="2822861">
+                  <a:extLst>
+                    <a:ext uri="{9D8B030D-6E8A-4147-A177-3AD203B41FA5}">
+                      <a16:colId xmlns:a16="http://schemas.microsoft.com/office/drawing/2014/main" val="1928585651"/>
+                    </a:ext>
+                  </a:extLst>
+                </a:gridCol>
+                <a:gridCol w="3365303">
+                  <a:extLst>
+                    <a:ext uri="{9D8B030D-6E8A-4147-A177-3AD203B41FA5}">
+                      <a16:colId xmlns:a16="http://schemas.microsoft.com/office/drawing/2014/main" val="4174341124"/>
+                    </a:ext>
+                  </a:extLst>
+                </a:gridCol>
+              </a:tblGrid>
+              <a:tr h="0">
+                <a:tc>
+                  <a:txBody>
+                    <a:bodyPr/>
+                    <a:lstStyle/>
+                    <a:p>
+                      <a:pPr algn="l" fontAlgn="b"/>
+                      <a:r>
+                        <a:rPr lang="en-US" b="1">
+                          <a:solidFill>
+                            <a:schemeClr val="bg1"/>
+                          </a:solidFill>
+                          <a:latin typeface="+mn-lt"/>
+                        </a:rPr>
+                        <a:t>Day Two</a:t>
+                      </a:r>
+                    </a:p>
+                  </a:txBody>
+                  <a:tcPr marR="45720" marT="73152" marB="73152" anchor="ctr">
+                    <a:lnL w="6350" cap="flat" cmpd="sng" algn="ctr">
+                      <a:noFill/>
+                      <a:prstDash val="solid"/>
+                      <a:round/>
+                      <a:headEnd type="none" w="med" len="med"/>
+                      <a:tailEnd type="none" w="med" len="med"/>
+                    </a:lnL>
+                    <a:lnR w="6350" cap="flat" cmpd="sng" algn="ctr">
+                      <a:noFill/>
+                      <a:prstDash val="solid"/>
+                      <a:round/>
+                      <a:headEnd type="none" w="med" len="med"/>
+                      <a:tailEnd type="none" w="med" len="med"/>
+                    </a:lnR>
+                    <a:lnT w="6350" cap="flat" cmpd="sng" algn="ctr">
+                      <a:noFill/>
+                      <a:prstDash val="solid"/>
+                      <a:round/>
+                      <a:headEnd type="none" w="med" len="med"/>
+                      <a:tailEnd type="none" w="med" len="med"/>
+                    </a:lnT>
+                    <a:lnB w="12700" cap="flat" cmpd="sng" algn="ctr">
+                      <a:noFill/>
+                      <a:prstDash val="solid"/>
+                      <a:round/>
+                      <a:headEnd type="none" w="med" len="med"/>
+                      <a:tailEnd type="none" w="med" len="med"/>
+                    </a:lnB>
+                    <a:lnTlToBr w="12700" cmpd="sng">
+                      <a:noFill/>
+                      <a:prstDash val="solid"/>
+                    </a:lnTlToBr>
+                    <a:lnBlToTr w="12700" cmpd="sng">
+                      <a:noFill/>
+                      <a:prstDash val="solid"/>
+                    </a:lnBlToTr>
+                    <a:solidFill>
+                      <a:schemeClr val="accent1"/>
+                    </a:solidFill>
+                  </a:tcPr>
+                </a:tc>
+                <a:tc>
+                  <a:txBody>
+                    <a:bodyPr/>
+                    <a:lstStyle/>
+                    <a:p>
+                      <a:pPr marL="0" algn="l" defTabSz="932742" rtl="0" eaLnBrk="1" fontAlgn="b" latinLnBrk="0" hangingPunct="1"/>
+                      <a:endParaRPr lang="en-US" sz="1800" b="1" kern="1200">
+                        <a:solidFill>
+                          <a:schemeClr val="tx1"/>
+                        </a:solidFill>
+                        <a:highlight>
+                          <a:srgbClr val="FFFF00"/>
+                        </a:highlight>
+                        <a:latin typeface="+mn-lt"/>
+                        <a:ea typeface="+mn-ea"/>
+                        <a:cs typeface="+mn-cs"/>
+                      </a:endParaRPr>
+                    </a:p>
+                  </a:txBody>
+                  <a:tcPr marR="45720" marT="73152" marB="73152" anchor="ctr">
+                    <a:lnL w="6350" cap="flat" cmpd="sng" algn="ctr">
+                      <a:noFill/>
+                      <a:prstDash val="solid"/>
+                      <a:round/>
+                      <a:headEnd type="none" w="med" len="med"/>
+                      <a:tailEnd type="none" w="med" len="med"/>
+                    </a:lnL>
+                    <a:lnR w="6350" cap="flat" cmpd="sng" algn="ctr">
+                      <a:noFill/>
+                      <a:prstDash val="solid"/>
+                      <a:round/>
+                      <a:headEnd type="none" w="med" len="med"/>
+                      <a:tailEnd type="none" w="med" len="med"/>
+                    </a:lnR>
+                    <a:lnT w="6350" cap="flat" cmpd="sng" algn="ctr">
+                      <a:noFill/>
+                      <a:prstDash val="solid"/>
+                      <a:round/>
+                      <a:headEnd type="none" w="med" len="med"/>
+                      <a:tailEnd type="none" w="med" len="med"/>
+                    </a:lnT>
+                    <a:lnB w="12700" cap="flat" cmpd="sng" algn="ctr">
+                      <a:noFill/>
+                      <a:prstDash val="solid"/>
+                      <a:round/>
+                      <a:headEnd type="none" w="med" len="med"/>
+                      <a:tailEnd type="none" w="med" len="med"/>
+                    </a:lnB>
+                    <a:lnTlToBr w="12700" cmpd="sng">
+                      <a:noFill/>
+                      <a:prstDash val="solid"/>
+                    </a:lnTlToBr>
+                    <a:lnBlToTr w="12700" cmpd="sng">
+                      <a:noFill/>
+                      <a:prstDash val="solid"/>
+                    </a:lnBlToTr>
+                    <a:solidFill>
+                      <a:schemeClr val="accent1"/>
+                    </a:solidFill>
+                  </a:tcPr>
+                </a:tc>
+                <a:tc>
+                  <a:txBody>
+                    <a:bodyPr/>
+                    <a:lstStyle/>
+                    <a:p>
+                      <a:pPr algn="l" fontAlgn="b"/>
+                      <a:r>
+                        <a:rPr lang="en-US" b="1">
+                          <a:solidFill>
+                            <a:schemeClr val="bg1"/>
+                          </a:solidFill>
+                          <a:latin typeface="+mn-lt"/>
+                        </a:rPr>
+                        <a:t> </a:t>
+                      </a:r>
+                    </a:p>
+                  </a:txBody>
+                  <a:tcPr marL="45720" marR="45720" marT="73152" marB="73152" anchor="ctr">
+                    <a:lnL w="6350" cap="flat" cmpd="sng" algn="ctr">
+                      <a:noFill/>
+                      <a:prstDash val="solid"/>
+                      <a:round/>
+                      <a:headEnd type="none" w="med" len="med"/>
+                      <a:tailEnd type="none" w="med" len="med"/>
+                    </a:lnL>
+                    <a:lnR w="6350" cap="flat" cmpd="sng" algn="ctr">
+                      <a:noFill/>
+                      <a:prstDash val="solid"/>
+                      <a:round/>
+                      <a:headEnd type="none" w="med" len="med"/>
+                      <a:tailEnd type="none" w="med" len="med"/>
+                    </a:lnR>
+                    <a:lnT w="6350" cap="flat" cmpd="sng" algn="ctr">
+                      <a:noFill/>
+                      <a:prstDash val="solid"/>
+                      <a:round/>
+                      <a:headEnd type="none" w="med" len="med"/>
+                      <a:tailEnd type="none" w="med" len="med"/>
+                    </a:lnT>
+                    <a:lnB w="12700" cap="flat" cmpd="sng" algn="ctr">
+                      <a:noFill/>
+                      <a:prstDash val="solid"/>
+                      <a:round/>
+                      <a:headEnd type="none" w="med" len="med"/>
+                      <a:tailEnd type="none" w="med" len="med"/>
+                    </a:lnB>
+                    <a:lnTlToBr w="12700" cmpd="sng">
+                      <a:noFill/>
+                      <a:prstDash val="solid"/>
+                    </a:lnTlToBr>
+                    <a:lnBlToTr w="12700" cmpd="sng">
+                      <a:noFill/>
+                      <a:prstDash val="solid"/>
+                    </a:lnBlToTr>
+                    <a:noFill/>
+                  </a:tcPr>
+                </a:tc>
+                <a:extLst>
+                  <a:ext uri="{0D108BD9-81ED-4DB2-BD59-A6C34878D82A}">
+                    <a16:rowId xmlns:a16="http://schemas.microsoft.com/office/drawing/2014/main" val="240659085"/>
+                  </a:ext>
+                </a:extLst>
+              </a:tr>
+              <a:tr h="0">
+                <a:tc>
+                  <a:txBody>
+                    <a:bodyPr/>
+                    <a:lstStyle/>
+                    <a:p>
+                      <a:pPr algn="l" fontAlgn="b"/>
+                      <a:r>
+                        <a:rPr lang="en-US" sz="1600" b="1">
+                          <a:solidFill>
+                            <a:schemeClr val="tx1"/>
+                          </a:solidFill>
+                        </a:rPr>
+                        <a:t>9:00</a:t>
+                      </a:r>
+                    </a:p>
+                  </a:txBody>
+                  <a:tcPr marR="45720" marT="73152" marB="73152" anchor="ctr">
+                    <a:lnL w="6350" cap="flat" cmpd="sng" algn="ctr">
+                      <a:noFill/>
+                      <a:prstDash val="solid"/>
+                      <a:round/>
+                      <a:headEnd type="none" w="med" len="med"/>
+                      <a:tailEnd type="none" w="med" len="med"/>
+                    </a:lnL>
+                    <a:lnR w="6350" cap="flat" cmpd="sng" algn="ctr">
+                      <a:noFill/>
+                      <a:prstDash val="solid"/>
+                      <a:round/>
+                      <a:headEnd type="none" w="med" len="med"/>
+                      <a:tailEnd type="none" w="med" len="med"/>
+                    </a:lnR>
+                    <a:lnT w="12700" cap="flat" cmpd="sng" algn="ctr">
+                      <a:noFill/>
+                      <a:prstDash val="solid"/>
+                      <a:round/>
+                      <a:headEnd type="none" w="med" len="med"/>
+                      <a:tailEnd type="none" w="med" len="med"/>
+                    </a:lnT>
+                    <a:lnB w="3175" cap="flat" cmpd="sng" algn="ctr">
+                      <a:solidFill>
+                        <a:schemeClr val="bg1">
+                          <a:lumMod val="75000"/>
+                        </a:schemeClr>
+                      </a:solidFill>
+                      <a:prstDash val="solid"/>
+                      <a:round/>
+                      <a:headEnd type="none" w="med" len="med"/>
+                      <a:tailEnd type="none" w="med" len="med"/>
+                    </a:lnB>
+                    <a:lnTlToBr w="12700" cmpd="sng">
+                      <a:noFill/>
+                      <a:prstDash val="solid"/>
+                    </a:lnTlToBr>
+                    <a:lnBlToTr w="12700" cmpd="sng">
+                      <a:noFill/>
+                      <a:prstDash val="solid"/>
+                    </a:lnBlToTr>
+                  </a:tcPr>
+                </a:tc>
+                <a:tc>
+                  <a:txBody>
+                    <a:bodyPr/>
+                    <a:lstStyle/>
+                    <a:p>
+                      <a:pPr algn="l" fontAlgn="b"/>
+                      <a:r>
+                        <a:rPr lang="en-US" sz="1600">
+                          <a:solidFill>
+                            <a:schemeClr val="tx1"/>
+                          </a:solidFill>
+                        </a:rPr>
+                        <a:t>30 minutes</a:t>
+                      </a:r>
+                    </a:p>
+                  </a:txBody>
+                  <a:tcPr marR="45720" marT="73152" marB="73152" anchor="ctr">
+                    <a:lnL w="6350" cap="flat" cmpd="sng" algn="ctr">
+                      <a:noFill/>
+                      <a:prstDash val="solid"/>
+                      <a:round/>
+                      <a:headEnd type="none" w="med" len="med"/>
+                      <a:tailEnd type="none" w="med" len="med"/>
+                    </a:lnL>
+                    <a:lnR w="6350" cap="flat" cmpd="sng" algn="ctr">
+                      <a:noFill/>
+                      <a:prstDash val="solid"/>
+                      <a:round/>
+                      <a:headEnd type="none" w="med" len="med"/>
+                      <a:tailEnd type="none" w="med" len="med"/>
+                    </a:lnR>
+                    <a:lnT w="12700" cap="flat" cmpd="sng" algn="ctr">
+                      <a:noFill/>
+                      <a:prstDash val="solid"/>
+                      <a:round/>
+                      <a:headEnd type="none" w="med" len="med"/>
+                      <a:tailEnd type="none" w="med" len="med"/>
+                    </a:lnT>
+                    <a:lnB w="3175" cap="flat" cmpd="sng" algn="ctr">
+                      <a:solidFill>
+                        <a:schemeClr val="bg1">
+                          <a:lumMod val="75000"/>
+                        </a:schemeClr>
+                      </a:solidFill>
+                      <a:prstDash val="solid"/>
+                      <a:round/>
+                      <a:headEnd type="none" w="med" len="med"/>
+                      <a:tailEnd type="none" w="med" len="med"/>
+                    </a:lnB>
+                    <a:lnTlToBr w="12700" cmpd="sng">
+                      <a:noFill/>
+                      <a:prstDash val="solid"/>
+                    </a:lnTlToBr>
+                    <a:lnBlToTr w="12700" cmpd="sng">
+                      <a:noFill/>
+                      <a:prstDash val="solid"/>
+                    </a:lnBlToTr>
+                  </a:tcPr>
+                </a:tc>
+                <a:tc>
+                  <a:txBody>
+                    <a:bodyPr/>
+                    <a:lstStyle/>
+                    <a:p>
+                      <a:pPr lvl="0" algn="l">
+                        <a:buNone/>
+                      </a:pPr>
+                      <a:r>
+                        <a:rPr lang="en-US" sz="1600">
+                          <a:solidFill>
+                            <a:schemeClr val="tx2"/>
+                          </a:solidFill>
+                        </a:rPr>
+                        <a:t>Day One review and questions</a:t>
+                      </a:r>
+                    </a:p>
+                  </a:txBody>
+                  <a:tcPr marR="45720" marT="73152" marB="73152" anchor="ctr">
+                    <a:lnL w="6350" cap="flat" cmpd="sng" algn="ctr">
+                      <a:noFill/>
+                      <a:prstDash val="solid"/>
+                      <a:round/>
+                      <a:headEnd type="none" w="med" len="med"/>
+                      <a:tailEnd type="none" w="med" len="med"/>
+                    </a:lnL>
+                    <a:lnR w="6350" cap="flat" cmpd="sng" algn="ctr">
+                      <a:noFill/>
+                      <a:prstDash val="solid"/>
+                      <a:round/>
+                      <a:headEnd type="none" w="med" len="med"/>
+                      <a:tailEnd type="none" w="med" len="med"/>
+                    </a:lnR>
+                    <a:lnT w="12700" cap="flat" cmpd="sng" algn="ctr">
+                      <a:noFill/>
+                      <a:prstDash val="solid"/>
+                      <a:round/>
+                      <a:headEnd type="none" w="med" len="med"/>
+                      <a:tailEnd type="none" w="med" len="med"/>
+                    </a:lnT>
+                    <a:lnB w="3175" cap="flat" cmpd="sng" algn="ctr">
+                      <a:solidFill>
+                        <a:schemeClr val="tx2"/>
+                      </a:solidFill>
+                      <a:prstDash val="lgDash"/>
+                      <a:round/>
+                      <a:headEnd type="none" w="med" len="med"/>
+                      <a:tailEnd type="none" w="med" len="med"/>
+                    </a:lnB>
+                    <a:lnTlToBr w="12700" cmpd="sng">
+                      <a:noFill/>
+                      <a:prstDash val="solid"/>
+                    </a:lnTlToBr>
+                    <a:lnBlToTr w="12700" cmpd="sng">
+                      <a:noFill/>
+                      <a:prstDash val="solid"/>
+                    </a:lnBlToTr>
+                  </a:tcPr>
+                </a:tc>
+                <a:extLst>
+                  <a:ext uri="{0D108BD9-81ED-4DB2-BD59-A6C34878D82A}">
+                    <a16:rowId xmlns:a16="http://schemas.microsoft.com/office/drawing/2014/main" val="1338856655"/>
+                  </a:ext>
+                </a:extLst>
+              </a:tr>
+              <a:tr h="0">
+                <a:tc>
+                  <a:txBody>
+                    <a:bodyPr/>
+                    <a:lstStyle/>
+                    <a:p>
+                      <a:pPr algn="l" fontAlgn="b"/>
+                      <a:r>
+                        <a:rPr lang="en-US" sz="1600" b="1">
+                          <a:solidFill>
+                            <a:schemeClr val="tx1"/>
+                          </a:solidFill>
+                        </a:rPr>
+                        <a:t>9:30</a:t>
+                      </a:r>
+                    </a:p>
+                  </a:txBody>
+                  <a:tcPr marR="45720" marT="73152" marB="73152" anchor="ctr">
+                    <a:lnL w="6350" cap="flat" cmpd="sng" algn="ctr">
+                      <a:noFill/>
+                      <a:prstDash val="solid"/>
+                      <a:round/>
+                      <a:headEnd type="none" w="med" len="med"/>
+                      <a:tailEnd type="none" w="med" len="med"/>
+                    </a:lnL>
+                    <a:lnR w="6350" cap="flat" cmpd="sng" algn="ctr">
+                      <a:noFill/>
+                      <a:prstDash val="solid"/>
+                      <a:round/>
+                      <a:headEnd type="none" w="med" len="med"/>
+                      <a:tailEnd type="none" w="med" len="med"/>
+                    </a:lnR>
+                    <a:lnT w="3175" cap="flat" cmpd="sng" algn="ctr">
+                      <a:solidFill>
+                        <a:schemeClr val="bg1">
+                          <a:lumMod val="75000"/>
+                        </a:schemeClr>
+                      </a:solidFill>
+                      <a:prstDash val="solid"/>
+                      <a:round/>
+                      <a:headEnd type="none" w="med" len="med"/>
+                      <a:tailEnd type="none" w="med" len="med"/>
+                    </a:lnT>
+                    <a:lnB w="3175" cap="flat" cmpd="sng" algn="ctr">
+                      <a:solidFill>
+                        <a:schemeClr val="bg1">
+                          <a:lumMod val="75000"/>
+                        </a:schemeClr>
+                      </a:solidFill>
+                      <a:prstDash val="solid"/>
+                      <a:round/>
+                      <a:headEnd type="none" w="med" len="med"/>
+                      <a:tailEnd type="none" w="med" len="med"/>
+                    </a:lnB>
+                    <a:lnTlToBr w="12700" cmpd="sng">
+                      <a:noFill/>
+                      <a:prstDash val="solid"/>
+                    </a:lnTlToBr>
+                    <a:lnBlToTr w="12700" cmpd="sng">
+                      <a:noFill/>
+                      <a:prstDash val="solid"/>
+                    </a:lnBlToTr>
+                  </a:tcPr>
+                </a:tc>
+                <a:tc>
+                  <a:txBody>
+                    <a:bodyPr/>
+                    <a:lstStyle/>
+                    <a:p>
+                      <a:pPr algn="l" fontAlgn="b"/>
+                      <a:r>
+                        <a:rPr lang="en-US" sz="1600" dirty="0">
+                          <a:solidFill>
+                            <a:schemeClr val="tx1"/>
+                          </a:solidFill>
+                        </a:rPr>
+                        <a:t>60 minutes</a:t>
+                      </a:r>
+                    </a:p>
+                  </a:txBody>
+                  <a:tcPr marR="45720" marT="73152" marB="73152" anchor="ctr">
+                    <a:lnL w="6350" cap="flat" cmpd="sng" algn="ctr">
+                      <a:noFill/>
+                      <a:prstDash val="solid"/>
+                      <a:round/>
+                      <a:headEnd type="none" w="med" len="med"/>
+                      <a:tailEnd type="none" w="med" len="med"/>
+                    </a:lnL>
+                    <a:lnR w="6350" cap="flat" cmpd="sng" algn="ctr">
+                      <a:noFill/>
+                      <a:prstDash val="solid"/>
+                      <a:round/>
+                      <a:headEnd type="none" w="med" len="med"/>
+                      <a:tailEnd type="none" w="med" len="med"/>
+                    </a:lnR>
+                    <a:lnT w="3175" cap="flat" cmpd="sng" algn="ctr">
+                      <a:solidFill>
+                        <a:schemeClr val="bg1">
+                          <a:lumMod val="75000"/>
+                        </a:schemeClr>
+                      </a:solidFill>
+                      <a:prstDash val="solid"/>
+                      <a:round/>
+                      <a:headEnd type="none" w="med" len="med"/>
+                      <a:tailEnd type="none" w="med" len="med"/>
+                    </a:lnT>
+                    <a:lnB w="3175" cap="flat" cmpd="sng" algn="ctr">
+                      <a:solidFill>
+                        <a:schemeClr val="bg1">
+                          <a:lumMod val="75000"/>
+                        </a:schemeClr>
+                      </a:solidFill>
+                      <a:prstDash val="solid"/>
+                      <a:round/>
+                      <a:headEnd type="none" w="med" len="med"/>
+                      <a:tailEnd type="none" w="med" len="med"/>
+                    </a:lnB>
+                    <a:lnTlToBr w="12700" cmpd="sng">
+                      <a:noFill/>
+                      <a:prstDash val="solid"/>
+                    </a:lnTlToBr>
+                    <a:lnBlToTr w="12700" cmpd="sng">
+                      <a:noFill/>
+                      <a:prstDash val="solid"/>
+                    </a:lnBlToTr>
+                  </a:tcPr>
+                </a:tc>
+                <a:tc>
+                  <a:txBody>
+                    <a:bodyPr/>
+                    <a:lstStyle/>
+                    <a:p>
+                      <a:pPr lvl="0" algn="l">
+                        <a:buNone/>
+                      </a:pPr>
+                      <a:r>
+                        <a:rPr lang="en-US" sz="1600" dirty="0">
+                          <a:solidFill>
+                            <a:schemeClr val="tx2"/>
+                          </a:solidFill>
+                        </a:rPr>
+                        <a:t>Integrating Marketplace with Procurement Systems</a:t>
+                      </a:r>
+                    </a:p>
+                  </a:txBody>
+                  <a:tcPr marR="45720" marT="73152" marB="73152" anchor="ctr">
+                    <a:lnL w="6350" cap="flat" cmpd="sng" algn="ctr">
+                      <a:noFill/>
+                      <a:prstDash val="solid"/>
+                      <a:round/>
+                      <a:headEnd type="none" w="med" len="med"/>
+                      <a:tailEnd type="none" w="med" len="med"/>
+                    </a:lnL>
+                    <a:lnR w="6350" cap="flat" cmpd="sng" algn="ctr">
+                      <a:noFill/>
+                      <a:prstDash val="solid"/>
+                      <a:round/>
+                      <a:headEnd type="none" w="med" len="med"/>
+                      <a:tailEnd type="none" w="med" len="med"/>
+                    </a:lnR>
+                    <a:lnT w="3175" cap="flat" cmpd="sng" algn="ctr">
+                      <a:solidFill>
+                        <a:schemeClr val="tx2"/>
+                      </a:solidFill>
+                      <a:prstDash val="lgDash"/>
+                      <a:round/>
+                      <a:headEnd type="none" w="med" len="med"/>
+                      <a:tailEnd type="none" w="med" len="med"/>
+                    </a:lnT>
+                    <a:lnB w="3175" cap="flat" cmpd="sng" algn="ctr">
+                      <a:solidFill>
+                        <a:schemeClr val="tx2"/>
+                      </a:solidFill>
+                      <a:prstDash val="lgDash"/>
+                      <a:round/>
+                      <a:headEnd type="none" w="med" len="med"/>
+                      <a:tailEnd type="none" w="med" len="med"/>
+                    </a:lnB>
+                    <a:lnTlToBr w="12700" cmpd="sng">
+                      <a:noFill/>
+                      <a:prstDash val="solid"/>
+                    </a:lnTlToBr>
+                    <a:lnBlToTr w="12700" cmpd="sng">
+                      <a:noFill/>
+                      <a:prstDash val="solid"/>
+                    </a:lnBlToTr>
+                  </a:tcPr>
+                </a:tc>
+                <a:extLst>
+                  <a:ext uri="{0D108BD9-81ED-4DB2-BD59-A6C34878D82A}">
+                    <a16:rowId xmlns:a16="http://schemas.microsoft.com/office/drawing/2014/main" val="1402513156"/>
+                  </a:ext>
+                </a:extLst>
+              </a:tr>
+              <a:tr h="0">
+                <a:tc>
+                  <a:txBody>
+                    <a:bodyPr/>
+                    <a:lstStyle/>
+                    <a:p>
+                      <a:pPr algn="l" fontAlgn="b"/>
+                      <a:r>
+                        <a:rPr lang="en-US" sz="1600" b="1" dirty="0">
+                          <a:solidFill>
+                            <a:schemeClr val="tx1"/>
+                          </a:solidFill>
+                        </a:rPr>
+                        <a:t>10:30</a:t>
+                      </a:r>
+                    </a:p>
+                  </a:txBody>
+                  <a:tcPr marR="45720" marT="73152" marB="73152" anchor="ctr">
+                    <a:lnL w="6350" cap="flat" cmpd="sng" algn="ctr">
+                      <a:noFill/>
+                      <a:prstDash val="solid"/>
+                      <a:round/>
+                      <a:headEnd type="none" w="med" len="med"/>
+                      <a:tailEnd type="none" w="med" len="med"/>
+                    </a:lnL>
+                    <a:lnR w="6350" cap="flat" cmpd="sng" algn="ctr">
+                      <a:noFill/>
+                      <a:prstDash val="solid"/>
+                      <a:round/>
+                      <a:headEnd type="none" w="med" len="med"/>
+                      <a:tailEnd type="none" w="med" len="med"/>
+                    </a:lnR>
+                    <a:lnT w="3175" cap="flat" cmpd="sng" algn="ctr">
+                      <a:solidFill>
+                        <a:schemeClr val="bg1">
+                          <a:lumMod val="75000"/>
+                        </a:schemeClr>
+                      </a:solidFill>
+                      <a:prstDash val="solid"/>
+                      <a:round/>
+                      <a:headEnd type="none" w="med" len="med"/>
+                      <a:tailEnd type="none" w="med" len="med"/>
+                    </a:lnT>
+                    <a:lnB w="3175" cap="flat" cmpd="sng" algn="ctr">
+                      <a:solidFill>
+                        <a:schemeClr val="bg1">
+                          <a:lumMod val="75000"/>
+                        </a:schemeClr>
+                      </a:solidFill>
+                      <a:prstDash val="solid"/>
+                      <a:round/>
+                      <a:headEnd type="none" w="med" len="med"/>
+                      <a:tailEnd type="none" w="med" len="med"/>
+                    </a:lnB>
+                    <a:lnTlToBr w="12700" cmpd="sng">
+                      <a:noFill/>
+                      <a:prstDash val="solid"/>
+                    </a:lnTlToBr>
+                    <a:lnBlToTr w="12700" cmpd="sng">
+                      <a:noFill/>
+                      <a:prstDash val="solid"/>
+                    </a:lnBlToTr>
+                  </a:tcPr>
+                </a:tc>
+                <a:tc>
+                  <a:txBody>
+                    <a:bodyPr/>
+                    <a:lstStyle/>
+                    <a:p>
+                      <a:pPr algn="l" fontAlgn="b"/>
+                      <a:r>
+                        <a:rPr lang="en-US" sz="1600" dirty="0">
+                          <a:solidFill>
+                            <a:schemeClr val="tx1"/>
+                          </a:solidFill>
+                        </a:rPr>
+                        <a:t>20 minutes</a:t>
+                      </a:r>
+                    </a:p>
+                  </a:txBody>
+                  <a:tcPr marR="45720" marT="73152" marB="73152" anchor="ctr">
+                    <a:lnL w="6350" cap="flat" cmpd="sng" algn="ctr">
+                      <a:noFill/>
+                      <a:prstDash val="solid"/>
+                      <a:round/>
+                      <a:headEnd type="none" w="med" len="med"/>
+                      <a:tailEnd type="none" w="med" len="med"/>
+                    </a:lnL>
+                    <a:lnR w="6350" cap="flat" cmpd="sng" algn="ctr">
+                      <a:noFill/>
+                      <a:prstDash val="solid"/>
+                      <a:round/>
+                      <a:headEnd type="none" w="med" len="med"/>
+                      <a:tailEnd type="none" w="med" len="med"/>
+                    </a:lnR>
+                    <a:lnT w="3175" cap="flat" cmpd="sng" algn="ctr">
+                      <a:solidFill>
+                        <a:schemeClr val="bg1">
+                          <a:lumMod val="75000"/>
+                        </a:schemeClr>
+                      </a:solidFill>
+                      <a:prstDash val="solid"/>
+                      <a:round/>
+                      <a:headEnd type="none" w="med" len="med"/>
+                      <a:tailEnd type="none" w="med" len="med"/>
+                    </a:lnT>
+                    <a:lnB w="3175" cap="flat" cmpd="sng" algn="ctr">
+                      <a:solidFill>
+                        <a:schemeClr val="bg1">
+                          <a:lumMod val="75000"/>
+                        </a:schemeClr>
+                      </a:solidFill>
+                      <a:prstDash val="solid"/>
+                      <a:round/>
+                      <a:headEnd type="none" w="med" len="med"/>
+                      <a:tailEnd type="none" w="med" len="med"/>
+                    </a:lnB>
+                    <a:lnTlToBr w="12700" cmpd="sng">
+                      <a:noFill/>
+                      <a:prstDash val="solid"/>
+                    </a:lnTlToBr>
+                    <a:lnBlToTr w="12700" cmpd="sng">
+                      <a:noFill/>
+                      <a:prstDash val="solid"/>
+                    </a:lnBlToTr>
+                  </a:tcPr>
+                </a:tc>
+                <a:tc>
+                  <a:txBody>
+                    <a:bodyPr/>
+                    <a:lstStyle/>
+                    <a:p>
+                      <a:pPr lvl="0" algn="l">
+                        <a:buNone/>
+                      </a:pPr>
+                      <a:r>
+                        <a:rPr lang="en-US" sz="1600" dirty="0">
+                          <a:solidFill>
+                            <a:schemeClr val="tx2"/>
+                          </a:solidFill>
+                        </a:rPr>
+                        <a:t>Break</a:t>
+                      </a:r>
+                    </a:p>
+                  </a:txBody>
+                  <a:tcPr marR="45720" marT="73152" marB="73152" anchor="ctr">
+                    <a:lnL w="6350" cap="flat" cmpd="sng" algn="ctr">
+                      <a:noFill/>
+                      <a:prstDash val="solid"/>
+                      <a:round/>
+                      <a:headEnd type="none" w="med" len="med"/>
+                      <a:tailEnd type="none" w="med" len="med"/>
+                    </a:lnL>
+                    <a:lnR w="6350" cap="flat" cmpd="sng" algn="ctr">
+                      <a:noFill/>
+                      <a:prstDash val="solid"/>
+                      <a:round/>
+                      <a:headEnd type="none" w="med" len="med"/>
+                      <a:tailEnd type="none" w="med" len="med"/>
+                    </a:lnR>
+                    <a:lnT w="3175" cap="flat" cmpd="sng" algn="ctr">
+                      <a:solidFill>
+                        <a:schemeClr val="tx2"/>
+                      </a:solidFill>
+                      <a:prstDash val="lgDash"/>
+                      <a:round/>
+                      <a:headEnd type="none" w="med" len="med"/>
+                      <a:tailEnd type="none" w="med" len="med"/>
+                    </a:lnT>
+                    <a:lnB w="3175" cap="flat" cmpd="sng" algn="ctr">
+                      <a:solidFill>
+                        <a:schemeClr val="tx2"/>
+                      </a:solidFill>
+                      <a:prstDash val="lgDash"/>
+                      <a:round/>
+                      <a:headEnd type="none" w="med" len="med"/>
+                      <a:tailEnd type="none" w="med" len="med"/>
+                    </a:lnB>
+                    <a:lnTlToBr w="12700" cmpd="sng">
+                      <a:noFill/>
+                      <a:prstDash val="solid"/>
+                    </a:lnTlToBr>
+                    <a:lnBlToTr w="12700" cmpd="sng">
+                      <a:noFill/>
+                      <a:prstDash val="solid"/>
+                    </a:lnBlToTr>
+                  </a:tcPr>
+                </a:tc>
+                <a:extLst>
+                  <a:ext uri="{0D108BD9-81ED-4DB2-BD59-A6C34878D82A}">
+                    <a16:rowId xmlns:a16="http://schemas.microsoft.com/office/drawing/2014/main" val="476230254"/>
+                  </a:ext>
+                </a:extLst>
+              </a:tr>
+              <a:tr h="0">
+                <a:tc>
+                  <a:txBody>
+                    <a:bodyPr/>
+                    <a:lstStyle/>
+                    <a:p>
+                      <a:pPr lvl="0" algn="l">
+                        <a:lnSpc>
+                          <a:spcPct val="100000"/>
+                        </a:lnSpc>
+                        <a:spcBef>
+                          <a:spcPts val="0"/>
+                        </a:spcBef>
+                        <a:spcAft>
+                          <a:spcPts val="0"/>
+                        </a:spcAft>
+                        <a:buNone/>
+                      </a:pPr>
+                      <a:r>
+                        <a:rPr lang="en-US" sz="1600" b="1" i="0" u="none" strike="noStrike" noProof="0" dirty="0">
+                          <a:solidFill>
+                            <a:schemeClr val="tx1"/>
+                          </a:solidFill>
+                          <a:latin typeface="Segoe UI"/>
+                        </a:rPr>
+                        <a:t>10:50</a:t>
+                      </a:r>
+                      <a:endParaRPr lang="en-US" sz="1600" b="0" i="0" u="none" strike="noStrike" noProof="0" dirty="0">
+                        <a:solidFill>
+                          <a:srgbClr val="FFFFFF"/>
+                        </a:solidFill>
+                        <a:latin typeface="Segoe UI"/>
+                      </a:endParaRPr>
+                    </a:p>
+                  </a:txBody>
+                  <a:tcPr marR="45720" marT="73152" marB="73152" anchor="ctr">
+                    <a:lnL w="6350" cap="flat" cmpd="sng" algn="ctr">
+                      <a:noFill/>
+                      <a:prstDash val="solid"/>
+                      <a:round/>
+                      <a:headEnd type="none" w="med" len="med"/>
+                      <a:tailEnd type="none" w="med" len="med"/>
+                    </a:lnL>
+                    <a:lnR w="6350" cap="flat" cmpd="sng" algn="ctr">
+                      <a:noFill/>
+                      <a:prstDash val="solid"/>
+                      <a:round/>
+                      <a:headEnd type="none" w="med" len="med"/>
+                      <a:tailEnd type="none" w="med" len="med"/>
+                    </a:lnR>
+                    <a:lnT w="3175" cap="flat" cmpd="sng" algn="ctr">
+                      <a:solidFill>
+                        <a:schemeClr val="bg1">
+                          <a:lumMod val="75000"/>
+                        </a:schemeClr>
+                      </a:solidFill>
+                      <a:prstDash val="solid"/>
+                      <a:round/>
+                      <a:headEnd type="none" w="med" len="med"/>
+                      <a:tailEnd type="none" w="med" len="med"/>
+                    </a:lnT>
+                    <a:lnB w="3175" cap="flat" cmpd="sng" algn="ctr">
+                      <a:solidFill>
+                        <a:schemeClr val="bg1">
+                          <a:lumMod val="75000"/>
+                        </a:schemeClr>
+                      </a:solidFill>
+                      <a:prstDash val="solid"/>
+                      <a:round/>
+                      <a:headEnd type="none" w="med" len="med"/>
+                      <a:tailEnd type="none" w="med" len="med"/>
+                    </a:lnB>
+                    <a:lnTlToBr w="12700" cmpd="sng">
+                      <a:noFill/>
+                      <a:prstDash val="solid"/>
+                    </a:lnTlToBr>
+                    <a:lnBlToTr w="12700" cmpd="sng">
+                      <a:noFill/>
+                      <a:prstDash val="solid"/>
+                    </a:lnBlToTr>
+                  </a:tcPr>
+                </a:tc>
+                <a:tc>
+                  <a:txBody>
+                    <a:bodyPr/>
+                    <a:lstStyle/>
+                    <a:p>
+                      <a:pPr algn="l" fontAlgn="b"/>
+                      <a:r>
+                        <a:rPr lang="en-US" sz="1600" dirty="0">
+                          <a:solidFill>
+                            <a:schemeClr val="tx1"/>
+                          </a:solidFill>
+                        </a:rPr>
+                        <a:t>70 minutes</a:t>
+                      </a:r>
+                    </a:p>
+                  </a:txBody>
+                  <a:tcPr marR="45720" marT="73152" marB="73152" anchor="ctr">
+                    <a:lnL w="6350" cap="flat" cmpd="sng" algn="ctr">
+                      <a:noFill/>
+                      <a:prstDash val="solid"/>
+                      <a:round/>
+                      <a:headEnd type="none" w="med" len="med"/>
+                      <a:tailEnd type="none" w="med" len="med"/>
+                    </a:lnL>
+                    <a:lnR w="6350" cap="flat" cmpd="sng" algn="ctr">
+                      <a:noFill/>
+                      <a:prstDash val="solid"/>
+                      <a:round/>
+                      <a:headEnd type="none" w="med" len="med"/>
+                      <a:tailEnd type="none" w="med" len="med"/>
+                    </a:lnR>
+                    <a:lnT w="3175" cap="flat" cmpd="sng" algn="ctr">
+                      <a:solidFill>
+                        <a:schemeClr val="bg1">
+                          <a:lumMod val="75000"/>
+                        </a:schemeClr>
+                      </a:solidFill>
+                      <a:prstDash val="solid"/>
+                      <a:round/>
+                      <a:headEnd type="none" w="med" len="med"/>
+                      <a:tailEnd type="none" w="med" len="med"/>
+                    </a:lnT>
+                    <a:lnB w="3175" cap="flat" cmpd="sng" algn="ctr">
+                      <a:solidFill>
+                        <a:schemeClr val="bg1">
+                          <a:lumMod val="75000"/>
+                        </a:schemeClr>
+                      </a:solidFill>
+                      <a:prstDash val="solid"/>
+                      <a:round/>
+                      <a:headEnd type="none" w="med" len="med"/>
+                      <a:tailEnd type="none" w="med" len="med"/>
+                    </a:lnB>
+                    <a:lnTlToBr w="12700" cmpd="sng">
+                      <a:noFill/>
+                      <a:prstDash val="solid"/>
+                    </a:lnTlToBr>
+                    <a:lnBlToTr w="12700" cmpd="sng">
+                      <a:noFill/>
+                      <a:prstDash val="solid"/>
+                    </a:lnBlToTr>
+                  </a:tcPr>
+                </a:tc>
+                <a:tc>
+                  <a:txBody>
+                    <a:bodyPr/>
+                    <a:lstStyle/>
+                    <a:p>
+                      <a:pPr algn="l" fontAlgn="b"/>
+                      <a:r>
+                        <a:rPr lang="en-US" sz="1600" dirty="0">
+                          <a:solidFill>
+                            <a:schemeClr val="tx2"/>
+                          </a:solidFill>
+                        </a:rPr>
+                        <a:t>Private offers overview </a:t>
+                      </a:r>
+                    </a:p>
+                  </a:txBody>
+                  <a:tcPr marR="45720" marT="73152" marB="73152" anchor="ctr">
+                    <a:lnL w="6350" cap="flat" cmpd="sng" algn="ctr">
+                      <a:noFill/>
+                      <a:prstDash val="solid"/>
+                      <a:round/>
+                      <a:headEnd type="none" w="med" len="med"/>
+                      <a:tailEnd type="none" w="med" len="med"/>
+                    </a:lnL>
+                    <a:lnR w="6350" cap="flat" cmpd="sng" algn="ctr">
+                      <a:noFill/>
+                      <a:prstDash val="solid"/>
+                      <a:round/>
+                      <a:headEnd type="none" w="med" len="med"/>
+                      <a:tailEnd type="none" w="med" len="med"/>
+                    </a:lnR>
+                    <a:lnT w="3175" cap="flat" cmpd="sng" algn="ctr">
+                      <a:solidFill>
+                        <a:schemeClr val="tx2"/>
+                      </a:solidFill>
+                      <a:prstDash val="lgDash"/>
+                      <a:round/>
+                      <a:headEnd type="none" w="med" len="med"/>
+                      <a:tailEnd type="none" w="med" len="med"/>
+                    </a:lnT>
+                    <a:lnB w="3175" cap="flat" cmpd="sng" algn="ctr">
+                      <a:solidFill>
+                        <a:schemeClr val="tx2"/>
+                      </a:solidFill>
+                      <a:prstDash val="lgDash"/>
+                      <a:round/>
+                      <a:headEnd type="none" w="med" len="med"/>
+                      <a:tailEnd type="none" w="med" len="med"/>
+                    </a:lnB>
+                    <a:lnTlToBr w="12700" cmpd="sng">
+                      <a:noFill/>
+                      <a:prstDash val="solid"/>
+                    </a:lnTlToBr>
+                    <a:lnBlToTr w="12700" cmpd="sng">
+                      <a:noFill/>
+                      <a:prstDash val="solid"/>
+                    </a:lnBlToTr>
+                  </a:tcPr>
+                </a:tc>
+                <a:extLst>
+                  <a:ext uri="{0D108BD9-81ED-4DB2-BD59-A6C34878D82A}">
+                    <a16:rowId xmlns:a16="http://schemas.microsoft.com/office/drawing/2014/main" val="1849297845"/>
+                  </a:ext>
+                </a:extLst>
+              </a:tr>
+              <a:tr h="0">
+                <a:tc>
+                  <a:txBody>
+                    <a:bodyPr/>
+                    <a:lstStyle/>
+                    <a:p>
+                      <a:pPr algn="l" fontAlgn="b"/>
+                      <a:r>
+                        <a:rPr lang="en-US" sz="1600" b="1" dirty="0">
+                          <a:solidFill>
+                            <a:schemeClr val="tx1"/>
+                          </a:solidFill>
+                        </a:rPr>
+                        <a:t>12:00</a:t>
+                      </a:r>
+                    </a:p>
+                  </a:txBody>
+                  <a:tcPr marR="45720" marT="73152" marB="73152" anchor="ctr">
+                    <a:lnL w="6350" cap="flat" cmpd="sng" algn="ctr">
+                      <a:noFill/>
+                      <a:prstDash val="solid"/>
+                      <a:round/>
+                      <a:headEnd type="none" w="med" len="med"/>
+                      <a:tailEnd type="none" w="med" len="med"/>
+                    </a:lnL>
+                    <a:lnR w="6350" cap="flat" cmpd="sng" algn="ctr">
+                      <a:noFill/>
+                      <a:prstDash val="solid"/>
+                      <a:round/>
+                      <a:headEnd type="none" w="med" len="med"/>
+                      <a:tailEnd type="none" w="med" len="med"/>
+                    </a:lnR>
+                    <a:lnT w="3175" cap="flat" cmpd="sng" algn="ctr">
+                      <a:solidFill>
+                        <a:schemeClr val="bg1">
+                          <a:lumMod val="75000"/>
+                        </a:schemeClr>
+                      </a:solidFill>
+                      <a:prstDash val="solid"/>
+                      <a:round/>
+                      <a:headEnd type="none" w="med" len="med"/>
+                      <a:tailEnd type="none" w="med" len="med"/>
+                    </a:lnT>
+                    <a:lnB w="3175" cap="flat" cmpd="sng" algn="ctr">
+                      <a:solidFill>
+                        <a:schemeClr val="bg1">
+                          <a:lumMod val="75000"/>
+                        </a:schemeClr>
+                      </a:solidFill>
+                      <a:prstDash val="solid"/>
+                      <a:round/>
+                      <a:headEnd type="none" w="med" len="med"/>
+                      <a:tailEnd type="none" w="med" len="med"/>
+                    </a:lnB>
+                    <a:lnTlToBr w="12700" cmpd="sng">
+                      <a:noFill/>
+                      <a:prstDash val="solid"/>
+                    </a:lnTlToBr>
+                    <a:lnBlToTr w="12700" cmpd="sng">
+                      <a:noFill/>
+                      <a:prstDash val="solid"/>
+                    </a:lnBlToTr>
+                  </a:tcPr>
+                </a:tc>
+                <a:tc>
+                  <a:txBody>
+                    <a:bodyPr/>
+                    <a:lstStyle/>
+                    <a:p>
+                      <a:pPr algn="l" fontAlgn="b"/>
+                      <a:r>
+                        <a:rPr lang="en-US" sz="1600">
+                          <a:solidFill>
+                            <a:schemeClr val="tx1"/>
+                          </a:solidFill>
+                        </a:rPr>
+                        <a:t>45 minutes</a:t>
+                      </a:r>
+                    </a:p>
+                  </a:txBody>
+                  <a:tcPr marR="45720" marT="73152" marB="73152" anchor="ctr">
+                    <a:lnL w="6350" cap="flat" cmpd="sng" algn="ctr">
+                      <a:noFill/>
+                      <a:prstDash val="solid"/>
+                      <a:round/>
+                      <a:headEnd type="none" w="med" len="med"/>
+                      <a:tailEnd type="none" w="med" len="med"/>
+                    </a:lnL>
+                    <a:lnR w="6350" cap="flat" cmpd="sng" algn="ctr">
+                      <a:noFill/>
+                      <a:prstDash val="solid"/>
+                      <a:round/>
+                      <a:headEnd type="none" w="med" len="med"/>
+                      <a:tailEnd type="none" w="med" len="med"/>
+                    </a:lnR>
+                    <a:lnT w="3175" cap="flat" cmpd="sng" algn="ctr">
+                      <a:solidFill>
+                        <a:schemeClr val="bg1">
+                          <a:lumMod val="75000"/>
+                        </a:schemeClr>
+                      </a:solidFill>
+                      <a:prstDash val="solid"/>
+                      <a:round/>
+                      <a:headEnd type="none" w="med" len="med"/>
+                      <a:tailEnd type="none" w="med" len="med"/>
+                    </a:lnT>
+                    <a:lnB w="3175" cap="flat" cmpd="sng" algn="ctr">
+                      <a:solidFill>
+                        <a:schemeClr val="bg1">
+                          <a:lumMod val="75000"/>
+                        </a:schemeClr>
+                      </a:solidFill>
+                      <a:prstDash val="solid"/>
+                      <a:round/>
+                      <a:headEnd type="none" w="med" len="med"/>
+                      <a:tailEnd type="none" w="med" len="med"/>
+                    </a:lnB>
+                    <a:lnTlToBr w="12700" cmpd="sng">
+                      <a:noFill/>
+                      <a:prstDash val="solid"/>
+                    </a:lnTlToBr>
+                    <a:lnBlToTr w="12700" cmpd="sng">
+                      <a:noFill/>
+                      <a:prstDash val="solid"/>
+                    </a:lnBlToTr>
+                  </a:tcPr>
+                </a:tc>
+                <a:tc>
+                  <a:txBody>
+                    <a:bodyPr/>
+                    <a:lstStyle/>
+                    <a:p>
+                      <a:pPr lvl="0" algn="l">
+                        <a:buNone/>
+                      </a:pPr>
+                      <a:r>
+                        <a:rPr lang="en-US" sz="1600" b="0" i="0" u="none" strike="noStrike" noProof="0">
+                          <a:solidFill>
+                            <a:schemeClr val="tx2"/>
+                          </a:solidFill>
+                          <a:latin typeface="Segoe UI"/>
+                        </a:rPr>
+                        <a:t>Lunch</a:t>
+                      </a:r>
+                      <a:endParaRPr lang="en-US"/>
+                    </a:p>
+                  </a:txBody>
+                  <a:tcPr marR="45720" marT="73152" marB="73152" anchor="ctr">
+                    <a:lnL w="6350" cap="flat" cmpd="sng" algn="ctr">
+                      <a:noFill/>
+                      <a:prstDash val="solid"/>
+                      <a:round/>
+                      <a:headEnd type="none" w="med" len="med"/>
+                      <a:tailEnd type="none" w="med" len="med"/>
+                    </a:lnL>
+                    <a:lnR w="6350" cap="flat" cmpd="sng" algn="ctr">
+                      <a:noFill/>
+                      <a:prstDash val="solid"/>
+                      <a:round/>
+                      <a:headEnd type="none" w="med" len="med"/>
+                      <a:tailEnd type="none" w="med" len="med"/>
+                    </a:lnR>
+                    <a:lnT w="3175" cap="flat" cmpd="sng" algn="ctr">
+                      <a:solidFill>
+                        <a:schemeClr val="tx2"/>
+                      </a:solidFill>
+                      <a:prstDash val="lgDash"/>
+                      <a:round/>
+                      <a:headEnd type="none" w="med" len="med"/>
+                      <a:tailEnd type="none" w="med" len="med"/>
+                    </a:lnT>
+                    <a:lnB w="3175" cap="flat" cmpd="sng" algn="ctr">
+                      <a:solidFill>
+                        <a:schemeClr val="tx2"/>
+                      </a:solidFill>
+                      <a:prstDash val="lgDash"/>
+                      <a:round/>
+                      <a:headEnd type="none" w="med" len="med"/>
+                      <a:tailEnd type="none" w="med" len="med"/>
+                    </a:lnB>
+                    <a:lnTlToBr w="12700" cmpd="sng">
+                      <a:noFill/>
+                      <a:prstDash val="solid"/>
+                    </a:lnTlToBr>
+                    <a:lnBlToTr w="12700" cmpd="sng">
+                      <a:noFill/>
+                      <a:prstDash val="solid"/>
+                    </a:lnBlToTr>
+                  </a:tcPr>
+                </a:tc>
+                <a:extLst>
+                  <a:ext uri="{0D108BD9-81ED-4DB2-BD59-A6C34878D82A}">
+                    <a16:rowId xmlns:a16="http://schemas.microsoft.com/office/drawing/2014/main" val="3727470862"/>
+                  </a:ext>
+                </a:extLst>
+              </a:tr>
+              <a:tr h="0">
+                <a:tc>
+                  <a:txBody>
+                    <a:bodyPr/>
+                    <a:lstStyle/>
+                    <a:p>
+                      <a:pPr algn="l" fontAlgn="b"/>
+                      <a:r>
+                        <a:rPr lang="en-US" sz="1600" b="1" dirty="0">
+                          <a:solidFill>
+                            <a:schemeClr val="tx1"/>
+                          </a:solidFill>
+                        </a:rPr>
+                        <a:t>12:45</a:t>
+                      </a:r>
+                    </a:p>
+                  </a:txBody>
+                  <a:tcPr marR="45720" marT="73152" marB="73152" anchor="ctr">
+                    <a:lnL w="6350" cap="flat" cmpd="sng" algn="ctr">
+                      <a:noFill/>
+                      <a:prstDash val="solid"/>
+                      <a:round/>
+                      <a:headEnd type="none" w="med" len="med"/>
+                      <a:tailEnd type="none" w="med" len="med"/>
+                    </a:lnL>
+                    <a:lnR w="6350" cap="flat" cmpd="sng" algn="ctr">
+                      <a:noFill/>
+                      <a:prstDash val="solid"/>
+                      <a:round/>
+                      <a:headEnd type="none" w="med" len="med"/>
+                      <a:tailEnd type="none" w="med" len="med"/>
+                    </a:lnR>
+                    <a:lnT w="3175" cap="flat" cmpd="sng" algn="ctr">
+                      <a:solidFill>
+                        <a:schemeClr val="bg1">
+                          <a:lumMod val="75000"/>
+                        </a:schemeClr>
+                      </a:solidFill>
+                      <a:prstDash val="solid"/>
+                      <a:round/>
+                      <a:headEnd type="none" w="med" len="med"/>
+                      <a:tailEnd type="none" w="med" len="med"/>
+                    </a:lnT>
+                    <a:lnB w="3175" cap="flat" cmpd="sng" algn="ctr">
+                      <a:solidFill>
+                        <a:schemeClr val="bg1">
+                          <a:lumMod val="75000"/>
+                        </a:schemeClr>
+                      </a:solidFill>
+                      <a:prstDash val="solid"/>
+                      <a:round/>
+                      <a:headEnd type="none" w="med" len="med"/>
+                      <a:tailEnd type="none" w="med" len="med"/>
+                    </a:lnB>
+                    <a:lnTlToBr w="12700" cmpd="sng">
+                      <a:noFill/>
+                      <a:prstDash val="solid"/>
+                    </a:lnTlToBr>
+                    <a:lnBlToTr w="12700" cmpd="sng">
+                      <a:noFill/>
+                      <a:prstDash val="solid"/>
+                    </a:lnBlToTr>
+                  </a:tcPr>
+                </a:tc>
+                <a:tc>
+                  <a:txBody>
+                    <a:bodyPr/>
+                    <a:lstStyle/>
+                    <a:p>
+                      <a:pPr algn="l" fontAlgn="b"/>
+                      <a:r>
+                        <a:rPr lang="en-US" sz="1600" dirty="0">
+                          <a:solidFill>
+                            <a:schemeClr val="tx1"/>
+                          </a:solidFill>
+                        </a:rPr>
+                        <a:t>60 minutes</a:t>
+                      </a:r>
+                    </a:p>
+                  </a:txBody>
+                  <a:tcPr marR="45720" marT="73152" marB="73152" anchor="ctr">
+                    <a:lnL w="6350" cap="flat" cmpd="sng" algn="ctr">
+                      <a:noFill/>
+                      <a:prstDash val="solid"/>
+                      <a:round/>
+                      <a:headEnd type="none" w="med" len="med"/>
+                      <a:tailEnd type="none" w="med" len="med"/>
+                    </a:lnL>
+                    <a:lnR w="6350" cap="flat" cmpd="sng" algn="ctr">
+                      <a:noFill/>
+                      <a:prstDash val="solid"/>
+                      <a:round/>
+                      <a:headEnd type="none" w="med" len="med"/>
+                      <a:tailEnd type="none" w="med" len="med"/>
+                    </a:lnR>
+                    <a:lnT w="3175" cap="flat" cmpd="sng" algn="ctr">
+                      <a:solidFill>
+                        <a:schemeClr val="bg1">
+                          <a:lumMod val="75000"/>
+                        </a:schemeClr>
+                      </a:solidFill>
+                      <a:prstDash val="solid"/>
+                      <a:round/>
+                      <a:headEnd type="none" w="med" len="med"/>
+                      <a:tailEnd type="none" w="med" len="med"/>
+                    </a:lnT>
+                    <a:lnB w="3175" cap="flat" cmpd="sng" algn="ctr">
+                      <a:solidFill>
+                        <a:schemeClr val="bg1">
+                          <a:lumMod val="75000"/>
+                        </a:schemeClr>
+                      </a:solidFill>
+                      <a:prstDash val="solid"/>
+                      <a:round/>
+                      <a:headEnd type="none" w="med" len="med"/>
+                      <a:tailEnd type="none" w="med" len="med"/>
+                    </a:lnB>
+                    <a:lnTlToBr w="12700" cmpd="sng">
+                      <a:noFill/>
+                      <a:prstDash val="solid"/>
+                    </a:lnTlToBr>
+                    <a:lnBlToTr w="12700" cmpd="sng">
+                      <a:noFill/>
+                      <a:prstDash val="solid"/>
+                    </a:lnBlToTr>
+                  </a:tcPr>
+                </a:tc>
+                <a:tc>
+                  <a:txBody>
+                    <a:bodyPr/>
+                    <a:lstStyle/>
+                    <a:p>
+                      <a:pPr lvl="0" algn="l">
+                        <a:buNone/>
+                      </a:pPr>
+                      <a:r>
+                        <a:rPr lang="en-US" sz="1600" dirty="0">
+                          <a:solidFill>
+                            <a:schemeClr val="tx2"/>
+                          </a:solidFill>
+                        </a:rPr>
+                        <a:t>Private Marketplace overview </a:t>
+                      </a:r>
+                    </a:p>
+                  </a:txBody>
+                  <a:tcPr marR="45720" marT="73152" marB="73152" anchor="ctr">
+                    <a:lnL w="6350" cap="flat" cmpd="sng" algn="ctr">
+                      <a:noFill/>
+                      <a:prstDash val="solid"/>
+                      <a:round/>
+                      <a:headEnd type="none" w="med" len="med"/>
+                      <a:tailEnd type="none" w="med" len="med"/>
+                    </a:lnL>
+                    <a:lnR w="6350" cap="flat" cmpd="sng" algn="ctr">
+                      <a:noFill/>
+                      <a:prstDash val="solid"/>
+                      <a:round/>
+                      <a:headEnd type="none" w="med" len="med"/>
+                      <a:tailEnd type="none" w="med" len="med"/>
+                    </a:lnR>
+                    <a:lnT w="3175" cap="flat" cmpd="sng" algn="ctr">
+                      <a:solidFill>
+                        <a:schemeClr val="tx2"/>
+                      </a:solidFill>
+                      <a:prstDash val="lgDash"/>
+                      <a:round/>
+                      <a:headEnd type="none" w="med" len="med"/>
+                      <a:tailEnd type="none" w="med" len="med"/>
+                    </a:lnT>
+                    <a:lnB w="3175" cap="flat" cmpd="sng" algn="ctr">
+                      <a:solidFill>
+                        <a:schemeClr val="tx2"/>
+                      </a:solidFill>
+                      <a:prstDash val="lgDash"/>
+                      <a:round/>
+                      <a:headEnd type="none" w="med" len="med"/>
+                      <a:tailEnd type="none" w="med" len="med"/>
+                    </a:lnB>
+                    <a:lnTlToBr w="12700" cmpd="sng">
+                      <a:noFill/>
+                      <a:prstDash val="solid"/>
+                    </a:lnTlToBr>
+                    <a:lnBlToTr w="12700" cmpd="sng">
+                      <a:noFill/>
+                      <a:prstDash val="solid"/>
+                    </a:lnBlToTr>
+                  </a:tcPr>
+                </a:tc>
+                <a:extLst>
+                  <a:ext uri="{0D108BD9-81ED-4DB2-BD59-A6C34878D82A}">
+                    <a16:rowId xmlns:a16="http://schemas.microsoft.com/office/drawing/2014/main" val="3097876423"/>
+                  </a:ext>
+                </a:extLst>
+              </a:tr>
+              <a:tr h="0">
+                <a:tc>
+                  <a:txBody>
+                    <a:bodyPr/>
+                    <a:lstStyle/>
+                    <a:p>
+                      <a:pPr marL="0" marR="0" lvl="0" indent="0" algn="l" defTabSz="932742" rtl="0" eaLnBrk="1" fontAlgn="b" latinLnBrk="0" hangingPunct="1">
+                        <a:lnSpc>
+                          <a:spcPct val="100000"/>
+                        </a:lnSpc>
+                        <a:spcBef>
+                          <a:spcPts val="0"/>
+                        </a:spcBef>
+                        <a:spcAft>
+                          <a:spcPts val="0"/>
+                        </a:spcAft>
+                        <a:buClrTx/>
+                        <a:buSzTx/>
+                        <a:buFontTx/>
+                        <a:buNone/>
+                        <a:tabLst/>
+                        <a:defRPr/>
+                      </a:pPr>
+                      <a:r>
+                        <a:rPr lang="en-US" sz="1600" b="1" dirty="0">
+                          <a:solidFill>
+                            <a:schemeClr val="tx1"/>
+                          </a:solidFill>
+                        </a:rPr>
+                        <a:t>13:45</a:t>
+                      </a:r>
+                    </a:p>
+                  </a:txBody>
+                  <a:tcPr marR="45720" marT="73152" marB="73152" anchor="ctr">
+                    <a:lnL w="6350" cap="flat" cmpd="sng" algn="ctr">
+                      <a:noFill/>
+                      <a:prstDash val="solid"/>
+                      <a:round/>
+                      <a:headEnd type="none" w="med" len="med"/>
+                      <a:tailEnd type="none" w="med" len="med"/>
+                    </a:lnL>
+                    <a:lnR w="6350" cap="flat" cmpd="sng" algn="ctr">
+                      <a:noFill/>
+                      <a:prstDash val="solid"/>
+                      <a:round/>
+                      <a:headEnd type="none" w="med" len="med"/>
+                      <a:tailEnd type="none" w="med" len="med"/>
+                    </a:lnR>
+                    <a:lnT w="3175" cap="flat" cmpd="sng" algn="ctr">
+                      <a:solidFill>
+                        <a:schemeClr val="bg1">
+                          <a:lumMod val="75000"/>
+                        </a:schemeClr>
+                      </a:solidFill>
+                      <a:prstDash val="solid"/>
+                      <a:round/>
+                      <a:headEnd type="none" w="med" len="med"/>
+                      <a:tailEnd type="none" w="med" len="med"/>
+                    </a:lnT>
+                    <a:lnB w="3175" cap="flat" cmpd="sng" algn="ctr">
+                      <a:solidFill>
+                        <a:schemeClr val="bg1">
+                          <a:lumMod val="75000"/>
+                        </a:schemeClr>
+                      </a:solidFill>
+                      <a:prstDash val="solid"/>
+                      <a:round/>
+                      <a:headEnd type="none" w="med" len="med"/>
+                      <a:tailEnd type="none" w="med" len="med"/>
+                    </a:lnB>
+                    <a:lnTlToBr w="12700" cmpd="sng">
+                      <a:noFill/>
+                      <a:prstDash val="solid"/>
+                    </a:lnTlToBr>
+                    <a:lnBlToTr w="12700" cmpd="sng">
+                      <a:noFill/>
+                      <a:prstDash val="solid"/>
+                    </a:lnBlToTr>
+                  </a:tcPr>
+                </a:tc>
+                <a:tc>
+                  <a:txBody>
+                    <a:bodyPr/>
+                    <a:lstStyle/>
+                    <a:p>
+                      <a:pPr algn="l" fontAlgn="b"/>
+                      <a:r>
+                        <a:rPr lang="en-US" sz="1600" dirty="0">
+                          <a:solidFill>
+                            <a:schemeClr val="tx1"/>
+                          </a:solidFill>
+                        </a:rPr>
+                        <a:t>20 minutes</a:t>
+                      </a:r>
+                    </a:p>
+                  </a:txBody>
+                  <a:tcPr marR="45720" marT="73152" marB="73152" anchor="ctr">
+                    <a:lnL w="6350" cap="flat" cmpd="sng" algn="ctr">
+                      <a:noFill/>
+                      <a:prstDash val="solid"/>
+                      <a:round/>
+                      <a:headEnd type="none" w="med" len="med"/>
+                      <a:tailEnd type="none" w="med" len="med"/>
+                    </a:lnL>
+                    <a:lnR w="6350" cap="flat" cmpd="sng" algn="ctr">
+                      <a:noFill/>
+                      <a:prstDash val="solid"/>
+                      <a:round/>
+                      <a:headEnd type="none" w="med" len="med"/>
+                      <a:tailEnd type="none" w="med" len="med"/>
+                    </a:lnR>
+                    <a:lnT w="3175" cap="flat" cmpd="sng" algn="ctr">
+                      <a:solidFill>
+                        <a:schemeClr val="bg1">
+                          <a:lumMod val="75000"/>
+                        </a:schemeClr>
+                      </a:solidFill>
+                      <a:prstDash val="solid"/>
+                      <a:round/>
+                      <a:headEnd type="none" w="med" len="med"/>
+                      <a:tailEnd type="none" w="med" len="med"/>
+                    </a:lnT>
+                    <a:lnB w="3175" cap="flat" cmpd="sng" algn="ctr">
+                      <a:solidFill>
+                        <a:schemeClr val="bg1">
+                          <a:lumMod val="75000"/>
+                        </a:schemeClr>
+                      </a:solidFill>
+                      <a:prstDash val="solid"/>
+                      <a:round/>
+                      <a:headEnd type="none" w="med" len="med"/>
+                      <a:tailEnd type="none" w="med" len="med"/>
+                    </a:lnB>
+                    <a:lnTlToBr w="12700" cmpd="sng">
+                      <a:noFill/>
+                      <a:prstDash val="solid"/>
+                    </a:lnTlToBr>
+                    <a:lnBlToTr w="12700" cmpd="sng">
+                      <a:noFill/>
+                      <a:prstDash val="solid"/>
+                    </a:lnBlToTr>
+                  </a:tcPr>
+                </a:tc>
+                <a:tc>
+                  <a:txBody>
+                    <a:bodyPr/>
+                    <a:lstStyle/>
+                    <a:p>
+                      <a:pPr marL="0" marR="0" lvl="0" indent="0" algn="l" defTabSz="932742" rtl="0" eaLnBrk="1" fontAlgn="auto" latinLnBrk="0" hangingPunct="1">
+                        <a:lnSpc>
+                          <a:spcPct val="100000"/>
+                        </a:lnSpc>
+                        <a:spcBef>
+                          <a:spcPts val="0"/>
+                        </a:spcBef>
+                        <a:spcAft>
+                          <a:spcPts val="0"/>
+                        </a:spcAft>
+                        <a:buClrTx/>
+                        <a:buSzTx/>
+                        <a:buFontTx/>
+                        <a:buNone/>
+                        <a:tabLst/>
+                        <a:defRPr/>
+                      </a:pPr>
+                      <a:r>
+                        <a:rPr lang="en-US" sz="1600" dirty="0">
+                          <a:solidFill>
+                            <a:schemeClr val="tx2"/>
+                          </a:solidFill>
+                        </a:rPr>
+                        <a:t>Break</a:t>
+                      </a:r>
+                    </a:p>
+                  </a:txBody>
+                  <a:tcPr marR="45720" marT="73152" marB="73152" anchor="ctr">
+                    <a:lnL w="6350" cap="flat" cmpd="sng" algn="ctr">
+                      <a:noFill/>
+                      <a:prstDash val="solid"/>
+                      <a:round/>
+                      <a:headEnd type="none" w="med" len="med"/>
+                      <a:tailEnd type="none" w="med" len="med"/>
+                    </a:lnL>
+                    <a:lnR w="6350" cap="flat" cmpd="sng" algn="ctr">
+                      <a:noFill/>
+                      <a:prstDash val="solid"/>
+                      <a:round/>
+                      <a:headEnd type="none" w="med" len="med"/>
+                      <a:tailEnd type="none" w="med" len="med"/>
+                    </a:lnR>
+                    <a:lnT w="3175" cap="flat" cmpd="sng" algn="ctr">
+                      <a:solidFill>
+                        <a:schemeClr val="tx2"/>
+                      </a:solidFill>
+                      <a:prstDash val="lgDash"/>
+                      <a:round/>
+                      <a:headEnd type="none" w="med" len="med"/>
+                      <a:tailEnd type="none" w="med" len="med"/>
+                    </a:lnT>
+                    <a:lnB w="3175" cap="flat" cmpd="sng" algn="ctr">
+                      <a:solidFill>
+                        <a:schemeClr val="tx2"/>
+                      </a:solidFill>
+                      <a:prstDash val="lgDash"/>
+                      <a:round/>
+                      <a:headEnd type="none" w="med" len="med"/>
+                      <a:tailEnd type="none" w="med" len="med"/>
+                    </a:lnB>
+                    <a:lnTlToBr w="12700" cmpd="sng">
+                      <a:noFill/>
+                      <a:prstDash val="solid"/>
+                    </a:lnTlToBr>
+                    <a:lnBlToTr w="12700" cmpd="sng">
+                      <a:noFill/>
+                      <a:prstDash val="solid"/>
+                    </a:lnBlToTr>
+                  </a:tcPr>
+                </a:tc>
+                <a:extLst>
+                  <a:ext uri="{0D108BD9-81ED-4DB2-BD59-A6C34878D82A}">
+                    <a16:rowId xmlns:a16="http://schemas.microsoft.com/office/drawing/2014/main" val="3092564328"/>
+                  </a:ext>
+                </a:extLst>
+              </a:tr>
+              <a:tr h="0">
+                <a:tc>
+                  <a:txBody>
+                    <a:bodyPr/>
+                    <a:lstStyle/>
+                    <a:p>
+                      <a:pPr algn="l" fontAlgn="b"/>
+                      <a:r>
+                        <a:rPr lang="en-US" sz="1600" b="1" dirty="0">
+                          <a:solidFill>
+                            <a:schemeClr val="tx1"/>
+                          </a:solidFill>
+                        </a:rPr>
+                        <a:t>14:05</a:t>
+                      </a:r>
+                    </a:p>
+                  </a:txBody>
+                  <a:tcPr marR="45720" marT="73152" marB="73152" anchor="ctr">
+                    <a:lnL w="6350" cap="flat" cmpd="sng" algn="ctr">
+                      <a:noFill/>
+                      <a:prstDash val="solid"/>
+                      <a:round/>
+                      <a:headEnd type="none" w="med" len="med"/>
+                      <a:tailEnd type="none" w="med" len="med"/>
+                    </a:lnL>
+                    <a:lnR w="6350" cap="flat" cmpd="sng" algn="ctr">
+                      <a:noFill/>
+                      <a:prstDash val="solid"/>
+                      <a:round/>
+                      <a:headEnd type="none" w="med" len="med"/>
+                      <a:tailEnd type="none" w="med" len="med"/>
+                    </a:lnR>
+                    <a:lnT w="3175" cap="flat" cmpd="sng" algn="ctr">
+                      <a:solidFill>
+                        <a:schemeClr val="bg1">
+                          <a:lumMod val="75000"/>
+                        </a:schemeClr>
+                      </a:solidFill>
+                      <a:prstDash val="solid"/>
+                      <a:round/>
+                      <a:headEnd type="none" w="med" len="med"/>
+                      <a:tailEnd type="none" w="med" len="med"/>
+                    </a:lnT>
+                    <a:lnB w="3175" cap="flat" cmpd="sng" algn="ctr">
+                      <a:solidFill>
+                        <a:schemeClr val="bg1">
+                          <a:lumMod val="75000"/>
+                        </a:schemeClr>
+                      </a:solidFill>
+                      <a:prstDash val="solid"/>
+                      <a:round/>
+                      <a:headEnd type="none" w="med" len="med"/>
+                      <a:tailEnd type="none" w="med" len="med"/>
+                    </a:lnB>
+                    <a:lnTlToBr w="12700" cmpd="sng">
+                      <a:noFill/>
+                      <a:prstDash val="solid"/>
+                    </a:lnTlToBr>
+                    <a:lnBlToTr w="12700" cmpd="sng">
+                      <a:noFill/>
+                      <a:prstDash val="solid"/>
+                    </a:lnBlToTr>
+                  </a:tcPr>
+                </a:tc>
+                <a:tc>
+                  <a:txBody>
+                    <a:bodyPr/>
+                    <a:lstStyle/>
+                    <a:p>
+                      <a:pPr algn="l" fontAlgn="b"/>
+                      <a:r>
+                        <a:rPr lang="en-US" sz="1600" dirty="0">
+                          <a:solidFill>
+                            <a:schemeClr val="tx1"/>
+                          </a:solidFill>
+                        </a:rPr>
+                        <a:t>105 minutes</a:t>
+                      </a:r>
+                    </a:p>
+                  </a:txBody>
+                  <a:tcPr marR="45720" marT="73152" marB="73152" anchor="ctr">
+                    <a:lnL w="6350" cap="flat" cmpd="sng" algn="ctr">
+                      <a:noFill/>
+                      <a:prstDash val="solid"/>
+                      <a:round/>
+                      <a:headEnd type="none" w="med" len="med"/>
+                      <a:tailEnd type="none" w="med" len="med"/>
+                    </a:lnL>
+                    <a:lnR w="6350" cap="flat" cmpd="sng" algn="ctr">
+                      <a:noFill/>
+                      <a:prstDash val="solid"/>
+                      <a:round/>
+                      <a:headEnd type="none" w="med" len="med"/>
+                      <a:tailEnd type="none" w="med" len="med"/>
+                    </a:lnR>
+                    <a:lnT w="3175" cap="flat" cmpd="sng" algn="ctr">
+                      <a:solidFill>
+                        <a:schemeClr val="bg1">
+                          <a:lumMod val="75000"/>
+                        </a:schemeClr>
+                      </a:solidFill>
+                      <a:prstDash val="solid"/>
+                      <a:round/>
+                      <a:headEnd type="none" w="med" len="med"/>
+                      <a:tailEnd type="none" w="med" len="med"/>
+                    </a:lnT>
+                    <a:lnB w="3175" cap="flat" cmpd="sng" algn="ctr">
+                      <a:solidFill>
+                        <a:schemeClr val="bg1">
+                          <a:lumMod val="75000"/>
+                        </a:schemeClr>
+                      </a:solidFill>
+                      <a:prstDash val="solid"/>
+                      <a:round/>
+                      <a:headEnd type="none" w="med" len="med"/>
+                      <a:tailEnd type="none" w="med" len="med"/>
+                    </a:lnB>
+                    <a:lnTlToBr w="12700" cmpd="sng">
+                      <a:noFill/>
+                      <a:prstDash val="solid"/>
+                    </a:lnTlToBr>
+                    <a:lnBlToTr w="12700" cmpd="sng">
+                      <a:noFill/>
+                      <a:prstDash val="solid"/>
+                    </a:lnBlToTr>
+                  </a:tcPr>
+                </a:tc>
+                <a:tc>
+                  <a:txBody>
+                    <a:bodyPr/>
+                    <a:lstStyle/>
+                    <a:p>
+                      <a:pPr marL="0" marR="0" lvl="0" indent="0" algn="l" defTabSz="932742" rtl="0" eaLnBrk="1" fontAlgn="auto" latinLnBrk="0" hangingPunct="1">
+                        <a:lnSpc>
+                          <a:spcPct val="100000"/>
+                        </a:lnSpc>
+                        <a:spcBef>
+                          <a:spcPts val="0"/>
+                        </a:spcBef>
+                        <a:spcAft>
+                          <a:spcPts val="0"/>
+                        </a:spcAft>
+                        <a:buClrTx/>
+                        <a:buSzTx/>
+                        <a:buFontTx/>
+                        <a:buNone/>
+                        <a:tabLst/>
+                        <a:defRPr/>
+                      </a:pPr>
+                      <a:r>
+                        <a:rPr lang="en-US" sz="1600" dirty="0">
+                          <a:solidFill>
+                            <a:schemeClr val="tx2"/>
+                          </a:solidFill>
+                        </a:rPr>
+                        <a:t>Lab - Setting up and using a private Marketplace </a:t>
+                      </a:r>
+                    </a:p>
+                  </a:txBody>
+                  <a:tcPr marR="45720" marT="73152" marB="73152" anchor="ctr">
+                    <a:lnL w="6350" cap="flat" cmpd="sng" algn="ctr">
+                      <a:noFill/>
+                      <a:prstDash val="solid"/>
+                      <a:round/>
+                      <a:headEnd type="none" w="med" len="med"/>
+                      <a:tailEnd type="none" w="med" len="med"/>
+                    </a:lnL>
+                    <a:lnR w="6350" cap="flat" cmpd="sng" algn="ctr">
+                      <a:noFill/>
+                      <a:prstDash val="solid"/>
+                      <a:round/>
+                      <a:headEnd type="none" w="med" len="med"/>
+                      <a:tailEnd type="none" w="med" len="med"/>
+                    </a:lnR>
+                    <a:lnT w="3175" cap="flat" cmpd="sng" algn="ctr">
+                      <a:solidFill>
+                        <a:schemeClr val="tx2"/>
+                      </a:solidFill>
+                      <a:prstDash val="lgDash"/>
+                      <a:round/>
+                      <a:headEnd type="none" w="med" len="med"/>
+                      <a:tailEnd type="none" w="med" len="med"/>
+                    </a:lnT>
+                    <a:lnB w="3175" cap="flat" cmpd="sng" algn="ctr">
+                      <a:solidFill>
+                        <a:schemeClr val="tx2"/>
+                      </a:solidFill>
+                      <a:prstDash val="lgDash"/>
+                      <a:round/>
+                      <a:headEnd type="none" w="med" len="med"/>
+                      <a:tailEnd type="none" w="med" len="med"/>
+                    </a:lnB>
+                    <a:lnTlToBr w="12700" cmpd="sng">
+                      <a:noFill/>
+                      <a:prstDash val="solid"/>
+                    </a:lnTlToBr>
+                    <a:lnBlToTr w="12700" cmpd="sng">
+                      <a:noFill/>
+                      <a:prstDash val="solid"/>
+                    </a:lnBlToTr>
+                  </a:tcPr>
+                </a:tc>
+                <a:extLst>
+                  <a:ext uri="{0D108BD9-81ED-4DB2-BD59-A6C34878D82A}">
+                    <a16:rowId xmlns:a16="http://schemas.microsoft.com/office/drawing/2014/main" val="2013727797"/>
+                  </a:ext>
+                </a:extLst>
+              </a:tr>
+              <a:tr h="0">
+                <a:tc>
+                  <a:txBody>
+                    <a:bodyPr/>
+                    <a:lstStyle/>
+                    <a:p>
+                      <a:pPr algn="l" fontAlgn="b"/>
+                      <a:r>
+                        <a:rPr lang="en-US" sz="1600" b="1" dirty="0">
+                          <a:solidFill>
+                            <a:schemeClr val="tx1"/>
+                          </a:solidFill>
+                        </a:rPr>
+                        <a:t>15:50</a:t>
+                      </a:r>
+                    </a:p>
+                  </a:txBody>
+                  <a:tcPr marR="45720" marT="73152" marB="73152" anchor="ctr">
+                    <a:lnL w="6350" cap="flat" cmpd="sng" algn="ctr">
+                      <a:noFill/>
+                      <a:prstDash val="solid"/>
+                      <a:round/>
+                      <a:headEnd type="none" w="med" len="med"/>
+                      <a:tailEnd type="none" w="med" len="med"/>
+                    </a:lnL>
+                    <a:lnR w="6350" cap="flat" cmpd="sng" algn="ctr">
+                      <a:noFill/>
+                      <a:prstDash val="solid"/>
+                      <a:round/>
+                      <a:headEnd type="none" w="med" len="med"/>
+                      <a:tailEnd type="none" w="med" len="med"/>
+                    </a:lnR>
+                    <a:lnT w="3175" cap="flat" cmpd="sng" algn="ctr">
+                      <a:solidFill>
+                        <a:schemeClr val="bg1">
+                          <a:lumMod val="75000"/>
+                        </a:schemeClr>
+                      </a:solidFill>
+                      <a:prstDash val="solid"/>
+                      <a:round/>
+                      <a:headEnd type="none" w="med" len="med"/>
+                      <a:tailEnd type="none" w="med" len="med"/>
+                    </a:lnT>
+                    <a:lnB w="6350" cap="flat" cmpd="sng" algn="ctr">
+                      <a:noFill/>
+                      <a:prstDash val="solid"/>
+                      <a:round/>
+                      <a:headEnd type="none" w="med" len="med"/>
+                      <a:tailEnd type="none" w="med" len="med"/>
+                    </a:lnB>
+                    <a:lnTlToBr w="12700" cmpd="sng">
+                      <a:noFill/>
+                      <a:prstDash val="solid"/>
+                    </a:lnTlToBr>
+                    <a:lnBlToTr w="12700" cmpd="sng">
+                      <a:noFill/>
+                      <a:prstDash val="solid"/>
+                    </a:lnBlToTr>
+                  </a:tcPr>
+                </a:tc>
+                <a:tc>
+                  <a:txBody>
+                    <a:bodyPr/>
+                    <a:lstStyle/>
+                    <a:p>
+                      <a:pPr marL="0" marR="0" lvl="0" indent="0" algn="l" defTabSz="932742" rtl="0" eaLnBrk="1" fontAlgn="b" latinLnBrk="0" hangingPunct="1">
+                        <a:lnSpc>
+                          <a:spcPct val="100000"/>
+                        </a:lnSpc>
+                        <a:spcBef>
+                          <a:spcPts val="0"/>
+                        </a:spcBef>
+                        <a:spcAft>
+                          <a:spcPts val="0"/>
+                        </a:spcAft>
+                        <a:buClrTx/>
+                        <a:buSzTx/>
+                        <a:buFontTx/>
+                        <a:buNone/>
+                        <a:tabLst/>
+                        <a:defRPr/>
+                      </a:pPr>
+                      <a:r>
+                        <a:rPr lang="en-US" sz="1600" dirty="0">
+                          <a:solidFill>
+                            <a:schemeClr val="tx1"/>
+                          </a:solidFill>
+                        </a:rPr>
+                        <a:t> 20 minutes</a:t>
+                      </a:r>
+                    </a:p>
+                  </a:txBody>
+                  <a:tcPr marR="45720" marT="73152" marB="73152" anchor="ctr">
+                    <a:lnL w="6350" cap="flat" cmpd="sng" algn="ctr">
+                      <a:noFill/>
+                      <a:prstDash val="solid"/>
+                      <a:round/>
+                      <a:headEnd type="none" w="med" len="med"/>
+                      <a:tailEnd type="none" w="med" len="med"/>
+                    </a:lnL>
+                    <a:lnR w="6350" cap="flat" cmpd="sng" algn="ctr">
+                      <a:noFill/>
+                      <a:prstDash val="solid"/>
+                      <a:round/>
+                      <a:headEnd type="none" w="med" len="med"/>
+                      <a:tailEnd type="none" w="med" len="med"/>
+                    </a:lnR>
+                    <a:lnT w="3175" cap="flat" cmpd="sng" algn="ctr">
+                      <a:solidFill>
+                        <a:schemeClr val="bg1">
+                          <a:lumMod val="75000"/>
+                        </a:schemeClr>
+                      </a:solidFill>
+                      <a:prstDash val="solid"/>
+                      <a:round/>
+                      <a:headEnd type="none" w="med" len="med"/>
+                      <a:tailEnd type="none" w="med" len="med"/>
+                    </a:lnT>
+                    <a:lnB w="6350" cap="flat" cmpd="sng" algn="ctr">
+                      <a:noFill/>
+                      <a:prstDash val="solid"/>
+                      <a:round/>
+                      <a:headEnd type="none" w="med" len="med"/>
+                      <a:tailEnd type="none" w="med" len="med"/>
+                    </a:lnB>
+                    <a:lnTlToBr w="12700" cmpd="sng">
+                      <a:noFill/>
+                      <a:prstDash val="solid"/>
+                    </a:lnTlToBr>
+                    <a:lnBlToTr w="12700" cmpd="sng">
+                      <a:noFill/>
+                      <a:prstDash val="solid"/>
+                    </a:lnBlToTr>
+                  </a:tcPr>
+                </a:tc>
+                <a:tc>
+                  <a:txBody>
+                    <a:bodyPr/>
+                    <a:lstStyle/>
+                    <a:p>
+                      <a:pPr lvl="0" algn="l">
+                        <a:buNone/>
+                      </a:pPr>
+                      <a:r>
+                        <a:rPr lang="en-US" sz="1600" dirty="0">
+                          <a:solidFill>
+                            <a:schemeClr val="tx2"/>
+                          </a:solidFill>
+                        </a:rPr>
+                        <a:t>Wrap-up</a:t>
+                      </a:r>
+                    </a:p>
+                  </a:txBody>
+                  <a:tcPr marR="45720" marT="73152" marB="73152" anchor="ctr">
+                    <a:lnL w="6350" cap="flat" cmpd="sng" algn="ctr">
+                      <a:noFill/>
+                      <a:prstDash val="solid"/>
+                      <a:round/>
+                      <a:headEnd type="none" w="med" len="med"/>
+                      <a:tailEnd type="none" w="med" len="med"/>
+                    </a:lnL>
+                    <a:lnR w="6350" cap="flat" cmpd="sng" algn="ctr">
+                      <a:noFill/>
+                      <a:prstDash val="solid"/>
+                      <a:round/>
+                      <a:headEnd type="none" w="med" len="med"/>
+                      <a:tailEnd type="none" w="med" len="med"/>
+                    </a:lnR>
+                    <a:lnT w="3175" cap="flat" cmpd="sng" algn="ctr">
+                      <a:solidFill>
+                        <a:schemeClr val="tx2"/>
+                      </a:solidFill>
+                      <a:prstDash val="lgDash"/>
+                      <a:round/>
+                      <a:headEnd type="none" w="med" len="med"/>
+                      <a:tailEnd type="none" w="med" len="med"/>
+                    </a:lnT>
+                    <a:lnB w="6350" cap="flat" cmpd="sng" algn="ctr">
+                      <a:noFill/>
+                      <a:prstDash val="solid"/>
+                      <a:round/>
+                      <a:headEnd type="none" w="med" len="med"/>
+                      <a:tailEnd type="none" w="med" len="med"/>
+                    </a:lnB>
+                    <a:lnTlToBr w="12700" cmpd="sng">
+                      <a:noFill/>
+                      <a:prstDash val="solid"/>
+                    </a:lnTlToBr>
+                    <a:lnBlToTr w="12700" cmpd="sng">
+                      <a:noFill/>
+                      <a:prstDash val="solid"/>
+                    </a:lnBlToTr>
+                  </a:tcPr>
+                </a:tc>
+                <a:extLst>
+                  <a:ext uri="{0D108BD9-81ED-4DB2-BD59-A6C34878D82A}">
+                    <a16:rowId xmlns:a16="http://schemas.microsoft.com/office/drawing/2014/main" val="456057151"/>
+                  </a:ext>
+                </a:extLst>
+              </a:tr>
+            </a:tbl>
+          </a:graphicData>
+        </a:graphic>
+      </p:graphicFrame>
+    </p:spTree>
+    <p:custDataLst>
+      <p:tags r:id="rId1"/>
+    </p:custDataLst>
+    <p:extLst>
+      <p:ext uri="{BB962C8B-B14F-4D97-AF65-F5344CB8AC3E}">
+        <p14:creationId xmlns:p14="http://schemas.microsoft.com/office/powerpoint/2010/main" val="481991722"/>
+      </p:ext>
+    </p:extLst>
+  </p:cSld>
+  <p:clrMapOvr>
+    <a:masterClrMapping/>
+  </p:clrMapOvr>
+  <p:transition>
+    <p:fade/>
+  </p:transition>
+</p:sld>
+</file>
+
+<file path=ppt/slides/slide7.xml><?xml version="1.0" encoding="utf-8"?>
 <p:sld xmlns:a="http://schemas.openxmlformats.org/drawingml/2006/main" xmlns:r="http://schemas.openxmlformats.org/officeDocument/2006/relationships" xmlns:p="http://schemas.openxmlformats.org/presentationml/2006/main">
   <p:cSld>
     <p:spTree>
@@ -45288,7 +48976,7 @@
 </p:sld>
 </file>
 
-<file path=ppt/slides/slide7.xml><?xml version="1.0" encoding="utf-8"?>
+<file path=ppt/slides/slide8.xml><?xml version="1.0" encoding="utf-8"?>
 <p:sld xmlns:a="http://schemas.openxmlformats.org/drawingml/2006/main" xmlns:r="http://schemas.openxmlformats.org/officeDocument/2006/relationships" xmlns:p="http://schemas.openxmlformats.org/presentationml/2006/main">
   <p:cSld>
     <p:spTree>
@@ -45481,7 +49169,7 @@
 </p:sld>
 </file>
 
-<file path=ppt/slides/slide8.xml><?xml version="1.0" encoding="utf-8"?>
+<file path=ppt/slides/slide9.xml><?xml version="1.0" encoding="utf-8"?>
 <p:sld xmlns:a="http://schemas.openxmlformats.org/drawingml/2006/main" xmlns:r="http://schemas.openxmlformats.org/officeDocument/2006/relationships" xmlns:p="http://schemas.openxmlformats.org/presentationml/2006/main">
   <p:cSld>
     <p:spTree>
@@ -45580,105 +49268,6 @@
 </p:sld>
 </file>
 
-<file path=ppt/slides/slide9.xml><?xml version="1.0" encoding="utf-8"?>
-<p:sld xmlns:a="http://schemas.openxmlformats.org/drawingml/2006/main" xmlns:r="http://schemas.openxmlformats.org/officeDocument/2006/relationships" xmlns:p="http://schemas.openxmlformats.org/presentationml/2006/main">
-  <p:cSld>
-    <p:spTree>
-      <p:nvGrpSpPr>
-        <p:cNvPr id="1" name=""/>
-        <p:cNvGrpSpPr/>
-        <p:nvPr/>
-      </p:nvGrpSpPr>
-      <p:grpSpPr>
-        <a:xfrm>
-          <a:off x="0" y="0"/>
-          <a:ext cx="0" cy="0"/>
-          <a:chOff x="0" y="0"/>
-          <a:chExt cx="0" cy="0"/>
-        </a:xfrm>
-      </p:grpSpPr>
-      <p:sp>
-        <p:nvSpPr>
-          <p:cNvPr id="2" name="Title 1">
-            <a:extLst>
-              <a:ext uri="{FF2B5EF4-FFF2-40B4-BE49-F238E27FC236}">
-                <a16:creationId xmlns:a16="http://schemas.microsoft.com/office/drawing/2014/main" id="{C144469C-FA2E-89F4-8275-78C7809263F1}"/>
-              </a:ext>
-            </a:extLst>
-          </p:cNvPr>
-          <p:cNvSpPr>
-            <a:spLocks noGrp="1"/>
-          </p:cNvSpPr>
-          <p:nvPr>
-            <p:ph type="title"/>
-          </p:nvPr>
-        </p:nvSpPr>
-        <p:spPr>
-          <a:xfrm>
-            <a:off x="588263" y="457200"/>
-            <a:ext cx="11018520" cy="553998"/>
-          </a:xfrm>
-        </p:spPr>
-        <p:txBody>
-          <a:bodyPr wrap="square" anchor="t">
-            <a:normAutofit/>
-          </a:bodyPr>
-          <a:lstStyle/>
-          <a:p>
-            <a:r>
-              <a:rPr lang="en-US"/>
-              <a:t>Account settings demo</a:t>
-            </a:r>
-          </a:p>
-        </p:txBody>
-      </p:sp>
-      <p:graphicFrame>
-        <p:nvGraphicFramePr>
-          <p:cNvPr id="6" name="Content Placeholder 2">
-            <a:extLst>
-              <a:ext uri="{FF2B5EF4-FFF2-40B4-BE49-F238E27FC236}">
-                <a16:creationId xmlns:a16="http://schemas.microsoft.com/office/drawing/2014/main" id="{8F951D51-311C-2EFC-35E8-15B871457F00}"/>
-              </a:ext>
-            </a:extLst>
-          </p:cNvPr>
-          <p:cNvGraphicFramePr>
-            <a:graphicFrameLocks noGrp="1"/>
-          </p:cNvGraphicFramePr>
-          <p:nvPr>
-            <p:ph sz="quarter" idx="10"/>
-            <p:extLst>
-              <p:ext uri="{D42A27DB-BD31-4B8C-83A1-F6EECF244321}">
-                <p14:modId xmlns:p14="http://schemas.microsoft.com/office/powerpoint/2010/main" val="1567760707"/>
-              </p:ext>
-            </p:extLst>
-          </p:nvPr>
-        </p:nvGraphicFramePr>
-        <p:xfrm>
-          <a:off x="584200" y="1435100"/>
-          <a:ext cx="11018838" cy="4833938"/>
-        </p:xfrm>
-        <a:graphic>
-          <a:graphicData uri="http://schemas.openxmlformats.org/drawingml/2006/diagram">
-            <dgm:relIds xmlns:dgm="http://schemas.openxmlformats.org/drawingml/2006/diagram" xmlns:r="http://schemas.openxmlformats.org/officeDocument/2006/relationships" r:dm="rId3" r:lo="rId4" r:qs="rId5" r:cs="rId6"/>
-          </a:graphicData>
-        </a:graphic>
-      </p:graphicFrame>
-    </p:spTree>
-    <p:extLst>
-      <p:ext uri="{BB962C8B-B14F-4D97-AF65-F5344CB8AC3E}">
-        <p14:creationId xmlns:p14="http://schemas.microsoft.com/office/powerpoint/2010/main" val="379969417"/>
-      </p:ext>
-    </p:extLst>
-  </p:cSld>
-  <p:clrMapOvr>
-    <a:masterClrMapping/>
-  </p:clrMapOvr>
-  <p:transition>
-    <p:fade/>
-  </p:transition>
-</p:sld>
-</file>
-
 <file path=ppt/tags/tag1.xml><?xml version="1.0" encoding="utf-8"?>
 <p:tagLst xmlns:a="http://schemas.openxmlformats.org/drawingml/2006/main" xmlns:r="http://schemas.openxmlformats.org/officeDocument/2006/relationships" xmlns:p="http://schemas.openxmlformats.org/presentationml/2006/main">
   <p:tag name="ARTICULATE_SLIDE_THUMBNAIL_REFRESH" val="1"/>
@@ -45704,6 +49293,18 @@
 </file>
 
 <file path=ppt/tags/tag5.xml><?xml version="1.0" encoding="utf-8"?>
+<p:tagLst xmlns:a="http://schemas.openxmlformats.org/drawingml/2006/main" xmlns:r="http://schemas.openxmlformats.org/officeDocument/2006/relationships" xmlns:p="http://schemas.openxmlformats.org/presentationml/2006/main">
+  <p:tag name="ARTICULATE_SLIDE_THUMBNAIL_REFRESH" val="1"/>
+</p:tagLst>
+</file>
+
+<file path=ppt/tags/tag6.xml><?xml version="1.0" encoding="utf-8"?>
+<p:tagLst xmlns:a="http://schemas.openxmlformats.org/drawingml/2006/main" xmlns:r="http://schemas.openxmlformats.org/officeDocument/2006/relationships" xmlns:p="http://schemas.openxmlformats.org/presentationml/2006/main">
+  <p:tag name="THINKCELLSHAPEDONOTDELETE" val="thinkcellActiveDocDoNotDelete"/>
+</p:tagLst>
+</file>
+
+<file path=ppt/tags/tag7.xml><?xml version="1.0" encoding="utf-8"?>
 <p:tagLst xmlns:a="http://schemas.openxmlformats.org/drawingml/2006/main" xmlns:r="http://schemas.openxmlformats.org/officeDocument/2006/relationships" xmlns:p="http://schemas.openxmlformats.org/presentationml/2006/main">
   <p:tag name="THINKCELLSHAPEDONOTDELETE" val="thinkcellActiveDocDoNotDelete"/>
 </p:tagLst>
@@ -46278,6 +49879,15 @@
 </file>
 
 <file path=customXml/item1.xml><?xml version="1.0" encoding="utf-8"?>
+<?mso-contentType ?>
+<FormTemplates xmlns="http://schemas.microsoft.com/sharepoint/v3/contenttype/forms">
+  <Display>DocumentLibraryForm</Display>
+  <Edit>DocumentLibraryForm</Edit>
+  <New>DocumentLibraryForm</New>
+</FormTemplates>
+</file>
+
+<file path=customXml/item2.xml><?xml version="1.0" encoding="utf-8"?>
 <ct:contentTypeSchema xmlns:ct="http://schemas.microsoft.com/office/2006/metadata/contentType" xmlns:ma="http://schemas.microsoft.com/office/2006/metadata/properties/metaAttributes" ct:_="" ma:_="" ma:contentTypeName="Document" ma:contentTypeID="0x010100F9AA89542497BB44B17EFF15C96C765B" ma:contentTypeVersion="22" ma:contentTypeDescription="Create a new document." ma:contentTypeScope="" ma:versionID="c9e3a3a2a1871a01c0bb174ddf2a8ada">
   <xsd:schema xmlns:xsd="http://www.w3.org/2001/XMLSchema" xmlns:xs="http://www.w3.org/2001/XMLSchema" xmlns:p="http://schemas.microsoft.com/office/2006/metadata/properties" xmlns:ns2="ec9ab3cf-5ffc-4e23-9951-e59f1d4d2772" xmlns:ns3="df7f103e-597c-493b-bc31-914106b908e0" targetNamespace="http://schemas.microsoft.com/office/2006/metadata/properties" ma:root="true" ma:fieldsID="9b3649dff5115b20f453b846654cb8f9" ns2:_="" ns3:_="">
     <xsd:import namespace="ec9ab3cf-5ffc-4e23-9951-e59f1d4d2772"/>
@@ -46567,15 +50177,6 @@
 </ct:contentTypeSchema>
 </file>
 
-<file path=customXml/item2.xml><?xml version="1.0" encoding="utf-8"?>
-<?mso-contentType ?>
-<FormTemplates xmlns="http://schemas.microsoft.com/sharepoint/v3/contenttype/forms">
-  <Display>DocumentLibraryForm</Display>
-  <Edit>DocumentLibraryForm</Edit>
-  <New>DocumentLibraryForm</New>
-</FormTemplates>
-</file>
-
 <file path=customXml/item3.xml><?xml version="1.0" encoding="utf-8"?>
 <p:properties xmlns:p="http://schemas.microsoft.com/office/2006/metadata/properties" xmlns:xsi="http://www.w3.org/2001/XMLSchema-instance" xmlns:pc="http://schemas.microsoft.com/office/infopath/2007/PartnerControls">
   <documentManagement>
@@ -46591,6 +50192,14 @@
 </file>
 
 <file path=customXml/itemProps1.xml><?xml version="1.0" encoding="utf-8"?>
+<ds:datastoreItem xmlns:ds="http://schemas.openxmlformats.org/officeDocument/2006/customXml" ds:itemID="{08B55F93-F793-45E6-8EF9-B02CA25D11D4}">
+  <ds:schemaRefs>
+    <ds:schemaRef ds:uri="http://schemas.microsoft.com/sharepoint/v3/contenttype/forms"/>
+  </ds:schemaRefs>
+</ds:datastoreItem>
+</file>
+
+<file path=customXml/itemProps2.xml><?xml version="1.0" encoding="utf-8"?>
 <ds:datastoreItem xmlns:ds="http://schemas.openxmlformats.org/officeDocument/2006/customXml" ds:itemID="{C5DC1468-2D5A-4AF4-B6A1-FA3F00E879EA}">
   <ds:schemaRefs>
     <ds:schemaRef ds:uri="df7f103e-597c-493b-bc31-914106b908e0"/>
@@ -46605,14 +50214,6 @@
     <ds:schemaRef ds:uri="http://schemas.microsoft.com/office/infopath/2007/PartnerControls"/>
     <ds:schemaRef ds:uri="http://schemas.openxmlformats.org/package/2006/metadata/core-properties"/>
     <ds:schemaRef ds:uri="http://www.w3.org/2001/XMLSchema"/>
-  </ds:schemaRefs>
-</ds:datastoreItem>
-</file>
-
-<file path=customXml/itemProps2.xml><?xml version="1.0" encoding="utf-8"?>
-<ds:datastoreItem xmlns:ds="http://schemas.openxmlformats.org/officeDocument/2006/customXml" ds:itemID="{08B55F93-F793-45E6-8EF9-B02CA25D11D4}">
-  <ds:schemaRefs>
-    <ds:schemaRef ds:uri="http://schemas.microsoft.com/sharepoint/v3/contenttype/forms"/>
   </ds:schemaRefs>
 </ds:datastoreItem>
 </file>
